--- a/spring13/slides13/deviation-chebyshev.pptx
+++ b/spring13/slides13/deviation-chebyshev.pptx
@@ -14,13 +14,13 @@
   <p:sldIdLst>
     <p:sldId id="764" r:id="rId3"/>
     <p:sldId id="790" r:id="rId4"/>
-    <p:sldId id="847" r:id="rId5"/>
-    <p:sldId id="859" r:id="rId6"/>
-    <p:sldId id="806" r:id="rId7"/>
-    <p:sldId id="793" r:id="rId8"/>
-    <p:sldId id="794" r:id="rId9"/>
-    <p:sldId id="795" r:id="rId10"/>
-    <p:sldId id="796" r:id="rId11"/>
+    <p:sldId id="859" r:id="rId5"/>
+    <p:sldId id="806" r:id="rId6"/>
+    <p:sldId id="793" r:id="rId7"/>
+    <p:sldId id="794" r:id="rId8"/>
+    <p:sldId id="860" r:id="rId9"/>
+    <p:sldId id="861" r:id="rId10"/>
+    <p:sldId id="862" r:id="rId11"/>
   </p:sldIdLst>
   <p:sldSz cx="9144000" cy="6858000" type="screen4x3"/>
   <p:notesSz cx="9601200" cy="7315200"/>
@@ -1130,7 +1130,7 @@
       </p:grpSpPr>
       <p:sp>
         <p:nvSpPr>
-          <p:cNvPr id="82946" name="Rectangle 7"/>
+          <p:cNvPr id="84994" name="Rectangle 7"/>
           <p:cNvSpPr>
             <a:spLocks noGrp="1" noChangeArrowheads="1"/>
           </p:cNvSpPr>
@@ -1145,7 +1145,7 @@
           <a:bodyPr/>
           <a:lstStyle/>
           <a:p>
-            <a:fld id="{6930F263-5C53-4B37-9EAE-BECA69AE5181}" type="slidenum">
+            <a:fld id="{D2EF288E-83B7-4C4D-B8FC-65471DDB030C}" type="slidenum">
               <a:rPr lang="en-US"/>
               <a:pPr/>
               <a:t>4</a:t>
@@ -1156,7 +1156,7 @@
       </p:sp>
       <p:sp>
         <p:nvSpPr>
-          <p:cNvPr id="82947" name="Rectangle 2"/>
+          <p:cNvPr id="84995" name="Rectangle 2"/>
           <p:cNvSpPr>
             <a:spLocks noGrp="1" noRot="1" noChangeAspect="1" noChangeArrowheads="1" noTextEdit="1"/>
           </p:cNvSpPr>
@@ -1170,7 +1170,7 @@
       </p:sp>
       <p:sp>
         <p:nvSpPr>
-          <p:cNvPr id="82948" name="Rectangle 3"/>
+          <p:cNvPr id="84996" name="Rectangle 3"/>
           <p:cNvSpPr>
             <a:spLocks noGrp="1" noChangeArrowheads="1"/>
           </p:cNvSpPr>
@@ -1187,7 +1187,7 @@
           <a:lstStyle/>
           <a:p>
             <a:pPr eaLnBrk="1" hangingPunct="1"/>
-            <a:endParaRPr lang="en-US" dirty="0" smtClean="0"/>
+            <a:endParaRPr lang="en-US" smtClean="0"/>
           </a:p>
         </p:txBody>
       </p:sp>
@@ -1306,7 +1306,7 @@
       </p:grpSpPr>
       <p:sp>
         <p:nvSpPr>
-          <p:cNvPr id="84994" name="Rectangle 7"/>
+          <p:cNvPr id="86018" name="Rectangle 7"/>
           <p:cNvSpPr>
             <a:spLocks noGrp="1" noChangeArrowheads="1"/>
           </p:cNvSpPr>
@@ -1321,7 +1321,7 @@
           <a:bodyPr/>
           <a:lstStyle/>
           <a:p>
-            <a:fld id="{D2EF288E-83B7-4C4D-B8FC-65471DDB030C}" type="slidenum">
+            <a:fld id="{984906FB-C5CB-4728-854F-836E6D80BB25}" type="slidenum">
               <a:rPr lang="en-US"/>
               <a:pPr/>
               <a:t>6</a:t>
@@ -1332,7 +1332,7 @@
       </p:sp>
       <p:sp>
         <p:nvSpPr>
-          <p:cNvPr id="84995" name="Rectangle 2"/>
+          <p:cNvPr id="86019" name="Rectangle 2"/>
           <p:cNvSpPr>
             <a:spLocks noGrp="1" noRot="1" noChangeAspect="1" noChangeArrowheads="1" noTextEdit="1"/>
           </p:cNvSpPr>
@@ -1346,7 +1346,7 @@
       </p:sp>
       <p:sp>
         <p:nvSpPr>
-          <p:cNvPr id="84996" name="Rectangle 3"/>
+          <p:cNvPr id="86020" name="Rectangle 3"/>
           <p:cNvSpPr>
             <a:spLocks noGrp="1" noChangeArrowheads="1"/>
           </p:cNvSpPr>
@@ -1570,7 +1570,7 @@
       </p:grpSpPr>
       <p:sp>
         <p:nvSpPr>
-          <p:cNvPr id="88066" name="Rectangle 7"/>
+          <p:cNvPr id="87042" name="Rectangle 7"/>
           <p:cNvSpPr>
             <a:spLocks noGrp="1" noChangeArrowheads="1"/>
           </p:cNvSpPr>
@@ -1585,7 +1585,7 @@
           <a:bodyPr/>
           <a:lstStyle/>
           <a:p>
-            <a:fld id="{42812CBE-3779-4756-8B8B-57A2C36AE379}" type="slidenum">
+            <a:fld id="{3F183194-98C9-4413-984E-18B2C48D4821}" type="slidenum">
               <a:rPr lang="en-US"/>
               <a:pPr/>
               <a:t>9</a:t>
@@ -1596,7 +1596,7 @@
       </p:sp>
       <p:sp>
         <p:nvSpPr>
-          <p:cNvPr id="88067" name="Rectangle 2"/>
+          <p:cNvPr id="87043" name="Rectangle 2"/>
           <p:cNvSpPr>
             <a:spLocks noGrp="1" noRot="1" noChangeAspect="1" noChangeArrowheads="1" noTextEdit="1"/>
           </p:cNvSpPr>
@@ -1610,7 +1610,7 @@
       </p:sp>
       <p:sp>
         <p:nvSpPr>
-          <p:cNvPr id="88068" name="Rectangle 3"/>
+          <p:cNvPr id="87044" name="Rectangle 3"/>
           <p:cNvSpPr>
             <a:spLocks noGrp="1" noChangeArrowheads="1"/>
           </p:cNvSpPr>
@@ -3860,11 +3860,19 @@
               <a:buNone/>
             </a:pPr>
             <a:r>
-              <a:rPr lang="en-US" sz="5400" dirty="0" err="1" smtClean="0"/>
+              <a:rPr lang="en-US" sz="5400" dirty="0" err="1" smtClean="0">
+                <a:solidFill>
+                  <a:srgbClr val="0033CC"/>
+                </a:solidFill>
+              </a:rPr>
               <a:t>Pr</a:t>
             </a:r>
             <a:r>
-              <a:rPr lang="en-US" sz="5400" dirty="0" smtClean="0"/>
+              <a:rPr lang="en-US" sz="5400" dirty="0" smtClean="0">
+                <a:solidFill>
+                  <a:srgbClr val="0033CC"/>
+                </a:solidFill>
+              </a:rPr>
               <a:t>[</a:t>
             </a:r>
             <a:r>
@@ -3919,7 +3927,11 @@
               <a:t>x</a:t>
             </a:r>
             <a:r>
-              <a:rPr lang="en-US" sz="5400" dirty="0" smtClean="0"/>
+              <a:rPr lang="en-US" sz="5400" dirty="0" smtClean="0">
+                <a:solidFill>
+                  <a:srgbClr val="0033CC"/>
+                </a:solidFill>
+              </a:rPr>
               <a:t>]</a:t>
             </a:r>
           </a:p>
@@ -3936,15 +3948,27 @@
               <a:t>=</a:t>
             </a:r>
             <a:r>
-              <a:rPr lang="en-US" sz="5400" dirty="0" smtClean="0"/>
+              <a:rPr lang="en-US" sz="5400" dirty="0" smtClean="0">
+                <a:solidFill>
+                  <a:srgbClr val="0033CC"/>
+                </a:solidFill>
+              </a:rPr>
               <a:t> </a:t>
             </a:r>
             <a:r>
-              <a:rPr lang="en-US" sz="5400" dirty="0" err="1" smtClean="0"/>
+              <a:rPr lang="en-US" sz="5400" dirty="0" err="1" smtClean="0">
+                <a:solidFill>
+                  <a:srgbClr val="0033CC"/>
+                </a:solidFill>
+              </a:rPr>
               <a:t>Pr</a:t>
             </a:r>
             <a:r>
-              <a:rPr lang="en-US" sz="5400" dirty="0" smtClean="0"/>
+              <a:rPr lang="en-US" sz="5400" dirty="0" smtClean="0">
+                <a:solidFill>
+                  <a:srgbClr val="0033CC"/>
+                </a:solidFill>
+              </a:rPr>
               <a:t>[</a:t>
             </a:r>
             <a:r>
@@ -4023,7 +4047,11 @@
               <a:t>2</a:t>
             </a:r>
             <a:r>
-              <a:rPr lang="en-US" sz="5400" dirty="0" smtClean="0"/>
+              <a:rPr lang="en-US" sz="5400" dirty="0" smtClean="0">
+                <a:solidFill>
+                  <a:srgbClr val="0033CC"/>
+                </a:solidFill>
+              </a:rPr>
               <a:t>]</a:t>
             </a:r>
           </a:p>
@@ -4035,22 +4063,28 @@
           <p:cNvGraphicFramePr>
             <a:graphicFrameLocks noChangeAspect="1"/>
           </p:cNvGraphicFramePr>
-          <p:nvPr/>
+          <p:nvPr>
+            <p:extLst>
+              <p:ext uri="{D42A27DB-BD31-4B8C-83A1-F6EECF244321}">
+                <p14:modId xmlns:p14="http://schemas.microsoft.com/office/powerpoint/2010/main" val="3436650244"/>
+              </p:ext>
+            </p:extLst>
+          </p:nvPr>
         </p:nvGraphicFramePr>
         <p:xfrm>
-          <a:off x="2759075" y="3902075"/>
-          <a:ext cx="4405313" cy="2136775"/>
+          <a:off x="2790825" y="3870325"/>
+          <a:ext cx="4341813" cy="2201863"/>
         </p:xfrm>
         <a:graphic>
           <a:graphicData uri="http://schemas.openxmlformats.org/presentationml/2006/ole">
             <mc:AlternateContent xmlns:mc="http://schemas.openxmlformats.org/markup-compatibility/2006">
               <mc:Choice xmlns:v="urn:schemas-microsoft-com:vml" Requires="v">
-                <p:oleObj spid="_x0000_s6189" name="Equation" r:id="rId5" imgW="863280" imgH="419040" progId="Equation.DSMT4">
+                <p:oleObj spid="_x0000_s6194" name="Equation" r:id="rId5" imgW="850900" imgH="431800" progId="Equation.DSMT4">
                   <p:embed/>
                 </p:oleObj>
               </mc:Choice>
               <mc:Fallback>
-                <p:oleObj name="Equation" r:id="rId5" imgW="863280" imgH="419040" progId="Equation.DSMT4">
+                <p:oleObj name="Equation" r:id="rId5" imgW="850900" imgH="431800" progId="Equation.DSMT4">
                   <p:embed/>
                   <p:pic>
                     <p:nvPicPr>
@@ -4061,13 +4095,7 @@
                       <p:nvPr/>
                     </p:nvPicPr>
                     <p:blipFill>
-                      <a:blip r:embed="rId6">
-                        <a:extLst>
-                          <a:ext uri="{28A0092B-C50C-407E-A947-70E740481C1C}">
-                            <a14:useLocalDpi xmlns:a14="http://schemas.microsoft.com/office/drawing/2010/main" val="0"/>
-                          </a:ext>
-                        </a:extLst>
-                      </a:blip>
+                      <a:blip r:embed="rId6"/>
                       <a:srcRect/>
                       <a:stretch>
                         <a:fillRect/>
@@ -4075,8 +4103,8 @@
                     </p:blipFill>
                     <p:spPr bwMode="auto">
                       <a:xfrm>
-                        <a:off x="2759075" y="3902075"/>
-                        <a:ext cx="4405313" cy="2136775"/>
+                        <a:off x="2790825" y="3870325"/>
+                        <a:ext cx="4341813" cy="2201863"/>
                       </a:xfrm>
                       <a:prstGeom prst="rect">
                         <a:avLst/>
@@ -4682,931 +4710,6 @@
 </file>
 
 <file path=ppt/slides/slide3.xml><?xml version="1.0" encoding="utf-8"?>
-<p:sld xmlns:a="http://schemas.openxmlformats.org/drawingml/2006/main" xmlns:r="http://schemas.openxmlformats.org/officeDocument/2006/relationships" xmlns:p="http://schemas.openxmlformats.org/presentationml/2006/main" show="0">
-  <p:cSld>
-    <p:spTree>
-      <p:nvGrpSpPr>
-        <p:cNvPr id="1" name=""/>
-        <p:cNvGrpSpPr/>
-        <p:nvPr/>
-      </p:nvGrpSpPr>
-      <p:grpSpPr>
-        <a:xfrm>
-          <a:off x="0" y="0"/>
-          <a:ext cx="0" cy="0"/>
-          <a:chOff x="0" y="0"/>
-          <a:chExt cx="0" cy="0"/>
-        </a:xfrm>
-      </p:grpSpPr>
-      <p:sp>
-        <p:nvSpPr>
-          <p:cNvPr id="7172" name="Rectangle 2"/>
-          <p:cNvSpPr>
-            <a:spLocks noGrp="1" noChangeArrowheads="1"/>
-          </p:cNvSpPr>
-          <p:nvPr>
-            <p:ph type="title"/>
-          </p:nvPr>
-        </p:nvSpPr>
-        <p:spPr/>
-        <p:txBody>
-          <a:bodyPr/>
-          <a:lstStyle/>
-          <a:p>
-            <a:pPr eaLnBrk="1" hangingPunct="1"/>
-            <a:r>
-              <a:rPr lang="en-US" sz="4400" smtClean="0">
-                <a:solidFill>
-                  <a:schemeClr val="tx1"/>
-                </a:solidFill>
-              </a:rPr>
-              <a:t>Chebyshev Bound</a:t>
-            </a:r>
-          </a:p>
-        </p:txBody>
-      </p:sp>
-      <p:graphicFrame>
-        <p:nvGraphicFramePr>
-          <p:cNvPr id="7170" name="Object 2"/>
-          <p:cNvGraphicFramePr>
-            <a:graphicFrameLocks noChangeAspect="1"/>
-          </p:cNvGraphicFramePr>
-          <p:nvPr>
-            <p:extLst>
-              <p:ext uri="{D42A27DB-BD31-4B8C-83A1-F6EECF244321}">
-                <p14:modId xmlns:p14="http://schemas.microsoft.com/office/powerpoint/2010/main" val="3487769164"/>
-              </p:ext>
-            </p:extLst>
-          </p:nvPr>
-        </p:nvGraphicFramePr>
-        <p:xfrm>
-          <a:off x="300038" y="1154113"/>
-          <a:ext cx="8610600" cy="2270125"/>
-        </p:xfrm>
-        <a:graphic>
-          <a:graphicData uri="http://schemas.openxmlformats.org/presentationml/2006/ole">
-            <mc:AlternateContent xmlns:mc="http://schemas.openxmlformats.org/markup-compatibility/2006">
-              <mc:Choice xmlns:v="urn:schemas-microsoft-com:vml" Requires="v">
-                <p:oleObj spid="_x0000_s408681" name="Equation" r:id="rId5" imgW="1739900" imgH="419100" progId="Equation.DSMT4">
-                  <p:embed/>
-                </p:oleObj>
-              </mc:Choice>
-              <mc:Fallback>
-                <p:oleObj name="Equation" r:id="rId5" imgW="1739900" imgH="419100" progId="Equation.DSMT4">
-                  <p:embed/>
-                  <p:pic>
-                    <p:nvPicPr>
-                      <p:cNvPr id="0" name="Object 2"/>
-                      <p:cNvPicPr>
-                        <a:picLocks noChangeAspect="1" noChangeArrowheads="1"/>
-                      </p:cNvPicPr>
-                      <p:nvPr/>
-                    </p:nvPicPr>
-                    <p:blipFill>
-                      <a:blip r:embed="rId6"/>
-                      <a:srcRect/>
-                      <a:stretch>
-                        <a:fillRect/>
-                      </a:stretch>
-                    </p:blipFill>
-                    <p:spPr bwMode="auto">
-                      <a:xfrm>
-                        <a:off x="300038" y="1154113"/>
-                        <a:ext cx="8610600" cy="2270125"/>
-                      </a:xfrm>
-                      <a:prstGeom prst="rect">
-                        <a:avLst/>
-                      </a:prstGeom>
-                      <a:noFill/>
-                      <a:ln>
-                        <a:noFill/>
-                      </a:ln>
-                      <a:extLst>
-                        <a:ext uri="{909E8E84-426E-40dd-AFC4-6F175D3DCCD1}">
-                          <a14:hiddenFill xmlns:a14="http://schemas.microsoft.com/office/drawing/2010/main">
-                            <a:solidFill>
-                              <a:srgbClr val="FFFFFF"/>
-                            </a:solidFill>
-                          </a14:hiddenFill>
-                        </a:ext>
-                        <a:ext uri="{91240B29-F687-4f45-9708-019B960494DF}">
-                          <a14:hiddenLine xmlns:a14="http://schemas.microsoft.com/office/drawing/2010/main" w="41275">
-                            <a:solidFill>
-                              <a:srgbClr val="FF00FF"/>
-                            </a:solidFill>
-                            <a:prstDash val="sysDot"/>
-                            <a:miter lim="800000"/>
-                            <a:headEnd/>
-                            <a:tailEnd/>
-                          </a14:hiddenLine>
-                        </a:ext>
-                      </a:extLst>
-                    </p:spPr>
-                  </p:pic>
-                </p:oleObj>
-              </mc:Fallback>
-            </mc:AlternateContent>
-          </a:graphicData>
-        </a:graphic>
-      </p:graphicFrame>
-      <p:graphicFrame>
-        <p:nvGraphicFramePr>
-          <p:cNvPr id="4" name="Object 3"/>
-          <p:cNvGraphicFramePr>
-            <a:graphicFrameLocks noChangeAspect="1"/>
-          </p:cNvGraphicFramePr>
-          <p:nvPr/>
-        </p:nvGraphicFramePr>
-        <p:xfrm>
-          <a:off x="608856" y="3340280"/>
-          <a:ext cx="7560228" cy="1430998"/>
-        </p:xfrm>
-        <a:graphic>
-          <a:graphicData uri="http://schemas.openxmlformats.org/presentationml/2006/ole">
-            <mc:AlternateContent xmlns:mc="http://schemas.openxmlformats.org/markup-compatibility/2006">
-              <mc:Choice xmlns:v="urn:schemas-microsoft-com:vml" Requires="v">
-                <p:oleObj spid="_x0000_s408682" name="Equation" r:id="rId7" imgW="1409700" imgH="266700" progId="Equation.DSMT4">
-                  <p:embed/>
-                </p:oleObj>
-              </mc:Choice>
-              <mc:Fallback>
-                <p:oleObj name="Equation" r:id="rId7" imgW="1409700" imgH="266700" progId="Equation.DSMT4">
-                  <p:embed/>
-                  <p:pic>
-                    <p:nvPicPr>
-                      <p:cNvPr id="0" name="Picture 3"/>
-                      <p:cNvPicPr>
-                        <a:picLocks noChangeAspect="1" noChangeArrowheads="1"/>
-                      </p:cNvPicPr>
-                      <p:nvPr/>
-                    </p:nvPicPr>
-                    <p:blipFill>
-                      <a:blip r:embed="rId8">
-                        <a:extLst>
-                          <a:ext uri="{28A0092B-C50C-407E-A947-70E740481C1C}">
-                            <a14:useLocalDpi xmlns:a14="http://schemas.microsoft.com/office/drawing/2010/main" val="0"/>
-                          </a:ext>
-                        </a:extLst>
-                      </a:blip>
-                      <a:srcRect/>
-                      <a:stretch>
-                        <a:fillRect/>
-                      </a:stretch>
-                    </p:blipFill>
-                    <p:spPr bwMode="auto">
-                      <a:xfrm>
-                        <a:off x="608856" y="3340280"/>
-                        <a:ext cx="7560228" cy="1430998"/>
-                      </a:xfrm>
-                      <a:prstGeom prst="rect">
-                        <a:avLst/>
-                      </a:prstGeom>
-                      <a:noFill/>
-                      <a:extLst>
-                        <a:ext uri="{909E8E84-426E-40dd-AFC4-6F175D3DCCD1}">
-                          <a14:hiddenFill xmlns:a14="http://schemas.microsoft.com/office/drawing/2010/main">
-                            <a:solidFill>
-                              <a:srgbClr val="FFFFFF"/>
-                            </a:solidFill>
-                          </a14:hiddenFill>
-                        </a:ext>
-                      </a:extLst>
-                    </p:spPr>
-                  </p:pic>
-                </p:oleObj>
-              </mc:Fallback>
-            </mc:AlternateContent>
-          </a:graphicData>
-        </a:graphic>
-      </p:graphicFrame>
-      <p:graphicFrame>
-        <p:nvGraphicFramePr>
-          <p:cNvPr id="7174" name="Object 2"/>
-          <p:cNvGraphicFramePr>
-            <a:graphicFrameLocks noChangeAspect="1"/>
-          </p:cNvGraphicFramePr>
-          <p:nvPr/>
-        </p:nvGraphicFramePr>
-        <p:xfrm>
-          <a:off x="2188881" y="4790275"/>
-          <a:ext cx="5464175" cy="1398588"/>
-        </p:xfrm>
-        <a:graphic>
-          <a:graphicData uri="http://schemas.openxmlformats.org/presentationml/2006/ole">
-            <mc:AlternateContent xmlns:mc="http://schemas.openxmlformats.org/markup-compatibility/2006">
-              <mc:Choice xmlns:v="urn:schemas-microsoft-com:vml" Requires="v">
-                <p:oleObj spid="_x0000_s408683" name="Equation" r:id="rId9" imgW="990360" imgH="253800" progId="Equation.DSMT4">
-                  <p:embed/>
-                </p:oleObj>
-              </mc:Choice>
-              <mc:Fallback>
-                <p:oleObj name="Equation" r:id="rId9" imgW="990360" imgH="253800" progId="Equation.DSMT4">
-                  <p:embed/>
-                  <p:pic>
-                    <p:nvPicPr>
-                      <p:cNvPr id="0" name="Picture 4"/>
-                      <p:cNvPicPr>
-                        <a:picLocks noChangeAspect="1" noChangeArrowheads="1"/>
-                      </p:cNvPicPr>
-                      <p:nvPr/>
-                    </p:nvPicPr>
-                    <p:blipFill>
-                      <a:blip r:embed="rId10">
-                        <a:extLst>
-                          <a:ext uri="{28A0092B-C50C-407E-A947-70E740481C1C}">
-                            <a14:useLocalDpi xmlns:a14="http://schemas.microsoft.com/office/drawing/2010/main" val="0"/>
-                          </a:ext>
-                        </a:extLst>
-                      </a:blip>
-                      <a:srcRect/>
-                      <a:stretch>
-                        <a:fillRect/>
-                      </a:stretch>
-                    </p:blipFill>
-                    <p:spPr bwMode="auto">
-                      <a:xfrm>
-                        <a:off x="2188881" y="4790275"/>
-                        <a:ext cx="5464175" cy="1398588"/>
-                      </a:xfrm>
-                      <a:prstGeom prst="rect">
-                        <a:avLst/>
-                      </a:prstGeom>
-                      <a:noFill/>
-                      <a:extLst>
-                        <a:ext uri="{909E8E84-426E-40dd-AFC4-6F175D3DCCD1}">
-                          <a14:hiddenFill xmlns:a14="http://schemas.microsoft.com/office/drawing/2010/main">
-                            <a:solidFill>
-                              <a:srgbClr val="FFFFFF"/>
-                            </a:solidFill>
-                          </a14:hiddenFill>
-                        </a:ext>
-                      </a:extLst>
-                    </p:spPr>
-                  </p:pic>
-                </p:oleObj>
-              </mc:Fallback>
-            </mc:AlternateContent>
-          </a:graphicData>
-        </a:graphic>
-      </p:graphicFrame>
-      <p:sp>
-        <p:nvSpPr>
-          <p:cNvPr id="6" name="Rectangle 5"/>
-          <p:cNvSpPr/>
-          <p:nvPr/>
-        </p:nvSpPr>
-        <p:spPr bwMode="auto">
-          <a:xfrm>
-            <a:off x="241300" y="1231900"/>
-            <a:ext cx="8705347" cy="2182813"/>
-          </a:xfrm>
-          <a:prstGeom prst="rect">
-            <a:avLst/>
-          </a:prstGeom>
-          <a:noFill/>
-          <a:ln w="41275" algn="ctr">
-            <a:solidFill>
-              <a:srgbClr val="FF00FF"/>
-            </a:solidFill>
-            <a:prstDash val="sysDash"/>
-            <a:miter lim="800000"/>
-            <a:headEnd/>
-            <a:tailEnd/>
-          </a:ln>
-        </p:spPr>
-        <p:txBody>
-          <a:bodyPr wrap="none" rtlCol="0" anchor="ctr"/>
-          <a:lstStyle/>
-          <a:p>
-            <a:pPr algn="ctr"/>
-            <a:endParaRPr lang="en-US"/>
-          </a:p>
-        </p:txBody>
-      </p:sp>
-      <p:sp>
-        <p:nvSpPr>
-          <p:cNvPr id="8" name="Oval 7"/>
-          <p:cNvSpPr/>
-          <p:nvPr/>
-        </p:nvSpPr>
-        <p:spPr bwMode="auto">
-          <a:xfrm>
-            <a:off x="7595399" y="2419139"/>
-            <a:ext cx="554335" cy="574545"/>
-          </a:xfrm>
-          <a:prstGeom prst="ellipse">
-            <a:avLst/>
-          </a:prstGeom>
-          <a:noFill/>
-          <a:ln w="41275" algn="ctr">
-            <a:solidFill>
-              <a:srgbClr val="FF00FF"/>
-            </a:solidFill>
-            <a:prstDash val="sysDash"/>
-            <a:miter lim="800000"/>
-            <a:headEnd/>
-            <a:tailEnd/>
-          </a:ln>
-        </p:spPr>
-        <p:txBody>
-          <a:bodyPr wrap="none" rtlCol="0" anchor="ctr"/>
-          <a:lstStyle/>
-          <a:p>
-            <a:pPr algn="ctr"/>
-            <a:endParaRPr lang="en-US"/>
-          </a:p>
-        </p:txBody>
-      </p:sp>
-    </p:spTree>
-    <p:custDataLst>
-      <p:tags r:id="rId2"/>
-    </p:custDataLst>
-  </p:cSld>
-  <p:clrMapOvr>
-    <a:masterClrMapping/>
-  </p:clrMapOvr>
-  <p:transition xmlns:p14="http://schemas.microsoft.com/office/powerpoint/2010/main" spd="slow" advClick="0">
-    <p:fade/>
-  </p:transition>
-  <p:timing>
-    <p:tnLst>
-      <p:par>
-        <p:cTn xmlns:p14="http://schemas.microsoft.com/office/powerpoint/2010/main" id="1" dur="indefinite" restart="never" nodeType="tmRoot">
-          <p:childTnLst>
-            <p:seq concurrent="1" nextAc="seek">
-              <p:cTn id="2" dur="indefinite" nodeType="mainSeq">
-                <p:childTnLst>
-                  <p:par>
-                    <p:cTn id="3" fill="hold">
-                      <p:stCondLst>
-                        <p:cond delay="indefinite"/>
-                        <p:cond evt="onBegin" delay="0">
-                          <p:tn val="2"/>
-                        </p:cond>
-                      </p:stCondLst>
-                      <p:childTnLst>
-                        <p:par>
-                          <p:cTn id="4" fill="hold">
-                            <p:stCondLst>
-                              <p:cond delay="0"/>
-                            </p:stCondLst>
-                            <p:childTnLst>
-                              <p:par>
-                                <p:cTn id="5" presetID="22" presetClass="entr" presetSubtype="8" fill="hold" nodeType="afterEffect">
-                                  <p:stCondLst>
-                                    <p:cond delay="0"/>
-                                  </p:stCondLst>
-                                  <p:childTnLst>
-                                    <p:set>
-                                      <p:cBhvr>
-                                        <p:cTn id="6" dur="1" fill="hold">
-                                          <p:stCondLst>
-                                            <p:cond delay="0"/>
-                                          </p:stCondLst>
-                                        </p:cTn>
-                                        <p:tgtEl>
-                                          <p:spTgt spid="7170"/>
-                                        </p:tgtEl>
-                                        <p:attrNameLst>
-                                          <p:attrName>style.visibility</p:attrName>
-                                        </p:attrNameLst>
-                                      </p:cBhvr>
-                                      <p:to>
-                                        <p:strVal val="visible"/>
-                                      </p:to>
-                                    </p:set>
-                                    <p:animEffect transition="in" filter="wipe(left)">
-                                      <p:cBhvr>
-                                        <p:cTn id="7" dur="1000"/>
-                                        <p:tgtEl>
-                                          <p:spTgt spid="7170"/>
-                                        </p:tgtEl>
-                                      </p:cBhvr>
-                                    </p:animEffect>
-                                  </p:childTnLst>
-                                </p:cTn>
-                              </p:par>
-                            </p:childTnLst>
-                          </p:cTn>
-                        </p:par>
-                      </p:childTnLst>
-                    </p:cTn>
-                  </p:par>
-                  <p:par>
-                    <p:cTn id="8" fill="hold">
-                      <p:stCondLst>
-                        <p:cond delay="indefinite"/>
-                      </p:stCondLst>
-                      <p:childTnLst>
-                        <p:par>
-                          <p:cTn id="9" fill="hold">
-                            <p:stCondLst>
-                              <p:cond delay="0"/>
-                            </p:stCondLst>
-                            <p:childTnLst>
-                              <p:par>
-                                <p:cTn id="10" presetID="22" presetClass="entr" presetSubtype="8" fill="hold" nodeType="clickEffect">
-                                  <p:stCondLst>
-                                    <p:cond delay="0"/>
-                                  </p:stCondLst>
-                                  <p:childTnLst>
-                                    <p:set>
-                                      <p:cBhvr>
-                                        <p:cTn id="11" dur="1" fill="hold">
-                                          <p:stCondLst>
-                                            <p:cond delay="0"/>
-                                          </p:stCondLst>
-                                        </p:cTn>
-                                        <p:tgtEl>
-                                          <p:spTgt spid="4"/>
-                                        </p:tgtEl>
-                                        <p:attrNameLst>
-                                          <p:attrName>style.visibility</p:attrName>
-                                        </p:attrNameLst>
-                                      </p:cBhvr>
-                                      <p:to>
-                                        <p:strVal val="visible"/>
-                                      </p:to>
-                                    </p:set>
-                                    <p:animEffect transition="in" filter="wipe(left)">
-                                      <p:cBhvr>
-                                        <p:cTn id="12" dur="1000"/>
-                                        <p:tgtEl>
-                                          <p:spTgt spid="4"/>
-                                        </p:tgtEl>
-                                      </p:cBhvr>
-                                    </p:animEffect>
-                                  </p:childTnLst>
-                                </p:cTn>
-                              </p:par>
-                            </p:childTnLst>
-                          </p:cTn>
-                        </p:par>
-                      </p:childTnLst>
-                    </p:cTn>
-                  </p:par>
-                  <p:par>
-                    <p:cTn id="13" fill="hold">
-                      <p:stCondLst>
-                        <p:cond delay="indefinite"/>
-                      </p:stCondLst>
-                      <p:childTnLst>
-                        <p:par>
-                          <p:cTn id="14" fill="hold">
-                            <p:stCondLst>
-                              <p:cond delay="0"/>
-                            </p:stCondLst>
-                            <p:childTnLst>
-                              <p:par>
-                                <p:cTn id="15" presetID="15" presetClass="entr" presetSubtype="0" fill="hold" grpId="0" nodeType="clickEffect">
-                                  <p:stCondLst>
-                                    <p:cond delay="0"/>
-                                  </p:stCondLst>
-                                  <p:childTnLst>
-                                    <p:set>
-                                      <p:cBhvr>
-                                        <p:cTn id="16" dur="1" fill="hold">
-                                          <p:stCondLst>
-                                            <p:cond delay="0"/>
-                                          </p:stCondLst>
-                                        </p:cTn>
-                                        <p:tgtEl>
-                                          <p:spTgt spid="6"/>
-                                        </p:tgtEl>
-                                        <p:attrNameLst>
-                                          <p:attrName>style.visibility</p:attrName>
-                                        </p:attrNameLst>
-                                      </p:cBhvr>
-                                      <p:to>
-                                        <p:strVal val="visible"/>
-                                      </p:to>
-                                    </p:set>
-                                    <p:anim calcmode="lin" valueType="num">
-                                      <p:cBhvr>
-                                        <p:cTn id="17" dur="1000" fill="hold"/>
-                                        <p:tgtEl>
-                                          <p:spTgt spid="6"/>
-                                        </p:tgtEl>
-                                        <p:attrNameLst>
-                                          <p:attrName>ppt_w</p:attrName>
-                                        </p:attrNameLst>
-                                      </p:cBhvr>
-                                      <p:tavLst>
-                                        <p:tav tm="0">
-                                          <p:val>
-                                            <p:fltVal val="0"/>
-                                          </p:val>
-                                        </p:tav>
-                                        <p:tav tm="100000">
-                                          <p:val>
-                                            <p:strVal val="#ppt_w"/>
-                                          </p:val>
-                                        </p:tav>
-                                      </p:tavLst>
-                                    </p:anim>
-                                    <p:anim calcmode="lin" valueType="num">
-                                      <p:cBhvr>
-                                        <p:cTn id="18" dur="1000" fill="hold"/>
-                                        <p:tgtEl>
-                                          <p:spTgt spid="6"/>
-                                        </p:tgtEl>
-                                        <p:attrNameLst>
-                                          <p:attrName>ppt_h</p:attrName>
-                                        </p:attrNameLst>
-                                      </p:cBhvr>
-                                      <p:tavLst>
-                                        <p:tav tm="0">
-                                          <p:val>
-                                            <p:fltVal val="0"/>
-                                          </p:val>
-                                        </p:tav>
-                                        <p:tav tm="100000">
-                                          <p:val>
-                                            <p:strVal val="#ppt_h"/>
-                                          </p:val>
-                                        </p:tav>
-                                      </p:tavLst>
-                                    </p:anim>
-                                    <p:anim calcmode="lin" valueType="num">
-                                      <p:cBhvr>
-                                        <p:cTn id="19" dur="1000" fill="hold"/>
-                                        <p:tgtEl>
-                                          <p:spTgt spid="6"/>
-                                        </p:tgtEl>
-                                        <p:attrNameLst>
-                                          <p:attrName>ppt_x</p:attrName>
-                                        </p:attrNameLst>
-                                      </p:cBhvr>
-                                      <p:tavLst>
-                                        <p:tav tm="0" fmla="#ppt_x+(cos(-2*pi*(1-$))*-#ppt_x-sin(-2*pi*(1-$))*(1-#ppt_y))*(1-$)">
-                                          <p:val>
-                                            <p:fltVal val="0"/>
-                                          </p:val>
-                                        </p:tav>
-                                        <p:tav tm="100000">
-                                          <p:val>
-                                            <p:fltVal val="1"/>
-                                          </p:val>
-                                        </p:tav>
-                                      </p:tavLst>
-                                    </p:anim>
-                                    <p:anim calcmode="lin" valueType="num">
-                                      <p:cBhvr>
-                                        <p:cTn id="20" dur="1000" fill="hold"/>
-                                        <p:tgtEl>
-                                          <p:spTgt spid="6"/>
-                                        </p:tgtEl>
-                                        <p:attrNameLst>
-                                          <p:attrName>ppt_y</p:attrName>
-                                        </p:attrNameLst>
-                                      </p:cBhvr>
-                                      <p:tavLst>
-                                        <p:tav tm="0" fmla="#ppt_y+(sin(-2*pi*(1-$))*-#ppt_x+cos(-2*pi*(1-$))*(1-#ppt_y))*(1-$)">
-                                          <p:val>
-                                            <p:fltVal val="0"/>
-                                          </p:val>
-                                        </p:tav>
-                                        <p:tav tm="100000">
-                                          <p:val>
-                                            <p:fltVal val="1"/>
-                                          </p:val>
-                                        </p:tav>
-                                      </p:tavLst>
-                                    </p:anim>
-                                  </p:childTnLst>
-                                </p:cTn>
-                              </p:par>
-                            </p:childTnLst>
-                          </p:cTn>
-                        </p:par>
-                      </p:childTnLst>
-                    </p:cTn>
-                  </p:par>
-                  <p:par>
-                    <p:cTn id="21" fill="hold">
-                      <p:stCondLst>
-                        <p:cond delay="indefinite"/>
-                      </p:stCondLst>
-                      <p:childTnLst>
-                        <p:par>
-                          <p:cTn id="22" fill="hold">
-                            <p:stCondLst>
-                              <p:cond delay="0"/>
-                            </p:stCondLst>
-                            <p:childTnLst>
-                              <p:par>
-                                <p:cTn id="23" presetID="25" presetClass="entr" presetSubtype="0" fill="hold" grpId="0" nodeType="clickEffect">
-                                  <p:stCondLst>
-                                    <p:cond delay="0"/>
-                                  </p:stCondLst>
-                                  <p:childTnLst>
-                                    <p:set>
-                                      <p:cBhvr>
-                                        <p:cTn id="24" dur="1" fill="hold">
-                                          <p:stCondLst>
-                                            <p:cond delay="0"/>
-                                          </p:stCondLst>
-                                        </p:cTn>
-                                        <p:tgtEl>
-                                          <p:spTgt spid="8"/>
-                                        </p:tgtEl>
-                                        <p:attrNameLst>
-                                          <p:attrName>style.visibility</p:attrName>
-                                        </p:attrNameLst>
-                                      </p:cBhvr>
-                                      <p:to>
-                                        <p:strVal val="visible"/>
-                                      </p:to>
-                                    </p:set>
-                                    <p:anim calcmode="lin" valueType="num">
-                                      <p:cBhvr>
-                                        <p:cTn id="25" dur="500" decel="50000" fill="hold">
-                                          <p:stCondLst>
-                                            <p:cond delay="0"/>
-                                          </p:stCondLst>
-                                        </p:cTn>
-                                        <p:tgtEl>
-                                          <p:spTgt spid="8"/>
-                                        </p:tgtEl>
-                                        <p:attrNameLst>
-                                          <p:attrName>style.rotation</p:attrName>
-                                        </p:attrNameLst>
-                                      </p:cBhvr>
-                                      <p:tavLst>
-                                        <p:tav tm="0">
-                                          <p:val>
-                                            <p:fltVal val="-90"/>
-                                          </p:val>
-                                        </p:tav>
-                                        <p:tav tm="100000">
-                                          <p:val>
-                                            <p:fltVal val="0"/>
-                                          </p:val>
-                                        </p:tav>
-                                      </p:tavLst>
-                                    </p:anim>
-                                    <p:anim calcmode="lin" valueType="num">
-                                      <p:cBhvr>
-                                        <p:cTn id="26" dur="500" decel="50000" fill="hold">
-                                          <p:stCondLst>
-                                            <p:cond delay="0"/>
-                                          </p:stCondLst>
-                                        </p:cTn>
-                                        <p:tgtEl>
-                                          <p:spTgt spid="8"/>
-                                        </p:tgtEl>
-                                        <p:attrNameLst>
-                                          <p:attrName>ppt_w</p:attrName>
-                                        </p:attrNameLst>
-                                      </p:cBhvr>
-                                      <p:tavLst>
-                                        <p:tav tm="0">
-                                          <p:val>
-                                            <p:strVal val="#ppt_w"/>
-                                          </p:val>
-                                        </p:tav>
-                                        <p:tav tm="100000">
-                                          <p:val>
-                                            <p:strVal val="#ppt_w*.05"/>
-                                          </p:val>
-                                        </p:tav>
-                                      </p:tavLst>
-                                    </p:anim>
-                                    <p:anim calcmode="lin" valueType="num">
-                                      <p:cBhvr>
-                                        <p:cTn id="27" dur="500" accel="50000" fill="hold">
-                                          <p:stCondLst>
-                                            <p:cond delay="500"/>
-                                          </p:stCondLst>
-                                        </p:cTn>
-                                        <p:tgtEl>
-                                          <p:spTgt spid="8"/>
-                                        </p:tgtEl>
-                                        <p:attrNameLst>
-                                          <p:attrName>ppt_w</p:attrName>
-                                        </p:attrNameLst>
-                                      </p:cBhvr>
-                                      <p:tavLst>
-                                        <p:tav tm="0">
-                                          <p:val>
-                                            <p:strVal val="#ppt_w*.05"/>
-                                          </p:val>
-                                        </p:tav>
-                                        <p:tav tm="100000">
-                                          <p:val>
-                                            <p:strVal val="#ppt_w"/>
-                                          </p:val>
-                                        </p:tav>
-                                      </p:tavLst>
-                                    </p:anim>
-                                    <p:anim calcmode="lin" valueType="num">
-                                      <p:cBhvr>
-                                        <p:cTn id="28" dur="1000" fill="hold"/>
-                                        <p:tgtEl>
-                                          <p:spTgt spid="8"/>
-                                        </p:tgtEl>
-                                        <p:attrNameLst>
-                                          <p:attrName>ppt_h</p:attrName>
-                                        </p:attrNameLst>
-                                      </p:cBhvr>
-                                      <p:tavLst>
-                                        <p:tav tm="0">
-                                          <p:val>
-                                            <p:strVal val="#ppt_h"/>
-                                          </p:val>
-                                        </p:tav>
-                                        <p:tav tm="100000">
-                                          <p:val>
-                                            <p:strVal val="#ppt_h"/>
-                                          </p:val>
-                                        </p:tav>
-                                      </p:tavLst>
-                                    </p:anim>
-                                    <p:anim calcmode="lin" valueType="num">
-                                      <p:cBhvr>
-                                        <p:cTn id="29" dur="500" decel="50000" fill="hold">
-                                          <p:stCondLst>
-                                            <p:cond delay="0"/>
-                                          </p:stCondLst>
-                                        </p:cTn>
-                                        <p:tgtEl>
-                                          <p:spTgt spid="8"/>
-                                        </p:tgtEl>
-                                        <p:attrNameLst>
-                                          <p:attrName>ppt_x</p:attrName>
-                                        </p:attrNameLst>
-                                      </p:cBhvr>
-                                      <p:tavLst>
-                                        <p:tav tm="0">
-                                          <p:val>
-                                            <p:strVal val="#ppt_x+.4"/>
-                                          </p:val>
-                                        </p:tav>
-                                        <p:tav tm="100000">
-                                          <p:val>
-                                            <p:strVal val="#ppt_x"/>
-                                          </p:val>
-                                        </p:tav>
-                                      </p:tavLst>
-                                    </p:anim>
-                                    <p:anim calcmode="lin" valueType="num">
-                                      <p:cBhvr>
-                                        <p:cTn id="30" dur="500" decel="50000" fill="hold">
-                                          <p:stCondLst>
-                                            <p:cond delay="0"/>
-                                          </p:stCondLst>
-                                        </p:cTn>
-                                        <p:tgtEl>
-                                          <p:spTgt spid="8"/>
-                                        </p:tgtEl>
-                                        <p:attrNameLst>
-                                          <p:attrName>ppt_y</p:attrName>
-                                        </p:attrNameLst>
-                                      </p:cBhvr>
-                                      <p:tavLst>
-                                        <p:tav tm="0">
-                                          <p:val>
-                                            <p:strVal val="#ppt_y-.2"/>
-                                          </p:val>
-                                        </p:tav>
-                                        <p:tav tm="100000">
-                                          <p:val>
-                                            <p:strVal val="#ppt_y+.1"/>
-                                          </p:val>
-                                        </p:tav>
-                                      </p:tavLst>
-                                    </p:anim>
-                                    <p:anim calcmode="lin" valueType="num">
-                                      <p:cBhvr>
-                                        <p:cTn id="31" dur="500" accel="50000" fill="hold">
-                                          <p:stCondLst>
-                                            <p:cond delay="500"/>
-                                          </p:stCondLst>
-                                        </p:cTn>
-                                        <p:tgtEl>
-                                          <p:spTgt spid="8"/>
-                                        </p:tgtEl>
-                                        <p:attrNameLst>
-                                          <p:attrName>ppt_y</p:attrName>
-                                        </p:attrNameLst>
-                                      </p:cBhvr>
-                                      <p:tavLst>
-                                        <p:tav tm="0">
-                                          <p:val>
-                                            <p:strVal val="#ppt_y+.1"/>
-                                          </p:val>
-                                        </p:tav>
-                                        <p:tav tm="100000">
-                                          <p:val>
-                                            <p:strVal val="#ppt_y"/>
-                                          </p:val>
-                                        </p:tav>
-                                      </p:tavLst>
-                                    </p:anim>
-                                    <p:animEffect transition="in" filter="fade">
-                                      <p:cBhvr>
-                                        <p:cTn id="32" dur="1000" decel="50000">
-                                          <p:stCondLst>
-                                            <p:cond delay="0"/>
-                                          </p:stCondLst>
-                                        </p:cTn>
-                                        <p:tgtEl>
-                                          <p:spTgt spid="8"/>
-                                        </p:tgtEl>
-                                      </p:cBhvr>
-                                    </p:animEffect>
-                                  </p:childTnLst>
-                                </p:cTn>
-                              </p:par>
-                            </p:childTnLst>
-                          </p:cTn>
-                        </p:par>
-                      </p:childTnLst>
-                    </p:cTn>
-                  </p:par>
-                  <p:par>
-                    <p:cTn id="33" fill="hold">
-                      <p:stCondLst>
-                        <p:cond delay="indefinite"/>
-                      </p:stCondLst>
-                      <p:childTnLst>
-                        <p:par>
-                          <p:cTn id="34" fill="hold">
-                            <p:stCondLst>
-                              <p:cond delay="0"/>
-                            </p:stCondLst>
-                            <p:childTnLst>
-                              <p:par>
-                                <p:cTn id="35" presetID="22" presetClass="entr" presetSubtype="8" fill="hold" nodeType="clickEffect">
-                                  <p:stCondLst>
-                                    <p:cond delay="0"/>
-                                  </p:stCondLst>
-                                  <p:childTnLst>
-                                    <p:set>
-                                      <p:cBhvr>
-                                        <p:cTn id="36" dur="1" fill="hold">
-                                          <p:stCondLst>
-                                            <p:cond delay="0"/>
-                                          </p:stCondLst>
-                                        </p:cTn>
-                                        <p:tgtEl>
-                                          <p:spTgt spid="7174"/>
-                                        </p:tgtEl>
-                                        <p:attrNameLst>
-                                          <p:attrName>style.visibility</p:attrName>
-                                        </p:attrNameLst>
-                                      </p:cBhvr>
-                                      <p:to>
-                                        <p:strVal val="visible"/>
-                                      </p:to>
-                                    </p:set>
-                                    <p:animEffect transition="in" filter="wipe(left)">
-                                      <p:cBhvr>
-                                        <p:cTn id="37" dur="1000"/>
-                                        <p:tgtEl>
-                                          <p:spTgt spid="7174"/>
-                                        </p:tgtEl>
-                                      </p:cBhvr>
-                                    </p:animEffect>
-                                  </p:childTnLst>
-                                </p:cTn>
-                              </p:par>
-                            </p:childTnLst>
-                          </p:cTn>
-                        </p:par>
-                      </p:childTnLst>
-                    </p:cTn>
-                  </p:par>
-                </p:childTnLst>
-              </p:cTn>
-              <p:prevCondLst>
-                <p:cond evt="onPrev" delay="0">
-                  <p:tgtEl>
-                    <p:sldTgt/>
-                  </p:tgtEl>
-                </p:cond>
-              </p:prevCondLst>
-              <p:nextCondLst>
-                <p:cond evt="onNext" delay="0">
-                  <p:tgtEl>
-                    <p:sldTgt/>
-                  </p:tgtEl>
-                </p:cond>
-              </p:nextCondLst>
-            </p:seq>
-          </p:childTnLst>
-        </p:cTn>
-      </p:par>
-    </p:tnLst>
-    <p:bldLst>
-      <p:bldP spid="6" grpId="0" animBg="1"/>
-      <p:bldP spid="8" grpId="0" animBg="1"/>
-    </p:bldLst>
-  </p:timing>
-</p:sld>
-</file>
-
-<file path=ppt/slides/slide4.xml><?xml version="1.0" encoding="utf-8"?>
 <p:sld xmlns:a="http://schemas.openxmlformats.org/drawingml/2006/main" xmlns:r="http://schemas.openxmlformats.org/officeDocument/2006/relationships" xmlns:p="http://schemas.openxmlformats.org/presentationml/2006/main">
   <p:cSld>
     <p:spTree>
@@ -5672,7 +4775,7 @@
           <a:graphicData uri="http://schemas.openxmlformats.org/presentationml/2006/ole">
             <mc:AlternateContent xmlns:mc="http://schemas.openxmlformats.org/markup-compatibility/2006">
               <mc:Choice xmlns:v="urn:schemas-microsoft-com:vml" Requires="v">
-                <p:oleObj spid="_x0000_s499729" name="Equation" r:id="rId5" imgW="1739900" imgH="419100" progId="Equation.DSMT4">
+                <p:oleObj spid="_x0000_s499736" name="Equation" r:id="rId5" imgW="1739900" imgH="419100" progId="Equation.DSMT4">
                   <p:embed/>
                 </p:oleObj>
               </mc:Choice>
@@ -5750,7 +4853,7 @@
           <a:graphicData uri="http://schemas.openxmlformats.org/presentationml/2006/ole">
             <mc:AlternateContent xmlns:mc="http://schemas.openxmlformats.org/markup-compatibility/2006">
               <mc:Choice xmlns:v="urn:schemas-microsoft-com:vml" Requires="v">
-                <p:oleObj spid="_x0000_s499730" name="Equation" r:id="rId7" imgW="1409700" imgH="266700" progId="Equation.DSMT4">
+                <p:oleObj spid="_x0000_s499737" name="Equation" r:id="rId7" imgW="1409700" imgH="266700" progId="Equation.DSMT4">
                   <p:embed/>
                 </p:oleObj>
               </mc:Choice>
@@ -6018,7 +5121,7 @@
                             </p:stCondLst>
                             <p:childTnLst>
                               <p:par>
-                                <p:cTn id="15" presetID="15" presetClass="entr" presetSubtype="0" fill="hold" grpId="0" nodeType="clickEffect">
+                                <p:cTn id="15" presetID="25" presetClass="entr" presetSubtype="0" fill="hold" grpId="0" nodeType="clickEffect">
                                   <p:stCondLst>
                                     <p:cond delay="0"/>
                                   </p:stCondLst>
@@ -6026,143 +5129,6 @@
                                     <p:set>
                                       <p:cBhvr>
                                         <p:cTn id="16" dur="1" fill="hold">
-                                          <p:stCondLst>
-                                            <p:cond delay="0"/>
-                                          </p:stCondLst>
-                                        </p:cTn>
-                                        <p:tgtEl>
-                                          <p:spTgt spid="6"/>
-                                        </p:tgtEl>
-                                        <p:attrNameLst>
-                                          <p:attrName>style.visibility</p:attrName>
-                                        </p:attrNameLst>
-                                      </p:cBhvr>
-                                      <p:to>
-                                        <p:strVal val="visible"/>
-                                      </p:to>
-                                    </p:set>
-                                    <p:anim calcmode="lin" valueType="num">
-                                      <p:cBhvr>
-                                        <p:cTn id="17" dur="1000" fill="hold"/>
-                                        <p:tgtEl>
-                                          <p:spTgt spid="6"/>
-                                        </p:tgtEl>
-                                        <p:attrNameLst>
-                                          <p:attrName>ppt_w</p:attrName>
-                                        </p:attrNameLst>
-                                      </p:cBhvr>
-                                      <p:tavLst>
-                                        <p:tav tm="0">
-                                          <p:val>
-                                            <p:fltVal val="0"/>
-                                          </p:val>
-                                        </p:tav>
-                                        <p:tav tm="100000">
-                                          <p:val>
-                                            <p:strVal val="#ppt_w"/>
-                                          </p:val>
-                                        </p:tav>
-                                      </p:tavLst>
-                                    </p:anim>
-                                    <p:anim calcmode="lin" valueType="num">
-                                      <p:cBhvr>
-                                        <p:cTn id="18" dur="1000" fill="hold"/>
-                                        <p:tgtEl>
-                                          <p:spTgt spid="6"/>
-                                        </p:tgtEl>
-                                        <p:attrNameLst>
-                                          <p:attrName>ppt_h</p:attrName>
-                                        </p:attrNameLst>
-                                      </p:cBhvr>
-                                      <p:tavLst>
-                                        <p:tav tm="0">
-                                          <p:val>
-                                            <p:fltVal val="0"/>
-                                          </p:val>
-                                        </p:tav>
-                                        <p:tav tm="100000">
-                                          <p:val>
-                                            <p:strVal val="#ppt_h"/>
-                                          </p:val>
-                                        </p:tav>
-                                      </p:tavLst>
-                                    </p:anim>
-                                    <p:anim calcmode="lin" valueType="num">
-                                      <p:cBhvr>
-                                        <p:cTn id="19" dur="1000" fill="hold"/>
-                                        <p:tgtEl>
-                                          <p:spTgt spid="6"/>
-                                        </p:tgtEl>
-                                        <p:attrNameLst>
-                                          <p:attrName>ppt_x</p:attrName>
-                                        </p:attrNameLst>
-                                      </p:cBhvr>
-                                      <p:tavLst>
-                                        <p:tav tm="0" fmla="#ppt_x+(cos(-2*pi*(1-$))*-#ppt_x-sin(-2*pi*(1-$))*(1-#ppt_y))*(1-$)">
-                                          <p:val>
-                                            <p:fltVal val="0"/>
-                                          </p:val>
-                                        </p:tav>
-                                        <p:tav tm="100000">
-                                          <p:val>
-                                            <p:fltVal val="1"/>
-                                          </p:val>
-                                        </p:tav>
-                                      </p:tavLst>
-                                    </p:anim>
-                                    <p:anim calcmode="lin" valueType="num">
-                                      <p:cBhvr>
-                                        <p:cTn id="20" dur="1000" fill="hold"/>
-                                        <p:tgtEl>
-                                          <p:spTgt spid="6"/>
-                                        </p:tgtEl>
-                                        <p:attrNameLst>
-                                          <p:attrName>ppt_y</p:attrName>
-                                        </p:attrNameLst>
-                                      </p:cBhvr>
-                                      <p:tavLst>
-                                        <p:tav tm="0" fmla="#ppt_y+(sin(-2*pi*(1-$))*-#ppt_x+cos(-2*pi*(1-$))*(1-#ppt_y))*(1-$)">
-                                          <p:val>
-                                            <p:fltVal val="0"/>
-                                          </p:val>
-                                        </p:tav>
-                                        <p:tav tm="100000">
-                                          <p:val>
-                                            <p:fltVal val="1"/>
-                                          </p:val>
-                                        </p:tav>
-                                      </p:tavLst>
-                                    </p:anim>
-                                  </p:childTnLst>
-                                </p:cTn>
-                              </p:par>
-                            </p:childTnLst>
-                          </p:cTn>
-                        </p:par>
-                      </p:childTnLst>
-                    </p:cTn>
-                  </p:par>
-                  <p:par>
-                    <p:cTn id="21" fill="hold">
-                      <p:stCondLst>
-                        <p:cond delay="indefinite"/>
-                      </p:stCondLst>
-                      <p:childTnLst>
-                        <p:par>
-                          <p:cTn id="22" fill="hold">
-                            <p:stCondLst>
-                              <p:cond delay="0"/>
-                            </p:stCondLst>
-                            <p:childTnLst>
-                              <p:par>
-                                <p:cTn id="23" presetID="25" presetClass="entr" presetSubtype="0" fill="hold" grpId="0" nodeType="clickEffect">
-                                  <p:stCondLst>
-                                    <p:cond delay="0"/>
-                                  </p:stCondLst>
-                                  <p:childTnLst>
-                                    <p:set>
-                                      <p:cBhvr>
-                                        <p:cTn id="24" dur="1" fill="hold">
                                           <p:stCondLst>
                                             <p:cond delay="0"/>
                                           </p:stCondLst>
@@ -6180,7 +5146,7 @@
                                     </p:set>
                                     <p:anim calcmode="lin" valueType="num">
                                       <p:cBhvr>
-                                        <p:cTn id="25" dur="500" decel="50000" fill="hold">
+                                        <p:cTn id="17" dur="500" decel="50000" fill="hold">
                                           <p:stCondLst>
                                             <p:cond delay="0"/>
                                           </p:stCondLst>
@@ -6207,7 +5173,7 @@
                                     </p:anim>
                                     <p:anim calcmode="lin" valueType="num">
                                       <p:cBhvr>
-                                        <p:cTn id="26" dur="500" decel="50000" fill="hold">
+                                        <p:cTn id="18" dur="500" decel="50000" fill="hold">
                                           <p:stCondLst>
                                             <p:cond delay="0"/>
                                           </p:stCondLst>
@@ -6234,7 +5200,7 @@
                                     </p:anim>
                                     <p:anim calcmode="lin" valueType="num">
                                       <p:cBhvr>
-                                        <p:cTn id="27" dur="500" accel="50000" fill="hold">
+                                        <p:cTn id="19" dur="500" accel="50000" fill="hold">
                                           <p:stCondLst>
                                             <p:cond delay="500"/>
                                           </p:stCondLst>
@@ -6261,7 +5227,7 @@
                                     </p:anim>
                                     <p:anim calcmode="lin" valueType="num">
                                       <p:cBhvr>
-                                        <p:cTn id="28" dur="1000" fill="hold"/>
+                                        <p:cTn id="20" dur="1000" fill="hold"/>
                                         <p:tgtEl>
                                           <p:spTgt spid="8"/>
                                         </p:tgtEl>
@@ -6284,7 +5250,7 @@
                                     </p:anim>
                                     <p:anim calcmode="lin" valueType="num">
                                       <p:cBhvr>
-                                        <p:cTn id="29" dur="500" decel="50000" fill="hold">
+                                        <p:cTn id="21" dur="500" decel="50000" fill="hold">
                                           <p:stCondLst>
                                             <p:cond delay="0"/>
                                           </p:stCondLst>
@@ -6311,7 +5277,7 @@
                                     </p:anim>
                                     <p:anim calcmode="lin" valueType="num">
                                       <p:cBhvr>
-                                        <p:cTn id="30" dur="500" decel="50000" fill="hold">
+                                        <p:cTn id="22" dur="500" decel="50000" fill="hold">
                                           <p:stCondLst>
                                             <p:cond delay="0"/>
                                           </p:stCondLst>
@@ -6338,7 +5304,7 @@
                                     </p:anim>
                                     <p:anim calcmode="lin" valueType="num">
                                       <p:cBhvr>
-                                        <p:cTn id="31" dur="500" accel="50000" fill="hold">
+                                        <p:cTn id="23" dur="500" accel="50000" fill="hold">
                                           <p:stCondLst>
                                             <p:cond delay="500"/>
                                           </p:stCondLst>
@@ -6365,7 +5331,7 @@
                                     </p:anim>
                                     <p:animEffect transition="in" filter="fade">
                                       <p:cBhvr>
-                                        <p:cTn id="32" dur="1000" decel="50000">
+                                        <p:cTn id="24" dur="1000" decel="50000">
                                           <p:stCondLst>
                                             <p:cond delay="0"/>
                                           </p:stCondLst>
@@ -6375,6 +5341,143 @@
                                         </p:tgtEl>
                                       </p:cBhvr>
                                     </p:animEffect>
+                                  </p:childTnLst>
+                                </p:cTn>
+                              </p:par>
+                            </p:childTnLst>
+                          </p:cTn>
+                        </p:par>
+                      </p:childTnLst>
+                    </p:cTn>
+                  </p:par>
+                  <p:par>
+                    <p:cTn id="25" fill="hold">
+                      <p:stCondLst>
+                        <p:cond delay="indefinite"/>
+                      </p:stCondLst>
+                      <p:childTnLst>
+                        <p:par>
+                          <p:cTn id="26" fill="hold">
+                            <p:stCondLst>
+                              <p:cond delay="0"/>
+                            </p:stCondLst>
+                            <p:childTnLst>
+                              <p:par>
+                                <p:cTn id="27" presetID="15" presetClass="entr" presetSubtype="0" fill="hold" grpId="0" nodeType="clickEffect">
+                                  <p:stCondLst>
+                                    <p:cond delay="0"/>
+                                  </p:stCondLst>
+                                  <p:childTnLst>
+                                    <p:set>
+                                      <p:cBhvr>
+                                        <p:cTn id="28" dur="1" fill="hold">
+                                          <p:stCondLst>
+                                            <p:cond delay="0"/>
+                                          </p:stCondLst>
+                                        </p:cTn>
+                                        <p:tgtEl>
+                                          <p:spTgt spid="6"/>
+                                        </p:tgtEl>
+                                        <p:attrNameLst>
+                                          <p:attrName>style.visibility</p:attrName>
+                                        </p:attrNameLst>
+                                      </p:cBhvr>
+                                      <p:to>
+                                        <p:strVal val="visible"/>
+                                      </p:to>
+                                    </p:set>
+                                    <p:anim calcmode="lin" valueType="num">
+                                      <p:cBhvr>
+                                        <p:cTn id="29" dur="1000" fill="hold"/>
+                                        <p:tgtEl>
+                                          <p:spTgt spid="6"/>
+                                        </p:tgtEl>
+                                        <p:attrNameLst>
+                                          <p:attrName>ppt_w</p:attrName>
+                                        </p:attrNameLst>
+                                      </p:cBhvr>
+                                      <p:tavLst>
+                                        <p:tav tm="0">
+                                          <p:val>
+                                            <p:fltVal val="0"/>
+                                          </p:val>
+                                        </p:tav>
+                                        <p:tav tm="100000">
+                                          <p:val>
+                                            <p:strVal val="#ppt_w"/>
+                                          </p:val>
+                                        </p:tav>
+                                      </p:tavLst>
+                                    </p:anim>
+                                    <p:anim calcmode="lin" valueType="num">
+                                      <p:cBhvr>
+                                        <p:cTn id="30" dur="1000" fill="hold"/>
+                                        <p:tgtEl>
+                                          <p:spTgt spid="6"/>
+                                        </p:tgtEl>
+                                        <p:attrNameLst>
+                                          <p:attrName>ppt_h</p:attrName>
+                                        </p:attrNameLst>
+                                      </p:cBhvr>
+                                      <p:tavLst>
+                                        <p:tav tm="0">
+                                          <p:val>
+                                            <p:fltVal val="0"/>
+                                          </p:val>
+                                        </p:tav>
+                                        <p:tav tm="100000">
+                                          <p:val>
+                                            <p:strVal val="#ppt_h"/>
+                                          </p:val>
+                                        </p:tav>
+                                      </p:tavLst>
+                                    </p:anim>
+                                    <p:anim calcmode="lin" valueType="num">
+                                      <p:cBhvr>
+                                        <p:cTn id="31" dur="1000" fill="hold"/>
+                                        <p:tgtEl>
+                                          <p:spTgt spid="6"/>
+                                        </p:tgtEl>
+                                        <p:attrNameLst>
+                                          <p:attrName>ppt_x</p:attrName>
+                                        </p:attrNameLst>
+                                      </p:cBhvr>
+                                      <p:tavLst>
+                                        <p:tav tm="0" fmla="#ppt_x+(cos(-2*pi*(1-$))*-#ppt_x-sin(-2*pi*(1-$))*(1-#ppt_y))*(1-$)">
+                                          <p:val>
+                                            <p:fltVal val="0"/>
+                                          </p:val>
+                                        </p:tav>
+                                        <p:tav tm="100000">
+                                          <p:val>
+                                            <p:fltVal val="1"/>
+                                          </p:val>
+                                        </p:tav>
+                                      </p:tavLst>
+                                    </p:anim>
+                                    <p:anim calcmode="lin" valueType="num">
+                                      <p:cBhvr>
+                                        <p:cTn id="32" dur="1000" fill="hold"/>
+                                        <p:tgtEl>
+                                          <p:spTgt spid="6"/>
+                                        </p:tgtEl>
+                                        <p:attrNameLst>
+                                          <p:attrName>ppt_y</p:attrName>
+                                        </p:attrNameLst>
+                                      </p:cBhvr>
+                                      <p:tavLst>
+                                        <p:tav tm="0" fmla="#ppt_y+(sin(-2*pi*(1-$))*-#ppt_x+cos(-2*pi*(1-$))*(1-#ppt_y))*(1-$)">
+                                          <p:val>
+                                            <p:fltVal val="0"/>
+                                          </p:val>
+                                        </p:tav>
+                                        <p:tav tm="100000">
+                                          <p:val>
+                                            <p:fltVal val="1"/>
+                                          </p:val>
+                                        </p:tav>
+                                      </p:tavLst>
+                                    </p:anim>
                                   </p:childTnLst>
                                 </p:cTn>
                               </p:par>
@@ -6413,7 +5516,7 @@
 </p:sld>
 </file>
 
-<file path=ppt/slides/slide5.xml><?xml version="1.0" encoding="utf-8"?>
+<file path=ppt/slides/slide4.xml><?xml version="1.0" encoding="utf-8"?>
 <p:sld xmlns:a="http://schemas.openxmlformats.org/drawingml/2006/main" xmlns:r="http://schemas.openxmlformats.org/officeDocument/2006/relationships" xmlns:p="http://schemas.openxmlformats.org/presentationml/2006/main">
   <p:cSld>
     <p:spTree>
@@ -6469,22 +5572,28 @@
           <p:cNvGraphicFramePr>
             <a:graphicFrameLocks noChangeAspect="1"/>
           </p:cNvGraphicFramePr>
-          <p:nvPr/>
+          <p:nvPr>
+            <p:extLst>
+              <p:ext uri="{D42A27DB-BD31-4B8C-83A1-F6EECF244321}">
+                <p14:modId xmlns:p14="http://schemas.microsoft.com/office/powerpoint/2010/main" val="1961137199"/>
+              </p:ext>
+            </p:extLst>
+          </p:nvPr>
         </p:nvGraphicFramePr>
         <p:xfrm>
-          <a:off x="1811338" y="1184275"/>
-          <a:ext cx="5464175" cy="1608138"/>
+          <a:off x="1811338" y="1219200"/>
+          <a:ext cx="5464175" cy="1538288"/>
         </p:xfrm>
         <a:graphic>
           <a:graphicData uri="http://schemas.openxmlformats.org/presentationml/2006/ole">
             <mc:AlternateContent xmlns:mc="http://schemas.openxmlformats.org/markup-compatibility/2006">
               <mc:Choice xmlns:v="urn:schemas-microsoft-com:vml" Requires="v">
-                <p:oleObj spid="_x0000_s121929" name="Equation" r:id="rId4" imgW="990600" imgH="292100" progId="Equation.DSMT4">
+                <p:oleObj spid="_x0000_s121940" name="Equation" r:id="rId4" imgW="990600" imgH="279400" progId="Equation.DSMT4">
                   <p:embed/>
                 </p:oleObj>
               </mc:Choice>
               <mc:Fallback>
-                <p:oleObj name="Equation" r:id="rId4" imgW="990600" imgH="292100" progId="Equation.DSMT4">
+                <p:oleObj name="Equation" r:id="rId4" imgW="990600" imgH="279400" progId="Equation.DSMT4">
                   <p:embed/>
                   <p:pic>
                     <p:nvPicPr>
@@ -6495,13 +5604,7 @@
                       <p:nvPr/>
                     </p:nvPicPr>
                     <p:blipFill>
-                      <a:blip r:embed="rId5">
-                        <a:extLst>
-                          <a:ext uri="{28A0092B-C50C-407E-A947-70E740481C1C}">
-                            <a14:useLocalDpi xmlns:a14="http://schemas.microsoft.com/office/drawing/2010/main" val="0"/>
-                          </a:ext>
-                        </a:extLst>
-                      </a:blip>
+                      <a:blip r:embed="rId5"/>
                       <a:srcRect/>
                       <a:stretch>
                         <a:fillRect/>
@@ -6509,8 +5612,8 @@
                     </p:blipFill>
                     <p:spPr bwMode="auto">
                       <a:xfrm>
-                        <a:off x="1811338" y="1184275"/>
-                        <a:ext cx="5464175" cy="1608138"/>
+                        <a:off x="1811338" y="1219200"/>
+                        <a:ext cx="5464175" cy="1538288"/>
                       </a:xfrm>
                       <a:prstGeom prst="rect">
                         <a:avLst/>
@@ -6581,7 +5684,7 @@
               <a:graphicData uri="http://schemas.openxmlformats.org/presentationml/2006/ole">
                 <mc:AlternateContent xmlns:mc="http://schemas.openxmlformats.org/markup-compatibility/2006">
                   <mc:Choice xmlns:v="urn:schemas-microsoft-com:vml" Requires="v">
-                    <p:oleObj spid="_x0000_s121930" name="Equation" r:id="rId6" imgW="152400" imgH="444500" progId="Equation.DSMT4">
+                    <p:oleObj spid="_x0000_s121941" name="Equation" r:id="rId6" imgW="152400" imgH="444500" progId="Equation.DSMT4">
                       <p:embed/>
                     </p:oleObj>
                   </mc:Choice>
@@ -6926,10 +6029,10 @@
         </p:nvGrpSpPr>
         <p:grpSpPr>
           <a:xfrm>
-            <a:off x="3527425" y="3250223"/>
-            <a:ext cx="1019286" cy="3034908"/>
+            <a:off x="3552825" y="3250223"/>
+            <a:ext cx="1019286" cy="3158018"/>
             <a:chOff x="3527425" y="3250223"/>
-            <a:chExt cx="1019286" cy="3034908"/>
+            <a:chExt cx="1019286" cy="3158018"/>
           </a:xfrm>
         </p:grpSpPr>
         <p:sp>
@@ -6976,9 +6079,9 @@
           <p:grpSpPr>
             <a:xfrm>
               <a:off x="3527425" y="5448300"/>
-              <a:ext cx="1019285" cy="836831"/>
+              <a:ext cx="1019285" cy="959941"/>
               <a:chOff x="3527425" y="5448300"/>
-              <a:chExt cx="1019285" cy="836831"/>
+              <a:chExt cx="1019285" cy="959941"/>
             </a:xfrm>
           </p:grpSpPr>
           <p:sp>
@@ -6992,7 +6095,7 @@
             <p:spPr bwMode="auto">
               <a:xfrm>
                 <a:off x="3527425" y="5638800"/>
-                <a:ext cx="423811" cy="646331"/>
+                <a:ext cx="535630" cy="769441"/>
               </a:xfrm>
               <a:prstGeom prst="rect">
                 <a:avLst/>
@@ -7012,7 +6115,7 @@
               <a:lstStyle/>
               <a:p>
                 <a:r>
-                  <a:rPr lang="en-US" sz="3600" dirty="0" err="1" smtClean="0">
+                  <a:rPr lang="en-US" sz="4400" b="1" dirty="0" err="1" smtClean="0">
                     <a:solidFill>
                       <a:schemeClr val="accent1">
                         <a:lumMod val="50000"/>
@@ -7024,7 +6127,7 @@
                   </a:rPr>
                   <a:t>μ</a:t>
                 </a:r>
-                <a:endParaRPr lang="en-US" sz="3600" dirty="0">
+                <a:endParaRPr lang="en-US" sz="4400" b="1" dirty="0">
                   <a:solidFill>
                     <a:schemeClr val="accent1">
                       <a:lumMod val="50000"/>
@@ -7049,8 +6152,8 @@
             </p:nvCxnSpPr>
             <p:spPr bwMode="auto">
               <a:xfrm flipV="1">
-                <a:off x="3951236" y="5448300"/>
-                <a:ext cx="595474" cy="513666"/>
+                <a:off x="4063055" y="5448300"/>
+                <a:ext cx="483655" cy="575221"/>
               </a:xfrm>
               <a:prstGeom prst="curvedConnector2">
                 <a:avLst/>
@@ -7132,7 +6235,7 @@
   </p:clrMapOvr>
   <mc:AlternateContent xmlns:mc="http://schemas.openxmlformats.org/markup-compatibility/2006">
     <mc:Choice xmlns:p14="http://schemas.microsoft.com/office/powerpoint/2010/main" Requires="p14">
-      <p:transition spd="slow" p14:dur="1200" advClick="0">
+      <p:transition spd="slow" p14:dur="900" advClick="0">
         <p:fade thruBlk="1"/>
       </p:transition>
     </mc:Choice>
@@ -7381,7 +6484,7 @@
 </p:sld>
 </file>
 
-<file path=ppt/slides/slide6.xml><?xml version="1.0" encoding="utf-8"?>
+<file path=ppt/slides/slide5.xml><?xml version="1.0" encoding="utf-8"?>
 <p:sld xmlns:a="http://schemas.openxmlformats.org/drawingml/2006/main" xmlns:r="http://schemas.openxmlformats.org/officeDocument/2006/relationships" xmlns:p="http://schemas.openxmlformats.org/presentationml/2006/main">
   <p:cSld>
     <p:spTree>
@@ -7437,22 +6540,28 @@
           <p:cNvGraphicFramePr>
             <a:graphicFrameLocks noChangeAspect="1"/>
           </p:cNvGraphicFramePr>
-          <p:nvPr/>
+          <p:nvPr>
+            <p:extLst>
+              <p:ext uri="{D42A27DB-BD31-4B8C-83A1-F6EECF244321}">
+                <p14:modId xmlns:p14="http://schemas.microsoft.com/office/powerpoint/2010/main" val="2942640132"/>
+              </p:ext>
+            </p:extLst>
+          </p:nvPr>
         </p:nvGraphicFramePr>
         <p:xfrm>
-          <a:off x="1811338" y="1289050"/>
-          <a:ext cx="5464175" cy="1398588"/>
+          <a:off x="1811338" y="1219200"/>
+          <a:ext cx="5464175" cy="1538288"/>
         </p:xfrm>
         <a:graphic>
           <a:graphicData uri="http://schemas.openxmlformats.org/presentationml/2006/ole">
             <mc:AlternateContent xmlns:mc="http://schemas.openxmlformats.org/markup-compatibility/2006">
               <mc:Choice xmlns:v="urn:schemas-microsoft-com:vml" Requires="v">
-                <p:oleObj spid="_x0000_s8266" name="Equation" r:id="rId4" imgW="990360" imgH="253800" progId="Equation.DSMT4">
+                <p:oleObj spid="_x0000_s8275" name="Equation" r:id="rId4" imgW="990600" imgH="279400" progId="Equation.DSMT4">
                   <p:embed/>
                 </p:oleObj>
               </mc:Choice>
               <mc:Fallback>
-                <p:oleObj name="Equation" r:id="rId4" imgW="990360" imgH="253800" progId="Equation.DSMT4">
+                <p:oleObj name="Equation" r:id="rId4" imgW="990600" imgH="279400" progId="Equation.DSMT4">
                   <p:embed/>
                   <p:pic>
                     <p:nvPicPr>
@@ -7463,13 +6572,7 @@
                       <p:nvPr/>
                     </p:nvPicPr>
                     <p:blipFill>
-                      <a:blip r:embed="rId5">
-                        <a:extLst>
-                          <a:ext uri="{28A0092B-C50C-407E-A947-70E740481C1C}">
-                            <a14:useLocalDpi xmlns:a14="http://schemas.microsoft.com/office/drawing/2010/main" val="0"/>
-                          </a:ext>
-                        </a:extLst>
-                      </a:blip>
+                      <a:blip r:embed="rId5"/>
                       <a:srcRect/>
                       <a:stretch>
                         <a:fillRect/>
@@ -7477,8 +6580,8 @@
                     </p:blipFill>
                     <p:spPr bwMode="auto">
                       <a:xfrm>
-                        <a:off x="1811338" y="1289050"/>
-                        <a:ext cx="5464175" cy="1398588"/>
+                        <a:off x="1811338" y="1219200"/>
+                        <a:ext cx="5464175" cy="1538288"/>
                       </a:xfrm>
                       <a:prstGeom prst="rect">
                         <a:avLst/>
@@ -7510,20 +6613,20 @@
           <p:nvPr>
             <p:extLst>
               <p:ext uri="{D42A27DB-BD31-4B8C-83A1-F6EECF244321}">
-                <p14:modId xmlns:p14="http://schemas.microsoft.com/office/powerpoint/2010/main" val="4034249157"/>
+                <p14:modId xmlns:p14="http://schemas.microsoft.com/office/powerpoint/2010/main" val="1328324166"/>
               </p:ext>
             </p:extLst>
           </p:nvPr>
         </p:nvGraphicFramePr>
         <p:xfrm>
-          <a:off x="504825" y="2895600"/>
-          <a:ext cx="7623175" cy="2439988"/>
+          <a:off x="365125" y="2679700"/>
+          <a:ext cx="8411778" cy="2692400"/>
         </p:xfrm>
         <a:graphic>
           <a:graphicData uri="http://schemas.openxmlformats.org/presentationml/2006/ole">
             <mc:AlternateContent xmlns:mc="http://schemas.openxmlformats.org/markup-compatibility/2006">
               <mc:Choice xmlns:v="urn:schemas-microsoft-com:vml" Requires="v">
-                <p:oleObj spid="_x0000_s8267" name="Equation" r:id="rId6" imgW="1473200" imgH="431800" progId="Equation.DSMT4">
+                <p:oleObj spid="_x0000_s8276" name="Equation" r:id="rId6" imgW="1473200" imgH="431800" progId="Equation.DSMT4">
                   <p:embed/>
                 </p:oleObj>
               </mc:Choice>
@@ -7547,8 +6650,8 @@
                     </p:blipFill>
                     <p:spPr bwMode="auto">
                       <a:xfrm>
-                        <a:off x="504825" y="2895600"/>
-                        <a:ext cx="7623175" cy="2439988"/>
+                        <a:off x="365125" y="2679700"/>
+                        <a:ext cx="8411778" cy="2692400"/>
                       </a:xfrm>
                       <a:prstGeom prst="rect">
                         <a:avLst/>
@@ -7557,25 +6660,7 @@
                       <a:ln>
                         <a:noFill/>
                       </a:ln>
-                      <a:extLst>
-                        <a:ext uri="{909E8E84-426E-40dd-AFC4-6F175D3DCCD1}">
-                          <a14:hiddenFill xmlns:a14="http://schemas.microsoft.com/office/drawing/2010/main">
-                            <a:solidFill>
-                              <a:srgbClr val="FFFFFF"/>
-                            </a:solidFill>
-                          </a14:hiddenFill>
-                        </a:ext>
-                        <a:ext uri="{91240B29-F687-4f45-9708-019B960494DF}">
-                          <a14:hiddenLine xmlns:a14="http://schemas.microsoft.com/office/drawing/2010/main" w="31750">
-                            <a:solidFill>
-                              <a:srgbClr val="FF00FF"/>
-                            </a:solidFill>
-                            <a:miter lim="800000"/>
-                            <a:headEnd/>
-                            <a:tailEnd/>
-                          </a14:hiddenLine>
-                        </a:ext>
-                      </a:extLst>
+                      <a:extLst/>
                     </p:spPr>
                   </p:pic>
                 </p:oleObj>
@@ -7678,8 +6763,8 @@
 </p:sld>
 </file>
 
-<file path=ppt/slides/slide7.xml><?xml version="1.0" encoding="utf-8"?>
-<p:sld xmlns:a="http://schemas.openxmlformats.org/drawingml/2006/main" xmlns:r="http://schemas.openxmlformats.org/officeDocument/2006/relationships" xmlns:p="http://schemas.openxmlformats.org/presentationml/2006/main">
+<file path=ppt/slides/slide6.xml><?xml version="1.0" encoding="utf-8"?>
+<p:sld xmlns:a="http://schemas.openxmlformats.org/drawingml/2006/main" xmlns:r="http://schemas.openxmlformats.org/officeDocument/2006/relationships" xmlns:p="http://schemas.openxmlformats.org/presentationml/2006/main" show="0">
   <p:cSld>
     <p:spTree>
       <p:nvGrpSpPr>
@@ -7707,8 +6792,8 @@
         </p:nvSpPr>
         <p:spPr>
           <a:xfrm>
-            <a:off x="1265238" y="263525"/>
-            <a:ext cx="7645400" cy="1320800"/>
+            <a:off x="1341438" y="98425"/>
+            <a:ext cx="7688262" cy="1057275"/>
           </a:xfrm>
         </p:spPr>
         <p:txBody>
@@ -7717,9 +6802,18 @@
           <a:p>
             <a:pPr eaLnBrk="1" hangingPunct="1"/>
             <a:r>
-              <a:rPr lang="en-US" sz="3400" smtClean="0"/>
-              <a:t>Chebyshev Bound (alternate form)</a:t>
-            </a:r>
+              <a:rPr lang="en-US" sz="4000" dirty="0" err="1" smtClean="0"/>
+              <a:t>Chebyshev</a:t>
+            </a:r>
+            <a:r>
+              <a:rPr lang="en-US" sz="4000" dirty="0" smtClean="0"/>
+              <a:t> Bound </a:t>
+            </a:r>
+            <a:r>
+              <a:rPr lang="en-US" sz="4000" dirty="0" smtClean="0"/>
+              <a:t>(Restated)</a:t>
+            </a:r>
+            <a:endParaRPr lang="en-US" sz="4000" dirty="0" smtClean="0"/>
           </a:p>
         </p:txBody>
       </p:sp>
@@ -7732,25 +6826,25 @@
           <p:nvPr>
             <p:extLst>
               <p:ext uri="{D42A27DB-BD31-4B8C-83A1-F6EECF244321}">
-                <p14:modId xmlns:p14="http://schemas.microsoft.com/office/powerpoint/2010/main" val="1868936970"/>
+                <p14:modId xmlns:p14="http://schemas.microsoft.com/office/powerpoint/2010/main" val="4071019549"/>
               </p:ext>
             </p:extLst>
           </p:nvPr>
         </p:nvGraphicFramePr>
         <p:xfrm>
-          <a:off x="962025" y="1079500"/>
-          <a:ext cx="7312025" cy="2733675"/>
+          <a:off x="1020763" y="2198688"/>
+          <a:ext cx="7057290" cy="1433512"/>
         </p:xfrm>
         <a:graphic>
           <a:graphicData uri="http://schemas.openxmlformats.org/presentationml/2006/ole">
             <mc:AlternateContent xmlns:mc="http://schemas.openxmlformats.org/markup-compatibility/2006">
               <mc:Choice xmlns:v="urn:schemas-microsoft-com:vml" Requires="v">
-                <p:oleObj spid="_x0000_s9289" name="Equation" r:id="rId4" imgW="1739900" imgH="647700" progId="Equation.DSMT4">
+                <p:oleObj spid="_x0000_s9306" name="Equation" r:id="rId4" imgW="1130300" imgH="228600" progId="Equation.DSMT4">
                   <p:embed/>
                 </p:oleObj>
               </mc:Choice>
               <mc:Fallback>
-                <p:oleObj name="Equation" r:id="rId4" imgW="1739900" imgH="647700" progId="Equation.DSMT4">
+                <p:oleObj name="Equation" r:id="rId4" imgW="1130300" imgH="228600" progId="Equation.DSMT4">
                   <p:embed/>
                   <p:pic>
                     <p:nvPicPr>
@@ -7769,22 +6863,14 @@
                     </p:blipFill>
                     <p:spPr bwMode="auto">
                       <a:xfrm>
-                        <a:off x="962025" y="1079500"/>
-                        <a:ext cx="7312025" cy="2733675"/>
+                        <a:off x="1020763" y="2198688"/>
+                        <a:ext cx="7057290" cy="1433512"/>
                       </a:xfrm>
                       <a:prstGeom prst="rect">
                         <a:avLst/>
                       </a:prstGeom>
                       <a:noFill/>
-                      <a:extLst>
-                        <a:ext uri="{909E8E84-426E-40dd-AFC4-6F175D3DCCD1}">
-                          <a14:hiddenFill xmlns:a14="http://schemas.microsoft.com/office/drawing/2010/main">
-                            <a:solidFill>
-                              <a:srgbClr val="FFFFFF"/>
-                            </a:solidFill>
-                          </a14:hiddenFill>
-                        </a:ext>
-                      </a:extLst>
+                      <a:extLst/>
                     </p:spPr>
                   </p:pic>
                 </p:oleObj>
@@ -7795,32 +6881,32 @@
       </p:graphicFrame>
       <p:graphicFrame>
         <p:nvGraphicFramePr>
-          <p:cNvPr id="2" name="Object 1"/>
+          <p:cNvPr id="4" name="Object 3"/>
           <p:cNvGraphicFramePr>
             <a:graphicFrameLocks noChangeAspect="1"/>
           </p:cNvGraphicFramePr>
           <p:nvPr>
             <p:extLst>
               <p:ext uri="{D42A27DB-BD31-4B8C-83A1-F6EECF244321}">
-                <p14:modId xmlns:p14="http://schemas.microsoft.com/office/powerpoint/2010/main" val="3252979327"/>
+                <p14:modId xmlns:p14="http://schemas.microsoft.com/office/powerpoint/2010/main" val="1990465483"/>
               </p:ext>
             </p:extLst>
           </p:nvPr>
         </p:nvGraphicFramePr>
         <p:xfrm>
-          <a:off x="5902325" y="3343275"/>
-          <a:ext cx="2174875" cy="2871894"/>
+          <a:off x="412750" y="990600"/>
+          <a:ext cx="4362450" cy="1196155"/>
         </p:xfrm>
         <a:graphic>
           <a:graphicData uri="http://schemas.openxmlformats.org/presentationml/2006/ole">
             <mc:AlternateContent xmlns:mc="http://schemas.openxmlformats.org/markup-compatibility/2006">
               <mc:Choice xmlns:v="urn:schemas-microsoft-com:vml" Requires="v">
-                <p:oleObj spid="_x0000_s9290" name="Equation" r:id="rId6" imgW="355600" imgH="469900" progId="Equation.DSMT4">
+                <p:oleObj spid="_x0000_s9307" name="Equation" r:id="rId6" imgW="787400" imgH="215900" progId="Equation.DSMT4">
                   <p:embed/>
                 </p:oleObj>
               </mc:Choice>
               <mc:Fallback>
-                <p:oleObj name="Equation" r:id="rId6" imgW="355600" imgH="469900" progId="Equation.DSMT4">
+                <p:oleObj name="Equation" r:id="rId6" imgW="787400" imgH="215900" progId="Equation.DSMT4">
                   <p:embed/>
                   <p:pic>
                     <p:nvPicPr>
@@ -7836,8 +6922,65 @@
                     </p:blipFill>
                     <p:spPr>
                       <a:xfrm>
-                        <a:off x="5902325" y="3343275"/>
-                        <a:ext cx="2174875" cy="2871894"/>
+                        <a:off x="412750" y="990600"/>
+                        <a:ext cx="4362450" cy="1196155"/>
+                      </a:xfrm>
+                      <a:prstGeom prst="rect">
+                        <a:avLst/>
+                      </a:prstGeom>
+                    </p:spPr>
+                  </p:pic>
+                </p:oleObj>
+              </mc:Fallback>
+            </mc:AlternateContent>
+          </a:graphicData>
+        </a:graphic>
+      </p:graphicFrame>
+      <p:graphicFrame>
+        <p:nvGraphicFramePr>
+          <p:cNvPr id="5" name="Object 4"/>
+          <p:cNvGraphicFramePr>
+            <a:graphicFrameLocks noChangeAspect="1"/>
+          </p:cNvGraphicFramePr>
+          <p:nvPr>
+            <p:extLst>
+              <p:ext uri="{D42A27DB-BD31-4B8C-83A1-F6EECF244321}">
+                <p14:modId xmlns:p14="http://schemas.microsoft.com/office/powerpoint/2010/main" val="3019415780"/>
+              </p:ext>
+            </p:extLst>
+          </p:nvPr>
+        </p:nvGraphicFramePr>
+        <p:xfrm>
+          <a:off x="3232149" y="3440113"/>
+          <a:ext cx="3270251" cy="2452689"/>
+        </p:xfrm>
+        <a:graphic>
+          <a:graphicData uri="http://schemas.openxmlformats.org/presentationml/2006/ole">
+            <mc:AlternateContent xmlns:mc="http://schemas.openxmlformats.org/markup-compatibility/2006">
+              <mc:Choice xmlns:v="urn:schemas-microsoft-com:vml" Requires="v">
+                <p:oleObj spid="_x0000_s9308" name="Equation" r:id="rId8" imgW="609600" imgH="457200" progId="Equation.DSMT4">
+                  <p:embed/>
+                </p:oleObj>
+              </mc:Choice>
+              <mc:Fallback>
+                <p:oleObj name="Equation" r:id="rId8" imgW="609600" imgH="457200" progId="Equation.DSMT4">
+                  <p:embed/>
+                  <p:pic>
+                    <p:nvPicPr>
+                      <p:cNvPr id="0" name=""/>
+                      <p:cNvPicPr/>
+                      <p:nvPr/>
+                    </p:nvPicPr>
+                    <p:blipFill>
+                      <a:blip r:embed="rId9"/>
+                      <a:stretch>
+                        <a:fillRect/>
+                      </a:stretch>
+                    </p:blipFill>
+                    <p:spPr>
+                      <a:xfrm>
+                        <a:off x="3232149" y="3440113"/>
+                        <a:ext cx="3270251" cy="2452689"/>
                       </a:xfrm>
                       <a:prstGeom prst="rect">
                         <a:avLst/>
@@ -7855,13 +6998,429 @@
   <p:clrMapOvr>
     <a:masterClrMapping/>
   </p:clrMapOvr>
-  <mc:AlternateContent xmlns:mc="http://schemas.openxmlformats.org/markup-compatibility/2006" xmlns:p14="http://schemas.microsoft.com/office/powerpoint/2010/main">
-    <mc:Choice Requires="p14">
+  <mc:AlternateContent xmlns:mc="http://schemas.openxmlformats.org/markup-compatibility/2006">
+    <mc:Choice xmlns:p14="http://schemas.microsoft.com/office/powerpoint/2010/main" Requires="p14">
       <p:transition spd="slow" p14:dur="1200" advClick="0">
         <p:fade thruBlk="1"/>
       </p:transition>
     </mc:Choice>
-    <mc:Fallback xmlns="">
+    <mc:Fallback>
+      <p:transition xmlns:p14="http://schemas.microsoft.com/office/powerpoint/2010/main" spd="slow" advClick="0">
+        <p:fade thruBlk="1"/>
+      </p:transition>
+    </mc:Fallback>
+  </mc:AlternateContent>
+  <p:timing>
+    <p:tnLst>
+      <p:par>
+        <p:cTn xmlns:p14="http://schemas.microsoft.com/office/powerpoint/2010/main" id="1" dur="indefinite" restart="never" nodeType="tmRoot">
+          <p:childTnLst>
+            <p:seq concurrent="1" nextAc="seek">
+              <p:cTn id="2" dur="indefinite" nodeType="mainSeq">
+                <p:childTnLst>
+                  <p:par>
+                    <p:cTn id="3" fill="hold">
+                      <p:stCondLst>
+                        <p:cond delay="indefinite"/>
+                      </p:stCondLst>
+                      <p:childTnLst>
+                        <p:par>
+                          <p:cTn id="4" fill="hold">
+                            <p:stCondLst>
+                              <p:cond delay="0"/>
+                            </p:stCondLst>
+                            <p:childTnLst>
+                              <p:par>
+                                <p:cTn id="5" presetID="22" presetClass="entr" presetSubtype="8" fill="hold" nodeType="clickEffect">
+                                  <p:stCondLst>
+                                    <p:cond delay="0"/>
+                                  </p:stCondLst>
+                                  <p:childTnLst>
+                                    <p:set>
+                                      <p:cBhvr>
+                                        <p:cTn id="6" dur="1" fill="hold">
+                                          <p:stCondLst>
+                                            <p:cond delay="0"/>
+                                          </p:stCondLst>
+                                        </p:cTn>
+                                        <p:tgtEl>
+                                          <p:spTgt spid="9218"/>
+                                        </p:tgtEl>
+                                        <p:attrNameLst>
+                                          <p:attrName>style.visibility</p:attrName>
+                                        </p:attrNameLst>
+                                      </p:cBhvr>
+                                      <p:to>
+                                        <p:strVal val="visible"/>
+                                      </p:to>
+                                    </p:set>
+                                    <p:animEffect transition="in" filter="wipe(left)">
+                                      <p:cBhvr>
+                                        <p:cTn id="7" dur="1000"/>
+                                        <p:tgtEl>
+                                          <p:spTgt spid="9218"/>
+                                        </p:tgtEl>
+                                      </p:cBhvr>
+                                    </p:animEffect>
+                                  </p:childTnLst>
+                                </p:cTn>
+                              </p:par>
+                            </p:childTnLst>
+                          </p:cTn>
+                        </p:par>
+                        <p:par>
+                          <p:cTn id="8" fill="hold">
+                            <p:stCondLst>
+                              <p:cond delay="1000"/>
+                            </p:stCondLst>
+                            <p:childTnLst>
+                              <p:par>
+                                <p:cTn id="9" presetID="22" presetClass="entr" presetSubtype="8" fill="hold" nodeType="afterEffect">
+                                  <p:stCondLst>
+                                    <p:cond delay="0"/>
+                                  </p:stCondLst>
+                                  <p:childTnLst>
+                                    <p:set>
+                                      <p:cBhvr>
+                                        <p:cTn id="10" dur="1" fill="hold">
+                                          <p:stCondLst>
+                                            <p:cond delay="0"/>
+                                          </p:stCondLst>
+                                        </p:cTn>
+                                        <p:tgtEl>
+                                          <p:spTgt spid="5"/>
+                                        </p:tgtEl>
+                                        <p:attrNameLst>
+                                          <p:attrName>style.visibility</p:attrName>
+                                        </p:attrNameLst>
+                                      </p:cBhvr>
+                                      <p:to>
+                                        <p:strVal val="visible"/>
+                                      </p:to>
+                                    </p:set>
+                                    <p:animEffect transition="in" filter="wipe(left)">
+                                      <p:cBhvr>
+                                        <p:cTn id="11" dur="1000"/>
+                                        <p:tgtEl>
+                                          <p:spTgt spid="5"/>
+                                        </p:tgtEl>
+                                      </p:cBhvr>
+                                    </p:animEffect>
+                                  </p:childTnLst>
+                                </p:cTn>
+                              </p:par>
+                            </p:childTnLst>
+                          </p:cTn>
+                        </p:par>
+                      </p:childTnLst>
+                    </p:cTn>
+                  </p:par>
+                </p:childTnLst>
+              </p:cTn>
+              <p:prevCondLst>
+                <p:cond evt="onPrev" delay="0">
+                  <p:tgtEl>
+                    <p:sldTgt/>
+                  </p:tgtEl>
+                </p:cond>
+              </p:prevCondLst>
+              <p:nextCondLst>
+                <p:cond evt="onNext" delay="0">
+                  <p:tgtEl>
+                    <p:sldTgt/>
+                  </p:tgtEl>
+                </p:cond>
+              </p:nextCondLst>
+            </p:seq>
+          </p:childTnLst>
+        </p:cTn>
+      </p:par>
+    </p:tnLst>
+  </p:timing>
+</p:sld>
+</file>
+
+<file path=ppt/slides/slide7.xml><?xml version="1.0" encoding="utf-8"?>
+<p:sld xmlns:a="http://schemas.openxmlformats.org/drawingml/2006/main" xmlns:r="http://schemas.openxmlformats.org/officeDocument/2006/relationships" xmlns:p="http://schemas.openxmlformats.org/presentationml/2006/main" show="0">
+  <p:cSld>
+    <p:spTree>
+      <p:nvGrpSpPr>
+        <p:cNvPr id="1" name=""/>
+        <p:cNvGrpSpPr/>
+        <p:nvPr/>
+      </p:nvGrpSpPr>
+      <p:grpSpPr>
+        <a:xfrm>
+          <a:off x="0" y="0"/>
+          <a:ext cx="0" cy="0"/>
+          <a:chOff x="0" y="0"/>
+          <a:chExt cx="0" cy="0"/>
+        </a:xfrm>
+      </p:grpSpPr>
+      <p:sp>
+        <p:nvSpPr>
+          <p:cNvPr id="9221" name="Rectangle 2"/>
+          <p:cNvSpPr>
+            <a:spLocks noGrp="1" noChangeArrowheads="1"/>
+          </p:cNvSpPr>
+          <p:nvPr>
+            <p:ph type="title"/>
+          </p:nvPr>
+        </p:nvSpPr>
+        <p:spPr>
+          <a:xfrm>
+            <a:off x="1341438" y="98425"/>
+            <a:ext cx="7688262" cy="1057275"/>
+          </a:xfrm>
+        </p:spPr>
+        <p:txBody>
+          <a:bodyPr/>
+          <a:lstStyle/>
+          <a:p>
+            <a:pPr eaLnBrk="1" hangingPunct="1"/>
+            <a:r>
+              <a:rPr lang="en-US" sz="4000" dirty="0" err="1" smtClean="0"/>
+              <a:t>Chebyshev</a:t>
+            </a:r>
+            <a:r>
+              <a:rPr lang="en-US" sz="4000" dirty="0" smtClean="0"/>
+              <a:t> Bound </a:t>
+            </a:r>
+            <a:r>
+              <a:rPr lang="en-US" sz="4000" dirty="0" smtClean="0"/>
+              <a:t>(Restated)</a:t>
+            </a:r>
+            <a:endParaRPr lang="en-US" sz="4000" dirty="0" smtClean="0"/>
+          </a:p>
+        </p:txBody>
+      </p:sp>
+      <p:graphicFrame>
+        <p:nvGraphicFramePr>
+          <p:cNvPr id="2" name="Object 1"/>
+          <p:cNvGraphicFramePr>
+            <a:graphicFrameLocks noChangeAspect="1"/>
+          </p:cNvGraphicFramePr>
+          <p:nvPr>
+            <p:extLst>
+              <p:ext uri="{D42A27DB-BD31-4B8C-83A1-F6EECF244321}">
+                <p14:modId xmlns:p14="http://schemas.microsoft.com/office/powerpoint/2010/main" val="825090891"/>
+              </p:ext>
+            </p:extLst>
+          </p:nvPr>
+        </p:nvGraphicFramePr>
+        <p:xfrm>
+          <a:off x="3514725" y="3165475"/>
+          <a:ext cx="2097088" cy="2871788"/>
+        </p:xfrm>
+        <a:graphic>
+          <a:graphicData uri="http://schemas.openxmlformats.org/presentationml/2006/ole">
+            <mc:AlternateContent xmlns:mc="http://schemas.openxmlformats.org/markup-compatibility/2006">
+              <mc:Choice xmlns:v="urn:schemas-microsoft-com:vml" Requires="v">
+                <p:oleObj spid="_x0000_s1040" name="Equation" r:id="rId4" imgW="342900" imgH="469900" progId="Equation.DSMT4">
+                  <p:embed/>
+                </p:oleObj>
+              </mc:Choice>
+              <mc:Fallback>
+                <p:oleObj name="Equation" r:id="rId4" imgW="342900" imgH="469900" progId="Equation.DSMT4">
+                  <p:embed/>
+                  <p:pic>
+                    <p:nvPicPr>
+                      <p:cNvPr id="0" name=""/>
+                      <p:cNvPicPr/>
+                      <p:nvPr/>
+                    </p:nvPicPr>
+                    <p:blipFill>
+                      <a:blip r:embed="rId5"/>
+                      <a:stretch>
+                        <a:fillRect/>
+                      </a:stretch>
+                    </p:blipFill>
+                    <p:spPr>
+                      <a:xfrm>
+                        <a:off x="3514725" y="3165475"/>
+                        <a:ext cx="2097088" cy="2871788"/>
+                      </a:xfrm>
+                      <a:prstGeom prst="rect">
+                        <a:avLst/>
+                      </a:prstGeom>
+                    </p:spPr>
+                  </p:pic>
+                </p:oleObj>
+              </mc:Fallback>
+            </mc:AlternateContent>
+          </a:graphicData>
+        </a:graphic>
+      </p:graphicFrame>
+      <p:graphicFrame>
+        <p:nvGraphicFramePr>
+          <p:cNvPr id="4" name="Object 3"/>
+          <p:cNvGraphicFramePr>
+            <a:graphicFrameLocks noChangeAspect="1"/>
+          </p:cNvGraphicFramePr>
+          <p:nvPr>
+            <p:extLst>
+              <p:ext uri="{D42A27DB-BD31-4B8C-83A1-F6EECF244321}">
+                <p14:modId xmlns:p14="http://schemas.microsoft.com/office/powerpoint/2010/main" val="3383565636"/>
+              </p:ext>
+            </p:extLst>
+          </p:nvPr>
+        </p:nvGraphicFramePr>
+        <p:xfrm>
+          <a:off x="412750" y="990600"/>
+          <a:ext cx="4362450" cy="1196155"/>
+        </p:xfrm>
+        <a:graphic>
+          <a:graphicData uri="http://schemas.openxmlformats.org/presentationml/2006/ole">
+            <mc:AlternateContent xmlns:mc="http://schemas.openxmlformats.org/markup-compatibility/2006">
+              <mc:Choice xmlns:v="urn:schemas-microsoft-com:vml" Requires="v">
+                <p:oleObj spid="_x0000_s1041" name="Equation" r:id="rId6" imgW="787400" imgH="215900" progId="Equation.DSMT4">
+                  <p:embed/>
+                </p:oleObj>
+              </mc:Choice>
+              <mc:Fallback>
+                <p:oleObj name="Equation" r:id="rId6" imgW="787400" imgH="215900" progId="Equation.DSMT4">
+                  <p:embed/>
+                  <p:pic>
+                    <p:nvPicPr>
+                      <p:cNvPr id="0" name=""/>
+                      <p:cNvPicPr/>
+                      <p:nvPr/>
+                    </p:nvPicPr>
+                    <p:blipFill>
+                      <a:blip r:embed="rId7"/>
+                      <a:stretch>
+                        <a:fillRect/>
+                      </a:stretch>
+                    </p:blipFill>
+                    <p:spPr>
+                      <a:xfrm>
+                        <a:off x="412750" y="990600"/>
+                        <a:ext cx="4362450" cy="1196155"/>
+                      </a:xfrm>
+                      <a:prstGeom prst="rect">
+                        <a:avLst/>
+                      </a:prstGeom>
+                    </p:spPr>
+                  </p:pic>
+                </p:oleObj>
+              </mc:Fallback>
+            </mc:AlternateContent>
+          </a:graphicData>
+        </a:graphic>
+      </p:graphicFrame>
+      <p:graphicFrame>
+        <p:nvGraphicFramePr>
+          <p:cNvPr id="6" name="Object 2"/>
+          <p:cNvGraphicFramePr>
+            <a:graphicFrameLocks noChangeAspect="1"/>
+          </p:cNvGraphicFramePr>
+          <p:nvPr>
+            <p:extLst>
+              <p:ext uri="{D42A27DB-BD31-4B8C-83A1-F6EECF244321}">
+                <p14:modId xmlns:p14="http://schemas.microsoft.com/office/powerpoint/2010/main" val="4161226079"/>
+              </p:ext>
+            </p:extLst>
+          </p:nvPr>
+        </p:nvGraphicFramePr>
+        <p:xfrm>
+          <a:off x="1033463" y="2198688"/>
+          <a:ext cx="7057290" cy="1433512"/>
+        </p:xfrm>
+        <a:graphic>
+          <a:graphicData uri="http://schemas.openxmlformats.org/presentationml/2006/ole">
+            <mc:AlternateContent xmlns:mc="http://schemas.openxmlformats.org/markup-compatibility/2006">
+              <mc:Choice xmlns:v="urn:schemas-microsoft-com:vml" Requires="v">
+                <p:oleObj spid="_x0000_s1042" name="Equation" r:id="rId8" imgW="1130300" imgH="228600" progId="Equation.DSMT4">
+                  <p:embed/>
+                </p:oleObj>
+              </mc:Choice>
+              <mc:Fallback>
+                <p:oleObj name="Equation" r:id="rId8" imgW="1130300" imgH="228600" progId="Equation.DSMT4">
+                  <p:embed/>
+                  <p:pic>
+                    <p:nvPicPr>
+                      <p:cNvPr id="0" name=""/>
+                      <p:cNvPicPr>
+                        <a:picLocks noChangeAspect="1" noChangeArrowheads="1"/>
+                      </p:cNvPicPr>
+                      <p:nvPr/>
+                    </p:nvPicPr>
+                    <p:blipFill>
+                      <a:blip r:embed="rId9"/>
+                      <a:srcRect/>
+                      <a:stretch>
+                        <a:fillRect/>
+                      </a:stretch>
+                    </p:blipFill>
+                    <p:spPr bwMode="auto">
+                      <a:xfrm>
+                        <a:off x="1033463" y="2198688"/>
+                        <a:ext cx="7057290" cy="1433512"/>
+                      </a:xfrm>
+                      <a:prstGeom prst="rect">
+                        <a:avLst/>
+                      </a:prstGeom>
+                      <a:noFill/>
+                      <a:extLst/>
+                    </p:spPr>
+                  </p:pic>
+                </p:oleObj>
+              </mc:Fallback>
+            </mc:AlternateContent>
+          </a:graphicData>
+        </a:graphic>
+      </p:graphicFrame>
+      <p:sp>
+        <p:nvSpPr>
+          <p:cNvPr id="3" name="Rectangle 2"/>
+          <p:cNvSpPr/>
+          <p:nvPr/>
+        </p:nvSpPr>
+        <p:spPr bwMode="auto">
+          <a:xfrm>
+            <a:off x="482600" y="1993900"/>
+            <a:ext cx="7950200" cy="4051300"/>
+          </a:xfrm>
+          <a:prstGeom prst="rect">
+            <a:avLst/>
+          </a:prstGeom>
+          <a:noFill/>
+          <a:ln w="41275" algn="ctr">
+            <a:solidFill>
+              <a:srgbClr val="FF00FF"/>
+            </a:solidFill>
+            <a:prstDash val="sysDash"/>
+            <a:miter lim="800000"/>
+            <a:headEnd/>
+            <a:tailEnd/>
+          </a:ln>
+        </p:spPr>
+        <p:txBody>
+          <a:bodyPr wrap="none" rtlCol="0" anchor="ctr"/>
+          <a:lstStyle/>
+          <a:p>
+            <a:pPr algn="ctr"/>
+            <a:endParaRPr lang="en-US"/>
+          </a:p>
+        </p:txBody>
+      </p:sp>
+    </p:spTree>
+    <p:extLst>
+      <p:ext uri="{BB962C8B-B14F-4D97-AF65-F5344CB8AC3E}">
+        <p14:creationId xmlns:p14="http://schemas.microsoft.com/office/powerpoint/2010/main" val="48287341"/>
+      </p:ext>
+    </p:extLst>
+  </p:cSld>
+  <p:clrMapOvr>
+    <a:masterClrMapping/>
+  </p:clrMapOvr>
+  <mc:AlternateContent xmlns:mc="http://schemas.openxmlformats.org/markup-compatibility/2006">
+    <mc:Choice xmlns:p14="http://schemas.microsoft.com/office/powerpoint/2010/main" Requires="p14">
+      <p:transition spd="slow" p14:dur="1200" advClick="0">
+        <p:fade thruBlk="1"/>
+      </p:transition>
+    </mc:Choice>
+    <mc:Fallback>
       <p:transition xmlns:p14="http://schemas.microsoft.com/office/powerpoint/2010/main" spd="slow" advClick="0">
         <p:fade thruBlk="1"/>
       </p:transition>
@@ -7901,7 +7460,7 @@
                                           </p:stCondLst>
                                         </p:cTn>
                                         <p:tgtEl>
-                                          <p:spTgt spid="9218"/>
+                                          <p:spTgt spid="6"/>
                                         </p:tgtEl>
                                         <p:attrNameLst>
                                           <p:attrName>style.visibility</p:attrName>
@@ -7915,7 +7474,7 @@
                                       <p:cBhvr>
                                         <p:cTn id="7" dur="2000"/>
                                         <p:tgtEl>
-                                          <p:spTgt spid="9218"/>
+                                          <p:spTgt spid="6"/>
                                         </p:tgtEl>
                                       </p:cBhvr>
                                     </p:animEffect>
@@ -7970,6 +7529,63 @@
           <a:chExt cx="0" cy="0"/>
         </a:xfrm>
       </p:grpSpPr>
+      <p:graphicFrame>
+        <p:nvGraphicFramePr>
+          <p:cNvPr id="2" name="Object 1"/>
+          <p:cNvGraphicFramePr>
+            <a:graphicFrameLocks noChangeAspect="1"/>
+          </p:cNvGraphicFramePr>
+          <p:nvPr>
+            <p:extLst>
+              <p:ext uri="{D42A27DB-BD31-4B8C-83A1-F6EECF244321}">
+                <p14:modId xmlns:p14="http://schemas.microsoft.com/office/powerpoint/2010/main" val="459298969"/>
+              </p:ext>
+            </p:extLst>
+          </p:nvPr>
+        </p:nvGraphicFramePr>
+        <p:xfrm>
+          <a:off x="1014413" y="1003299"/>
+          <a:ext cx="7062787" cy="2062584"/>
+        </p:xfrm>
+        <a:graphic>
+          <a:graphicData uri="http://schemas.openxmlformats.org/presentationml/2006/ole">
+            <mc:AlternateContent xmlns:mc="http://schemas.openxmlformats.org/markup-compatibility/2006">
+              <mc:Choice xmlns:v="urn:schemas-microsoft-com:vml" Requires="v">
+                <p:oleObj spid="_x0000_s500740" name="Equation" r:id="rId5" imgW="1435100" imgH="419100" progId="Equation.DSMT4">
+                  <p:embed/>
+                </p:oleObj>
+              </mc:Choice>
+              <mc:Fallback>
+                <p:oleObj name="Equation" r:id="rId5" imgW="1435100" imgH="419100" progId="Equation.DSMT4">
+                  <p:embed/>
+                  <p:pic>
+                    <p:nvPicPr>
+                      <p:cNvPr id="0" name=""/>
+                      <p:cNvPicPr/>
+                      <p:nvPr/>
+                    </p:nvPicPr>
+                    <p:blipFill>
+                      <a:blip r:embed="rId6"/>
+                      <a:stretch>
+                        <a:fillRect/>
+                      </a:stretch>
+                    </p:blipFill>
+                    <p:spPr>
+                      <a:xfrm>
+                        <a:off x="1014413" y="1003299"/>
+                        <a:ext cx="7062787" cy="2062584"/>
+                      </a:xfrm>
+                      <a:prstGeom prst="rect">
+                        <a:avLst/>
+                      </a:prstGeom>
+                    </p:spPr>
+                  </p:pic>
+                </p:oleObj>
+              </mc:Fallback>
+            </mc:AlternateContent>
+          </a:graphicData>
+        </a:graphic>
+      </p:graphicFrame>
       <p:sp>
         <p:nvSpPr>
           <p:cNvPr id="726019" name="Rectangle 3"/>
@@ -8015,7 +7631,7 @@
             <a:r>
               <a:rPr lang="el-GR" sz="4400" dirty="0" smtClean="0">
                 <a:solidFill>
-                  <a:srgbClr val="0000FF"/>
+                  <a:srgbClr val="008000"/>
                 </a:solidFill>
                 <a:cs typeface="Times New Roman" pitchFamily="18" charset="0"/>
               </a:rPr>
@@ -8072,6 +7688,9 @@
             </a:r>
             <a:r>
               <a:rPr lang="el-GR" sz="4800" dirty="0" smtClean="0">
+                <a:solidFill>
+                  <a:srgbClr val="008000"/>
+                </a:solidFill>
                 <a:cs typeface="Times New Roman" pitchFamily="18" charset="0"/>
               </a:rPr>
               <a:t>σ</a:t>
@@ -8113,7 +7732,7 @@
             <a:r>
               <a:rPr lang="en-US" sz="4800" dirty="0" smtClean="0">
                 <a:solidFill>
-                  <a:srgbClr val="0000FF"/>
+                  <a:srgbClr val="FF5050"/>
                 </a:solidFill>
                 <a:cs typeface="Times New Roman" pitchFamily="18" charset="0"/>
               </a:rPr>
@@ -8122,7 +7741,7 @@
             <a:r>
               <a:rPr lang="el-GR" sz="4800" dirty="0" smtClean="0">
                 <a:solidFill>
-                  <a:srgbClr val="0000FF"/>
+                  <a:srgbClr val="008000"/>
                 </a:solidFill>
                 <a:cs typeface="Times New Roman" pitchFamily="18" charset="0"/>
               </a:rPr>
@@ -8148,7 +7767,16 @@
                 </a:solidFill>
                 <a:cs typeface="Times New Roman" pitchFamily="18" charset="0"/>
               </a:rPr>
-              <a:t> 1/4</a:t>
+              <a:t> 1/</a:t>
+            </a:r>
+            <a:r>
+              <a:rPr lang="en-US" sz="4800" dirty="0" smtClean="0">
+                <a:solidFill>
+                  <a:srgbClr val="FF5050"/>
+                </a:solidFill>
+                <a:cs typeface="Times New Roman" pitchFamily="18" charset="0"/>
+              </a:rPr>
+              <a:t>4</a:t>
             </a:r>
           </a:p>
           <a:p>
@@ -8163,16 +7791,16 @@
               <a:rPr lang="en-US" sz="4800" dirty="0" smtClean="0">
                 <a:cs typeface="Times New Roman" pitchFamily="18" charset="0"/>
               </a:rPr>
-              <a:t>                     </a:t>
+              <a:t>                    </a:t>
             </a:r>
             <a:r>
               <a:rPr lang="en-US" sz="4800" dirty="0" smtClean="0">
                 <a:solidFill>
-                  <a:srgbClr val="008000"/>
+                  <a:srgbClr val="660066"/>
                 </a:solidFill>
                 <a:cs typeface="Times New Roman" pitchFamily="18" charset="0"/>
               </a:rPr>
-              <a:t>3</a:t>
+              <a:t> 3</a:t>
             </a:r>
             <a:r>
               <a:rPr lang="el-GR" sz="4800" dirty="0" smtClean="0">
@@ -8208,18 +7836,21 @@
             <a:r>
               <a:rPr lang="en-US" sz="4800" dirty="0" smtClean="0">
                 <a:solidFill>
-                  <a:srgbClr val="008000"/>
+                  <a:srgbClr val="0033CC"/>
                 </a:solidFill>
                 <a:cs typeface="Times New Roman" pitchFamily="18" charset="0"/>
               </a:rPr>
-              <a:t>1/9</a:t>
-            </a:r>
-            <a:endParaRPr lang="en-US" sz="4800" dirty="0" smtClean="0">
-              <a:solidFill>
-                <a:srgbClr val="0000FF"/>
-              </a:solidFill>
-              <a:cs typeface="Times New Roman" pitchFamily="18" charset="0"/>
-            </a:endParaRPr>
+              <a:t>1/</a:t>
+            </a:r>
+            <a:r>
+              <a:rPr lang="en-US" sz="4800" dirty="0" smtClean="0">
+                <a:solidFill>
+                  <a:srgbClr val="660066"/>
+                </a:solidFill>
+                <a:cs typeface="Times New Roman" pitchFamily="18" charset="0"/>
+              </a:rPr>
+              <a:t>9</a:t>
+            </a:r>
           </a:p>
           <a:p>
             <a:pPr eaLnBrk="1" hangingPunct="1">
@@ -8250,7 +7881,7 @@
             <a:r>
               <a:rPr lang="el-GR" sz="4800" dirty="0" smtClean="0">
                 <a:solidFill>
-                  <a:srgbClr val="FF00FF"/>
+                  <a:srgbClr val="008000"/>
                 </a:solidFill>
                 <a:cs typeface="Times New Roman" pitchFamily="18" charset="0"/>
               </a:rPr>
@@ -8281,101 +7912,24 @@
             <a:r>
               <a:rPr lang="en-US" sz="4800" dirty="0" smtClean="0">
                 <a:solidFill>
+                  <a:srgbClr val="0033CC"/>
+                </a:solidFill>
+                <a:cs typeface="Times New Roman" pitchFamily="18" charset="0"/>
+              </a:rPr>
+              <a:t>1/</a:t>
+            </a:r>
+            <a:r>
+              <a:rPr lang="en-US" sz="4800" dirty="0" smtClean="0">
+                <a:solidFill>
                   <a:srgbClr val="FF00FF"/>
                 </a:solidFill>
                 <a:cs typeface="Times New Roman" pitchFamily="18" charset="0"/>
               </a:rPr>
-              <a:t>1/16</a:t>
+              <a:t>16</a:t>
             </a:r>
           </a:p>
         </p:txBody>
       </p:sp>
-      <p:sp>
-        <p:nvSpPr>
-          <p:cNvPr id="10245" name="Rectangle 6"/>
-          <p:cNvSpPr>
-            <a:spLocks noGrp="1" noChangeArrowheads="1"/>
-          </p:cNvSpPr>
-          <p:nvPr>
-            <p:ph type="title"/>
-          </p:nvPr>
-        </p:nvSpPr>
-        <p:spPr>
-          <a:xfrm>
-            <a:off x="1773238" y="263525"/>
-            <a:ext cx="5562600" cy="1028700"/>
-          </a:xfrm>
-          <a:noFill/>
-        </p:spPr>
-        <p:txBody>
-          <a:bodyPr/>
-          <a:lstStyle/>
-          <a:p>
-            <a:pPr eaLnBrk="1" hangingPunct="1"/>
-            <a:r>
-              <a:rPr lang="en-US" sz="4000" smtClean="0"/>
-              <a:t>Standard Deviation</a:t>
-            </a:r>
-          </a:p>
-        </p:txBody>
-      </p:sp>
-      <p:graphicFrame>
-        <p:nvGraphicFramePr>
-          <p:cNvPr id="2" name="Object 1"/>
-          <p:cNvGraphicFramePr>
-            <a:graphicFrameLocks noChangeAspect="1"/>
-          </p:cNvGraphicFramePr>
-          <p:nvPr>
-            <p:extLst>
-              <p:ext uri="{D42A27DB-BD31-4B8C-83A1-F6EECF244321}">
-                <p14:modId xmlns:p14="http://schemas.microsoft.com/office/powerpoint/2010/main" val="3914963211"/>
-              </p:ext>
-            </p:extLst>
-          </p:nvPr>
-        </p:nvGraphicFramePr>
-        <p:xfrm>
-          <a:off x="1624974" y="1104899"/>
-          <a:ext cx="5893425" cy="1721089"/>
-        </p:xfrm>
-        <a:graphic>
-          <a:graphicData uri="http://schemas.openxmlformats.org/presentationml/2006/ole">
-            <mc:AlternateContent xmlns:mc="http://schemas.openxmlformats.org/markup-compatibility/2006">
-              <mc:Choice xmlns:v="urn:schemas-microsoft-com:vml" Requires="v">
-                <p:oleObj spid="_x0000_s10285" name="Equation" r:id="rId5" imgW="1435100" imgH="419100" progId="Equation.DSMT4">
-                  <p:embed/>
-                </p:oleObj>
-              </mc:Choice>
-              <mc:Fallback>
-                <p:oleObj name="Equation" r:id="rId5" imgW="1435100" imgH="419100" progId="Equation.DSMT4">
-                  <p:embed/>
-                  <p:pic>
-                    <p:nvPicPr>
-                      <p:cNvPr id="0" name=""/>
-                      <p:cNvPicPr/>
-                      <p:nvPr/>
-                    </p:nvPicPr>
-                    <p:blipFill>
-                      <a:blip r:embed="rId6"/>
-                      <a:stretch>
-                        <a:fillRect/>
-                      </a:stretch>
-                    </p:blipFill>
-                    <p:spPr>
-                      <a:xfrm>
-                        <a:off x="1624974" y="1104899"/>
-                        <a:ext cx="5893425" cy="1721089"/>
-                      </a:xfrm>
-                      <a:prstGeom prst="rect">
-                        <a:avLst/>
-                      </a:prstGeom>
-                    </p:spPr>
-                  </p:pic>
-                </p:oleObj>
-              </mc:Fallback>
-            </mc:AlternateContent>
-          </a:graphicData>
-        </a:graphic>
-      </p:graphicFrame>
       <p:sp>
         <p:nvSpPr>
           <p:cNvPr id="3" name="Rectangle 2"/>
@@ -8384,8 +7938,8 @@
         </p:nvSpPr>
         <p:spPr bwMode="auto">
           <a:xfrm>
-            <a:off x="1397000" y="1143000"/>
-            <a:ext cx="6350000" cy="1854200"/>
+            <a:off x="990600" y="1079500"/>
+            <a:ext cx="7099300" cy="2006600"/>
           </a:xfrm>
           <a:prstGeom prst="rect">
             <a:avLst/>
@@ -8410,10 +7964,52 @@
           </a:p>
         </p:txBody>
       </p:sp>
+      <p:sp>
+        <p:nvSpPr>
+          <p:cNvPr id="8" name="Rectangle 2"/>
+          <p:cNvSpPr>
+            <a:spLocks noGrp="1" noChangeArrowheads="1"/>
+          </p:cNvSpPr>
+          <p:nvPr>
+            <p:ph type="title"/>
+          </p:nvPr>
+        </p:nvSpPr>
+        <p:spPr>
+          <a:xfrm>
+            <a:off x="1341438" y="98425"/>
+            <a:ext cx="7688262" cy="1057275"/>
+          </a:xfrm>
+        </p:spPr>
+        <p:txBody>
+          <a:bodyPr/>
+          <a:lstStyle/>
+          <a:p>
+            <a:pPr eaLnBrk="1" hangingPunct="1"/>
+            <a:r>
+              <a:rPr lang="en-US" sz="4000" dirty="0" err="1" smtClean="0"/>
+              <a:t>Chebyshev</a:t>
+            </a:r>
+            <a:r>
+              <a:rPr lang="en-US" sz="4000" dirty="0" smtClean="0"/>
+              <a:t> Bound </a:t>
+            </a:r>
+            <a:r>
+              <a:rPr lang="en-US" sz="4000" dirty="0" smtClean="0"/>
+              <a:t>(Restated)</a:t>
+            </a:r>
+            <a:endParaRPr lang="en-US" sz="4000" dirty="0" smtClean="0"/>
+          </a:p>
+        </p:txBody>
+      </p:sp>
     </p:spTree>
     <p:custDataLst>
       <p:tags r:id="rId2"/>
     </p:custDataLst>
+    <p:extLst>
+      <p:ext uri="{BB962C8B-B14F-4D97-AF65-F5344CB8AC3E}">
+        <p14:creationId xmlns:p14="http://schemas.microsoft.com/office/powerpoint/2010/main" val="1539884687"/>
+      </p:ext>
+    </p:extLst>
   </p:cSld>
   <p:clrMapOvr>
     <a:masterClrMapping/>
@@ -8442,7 +8038,7 @@
                             </p:stCondLst>
                             <p:childTnLst>
                               <p:par>
-                                <p:cTn id="5" presetID="10" presetClass="entr" presetSubtype="0" fill="hold" grpId="0" nodeType="clickEffect">
+                                <p:cTn id="5" presetID="22" presetClass="entr" presetSubtype="8" fill="hold" nodeType="clickEffect">
                                   <p:stCondLst>
                                     <p:cond delay="0"/>
                                   </p:stCondLst>
@@ -8455,11 +8051,7 @@
                                           </p:stCondLst>
                                         </p:cTn>
                                         <p:tgtEl>
-                                          <p:spTgt spid="726019">
-                                            <p:txEl>
-                                              <p:pRg st="0" end="0"/>
-                                            </p:txEl>
-                                          </p:spTgt>
+                                          <p:spTgt spid="2"/>
                                         </p:tgtEl>
                                         <p:attrNameLst>
                                           <p:attrName>style.visibility</p:attrName>
@@ -8469,15 +8061,11 @@
                                         <p:strVal val="visible"/>
                                       </p:to>
                                     </p:set>
-                                    <p:animEffect transition="in" filter="fade">
+                                    <p:animEffect transition="in" filter="wipe(left)">
                                       <p:cBhvr>
-                                        <p:cTn id="7" dur="500"/>
+                                        <p:cTn id="7" dur="1000"/>
                                         <p:tgtEl>
-                                          <p:spTgt spid="726019">
-                                            <p:txEl>
-                                              <p:pRg st="0" end="0"/>
-                                            </p:txEl>
-                                          </p:spTgt>
+                                          <p:spTgt spid="2"/>
                                         </p:tgtEl>
                                       </p:cBhvr>
                                     </p:animEffect>
@@ -8516,11 +8104,7 @@
                                           </p:stCondLst>
                                         </p:cTn>
                                         <p:tgtEl>
-                                          <p:spTgt spid="726019">
-                                            <p:txEl>
-                                              <p:pRg st="1" end="1"/>
-                                            </p:txEl>
-                                          </p:spTgt>
+                                          <p:spTgt spid="3"/>
                                         </p:tgtEl>
                                         <p:attrNameLst>
                                           <p:attrName>style.visibility</p:attrName>
@@ -8534,11 +8118,7 @@
                                       <p:cBhvr>
                                         <p:cTn id="12" dur="500"/>
                                         <p:tgtEl>
-                                          <p:spTgt spid="726019">
-                                            <p:txEl>
-                                              <p:pRg st="1" end="1"/>
-                                            </p:txEl>
-                                          </p:spTgt>
+                                          <p:spTgt spid="3"/>
                                         </p:tgtEl>
                                       </p:cBhvr>
                                     </p:animEffect>
@@ -8579,7 +8159,7 @@
                                         <p:tgtEl>
                                           <p:spTgt spid="726019">
                                             <p:txEl>
-                                              <p:pRg st="2" end="2"/>
+                                              <p:pRg st="0" end="0"/>
                                             </p:txEl>
                                           </p:spTgt>
                                         </p:tgtEl>
@@ -8597,7 +8177,7 @@
                                         <p:tgtEl>
                                           <p:spTgt spid="726019">
                                             <p:txEl>
-                                              <p:pRg st="2" end="2"/>
+                                              <p:pRg st="0" end="0"/>
                                             </p:txEl>
                                           </p:spTgt>
                                         </p:tgtEl>
@@ -8640,7 +8220,7 @@
                                         <p:tgtEl>
                                           <p:spTgt spid="726019">
                                             <p:txEl>
-                                              <p:pRg st="3" end="3"/>
+                                              <p:pRg st="1" end="1"/>
                                             </p:txEl>
                                           </p:spTgt>
                                         </p:tgtEl>
@@ -8658,7 +8238,7 @@
                                         <p:tgtEl>
                                           <p:spTgt spid="726019">
                                             <p:txEl>
-                                              <p:pRg st="3" end="3"/>
+                                              <p:pRg st="1" end="1"/>
                                             </p:txEl>
                                           </p:spTgt>
                                         </p:tgtEl>
@@ -8701,6 +8281,128 @@
                                         <p:tgtEl>
                                           <p:spTgt spid="726019">
                                             <p:txEl>
+                                              <p:pRg st="2" end="2"/>
+                                            </p:txEl>
+                                          </p:spTgt>
+                                        </p:tgtEl>
+                                        <p:attrNameLst>
+                                          <p:attrName>style.visibility</p:attrName>
+                                        </p:attrNameLst>
+                                      </p:cBhvr>
+                                      <p:to>
+                                        <p:strVal val="visible"/>
+                                      </p:to>
+                                    </p:set>
+                                    <p:animEffect transition="in" filter="fade">
+                                      <p:cBhvr>
+                                        <p:cTn id="27" dur="500"/>
+                                        <p:tgtEl>
+                                          <p:spTgt spid="726019">
+                                            <p:txEl>
+                                              <p:pRg st="2" end="2"/>
+                                            </p:txEl>
+                                          </p:spTgt>
+                                        </p:tgtEl>
+                                      </p:cBhvr>
+                                    </p:animEffect>
+                                  </p:childTnLst>
+                                </p:cTn>
+                              </p:par>
+                            </p:childTnLst>
+                          </p:cTn>
+                        </p:par>
+                      </p:childTnLst>
+                    </p:cTn>
+                  </p:par>
+                  <p:par>
+                    <p:cTn id="28" fill="hold">
+                      <p:stCondLst>
+                        <p:cond delay="indefinite"/>
+                      </p:stCondLst>
+                      <p:childTnLst>
+                        <p:par>
+                          <p:cTn id="29" fill="hold">
+                            <p:stCondLst>
+                              <p:cond delay="0"/>
+                            </p:stCondLst>
+                            <p:childTnLst>
+                              <p:par>
+                                <p:cTn id="30" presetID="10" presetClass="entr" presetSubtype="0" fill="hold" grpId="0" nodeType="clickEffect">
+                                  <p:stCondLst>
+                                    <p:cond delay="0"/>
+                                  </p:stCondLst>
+                                  <p:childTnLst>
+                                    <p:set>
+                                      <p:cBhvr>
+                                        <p:cTn id="31" dur="1" fill="hold">
+                                          <p:stCondLst>
+                                            <p:cond delay="0"/>
+                                          </p:stCondLst>
+                                        </p:cTn>
+                                        <p:tgtEl>
+                                          <p:spTgt spid="726019">
+                                            <p:txEl>
+                                              <p:pRg st="3" end="3"/>
+                                            </p:txEl>
+                                          </p:spTgt>
+                                        </p:tgtEl>
+                                        <p:attrNameLst>
+                                          <p:attrName>style.visibility</p:attrName>
+                                        </p:attrNameLst>
+                                      </p:cBhvr>
+                                      <p:to>
+                                        <p:strVal val="visible"/>
+                                      </p:to>
+                                    </p:set>
+                                    <p:animEffect transition="in" filter="fade">
+                                      <p:cBhvr>
+                                        <p:cTn id="32" dur="500"/>
+                                        <p:tgtEl>
+                                          <p:spTgt spid="726019">
+                                            <p:txEl>
+                                              <p:pRg st="3" end="3"/>
+                                            </p:txEl>
+                                          </p:spTgt>
+                                        </p:tgtEl>
+                                      </p:cBhvr>
+                                    </p:animEffect>
+                                  </p:childTnLst>
+                                </p:cTn>
+                              </p:par>
+                            </p:childTnLst>
+                          </p:cTn>
+                        </p:par>
+                      </p:childTnLst>
+                    </p:cTn>
+                  </p:par>
+                  <p:par>
+                    <p:cTn id="33" fill="hold">
+                      <p:stCondLst>
+                        <p:cond delay="indefinite"/>
+                      </p:stCondLst>
+                      <p:childTnLst>
+                        <p:par>
+                          <p:cTn id="34" fill="hold">
+                            <p:stCondLst>
+                              <p:cond delay="0"/>
+                            </p:stCondLst>
+                            <p:childTnLst>
+                              <p:par>
+                                <p:cTn id="35" presetID="10" presetClass="entr" presetSubtype="0" fill="hold" grpId="0" nodeType="clickEffect">
+                                  <p:stCondLst>
+                                    <p:cond delay="0"/>
+                                  </p:stCondLst>
+                                  <p:childTnLst>
+                                    <p:set>
+                                      <p:cBhvr>
+                                        <p:cTn id="36" dur="1" fill="hold">
+                                          <p:stCondLst>
+                                            <p:cond delay="0"/>
+                                          </p:stCondLst>
+                                        </p:cTn>
+                                        <p:tgtEl>
+                                          <p:spTgt spid="726019">
+                                            <p:txEl>
                                               <p:pRg st="4" end="4"/>
                                             </p:txEl>
                                           </p:spTgt>
@@ -8715,7 +8417,7 @@
                                     </p:set>
                                     <p:animEffect transition="in" filter="fade">
                                       <p:cBhvr>
-                                        <p:cTn id="27" dur="500"/>
+                                        <p:cTn id="37" dur="500"/>
                                         <p:tgtEl>
                                           <p:spTgt spid="726019">
                                             <p:txEl>
@@ -8757,6 +8459,7 @@
     </p:tnLst>
     <p:bldLst>
       <p:bldP spid="726019" grpId="0" build="p"/>
+      <p:bldP spid="3" grpId="0" animBg="1"/>
     </p:bldLst>
   </p:timing>
 </p:sld>
@@ -8779,55 +8482,66 @@
           <a:chExt cx="0" cy="0"/>
         </a:xfrm>
       </p:grpSpPr>
+      <p:graphicFrame>
+        <p:nvGraphicFramePr>
+          <p:cNvPr id="2" name="Object 1"/>
+          <p:cNvGraphicFramePr>
+            <a:graphicFrameLocks noChangeAspect="1"/>
+          </p:cNvGraphicFramePr>
+          <p:nvPr>
+            <p:extLst>
+              <p:ext uri="{D42A27DB-BD31-4B8C-83A1-F6EECF244321}">
+                <p14:modId xmlns:p14="http://schemas.microsoft.com/office/powerpoint/2010/main" val="1513961805"/>
+              </p:ext>
+            </p:extLst>
+          </p:nvPr>
+        </p:nvGraphicFramePr>
+        <p:xfrm>
+          <a:off x="1014413" y="1003299"/>
+          <a:ext cx="7062787" cy="2062584"/>
+        </p:xfrm>
+        <a:graphic>
+          <a:graphicData uri="http://schemas.openxmlformats.org/presentationml/2006/ole">
+            <mc:AlternateContent xmlns:mc="http://schemas.openxmlformats.org/markup-compatibility/2006">
+              <mc:Choice xmlns:v="urn:schemas-microsoft-com:vml" Requires="v">
+                <p:oleObj spid="_x0000_s502786" name="Equation" r:id="rId5" imgW="1435100" imgH="419100" progId="Equation.DSMT4">
+                  <p:embed/>
+                </p:oleObj>
+              </mc:Choice>
+              <mc:Fallback>
+                <p:oleObj name="Equation" r:id="rId5" imgW="1435100" imgH="419100" progId="Equation.DSMT4">
+                  <p:embed/>
+                  <p:pic>
+                    <p:nvPicPr>
+                      <p:cNvPr id="0" name=""/>
+                      <p:cNvPicPr/>
+                      <p:nvPr/>
+                    </p:nvPicPr>
+                    <p:blipFill>
+                      <a:blip r:embed="rId6"/>
+                      <a:stretch>
+                        <a:fillRect/>
+                      </a:stretch>
+                    </p:blipFill>
+                    <p:spPr>
+                      <a:xfrm>
+                        <a:off x="1014413" y="1003299"/>
+                        <a:ext cx="7062787" cy="2062584"/>
+                      </a:xfrm>
+                      <a:prstGeom prst="rect">
+                        <a:avLst/>
+                      </a:prstGeom>
+                    </p:spPr>
+                  </p:pic>
+                </p:oleObj>
+              </mc:Fallback>
+            </mc:AlternateContent>
+          </a:graphicData>
+        </a:graphic>
+      </p:graphicFrame>
       <p:sp>
         <p:nvSpPr>
-          <p:cNvPr id="48131" name="Rectangle 2"/>
-          <p:cNvSpPr>
-            <a:spLocks noGrp="1" noChangeArrowheads="1"/>
-          </p:cNvSpPr>
-          <p:nvPr>
-            <p:ph type="title"/>
-          </p:nvPr>
-        </p:nvSpPr>
-        <p:spPr/>
-        <p:txBody>
-          <a:bodyPr/>
-          <a:lstStyle/>
-          <a:p>
-            <a:pPr eaLnBrk="1" hangingPunct="1"/>
-            <a:r>
-              <a:rPr lang="en-US" sz="4400" smtClean="0"/>
-              <a:t>Probably close to </a:t>
-            </a:r>
-            <a:r>
-              <a:rPr lang="en-US" sz="4400" smtClean="0">
-                <a:solidFill>
-                  <a:schemeClr val="tx1"/>
-                </a:solidFill>
-              </a:rPr>
-              <a:t>c·</a:t>
-            </a:r>
-            <a:r>
-              <a:rPr lang="el-GR" sz="4400" smtClean="0">
-                <a:solidFill>
-                  <a:schemeClr val="tx1"/>
-                </a:solidFill>
-                <a:cs typeface="Times New Roman" pitchFamily="18" charset="0"/>
-              </a:rPr>
-              <a:t>σ</a:t>
-            </a:r>
-            <a:endParaRPr lang="en-US" sz="4400" smtClean="0">
-              <a:solidFill>
-                <a:schemeClr val="tx1"/>
-              </a:solidFill>
-              <a:cs typeface="Times New Roman" pitchFamily="18" charset="0"/>
-            </a:endParaRPr>
-          </a:p>
-        </p:txBody>
-      </p:sp>
-      <p:sp>
-        <p:nvSpPr>
-          <p:cNvPr id="736259" name="Rectangle 3"/>
+          <p:cNvPr id="726019" name="Rectangle 3"/>
           <p:cNvSpPr>
             <a:spLocks noGrp="1" noChangeArrowheads="1"/>
           </p:cNvSpPr>
@@ -8837,8 +8551,8 @@
         </p:nvSpPr>
         <p:spPr>
           <a:xfrm>
-            <a:off x="601663" y="1630363"/>
-            <a:ext cx="7964487" cy="3470275"/>
+            <a:off x="381049" y="3107410"/>
+            <a:ext cx="8433790" cy="3320297"/>
           </a:xfrm>
         </p:spPr>
         <p:txBody>
@@ -8846,147 +8560,401 @@
           <a:lstStyle/>
           <a:p>
             <a:pPr eaLnBrk="1" hangingPunct="1">
+              <a:lnSpc>
+                <a:spcPct val="90000"/>
+              </a:lnSpc>
               <a:buFontTx/>
               <a:buNone/>
             </a:pPr>
             <a:r>
-              <a:rPr lang="en-US" sz="5400" dirty="0" smtClean="0">
+              <a:rPr lang="en-US" sz="4400" dirty="0" smtClean="0">
+                <a:solidFill>
+                  <a:srgbClr val="0000FF"/>
+                </a:solidFill>
                 <a:cs typeface="Times New Roman" pitchFamily="18" charset="0"/>
               </a:rPr>
-              <a:t>Probability that you are </a:t>
+              <a:t>R</a:t>
+            </a:r>
+            <a:r>
+              <a:rPr lang="en-US" sz="4400" dirty="0" smtClean="0">
+                <a:cs typeface="Times New Roman" pitchFamily="18" charset="0"/>
+              </a:rPr>
+              <a:t> probably not many </a:t>
+            </a:r>
+            <a:r>
+              <a:rPr lang="el-GR" sz="4400" dirty="0" smtClean="0">
+                <a:solidFill>
+                  <a:srgbClr val="008000"/>
+                </a:solidFill>
+                <a:cs typeface="Times New Roman" pitchFamily="18" charset="0"/>
+              </a:rPr>
+              <a:t>σ</a:t>
+            </a:r>
+            <a:r>
+              <a:rPr lang="en-US" sz="4400" dirty="0" smtClean="0">
+                <a:cs typeface="Times New Roman" pitchFamily="18" charset="0"/>
+              </a:rPr>
+              <a:t>’s from </a:t>
+            </a:r>
+            <a:r>
+              <a:rPr lang="en-US" sz="4400" dirty="0" err="1" smtClean="0">
+                <a:solidFill>
+                  <a:srgbClr val="0000FF"/>
+                </a:solidFill>
+                <a:latin typeface="Symbol" pitchFamily="18" charset="2"/>
+                <a:cs typeface="Times New Roman" pitchFamily="18" charset="0"/>
+                <a:sym typeface="Symbol" pitchFamily="18" charset="2"/>
+              </a:rPr>
+              <a:t>μ</a:t>
+            </a:r>
+            <a:r>
+              <a:rPr lang="en-US" sz="4400" dirty="0" smtClean="0">
+                <a:latin typeface="Symbol" pitchFamily="18" charset="2"/>
+                <a:cs typeface="Times New Roman" pitchFamily="18" charset="0"/>
+                <a:sym typeface="Symbol" pitchFamily="18" charset="2"/>
+              </a:rPr>
+              <a:t>: </a:t>
             </a:r>
           </a:p>
           <a:p>
             <a:pPr eaLnBrk="1" hangingPunct="1">
+              <a:lnSpc>
+                <a:spcPct val="65000"/>
+              </a:lnSpc>
               <a:buFontTx/>
               <a:buNone/>
             </a:pPr>
             <a:r>
-              <a:rPr lang="en-US" sz="5400" dirty="0" smtClean="0">
+              <a:rPr lang="en-US" sz="4800" dirty="0" smtClean="0">
                 <a:cs typeface="Times New Roman" pitchFamily="18" charset="0"/>
               </a:rPr>
-              <a:t>  </a:t>
-            </a:r>
-            <a:r>
-              <a:rPr lang="en-US" sz="5400" dirty="0" smtClean="0">
+              <a:t>further than</a:t>
+            </a:r>
+            <a:r>
+              <a:rPr lang="en-US" sz="4800" dirty="0" smtClean="0">
                 <a:solidFill>
                   <a:schemeClr val="accent2"/>
                 </a:solidFill>
                 <a:cs typeface="Times New Roman" pitchFamily="18" charset="0"/>
               </a:rPr>
-              <a:t>outside</a:t>
-            </a:r>
-            <a:r>
-              <a:rPr lang="en-US" sz="5400" dirty="0" smtClean="0">
+              <a:t>   </a:t>
+            </a:r>
+            <a:r>
+              <a:rPr lang="el-GR" sz="4800" dirty="0" smtClean="0">
+                <a:solidFill>
+                  <a:srgbClr val="008000"/>
+                </a:solidFill>
+                <a:cs typeface="Times New Roman" pitchFamily="18" charset="0"/>
+              </a:rPr>
+              <a:t>σ</a:t>
+            </a:r>
+            <a:r>
+              <a:rPr lang="en-US" sz="4800" dirty="0" smtClean="0">
+                <a:cs typeface="Times New Roman" pitchFamily="18" charset="0"/>
+              </a:rPr>
+              <a:t>     Pr </a:t>
+            </a:r>
+            <a:r>
+              <a:rPr lang="en-US" sz="4800" b="1" dirty="0" smtClean="0">
+                <a:latin typeface="Times New Roman" pitchFamily="18" charset="0"/>
+                <a:cs typeface="Times New Roman" pitchFamily="18" charset="0"/>
+              </a:rPr>
+              <a:t>≤</a:t>
+            </a:r>
+            <a:r>
+              <a:rPr lang="en-US" sz="4800" dirty="0" smtClean="0">
+                <a:cs typeface="Times New Roman" pitchFamily="18" charset="0"/>
+              </a:rPr>
+              <a:t> 1</a:t>
+            </a:r>
+          </a:p>
+          <a:p>
+            <a:pPr eaLnBrk="1" hangingPunct="1">
+              <a:lnSpc>
+                <a:spcPct val="65000"/>
+              </a:lnSpc>
+              <a:buFontTx/>
+              <a:buNone/>
+            </a:pPr>
+            <a:r>
+              <a:rPr lang="en-US" sz="4800" dirty="0" smtClean="0">
+                <a:cs typeface="Times New Roman" pitchFamily="18" charset="0"/>
+              </a:rPr>
+              <a:t>                     </a:t>
+            </a:r>
+            <a:r>
+              <a:rPr lang="en-US" sz="4800" dirty="0" smtClean="0">
+                <a:solidFill>
+                  <a:srgbClr val="FF5050"/>
+                </a:solidFill>
+                <a:cs typeface="Times New Roman" pitchFamily="18" charset="0"/>
+              </a:rPr>
+              <a:t>2</a:t>
+            </a:r>
+            <a:r>
+              <a:rPr lang="el-GR" sz="4800" dirty="0" smtClean="0">
+                <a:solidFill>
+                  <a:srgbClr val="008000"/>
+                </a:solidFill>
+                <a:cs typeface="Times New Roman" pitchFamily="18" charset="0"/>
+              </a:rPr>
+              <a:t>σ</a:t>
+            </a:r>
+            <a:r>
+              <a:rPr lang="en-US" sz="4800" dirty="0" smtClean="0">
+                <a:cs typeface="Times New Roman" pitchFamily="18" charset="0"/>
+              </a:rPr>
+              <a:t>     Pr </a:t>
+            </a:r>
+            <a:r>
+              <a:rPr lang="en-US" sz="4800" b="1" dirty="0" smtClean="0">
+                <a:latin typeface="Times New Roman" pitchFamily="18" charset="0"/>
+                <a:cs typeface="Times New Roman" pitchFamily="18" charset="0"/>
+              </a:rPr>
+              <a:t>≤</a:t>
+            </a:r>
+            <a:r>
+              <a:rPr lang="en-US" sz="4800" dirty="0" smtClean="0">
                 <a:solidFill>
                   <a:srgbClr val="0000FF"/>
                 </a:solidFill>
                 <a:cs typeface="Times New Roman" pitchFamily="18" charset="0"/>
               </a:rPr>
-              <a:t> µ ± 2</a:t>
-            </a:r>
-            <a:r>
-              <a:rPr lang="el-GR" sz="5400" dirty="0" smtClean="0">
+              <a:t> 1/</a:t>
+            </a:r>
+            <a:r>
+              <a:rPr lang="en-US" sz="4800" dirty="0" smtClean="0">
+                <a:solidFill>
+                  <a:srgbClr val="FF5050"/>
+                </a:solidFill>
+                <a:cs typeface="Times New Roman" pitchFamily="18" charset="0"/>
+              </a:rPr>
+              <a:t>4</a:t>
+            </a:r>
+          </a:p>
+          <a:p>
+            <a:pPr eaLnBrk="1" hangingPunct="1">
+              <a:lnSpc>
+                <a:spcPct val="65000"/>
+              </a:lnSpc>
+              <a:buFontTx/>
+              <a:buNone/>
+            </a:pPr>
+            <a:r>
+              <a:rPr lang="en-US" sz="4800" dirty="0" smtClean="0">
+                <a:cs typeface="Times New Roman" pitchFamily="18" charset="0"/>
+              </a:rPr>
+              <a:t>                    </a:t>
+            </a:r>
+            <a:r>
+              <a:rPr lang="en-US" sz="4800" dirty="0" smtClean="0">
+                <a:solidFill>
+                  <a:srgbClr val="660066"/>
+                </a:solidFill>
+                <a:cs typeface="Times New Roman" pitchFamily="18" charset="0"/>
+              </a:rPr>
+              <a:t> 3</a:t>
+            </a:r>
+            <a:r>
+              <a:rPr lang="el-GR" sz="4800" dirty="0" smtClean="0">
+                <a:solidFill>
+                  <a:srgbClr val="008000"/>
+                </a:solidFill>
+                <a:cs typeface="Times New Roman" pitchFamily="18" charset="0"/>
+              </a:rPr>
+              <a:t>σ</a:t>
+            </a:r>
+            <a:r>
+              <a:rPr lang="en-US" sz="4800" dirty="0" smtClean="0">
+                <a:cs typeface="Times New Roman" pitchFamily="18" charset="0"/>
+              </a:rPr>
+              <a:t>     Pr </a:t>
+            </a:r>
+            <a:r>
+              <a:rPr lang="en-US" sz="4800" b="1" dirty="0" smtClean="0">
+                <a:latin typeface="Times New Roman" pitchFamily="18" charset="0"/>
+                <a:cs typeface="Times New Roman" pitchFamily="18" charset="0"/>
+              </a:rPr>
+              <a:t>≤</a:t>
+            </a:r>
+            <a:r>
+              <a:rPr lang="en-US" sz="4800" dirty="0" smtClean="0">
                 <a:solidFill>
                   <a:srgbClr val="0000FF"/>
                 </a:solidFill>
                 <a:cs typeface="Times New Roman" pitchFamily="18" charset="0"/>
               </a:rPr>
-              <a:t>σ</a:t>
-            </a:r>
-            <a:r>
-              <a:rPr lang="en-US" sz="5400" dirty="0" smtClean="0">
+              <a:t> </a:t>
+            </a:r>
+            <a:r>
+              <a:rPr lang="en-US" sz="4800" dirty="0" smtClean="0">
+                <a:solidFill>
+                  <a:srgbClr val="0033CC"/>
+                </a:solidFill>
+                <a:cs typeface="Times New Roman" pitchFamily="18" charset="0"/>
+              </a:rPr>
+              <a:t>1/</a:t>
+            </a:r>
+            <a:r>
+              <a:rPr lang="en-US" sz="4800" dirty="0" smtClean="0">
+                <a:solidFill>
+                  <a:srgbClr val="660066"/>
+                </a:solidFill>
+                <a:cs typeface="Times New Roman" pitchFamily="18" charset="0"/>
+              </a:rPr>
+              <a:t>9</a:t>
+            </a:r>
+          </a:p>
+          <a:p>
+            <a:pPr eaLnBrk="1" hangingPunct="1">
+              <a:lnSpc>
+                <a:spcPct val="65000"/>
+              </a:lnSpc>
+              <a:buFontTx/>
+              <a:buNone/>
+            </a:pPr>
+            <a:r>
+              <a:rPr lang="en-US" sz="4800" dirty="0" smtClean="0">
                 <a:solidFill>
                   <a:srgbClr val="0000FF"/>
                 </a:solidFill>
                 <a:cs typeface="Times New Roman" pitchFamily="18" charset="0"/>
               </a:rPr>
-              <a:t>  </a:t>
-            </a:r>
-            <a:r>
-              <a:rPr lang="en-US" sz="5400" b="1" dirty="0" smtClean="0">
+              <a:t>			           </a:t>
+            </a:r>
+            <a:r>
+              <a:rPr lang="en-US" sz="4800" dirty="0" smtClean="0">
+                <a:solidFill>
+                  <a:srgbClr val="FF00FF"/>
+                </a:solidFill>
+                <a:cs typeface="Times New Roman" pitchFamily="18" charset="0"/>
+              </a:rPr>
+              <a:t>4</a:t>
+            </a:r>
+            <a:r>
+              <a:rPr lang="el-GR" sz="4800" dirty="0" smtClean="0">
+                <a:solidFill>
+                  <a:srgbClr val="008000"/>
+                </a:solidFill>
+                <a:cs typeface="Times New Roman" pitchFamily="18" charset="0"/>
+              </a:rPr>
+              <a:t>σ</a:t>
+            </a:r>
+            <a:r>
+              <a:rPr lang="en-US" sz="4800" dirty="0" smtClean="0">
+                <a:cs typeface="Times New Roman" pitchFamily="18" charset="0"/>
+              </a:rPr>
+              <a:t>     Pr </a:t>
+            </a:r>
+            <a:r>
+              <a:rPr lang="en-US" sz="4800" b="1" dirty="0" smtClean="0">
                 <a:latin typeface="Times New Roman" pitchFamily="18" charset="0"/>
                 <a:cs typeface="Times New Roman" pitchFamily="18" charset="0"/>
               </a:rPr>
               <a:t>≤</a:t>
             </a:r>
             <a:r>
-              <a:rPr lang="en-US" sz="5400" dirty="0" smtClean="0">
-                <a:solidFill>
-                  <a:srgbClr val="0000FF"/>
-                </a:solidFill>
-                <a:cs typeface="Times New Roman" pitchFamily="18" charset="0"/>
-              </a:rPr>
-              <a:t> 1/4</a:t>
-            </a:r>
-          </a:p>
-          <a:p>
-            <a:pPr eaLnBrk="1" hangingPunct="1">
-              <a:buFontTx/>
-              <a:buNone/>
-            </a:pPr>
-            <a:r>
-              <a:rPr lang="en-US" sz="5400" dirty="0" smtClean="0">
-                <a:cs typeface="Times New Roman" pitchFamily="18" charset="0"/>
-              </a:rPr>
-              <a:t>  </a:t>
-            </a:r>
-            <a:r>
-              <a:rPr lang="en-US" sz="5400" dirty="0" smtClean="0">
+              <a:rPr lang="en-US" sz="4800" dirty="0" smtClean="0">
                 <a:solidFill>
                   <a:schemeClr val="accent2"/>
                 </a:solidFill>
                 <a:cs typeface="Times New Roman" pitchFamily="18" charset="0"/>
               </a:rPr>
-              <a:t>outside</a:t>
-            </a:r>
-            <a:r>
-              <a:rPr lang="en-US" sz="5400" dirty="0" smtClean="0">
+              <a:t> </a:t>
+            </a:r>
+            <a:r>
+              <a:rPr lang="en-US" sz="4800" dirty="0" smtClean="0">
                 <a:solidFill>
-                  <a:srgbClr val="008000"/>
+                  <a:srgbClr val="0033CC"/>
                 </a:solidFill>
                 <a:cs typeface="Times New Roman" pitchFamily="18" charset="0"/>
               </a:rPr>
-              <a:t> µ ± 3</a:t>
-            </a:r>
-            <a:r>
-              <a:rPr lang="el-GR" sz="5400" dirty="0" smtClean="0">
+              <a:t>1/</a:t>
+            </a:r>
+            <a:r>
+              <a:rPr lang="en-US" sz="4800" dirty="0" smtClean="0">
                 <a:solidFill>
-                  <a:srgbClr val="008000"/>
+                  <a:srgbClr val="FF00FF"/>
                 </a:solidFill>
                 <a:cs typeface="Times New Roman" pitchFamily="18" charset="0"/>
               </a:rPr>
-              <a:t>σ</a:t>
-            </a:r>
-            <a:r>
-              <a:rPr lang="en-US" sz="5400" dirty="0" smtClean="0">
-                <a:solidFill>
-                  <a:srgbClr val="008000"/>
-                </a:solidFill>
-                <a:cs typeface="Times New Roman" pitchFamily="18" charset="0"/>
-              </a:rPr>
-              <a:t>  </a:t>
-            </a:r>
-            <a:r>
-              <a:rPr lang="en-US" sz="5400" b="1" dirty="0" smtClean="0">
-                <a:latin typeface="Times New Roman" pitchFamily="18" charset="0"/>
-                <a:cs typeface="Times New Roman" pitchFamily="18" charset="0"/>
-              </a:rPr>
-              <a:t>≤</a:t>
-            </a:r>
-            <a:r>
-              <a:rPr lang="en-US" sz="5400" dirty="0" smtClean="0">
-                <a:solidFill>
-                  <a:srgbClr val="008000"/>
-                </a:solidFill>
-                <a:cs typeface="Times New Roman" pitchFamily="18" charset="0"/>
-              </a:rPr>
-              <a:t> 1/9</a:t>
+              <a:t>16</a:t>
+            </a:r>
+          </a:p>
+        </p:txBody>
+      </p:sp>
+      <p:sp>
+        <p:nvSpPr>
+          <p:cNvPr id="3" name="Rectangle 2"/>
+          <p:cNvSpPr/>
+          <p:nvPr/>
+        </p:nvSpPr>
+        <p:spPr bwMode="auto">
+          <a:xfrm>
+            <a:off x="990600" y="1079500"/>
+            <a:ext cx="7099300" cy="2006600"/>
+          </a:xfrm>
+          <a:prstGeom prst="rect">
+            <a:avLst/>
+          </a:prstGeom>
+          <a:noFill/>
+          <a:ln w="41275" algn="ctr">
+            <a:solidFill>
+              <a:srgbClr val="FF00FF"/>
+            </a:solidFill>
+            <a:prstDash val="sysDash"/>
+            <a:miter lim="800000"/>
+            <a:headEnd/>
+            <a:tailEnd/>
+          </a:ln>
+        </p:spPr>
+        <p:txBody>
+          <a:bodyPr wrap="none" rtlCol="0" anchor="ctr"/>
+          <a:lstStyle/>
+          <a:p>
+            <a:pPr algn="ctr"/>
+            <a:endParaRPr lang="en-US"/>
+          </a:p>
+        </p:txBody>
+      </p:sp>
+      <p:sp>
+        <p:nvSpPr>
+          <p:cNvPr id="7" name="Rectangle 6"/>
+          <p:cNvSpPr>
+            <a:spLocks noGrp="1" noChangeArrowheads="1"/>
+          </p:cNvSpPr>
+          <p:nvPr>
+            <p:ph type="title"/>
+          </p:nvPr>
+        </p:nvSpPr>
+        <p:spPr>
+          <a:xfrm>
+            <a:off x="2036763" y="63499"/>
+            <a:ext cx="5113337" cy="1012825"/>
+          </a:xfrm>
+          <a:noFill/>
+        </p:spPr>
+        <p:txBody>
+          <a:bodyPr/>
+          <a:lstStyle/>
+          <a:p>
+            <a:pPr eaLnBrk="1" hangingPunct="1"/>
+            <a:r>
+              <a:rPr lang="en-US" sz="4000" dirty="0" smtClean="0"/>
+              <a:t>Standard Deviation</a:t>
             </a:r>
           </a:p>
         </p:txBody>
       </p:sp>
     </p:spTree>
+    <p:custDataLst>
+      <p:tags r:id="rId2"/>
+    </p:custDataLst>
+    <p:extLst>
+      <p:ext uri="{BB962C8B-B14F-4D97-AF65-F5344CB8AC3E}">
+        <p14:creationId xmlns:p14="http://schemas.microsoft.com/office/powerpoint/2010/main" val="3029808278"/>
+      </p:ext>
+    </p:extLst>
   </p:cSld>
   <p:clrMapOvr>
     <a:masterClrMapping/>
@@ -9015,7 +8983,7 @@
                             </p:stCondLst>
                             <p:childTnLst>
                               <p:par>
-                                <p:cTn id="5" presetID="1" presetClass="entr" presetSubtype="0" fill="hold" grpId="0" nodeType="clickEffect">
+                                <p:cTn id="5" presetID="22" presetClass="entr" presetSubtype="8" fill="hold" nodeType="clickEffect">
                                   <p:stCondLst>
                                     <p:cond delay="0"/>
                                   </p:stCondLst>
@@ -9028,7 +8996,113 @@
                                           </p:stCondLst>
                                         </p:cTn>
                                         <p:tgtEl>
-                                          <p:spTgt spid="736259">
+                                          <p:spTgt spid="2"/>
+                                        </p:tgtEl>
+                                        <p:attrNameLst>
+                                          <p:attrName>style.visibility</p:attrName>
+                                        </p:attrNameLst>
+                                      </p:cBhvr>
+                                      <p:to>
+                                        <p:strVal val="visible"/>
+                                      </p:to>
+                                    </p:set>
+                                    <p:animEffect transition="in" filter="wipe(left)">
+                                      <p:cBhvr>
+                                        <p:cTn id="7" dur="1000"/>
+                                        <p:tgtEl>
+                                          <p:spTgt spid="2"/>
+                                        </p:tgtEl>
+                                      </p:cBhvr>
+                                    </p:animEffect>
+                                  </p:childTnLst>
+                                </p:cTn>
+                              </p:par>
+                            </p:childTnLst>
+                          </p:cTn>
+                        </p:par>
+                      </p:childTnLst>
+                    </p:cTn>
+                  </p:par>
+                  <p:par>
+                    <p:cTn id="8" fill="hold">
+                      <p:stCondLst>
+                        <p:cond delay="indefinite"/>
+                      </p:stCondLst>
+                      <p:childTnLst>
+                        <p:par>
+                          <p:cTn id="9" fill="hold">
+                            <p:stCondLst>
+                              <p:cond delay="0"/>
+                            </p:stCondLst>
+                            <p:childTnLst>
+                              <p:par>
+                                <p:cTn id="10" presetID="10" presetClass="entr" presetSubtype="0" fill="hold" grpId="0" nodeType="clickEffect">
+                                  <p:stCondLst>
+                                    <p:cond delay="0"/>
+                                  </p:stCondLst>
+                                  <p:childTnLst>
+                                    <p:set>
+                                      <p:cBhvr>
+                                        <p:cTn id="11" dur="1" fill="hold">
+                                          <p:stCondLst>
+                                            <p:cond delay="0"/>
+                                          </p:stCondLst>
+                                        </p:cTn>
+                                        <p:tgtEl>
+                                          <p:spTgt spid="3"/>
+                                        </p:tgtEl>
+                                        <p:attrNameLst>
+                                          <p:attrName>style.visibility</p:attrName>
+                                        </p:attrNameLst>
+                                      </p:cBhvr>
+                                      <p:to>
+                                        <p:strVal val="visible"/>
+                                      </p:to>
+                                    </p:set>
+                                    <p:animEffect transition="in" filter="fade">
+                                      <p:cBhvr>
+                                        <p:cTn id="12" dur="500"/>
+                                        <p:tgtEl>
+                                          <p:spTgt spid="3"/>
+                                        </p:tgtEl>
+                                      </p:cBhvr>
+                                    </p:animEffect>
+                                  </p:childTnLst>
+                                </p:cTn>
+                              </p:par>
+                            </p:childTnLst>
+                          </p:cTn>
+                        </p:par>
+                      </p:childTnLst>
+                    </p:cTn>
+                  </p:par>
+                  <p:par>
+                    <p:cTn id="13" fill="hold">
+                      <p:stCondLst>
+                        <p:cond delay="indefinite"/>
+                      </p:stCondLst>
+                      <p:childTnLst>
+                        <p:par>
+                          <p:cTn id="14" fill="hold">
+                            <p:stCondLst>
+                              <p:cond delay="0"/>
+                            </p:stCondLst>
+                            <p:childTnLst>
+                              <p:par>
+                                <p:cTn id="15" presetID="10" presetClass="entr" presetSubtype="0" fill="hold" grpId="0" nodeType="clickEffect">
+                                  <p:stCondLst>
+                                    <p:cond delay="0"/>
+                                  </p:stCondLst>
+                                  <p:childTnLst>
+                                    <p:set>
+                                      <p:cBhvr>
+                                        <p:cTn id="16" dur="1" fill="hold">
+                                          <p:stCondLst>
+                                            <p:cond delay="0"/>
+                                          </p:stCondLst>
+                                        </p:cTn>
+                                        <p:tgtEl>
+                                          <p:spTgt spid="726019">
                                             <p:txEl>
                                               <p:pRg st="0" end="0"/>
                                             </p:txEl>
@@ -9042,6 +9116,18 @@
                                         <p:strVal val="visible"/>
                                       </p:to>
                                     </p:set>
+                                    <p:animEffect transition="in" filter="fade">
+                                      <p:cBhvr>
+                                        <p:cTn id="17" dur="500"/>
+                                        <p:tgtEl>
+                                          <p:spTgt spid="726019">
+                                            <p:txEl>
+                                              <p:pRg st="0" end="0"/>
+                                            </p:txEl>
+                                          </p:spTgt>
+                                        </p:tgtEl>
+                                      </p:cBhvr>
+                                    </p:animEffect>
                                   </p:childTnLst>
                                 </p:cTn>
                               </p:par>
@@ -9052,32 +9138,32 @@
                     </p:cTn>
                   </p:par>
                   <p:par>
-                    <p:cTn id="7" fill="hold">
+                    <p:cTn id="18" fill="hold">
                       <p:stCondLst>
                         <p:cond delay="indefinite"/>
                       </p:stCondLst>
                       <p:childTnLst>
                         <p:par>
-                          <p:cTn id="8" fill="hold">
+                          <p:cTn id="19" fill="hold">
                             <p:stCondLst>
                               <p:cond delay="0"/>
                             </p:stCondLst>
                             <p:childTnLst>
                               <p:par>
-                                <p:cTn id="9" presetID="1" presetClass="entr" presetSubtype="0" fill="hold" grpId="0" nodeType="clickEffect">
+                                <p:cTn id="20" presetID="10" presetClass="entr" presetSubtype="0" fill="hold" grpId="0" nodeType="clickEffect">
                                   <p:stCondLst>
                                     <p:cond delay="0"/>
                                   </p:stCondLst>
                                   <p:childTnLst>
                                     <p:set>
                                       <p:cBhvr>
-                                        <p:cTn id="10" dur="1" fill="hold">
+                                        <p:cTn id="21" dur="1" fill="hold">
                                           <p:stCondLst>
                                             <p:cond delay="0"/>
                                           </p:stCondLst>
                                         </p:cTn>
                                         <p:tgtEl>
-                                          <p:spTgt spid="736259">
+                                          <p:spTgt spid="726019">
                                             <p:txEl>
                                               <p:pRg st="1" end="1"/>
                                             </p:txEl>
@@ -9091,6 +9177,18 @@
                                         <p:strVal val="visible"/>
                                       </p:to>
                                     </p:set>
+                                    <p:animEffect transition="in" filter="fade">
+                                      <p:cBhvr>
+                                        <p:cTn id="22" dur="500"/>
+                                        <p:tgtEl>
+                                          <p:spTgt spid="726019">
+                                            <p:txEl>
+                                              <p:pRg st="1" end="1"/>
+                                            </p:txEl>
+                                          </p:spTgt>
+                                        </p:tgtEl>
+                                      </p:cBhvr>
+                                    </p:animEffect>
                                   </p:childTnLst>
                                 </p:cTn>
                               </p:par>
@@ -9101,32 +9199,32 @@
                     </p:cTn>
                   </p:par>
                   <p:par>
-                    <p:cTn id="11" fill="hold">
+                    <p:cTn id="23" fill="hold">
                       <p:stCondLst>
                         <p:cond delay="indefinite"/>
                       </p:stCondLst>
                       <p:childTnLst>
                         <p:par>
-                          <p:cTn id="12" fill="hold">
+                          <p:cTn id="24" fill="hold">
                             <p:stCondLst>
                               <p:cond delay="0"/>
                             </p:stCondLst>
                             <p:childTnLst>
                               <p:par>
-                                <p:cTn id="13" presetID="1" presetClass="entr" presetSubtype="0" fill="hold" nodeType="clickEffect">
+                                <p:cTn id="25" presetID="10" presetClass="entr" presetSubtype="0" fill="hold" grpId="0" nodeType="clickEffect">
                                   <p:stCondLst>
                                     <p:cond delay="0"/>
                                   </p:stCondLst>
                                   <p:childTnLst>
                                     <p:set>
                                       <p:cBhvr>
-                                        <p:cTn id="14" dur="1" fill="hold">
+                                        <p:cTn id="26" dur="1" fill="hold">
                                           <p:stCondLst>
                                             <p:cond delay="0"/>
                                           </p:stCondLst>
                                         </p:cTn>
                                         <p:tgtEl>
-                                          <p:spTgt spid="736259">
+                                          <p:spTgt spid="726019">
                                             <p:txEl>
                                               <p:pRg st="2" end="2"/>
                                             </p:txEl>
@@ -9140,6 +9238,140 @@
                                         <p:strVal val="visible"/>
                                       </p:to>
                                     </p:set>
+                                    <p:animEffect transition="in" filter="fade">
+                                      <p:cBhvr>
+                                        <p:cTn id="27" dur="500"/>
+                                        <p:tgtEl>
+                                          <p:spTgt spid="726019">
+                                            <p:txEl>
+                                              <p:pRg st="2" end="2"/>
+                                            </p:txEl>
+                                          </p:spTgt>
+                                        </p:tgtEl>
+                                      </p:cBhvr>
+                                    </p:animEffect>
+                                  </p:childTnLst>
+                                </p:cTn>
+                              </p:par>
+                            </p:childTnLst>
+                          </p:cTn>
+                        </p:par>
+                      </p:childTnLst>
+                    </p:cTn>
+                  </p:par>
+                  <p:par>
+                    <p:cTn id="28" fill="hold">
+                      <p:stCondLst>
+                        <p:cond delay="indefinite"/>
+                      </p:stCondLst>
+                      <p:childTnLst>
+                        <p:par>
+                          <p:cTn id="29" fill="hold">
+                            <p:stCondLst>
+                              <p:cond delay="0"/>
+                            </p:stCondLst>
+                            <p:childTnLst>
+                              <p:par>
+                                <p:cTn id="30" presetID="10" presetClass="entr" presetSubtype="0" fill="hold" grpId="0" nodeType="clickEffect">
+                                  <p:stCondLst>
+                                    <p:cond delay="0"/>
+                                  </p:stCondLst>
+                                  <p:childTnLst>
+                                    <p:set>
+                                      <p:cBhvr>
+                                        <p:cTn id="31" dur="1" fill="hold">
+                                          <p:stCondLst>
+                                            <p:cond delay="0"/>
+                                          </p:stCondLst>
+                                        </p:cTn>
+                                        <p:tgtEl>
+                                          <p:spTgt spid="726019">
+                                            <p:txEl>
+                                              <p:pRg st="3" end="3"/>
+                                            </p:txEl>
+                                          </p:spTgt>
+                                        </p:tgtEl>
+                                        <p:attrNameLst>
+                                          <p:attrName>style.visibility</p:attrName>
+                                        </p:attrNameLst>
+                                      </p:cBhvr>
+                                      <p:to>
+                                        <p:strVal val="visible"/>
+                                      </p:to>
+                                    </p:set>
+                                    <p:animEffect transition="in" filter="fade">
+                                      <p:cBhvr>
+                                        <p:cTn id="32" dur="500"/>
+                                        <p:tgtEl>
+                                          <p:spTgt spid="726019">
+                                            <p:txEl>
+                                              <p:pRg st="3" end="3"/>
+                                            </p:txEl>
+                                          </p:spTgt>
+                                        </p:tgtEl>
+                                      </p:cBhvr>
+                                    </p:animEffect>
+                                  </p:childTnLst>
+                                </p:cTn>
+                              </p:par>
+                            </p:childTnLst>
+                          </p:cTn>
+                        </p:par>
+                      </p:childTnLst>
+                    </p:cTn>
+                  </p:par>
+                  <p:par>
+                    <p:cTn id="33" fill="hold">
+                      <p:stCondLst>
+                        <p:cond delay="indefinite"/>
+                      </p:stCondLst>
+                      <p:childTnLst>
+                        <p:par>
+                          <p:cTn id="34" fill="hold">
+                            <p:stCondLst>
+                              <p:cond delay="0"/>
+                            </p:stCondLst>
+                            <p:childTnLst>
+                              <p:par>
+                                <p:cTn id="35" presetID="10" presetClass="entr" presetSubtype="0" fill="hold" grpId="0" nodeType="clickEffect">
+                                  <p:stCondLst>
+                                    <p:cond delay="0"/>
+                                  </p:stCondLst>
+                                  <p:childTnLst>
+                                    <p:set>
+                                      <p:cBhvr>
+                                        <p:cTn id="36" dur="1" fill="hold">
+                                          <p:stCondLst>
+                                            <p:cond delay="0"/>
+                                          </p:stCondLst>
+                                        </p:cTn>
+                                        <p:tgtEl>
+                                          <p:spTgt spid="726019">
+                                            <p:txEl>
+                                              <p:pRg st="4" end="4"/>
+                                            </p:txEl>
+                                          </p:spTgt>
+                                        </p:tgtEl>
+                                        <p:attrNameLst>
+                                          <p:attrName>style.visibility</p:attrName>
+                                        </p:attrNameLst>
+                                      </p:cBhvr>
+                                      <p:to>
+                                        <p:strVal val="visible"/>
+                                      </p:to>
+                                    </p:set>
+                                    <p:animEffect transition="in" filter="fade">
+                                      <p:cBhvr>
+                                        <p:cTn id="37" dur="500"/>
+                                        <p:tgtEl>
+                                          <p:spTgt spid="726019">
+                                            <p:txEl>
+                                              <p:pRg st="4" end="4"/>
+                                            </p:txEl>
+                                          </p:spTgt>
+                                        </p:tgtEl>
+                                      </p:cBhvr>
+                                    </p:animEffect>
                                   </p:childTnLst>
                                 </p:cTn>
                               </p:par>
@@ -9171,7 +9403,8 @@
       </p:par>
     </p:tnLst>
     <p:bldLst>
-      <p:bldP spid="736259" grpId="0" build="p"/>
+      <p:bldP spid="726019" grpId="0" build="p"/>
+      <p:bldP spid="3" grpId="0" animBg="1"/>
     </p:bldLst>
   </p:timing>
 </p:sld>
@@ -9220,7 +9453,7 @@
 
 <file path=ppt/tags/tag5.xml><?xml version="1.0" encoding="utf-8"?>
 <p:tagLst xmlns:a="http://schemas.openxmlformats.org/drawingml/2006/main" xmlns:r="http://schemas.openxmlformats.org/officeDocument/2006/relationships" xmlns:p="http://schemas.openxmlformats.org/presentationml/2006/main">
-  <p:tag name="TIMING" val="|14|7.9|6.8|40.6"/>
+  <p:tag name="TIMING" val="|15.7|8.9|6.6|14|7.3"/>
 </p:tagLst>
 </file>
 

--- a/spring13/slides13/deviation-chebyshev.pptx
+++ b/spring13/slides13/deviation-chebyshev.pptx
@@ -6,26 +6,31 @@
     <p:sldMasterId id="2147483687" r:id="rId2"/>
   </p:sldMasterIdLst>
   <p:notesMasterIdLst>
-    <p:notesMasterId r:id="rId12"/>
+    <p:notesMasterId r:id="rId17"/>
   </p:notesMasterIdLst>
   <p:handoutMasterIdLst>
-    <p:handoutMasterId r:id="rId13"/>
+    <p:handoutMasterId r:id="rId18"/>
   </p:handoutMasterIdLst>
   <p:sldIdLst>
     <p:sldId id="764" r:id="rId3"/>
     <p:sldId id="790" r:id="rId4"/>
     <p:sldId id="859" r:id="rId5"/>
-    <p:sldId id="806" r:id="rId6"/>
-    <p:sldId id="793" r:id="rId7"/>
-    <p:sldId id="794" r:id="rId8"/>
-    <p:sldId id="860" r:id="rId9"/>
-    <p:sldId id="861" r:id="rId10"/>
-    <p:sldId id="862" r:id="rId11"/>
+    <p:sldId id="863" r:id="rId6"/>
+    <p:sldId id="864" r:id="rId7"/>
+    <p:sldId id="865" r:id="rId8"/>
+    <p:sldId id="866" r:id="rId9"/>
+    <p:sldId id="867" r:id="rId10"/>
+    <p:sldId id="861" r:id="rId11"/>
+    <p:sldId id="806" r:id="rId12"/>
+    <p:sldId id="793" r:id="rId13"/>
+    <p:sldId id="794" r:id="rId14"/>
+    <p:sldId id="860" r:id="rId15"/>
+    <p:sldId id="862" r:id="rId16"/>
   </p:sldIdLst>
   <p:sldSz cx="9144000" cy="6858000" type="screen4x3"/>
   <p:notesSz cx="9601200" cy="7315200"/>
   <p:custDataLst>
-    <p:tags r:id="rId15"/>
+    <p:tags r:id="rId20"/>
   </p:custDataLst>
   <p:defaultTextStyle>
     <a:defPPr>
@@ -935,6 +940,446 @@
 </p:notes>
 </file>
 
+<file path=ppt/notesSlides/notesSlide10.xml><?xml version="1.0" encoding="utf-8"?>
+<p:notes xmlns:a="http://schemas.openxmlformats.org/drawingml/2006/main" xmlns:r="http://schemas.openxmlformats.org/officeDocument/2006/relationships" xmlns:p="http://schemas.openxmlformats.org/presentationml/2006/main">
+  <p:cSld>
+    <p:spTree>
+      <p:nvGrpSpPr>
+        <p:cNvPr id="1" name=""/>
+        <p:cNvGrpSpPr/>
+        <p:nvPr/>
+      </p:nvGrpSpPr>
+      <p:grpSpPr>
+        <a:xfrm>
+          <a:off x="0" y="0"/>
+          <a:ext cx="0" cy="0"/>
+          <a:chOff x="0" y="0"/>
+          <a:chExt cx="0" cy="0"/>
+        </a:xfrm>
+      </p:grpSpPr>
+      <p:sp>
+        <p:nvSpPr>
+          <p:cNvPr id="84994" name="Rectangle 7"/>
+          <p:cNvSpPr>
+            <a:spLocks noGrp="1" noChangeArrowheads="1"/>
+          </p:cNvSpPr>
+          <p:nvPr>
+            <p:ph type="sldNum" sz="quarter" idx="5"/>
+          </p:nvPr>
+        </p:nvSpPr>
+        <p:spPr>
+          <a:noFill/>
+        </p:spPr>
+        <p:txBody>
+          <a:bodyPr/>
+          <a:lstStyle/>
+          <a:p>
+            <a:fld id="{D2EF288E-83B7-4C4D-B8FC-65471DDB030C}" type="slidenum">
+              <a:rPr lang="en-US"/>
+              <a:pPr/>
+              <a:t>10</a:t>
+            </a:fld>
+            <a:endParaRPr lang="en-US"/>
+          </a:p>
+        </p:txBody>
+      </p:sp>
+      <p:sp>
+        <p:nvSpPr>
+          <p:cNvPr id="84995" name="Rectangle 2"/>
+          <p:cNvSpPr>
+            <a:spLocks noGrp="1" noRot="1" noChangeAspect="1" noChangeArrowheads="1" noTextEdit="1"/>
+          </p:cNvSpPr>
+          <p:nvPr>
+            <p:ph type="sldImg"/>
+          </p:nvPr>
+        </p:nvSpPr>
+        <p:spPr>
+          <a:ln/>
+        </p:spPr>
+      </p:sp>
+      <p:sp>
+        <p:nvSpPr>
+          <p:cNvPr id="84996" name="Rectangle 3"/>
+          <p:cNvSpPr>
+            <a:spLocks noGrp="1" noChangeArrowheads="1"/>
+          </p:cNvSpPr>
+          <p:nvPr>
+            <p:ph type="body" idx="1"/>
+          </p:nvPr>
+        </p:nvSpPr>
+        <p:spPr>
+          <a:noFill/>
+          <a:ln/>
+        </p:spPr>
+        <p:txBody>
+          <a:bodyPr/>
+          <a:lstStyle/>
+          <a:p>
+            <a:pPr eaLnBrk="1" hangingPunct="1"/>
+            <a:endParaRPr lang="en-US" smtClean="0"/>
+          </a:p>
+        </p:txBody>
+      </p:sp>
+    </p:spTree>
+  </p:cSld>
+  <p:clrMapOvr>
+    <a:masterClrMapping/>
+  </p:clrMapOvr>
+</p:notes>
+</file>
+
+<file path=ppt/notesSlides/notesSlide11.xml><?xml version="1.0" encoding="utf-8"?>
+<p:notes xmlns:a="http://schemas.openxmlformats.org/drawingml/2006/main" xmlns:r="http://schemas.openxmlformats.org/officeDocument/2006/relationships" xmlns:p="http://schemas.openxmlformats.org/presentationml/2006/main">
+  <p:cSld>
+    <p:spTree>
+      <p:nvGrpSpPr>
+        <p:cNvPr id="1" name=""/>
+        <p:cNvGrpSpPr/>
+        <p:nvPr/>
+      </p:nvGrpSpPr>
+      <p:grpSpPr>
+        <a:xfrm>
+          <a:off x="0" y="0"/>
+          <a:ext cx="0" cy="0"/>
+          <a:chOff x="0" y="0"/>
+          <a:chExt cx="0" cy="0"/>
+        </a:xfrm>
+      </p:grpSpPr>
+      <p:sp>
+        <p:nvSpPr>
+          <p:cNvPr id="84994" name="Rectangle 7"/>
+          <p:cNvSpPr>
+            <a:spLocks noGrp="1" noChangeArrowheads="1"/>
+          </p:cNvSpPr>
+          <p:nvPr>
+            <p:ph type="sldNum" sz="quarter" idx="5"/>
+          </p:nvPr>
+        </p:nvSpPr>
+        <p:spPr>
+          <a:noFill/>
+        </p:spPr>
+        <p:txBody>
+          <a:bodyPr/>
+          <a:lstStyle/>
+          <a:p>
+            <a:fld id="{D2EF288E-83B7-4C4D-B8FC-65471DDB030C}" type="slidenum">
+              <a:rPr lang="en-US"/>
+              <a:pPr/>
+              <a:t>11</a:t>
+            </a:fld>
+            <a:endParaRPr lang="en-US"/>
+          </a:p>
+        </p:txBody>
+      </p:sp>
+      <p:sp>
+        <p:nvSpPr>
+          <p:cNvPr id="84995" name="Rectangle 2"/>
+          <p:cNvSpPr>
+            <a:spLocks noGrp="1" noRot="1" noChangeAspect="1" noChangeArrowheads="1" noTextEdit="1"/>
+          </p:cNvSpPr>
+          <p:nvPr>
+            <p:ph type="sldImg"/>
+          </p:nvPr>
+        </p:nvSpPr>
+        <p:spPr>
+          <a:ln/>
+        </p:spPr>
+      </p:sp>
+      <p:sp>
+        <p:nvSpPr>
+          <p:cNvPr id="84996" name="Rectangle 3"/>
+          <p:cNvSpPr>
+            <a:spLocks noGrp="1" noChangeArrowheads="1"/>
+          </p:cNvSpPr>
+          <p:nvPr>
+            <p:ph type="body" idx="1"/>
+          </p:nvPr>
+        </p:nvSpPr>
+        <p:spPr>
+          <a:noFill/>
+          <a:ln/>
+        </p:spPr>
+        <p:txBody>
+          <a:bodyPr/>
+          <a:lstStyle/>
+          <a:p>
+            <a:pPr eaLnBrk="1" hangingPunct="1"/>
+            <a:endParaRPr lang="en-US" smtClean="0"/>
+          </a:p>
+        </p:txBody>
+      </p:sp>
+    </p:spTree>
+  </p:cSld>
+  <p:clrMapOvr>
+    <a:masterClrMapping/>
+  </p:clrMapOvr>
+</p:notes>
+</file>
+
+<file path=ppt/notesSlides/notesSlide12.xml><?xml version="1.0" encoding="utf-8"?>
+<p:notes xmlns:a="http://schemas.openxmlformats.org/drawingml/2006/main" xmlns:r="http://schemas.openxmlformats.org/officeDocument/2006/relationships" xmlns:p="http://schemas.openxmlformats.org/presentationml/2006/main">
+  <p:cSld>
+    <p:spTree>
+      <p:nvGrpSpPr>
+        <p:cNvPr id="1" name=""/>
+        <p:cNvGrpSpPr/>
+        <p:nvPr/>
+      </p:nvGrpSpPr>
+      <p:grpSpPr>
+        <a:xfrm>
+          <a:off x="0" y="0"/>
+          <a:ext cx="0" cy="0"/>
+          <a:chOff x="0" y="0"/>
+          <a:chExt cx="0" cy="0"/>
+        </a:xfrm>
+      </p:grpSpPr>
+      <p:sp>
+        <p:nvSpPr>
+          <p:cNvPr id="86018" name="Rectangle 7"/>
+          <p:cNvSpPr>
+            <a:spLocks noGrp="1" noChangeArrowheads="1"/>
+          </p:cNvSpPr>
+          <p:nvPr>
+            <p:ph type="sldNum" sz="quarter" idx="5"/>
+          </p:nvPr>
+        </p:nvSpPr>
+        <p:spPr>
+          <a:noFill/>
+        </p:spPr>
+        <p:txBody>
+          <a:bodyPr/>
+          <a:lstStyle/>
+          <a:p>
+            <a:fld id="{984906FB-C5CB-4728-854F-836E6D80BB25}" type="slidenum">
+              <a:rPr lang="en-US"/>
+              <a:pPr/>
+              <a:t>12</a:t>
+            </a:fld>
+            <a:endParaRPr lang="en-US"/>
+          </a:p>
+        </p:txBody>
+      </p:sp>
+      <p:sp>
+        <p:nvSpPr>
+          <p:cNvPr id="86019" name="Rectangle 2"/>
+          <p:cNvSpPr>
+            <a:spLocks noGrp="1" noRot="1" noChangeAspect="1" noChangeArrowheads="1" noTextEdit="1"/>
+          </p:cNvSpPr>
+          <p:nvPr>
+            <p:ph type="sldImg"/>
+          </p:nvPr>
+        </p:nvSpPr>
+        <p:spPr>
+          <a:ln/>
+        </p:spPr>
+      </p:sp>
+      <p:sp>
+        <p:nvSpPr>
+          <p:cNvPr id="86020" name="Rectangle 3"/>
+          <p:cNvSpPr>
+            <a:spLocks noGrp="1" noChangeArrowheads="1"/>
+          </p:cNvSpPr>
+          <p:nvPr>
+            <p:ph type="body" idx="1"/>
+          </p:nvPr>
+        </p:nvSpPr>
+        <p:spPr>
+          <a:noFill/>
+          <a:ln/>
+        </p:spPr>
+        <p:txBody>
+          <a:bodyPr/>
+          <a:lstStyle/>
+          <a:p>
+            <a:pPr eaLnBrk="1" hangingPunct="1"/>
+            <a:endParaRPr lang="en-US" smtClean="0"/>
+          </a:p>
+        </p:txBody>
+      </p:sp>
+    </p:spTree>
+  </p:cSld>
+  <p:clrMapOvr>
+    <a:masterClrMapping/>
+  </p:clrMapOvr>
+</p:notes>
+</file>
+
+<file path=ppt/notesSlides/notesSlide13.xml><?xml version="1.0" encoding="utf-8"?>
+<p:notes xmlns:a="http://schemas.openxmlformats.org/drawingml/2006/main" xmlns:r="http://schemas.openxmlformats.org/officeDocument/2006/relationships" xmlns:p="http://schemas.openxmlformats.org/presentationml/2006/main">
+  <p:cSld>
+    <p:spTree>
+      <p:nvGrpSpPr>
+        <p:cNvPr id="1" name=""/>
+        <p:cNvGrpSpPr/>
+        <p:nvPr/>
+      </p:nvGrpSpPr>
+      <p:grpSpPr>
+        <a:xfrm>
+          <a:off x="0" y="0"/>
+          <a:ext cx="0" cy="0"/>
+          <a:chOff x="0" y="0"/>
+          <a:chExt cx="0" cy="0"/>
+        </a:xfrm>
+      </p:grpSpPr>
+      <p:sp>
+        <p:nvSpPr>
+          <p:cNvPr id="86018" name="Rectangle 7"/>
+          <p:cNvSpPr>
+            <a:spLocks noGrp="1" noChangeArrowheads="1"/>
+          </p:cNvSpPr>
+          <p:nvPr>
+            <p:ph type="sldNum" sz="quarter" idx="5"/>
+          </p:nvPr>
+        </p:nvSpPr>
+        <p:spPr>
+          <a:noFill/>
+        </p:spPr>
+        <p:txBody>
+          <a:bodyPr/>
+          <a:lstStyle/>
+          <a:p>
+            <a:fld id="{984906FB-C5CB-4728-854F-836E6D80BB25}" type="slidenum">
+              <a:rPr lang="en-US"/>
+              <a:pPr/>
+              <a:t>13</a:t>
+            </a:fld>
+            <a:endParaRPr lang="en-US"/>
+          </a:p>
+        </p:txBody>
+      </p:sp>
+      <p:sp>
+        <p:nvSpPr>
+          <p:cNvPr id="86019" name="Rectangle 2"/>
+          <p:cNvSpPr>
+            <a:spLocks noGrp="1" noRot="1" noChangeAspect="1" noChangeArrowheads="1" noTextEdit="1"/>
+          </p:cNvSpPr>
+          <p:nvPr>
+            <p:ph type="sldImg"/>
+          </p:nvPr>
+        </p:nvSpPr>
+        <p:spPr>
+          <a:ln/>
+        </p:spPr>
+      </p:sp>
+      <p:sp>
+        <p:nvSpPr>
+          <p:cNvPr id="86020" name="Rectangle 3"/>
+          <p:cNvSpPr>
+            <a:spLocks noGrp="1" noChangeArrowheads="1"/>
+          </p:cNvSpPr>
+          <p:nvPr>
+            <p:ph type="body" idx="1"/>
+          </p:nvPr>
+        </p:nvSpPr>
+        <p:spPr>
+          <a:noFill/>
+          <a:ln/>
+        </p:spPr>
+        <p:txBody>
+          <a:bodyPr/>
+          <a:lstStyle/>
+          <a:p>
+            <a:pPr eaLnBrk="1" hangingPunct="1"/>
+            <a:endParaRPr lang="en-US" smtClean="0"/>
+          </a:p>
+        </p:txBody>
+      </p:sp>
+    </p:spTree>
+  </p:cSld>
+  <p:clrMapOvr>
+    <a:masterClrMapping/>
+  </p:clrMapOvr>
+</p:notes>
+</file>
+
+<file path=ppt/notesSlides/notesSlide14.xml><?xml version="1.0" encoding="utf-8"?>
+<p:notes xmlns:a="http://schemas.openxmlformats.org/drawingml/2006/main" xmlns:r="http://schemas.openxmlformats.org/officeDocument/2006/relationships" xmlns:p="http://schemas.openxmlformats.org/presentationml/2006/main">
+  <p:cSld>
+    <p:spTree>
+      <p:nvGrpSpPr>
+        <p:cNvPr id="1" name=""/>
+        <p:cNvGrpSpPr/>
+        <p:nvPr/>
+      </p:nvGrpSpPr>
+      <p:grpSpPr>
+        <a:xfrm>
+          <a:off x="0" y="0"/>
+          <a:ext cx="0" cy="0"/>
+          <a:chOff x="0" y="0"/>
+          <a:chExt cx="0" cy="0"/>
+        </a:xfrm>
+      </p:grpSpPr>
+      <p:sp>
+        <p:nvSpPr>
+          <p:cNvPr id="87042" name="Rectangle 7"/>
+          <p:cNvSpPr>
+            <a:spLocks noGrp="1" noChangeArrowheads="1"/>
+          </p:cNvSpPr>
+          <p:nvPr>
+            <p:ph type="sldNum" sz="quarter" idx="5"/>
+          </p:nvPr>
+        </p:nvSpPr>
+        <p:spPr>
+          <a:noFill/>
+        </p:spPr>
+        <p:txBody>
+          <a:bodyPr/>
+          <a:lstStyle/>
+          <a:p>
+            <a:fld id="{3F183194-98C9-4413-984E-18B2C48D4821}" type="slidenum">
+              <a:rPr lang="en-US"/>
+              <a:pPr/>
+              <a:t>14</a:t>
+            </a:fld>
+            <a:endParaRPr lang="en-US"/>
+          </a:p>
+        </p:txBody>
+      </p:sp>
+      <p:sp>
+        <p:nvSpPr>
+          <p:cNvPr id="87043" name="Rectangle 2"/>
+          <p:cNvSpPr>
+            <a:spLocks noGrp="1" noRot="1" noChangeAspect="1" noChangeArrowheads="1" noTextEdit="1"/>
+          </p:cNvSpPr>
+          <p:nvPr>
+            <p:ph type="sldImg"/>
+          </p:nvPr>
+        </p:nvSpPr>
+        <p:spPr>
+          <a:ln/>
+        </p:spPr>
+      </p:sp>
+      <p:sp>
+        <p:nvSpPr>
+          <p:cNvPr id="87044" name="Rectangle 3"/>
+          <p:cNvSpPr>
+            <a:spLocks noGrp="1" noChangeArrowheads="1"/>
+          </p:cNvSpPr>
+          <p:nvPr>
+            <p:ph type="body" idx="1"/>
+          </p:nvPr>
+        </p:nvSpPr>
+        <p:spPr>
+          <a:noFill/>
+          <a:ln/>
+        </p:spPr>
+        <p:txBody>
+          <a:bodyPr/>
+          <a:lstStyle/>
+          <a:p>
+            <a:pPr eaLnBrk="1" hangingPunct="1"/>
+            <a:endParaRPr lang="en-US" smtClean="0"/>
+          </a:p>
+        </p:txBody>
+      </p:sp>
+    </p:spTree>
+  </p:cSld>
+  <p:clrMapOvr>
+    <a:masterClrMapping/>
+  </p:clrMapOvr>
+</p:notes>
+</file>
+
 <file path=ppt/notesSlides/notesSlide2.xml><?xml version="1.0" encoding="utf-8"?>
 <p:notes xmlns:a="http://schemas.openxmlformats.org/drawingml/2006/main" xmlns:r="http://schemas.openxmlformats.org/officeDocument/2006/relationships" xmlns:p="http://schemas.openxmlformats.org/presentationml/2006/main">
   <p:cSld>
@@ -1130,7 +1575,7 @@
       </p:grpSpPr>
       <p:sp>
         <p:nvSpPr>
-          <p:cNvPr id="84994" name="Rectangle 7"/>
+          <p:cNvPr id="82946" name="Rectangle 7"/>
           <p:cNvSpPr>
             <a:spLocks noGrp="1" noChangeArrowheads="1"/>
           </p:cNvSpPr>
@@ -1145,7 +1590,7 @@
           <a:bodyPr/>
           <a:lstStyle/>
           <a:p>
-            <a:fld id="{D2EF288E-83B7-4C4D-B8FC-65471DDB030C}" type="slidenum">
+            <a:fld id="{6930F263-5C53-4B37-9EAE-BECA69AE5181}" type="slidenum">
               <a:rPr lang="en-US"/>
               <a:pPr/>
               <a:t>4</a:t>
@@ -1156,7 +1601,7 @@
       </p:sp>
       <p:sp>
         <p:nvSpPr>
-          <p:cNvPr id="84995" name="Rectangle 2"/>
+          <p:cNvPr id="82947" name="Rectangle 2"/>
           <p:cNvSpPr>
             <a:spLocks noGrp="1" noRot="1" noChangeAspect="1" noChangeArrowheads="1" noTextEdit="1"/>
           </p:cNvSpPr>
@@ -1170,7 +1615,7 @@
       </p:sp>
       <p:sp>
         <p:nvSpPr>
-          <p:cNvPr id="84996" name="Rectangle 3"/>
+          <p:cNvPr id="82948" name="Rectangle 3"/>
           <p:cNvSpPr>
             <a:spLocks noGrp="1" noChangeArrowheads="1"/>
           </p:cNvSpPr>
@@ -1187,7 +1632,7 @@
           <a:lstStyle/>
           <a:p>
             <a:pPr eaLnBrk="1" hangingPunct="1"/>
-            <a:endParaRPr lang="en-US" smtClean="0"/>
+            <a:endParaRPr lang="en-US" dirty="0" smtClean="0"/>
           </a:p>
         </p:txBody>
       </p:sp>
@@ -1218,7 +1663,7 @@
       </p:grpSpPr>
       <p:sp>
         <p:nvSpPr>
-          <p:cNvPr id="84994" name="Rectangle 7"/>
+          <p:cNvPr id="82946" name="Rectangle 7"/>
           <p:cNvSpPr>
             <a:spLocks noGrp="1" noChangeArrowheads="1"/>
           </p:cNvSpPr>
@@ -1233,7 +1678,7 @@
           <a:bodyPr/>
           <a:lstStyle/>
           <a:p>
-            <a:fld id="{D2EF288E-83B7-4C4D-B8FC-65471DDB030C}" type="slidenum">
+            <a:fld id="{6930F263-5C53-4B37-9EAE-BECA69AE5181}" type="slidenum">
               <a:rPr lang="en-US"/>
               <a:pPr/>
               <a:t>5</a:t>
@@ -1244,7 +1689,7 @@
       </p:sp>
       <p:sp>
         <p:nvSpPr>
-          <p:cNvPr id="84995" name="Rectangle 2"/>
+          <p:cNvPr id="82947" name="Rectangle 2"/>
           <p:cNvSpPr>
             <a:spLocks noGrp="1" noRot="1" noChangeAspect="1" noChangeArrowheads="1" noTextEdit="1"/>
           </p:cNvSpPr>
@@ -1258,7 +1703,7 @@
       </p:sp>
       <p:sp>
         <p:nvSpPr>
-          <p:cNvPr id="84996" name="Rectangle 3"/>
+          <p:cNvPr id="82948" name="Rectangle 3"/>
           <p:cNvSpPr>
             <a:spLocks noGrp="1" noChangeArrowheads="1"/>
           </p:cNvSpPr>
@@ -1275,7 +1720,7 @@
           <a:lstStyle/>
           <a:p>
             <a:pPr eaLnBrk="1" hangingPunct="1"/>
-            <a:endParaRPr lang="en-US" smtClean="0"/>
+            <a:endParaRPr lang="en-US" dirty="0" smtClean="0"/>
           </a:p>
         </p:txBody>
       </p:sp>
@@ -1306,7 +1751,7 @@
       </p:grpSpPr>
       <p:sp>
         <p:nvSpPr>
-          <p:cNvPr id="86018" name="Rectangle 7"/>
+          <p:cNvPr id="82946" name="Rectangle 7"/>
           <p:cNvSpPr>
             <a:spLocks noGrp="1" noChangeArrowheads="1"/>
           </p:cNvSpPr>
@@ -1321,7 +1766,7 @@
           <a:bodyPr/>
           <a:lstStyle/>
           <a:p>
-            <a:fld id="{984906FB-C5CB-4728-854F-836E6D80BB25}" type="slidenum">
+            <a:fld id="{6930F263-5C53-4B37-9EAE-BECA69AE5181}" type="slidenum">
               <a:rPr lang="en-US"/>
               <a:pPr/>
               <a:t>6</a:t>
@@ -1332,7 +1777,7 @@
       </p:sp>
       <p:sp>
         <p:nvSpPr>
-          <p:cNvPr id="86019" name="Rectangle 2"/>
+          <p:cNvPr id="82947" name="Rectangle 2"/>
           <p:cNvSpPr>
             <a:spLocks noGrp="1" noRot="1" noChangeAspect="1" noChangeArrowheads="1" noTextEdit="1"/>
           </p:cNvSpPr>
@@ -1346,7 +1791,7 @@
       </p:sp>
       <p:sp>
         <p:nvSpPr>
-          <p:cNvPr id="86020" name="Rectangle 3"/>
+          <p:cNvPr id="82948" name="Rectangle 3"/>
           <p:cNvSpPr>
             <a:spLocks noGrp="1" noChangeArrowheads="1"/>
           </p:cNvSpPr>
@@ -1363,7 +1808,7 @@
           <a:lstStyle/>
           <a:p>
             <a:pPr eaLnBrk="1" hangingPunct="1"/>
-            <a:endParaRPr lang="en-US" smtClean="0"/>
+            <a:endParaRPr lang="en-US" dirty="0" smtClean="0"/>
           </a:p>
         </p:txBody>
       </p:sp>
@@ -1394,7 +1839,7 @@
       </p:grpSpPr>
       <p:sp>
         <p:nvSpPr>
-          <p:cNvPr id="86018" name="Rectangle 7"/>
+          <p:cNvPr id="82946" name="Rectangle 7"/>
           <p:cNvSpPr>
             <a:spLocks noGrp="1" noChangeArrowheads="1"/>
           </p:cNvSpPr>
@@ -1409,7 +1854,7 @@
           <a:bodyPr/>
           <a:lstStyle/>
           <a:p>
-            <a:fld id="{984906FB-C5CB-4728-854F-836E6D80BB25}" type="slidenum">
+            <a:fld id="{6930F263-5C53-4B37-9EAE-BECA69AE5181}" type="slidenum">
               <a:rPr lang="en-US"/>
               <a:pPr/>
               <a:t>7</a:t>
@@ -1420,7 +1865,7 @@
       </p:sp>
       <p:sp>
         <p:nvSpPr>
-          <p:cNvPr id="86019" name="Rectangle 2"/>
+          <p:cNvPr id="82947" name="Rectangle 2"/>
           <p:cNvSpPr>
             <a:spLocks noGrp="1" noRot="1" noChangeAspect="1" noChangeArrowheads="1" noTextEdit="1"/>
           </p:cNvSpPr>
@@ -1434,7 +1879,7 @@
       </p:sp>
       <p:sp>
         <p:nvSpPr>
-          <p:cNvPr id="86020" name="Rectangle 3"/>
+          <p:cNvPr id="82948" name="Rectangle 3"/>
           <p:cNvSpPr>
             <a:spLocks noGrp="1" noChangeArrowheads="1"/>
           </p:cNvSpPr>
@@ -1451,7 +1896,7 @@
           <a:lstStyle/>
           <a:p>
             <a:pPr eaLnBrk="1" hangingPunct="1"/>
-            <a:endParaRPr lang="en-US" smtClean="0"/>
+            <a:endParaRPr lang="en-US" dirty="0" smtClean="0"/>
           </a:p>
         </p:txBody>
       </p:sp>
@@ -1482,7 +1927,7 @@
       </p:grpSpPr>
       <p:sp>
         <p:nvSpPr>
-          <p:cNvPr id="87042" name="Rectangle 7"/>
+          <p:cNvPr id="82946" name="Rectangle 7"/>
           <p:cNvSpPr>
             <a:spLocks noGrp="1" noChangeArrowheads="1"/>
           </p:cNvSpPr>
@@ -1497,7 +1942,7 @@
           <a:bodyPr/>
           <a:lstStyle/>
           <a:p>
-            <a:fld id="{3F183194-98C9-4413-984E-18B2C48D4821}" type="slidenum">
+            <a:fld id="{6930F263-5C53-4B37-9EAE-BECA69AE5181}" type="slidenum">
               <a:rPr lang="en-US"/>
               <a:pPr/>
               <a:t>8</a:t>
@@ -1508,7 +1953,7 @@
       </p:sp>
       <p:sp>
         <p:nvSpPr>
-          <p:cNvPr id="87043" name="Rectangle 2"/>
+          <p:cNvPr id="82947" name="Rectangle 2"/>
           <p:cNvSpPr>
             <a:spLocks noGrp="1" noRot="1" noChangeAspect="1" noChangeArrowheads="1" noTextEdit="1"/>
           </p:cNvSpPr>
@@ -1522,7 +1967,7 @@
       </p:sp>
       <p:sp>
         <p:nvSpPr>
-          <p:cNvPr id="87044" name="Rectangle 3"/>
+          <p:cNvPr id="82948" name="Rectangle 3"/>
           <p:cNvSpPr>
             <a:spLocks noGrp="1" noChangeArrowheads="1"/>
           </p:cNvSpPr>
@@ -1539,7 +1984,7 @@
           <a:lstStyle/>
           <a:p>
             <a:pPr eaLnBrk="1" hangingPunct="1"/>
-            <a:endParaRPr lang="en-US" smtClean="0"/>
+            <a:endParaRPr lang="en-US" dirty="0" smtClean="0"/>
           </a:p>
         </p:txBody>
       </p:sp>
@@ -3818,6 +4263,2871 @@
 </p:sld>
 </file>
 
+<file path=ppt/slides/slide10.xml><?xml version="1.0" encoding="utf-8"?>
+<p:sld xmlns:a="http://schemas.openxmlformats.org/drawingml/2006/main" xmlns:r="http://schemas.openxmlformats.org/officeDocument/2006/relationships" xmlns:p="http://schemas.openxmlformats.org/presentationml/2006/main" show="0">
+  <p:cSld>
+    <p:spTree>
+      <p:nvGrpSpPr>
+        <p:cNvPr id="1" name=""/>
+        <p:cNvGrpSpPr/>
+        <p:nvPr/>
+      </p:nvGrpSpPr>
+      <p:grpSpPr>
+        <a:xfrm>
+          <a:off x="0" y="0"/>
+          <a:ext cx="0" cy="0"/>
+          <a:chOff x="0" y="0"/>
+          <a:chExt cx="0" cy="0"/>
+        </a:xfrm>
+      </p:grpSpPr>
+      <p:sp>
+        <p:nvSpPr>
+          <p:cNvPr id="8197" name="Rectangle 2"/>
+          <p:cNvSpPr>
+            <a:spLocks noGrp="1" noChangeArrowheads="1"/>
+          </p:cNvSpPr>
+          <p:nvPr>
+            <p:ph type="title"/>
+          </p:nvPr>
+        </p:nvSpPr>
+        <p:spPr>
+          <a:xfrm>
+            <a:off x="1918970" y="144780"/>
+            <a:ext cx="5342890" cy="952500"/>
+          </a:xfrm>
+        </p:spPr>
+        <p:txBody>
+          <a:bodyPr/>
+          <a:lstStyle/>
+          <a:p>
+            <a:pPr marL="342900" indent="-342900"/>
+            <a:r>
+              <a:rPr lang="en-US" sz="4000" dirty="0" smtClean="0">
+                <a:latin typeface="Comic Sans MS" pitchFamily="66" charset="0"/>
+              </a:rPr>
+              <a:t>Standard Deviation</a:t>
+            </a:r>
+            <a:endParaRPr lang="en-US" sz="4000" dirty="0">
+              <a:latin typeface="Comic Sans MS" pitchFamily="66" charset="0"/>
+            </a:endParaRPr>
+          </a:p>
+        </p:txBody>
+      </p:sp>
+      <p:graphicFrame>
+        <p:nvGraphicFramePr>
+          <p:cNvPr id="8194" name="Object 2"/>
+          <p:cNvGraphicFramePr>
+            <a:graphicFrameLocks noChangeAspect="1"/>
+          </p:cNvGraphicFramePr>
+          <p:nvPr>
+            <p:extLst>
+              <p:ext uri="{D42A27DB-BD31-4B8C-83A1-F6EECF244321}">
+                <p14:modId xmlns:p14="http://schemas.microsoft.com/office/powerpoint/2010/main" val="1961137199"/>
+              </p:ext>
+            </p:extLst>
+          </p:nvPr>
+        </p:nvGraphicFramePr>
+        <p:xfrm>
+          <a:off x="1811338" y="1219200"/>
+          <a:ext cx="5464175" cy="1538288"/>
+        </p:xfrm>
+        <a:graphic>
+          <a:graphicData uri="http://schemas.openxmlformats.org/presentationml/2006/ole">
+            <mc:AlternateContent xmlns:mc="http://schemas.openxmlformats.org/markup-compatibility/2006">
+              <mc:Choice xmlns:v="urn:schemas-microsoft-com:vml" Requires="v">
+                <p:oleObj spid="_x0000_s121952" name="Equation" r:id="rId4" imgW="990600" imgH="279400" progId="Equation.DSMT4">
+                  <p:embed/>
+                </p:oleObj>
+              </mc:Choice>
+              <mc:Fallback>
+                <p:oleObj name="Equation" r:id="rId4" imgW="990600" imgH="279400" progId="Equation.DSMT4">
+                  <p:embed/>
+                  <p:pic>
+                    <p:nvPicPr>
+                      <p:cNvPr id="0" name="Object 2"/>
+                      <p:cNvPicPr>
+                        <a:picLocks noChangeAspect="1" noChangeArrowheads="1"/>
+                      </p:cNvPicPr>
+                      <p:nvPr/>
+                    </p:nvPicPr>
+                    <p:blipFill>
+                      <a:blip r:embed="rId5"/>
+                      <a:srcRect/>
+                      <a:stretch>
+                        <a:fillRect/>
+                      </a:stretch>
+                    </p:blipFill>
+                    <p:spPr bwMode="auto">
+                      <a:xfrm>
+                        <a:off x="1811338" y="1219200"/>
+                        <a:ext cx="5464175" cy="1538288"/>
+                      </a:xfrm>
+                      <a:prstGeom prst="rect">
+                        <a:avLst/>
+                      </a:prstGeom>
+                      <a:noFill/>
+                      <a:extLst>
+                        <a:ext uri="{909E8E84-426E-40dd-AFC4-6F175D3DCCD1}">
+                          <a14:hiddenFill xmlns:a14="http://schemas.microsoft.com/office/drawing/2010/main">
+                            <a:solidFill>
+                              <a:srgbClr val="FFFFFF"/>
+                            </a:solidFill>
+                          </a14:hiddenFill>
+                        </a:ext>
+                      </a:extLst>
+                    </p:spPr>
+                  </p:pic>
+                </p:oleObj>
+              </mc:Fallback>
+            </mc:AlternateContent>
+          </a:graphicData>
+        </a:graphic>
+      </p:graphicFrame>
+      <p:grpSp>
+        <p:nvGrpSpPr>
+          <p:cNvPr id="2" name="Group 30"/>
+          <p:cNvGrpSpPr>
+            <a:grpSpLocks/>
+          </p:cNvGrpSpPr>
+          <p:nvPr/>
+        </p:nvGrpSpPr>
+        <p:grpSpPr bwMode="auto">
+          <a:xfrm>
+            <a:off x="4254500" y="3903662"/>
+            <a:ext cx="766763" cy="2673349"/>
+            <a:chOff x="2680" y="2459"/>
+            <a:chExt cx="483" cy="1684"/>
+          </a:xfrm>
+        </p:grpSpPr>
+        <p:grpSp>
+          <p:nvGrpSpPr>
+            <p:cNvPr id="3" name="Group 29"/>
+            <p:cNvGrpSpPr>
+              <a:grpSpLocks/>
+            </p:cNvGrpSpPr>
+            <p:nvPr/>
+          </p:nvGrpSpPr>
+          <p:grpSpPr bwMode="auto">
+            <a:xfrm>
+              <a:off x="2680" y="2480"/>
+              <a:ext cx="483" cy="1663"/>
+              <a:chOff x="2680" y="2480"/>
+              <a:chExt cx="483" cy="1663"/>
+            </a:xfrm>
+          </p:grpSpPr>
+          <p:graphicFrame>
+            <p:nvGraphicFramePr>
+              <p:cNvPr id="8195" name="Object 3"/>
+              <p:cNvGraphicFramePr>
+                <a:graphicFrameLocks noChangeAspect="1"/>
+              </p:cNvGraphicFramePr>
+              <p:nvPr/>
+            </p:nvGraphicFramePr>
+            <p:xfrm>
+              <a:off x="2790" y="3056"/>
+              <a:ext cx="373" cy="1087"/>
+            </p:xfrm>
+            <a:graphic>
+              <a:graphicData uri="http://schemas.openxmlformats.org/presentationml/2006/ole">
+                <mc:AlternateContent xmlns:mc="http://schemas.openxmlformats.org/markup-compatibility/2006">
+                  <mc:Choice xmlns:v="urn:schemas-microsoft-com:vml" Requires="v">
+                    <p:oleObj spid="_x0000_s121953" name="Equation" r:id="rId6" imgW="152400" imgH="444500" progId="Equation.DSMT4">
+                      <p:embed/>
+                    </p:oleObj>
+                  </mc:Choice>
+                  <mc:Fallback>
+                    <p:oleObj name="Equation" r:id="rId6" imgW="152400" imgH="444500" progId="Equation.DSMT4">
+                      <p:embed/>
+                      <p:pic>
+                        <p:nvPicPr>
+                          <p:cNvPr id="0" name="Object 3"/>
+                          <p:cNvPicPr>
+                            <a:picLocks noChangeAspect="1" noChangeArrowheads="1"/>
+                          </p:cNvPicPr>
+                          <p:nvPr/>
+                        </p:nvPicPr>
+                        <p:blipFill>
+                          <a:blip r:embed="rId7">
+                            <a:extLst>
+                              <a:ext uri="{28A0092B-C50C-407E-A947-70E740481C1C}">
+                                <a14:useLocalDpi xmlns:a14="http://schemas.microsoft.com/office/drawing/2010/main" val="0"/>
+                              </a:ext>
+                            </a:extLst>
+                          </a:blip>
+                          <a:srcRect/>
+                          <a:stretch>
+                            <a:fillRect/>
+                          </a:stretch>
+                        </p:blipFill>
+                        <p:spPr bwMode="auto">
+                          <a:xfrm>
+                            <a:off x="2790" y="3056"/>
+                            <a:ext cx="373" cy="1087"/>
+                          </a:xfrm>
+                          <a:prstGeom prst="rect">
+                            <a:avLst/>
+                          </a:prstGeom>
+                          <a:noFill/>
+                          <a:ln>
+                            <a:noFill/>
+                          </a:ln>
+                          <a:extLst>
+                            <a:ext uri="{909E8E84-426E-40dd-AFC4-6F175D3DCCD1}">
+                              <a14:hiddenFill xmlns:a14="http://schemas.microsoft.com/office/drawing/2010/main">
+                                <a:solidFill>
+                                  <a:srgbClr val="FFFFFF"/>
+                                </a:solidFill>
+                              </a14:hiddenFill>
+                            </a:ext>
+                            <a:ext uri="{91240B29-F687-4f45-9708-019B960494DF}">
+                              <a14:hiddenLine xmlns:a14="http://schemas.microsoft.com/office/drawing/2010/main" w="9525">
+                                <a:solidFill>
+                                  <a:srgbClr val="FF6600"/>
+                                </a:solidFill>
+                                <a:miter lim="800000"/>
+                                <a:headEnd/>
+                                <a:tailEnd/>
+                              </a14:hiddenLine>
+                            </a:ext>
+                          </a:extLst>
+                        </p:spPr>
+                      </p:pic>
+                    </p:oleObj>
+                  </mc:Fallback>
+                </mc:AlternateContent>
+              </a:graphicData>
+            </a:graphic>
+          </p:graphicFrame>
+          <p:sp>
+            <p:nvSpPr>
+              <p:cNvPr id="8211" name="Line 16"/>
+              <p:cNvSpPr>
+                <a:spLocks noChangeShapeType="1"/>
+              </p:cNvSpPr>
+              <p:nvPr/>
+            </p:nvSpPr>
+            <p:spPr bwMode="auto">
+              <a:xfrm flipH="1">
+                <a:off x="2680" y="2480"/>
+                <a:ext cx="8" cy="1000"/>
+              </a:xfrm>
+              <a:prstGeom prst="line">
+                <a:avLst/>
+              </a:prstGeom>
+              <a:noFill/>
+              <a:ln w="44450" cap="rnd">
+                <a:solidFill>
+                  <a:srgbClr val="008000"/>
+                </a:solidFill>
+                <a:prstDash val="sysDot"/>
+                <a:round/>
+                <a:headEnd/>
+                <a:tailEnd/>
+              </a:ln>
+            </p:spPr>
+            <p:txBody>
+              <a:bodyPr>
+                <a:spAutoFit/>
+              </a:bodyPr>
+              <a:lstStyle/>
+              <a:p>
+                <a:endParaRPr lang="en-US"/>
+              </a:p>
+            </p:txBody>
+          </p:sp>
+        </p:grpSp>
+        <p:sp>
+          <p:nvSpPr>
+            <p:cNvPr id="8210" name="Line 17"/>
+            <p:cNvSpPr>
+              <a:spLocks noChangeShapeType="1"/>
+            </p:cNvSpPr>
+            <p:nvPr/>
+          </p:nvSpPr>
+          <p:spPr bwMode="auto">
+            <a:xfrm>
+              <a:off x="3083" y="2459"/>
+              <a:ext cx="16" cy="1000"/>
+            </a:xfrm>
+            <a:prstGeom prst="line">
+              <a:avLst/>
+            </a:prstGeom>
+            <a:noFill/>
+            <a:ln w="44450" cap="rnd">
+              <a:solidFill>
+                <a:srgbClr val="008000"/>
+              </a:solidFill>
+              <a:prstDash val="sysDot"/>
+              <a:round/>
+              <a:headEnd/>
+              <a:tailEnd/>
+            </a:ln>
+          </p:spPr>
+          <p:txBody>
+            <a:bodyPr>
+              <a:spAutoFit/>
+            </a:bodyPr>
+            <a:lstStyle/>
+            <a:p>
+              <a:endParaRPr lang="en-US"/>
+            </a:p>
+          </p:txBody>
+        </p:sp>
+      </p:grpSp>
+      <p:grpSp>
+        <p:nvGrpSpPr>
+          <p:cNvPr id="4" name="Group 20"/>
+          <p:cNvGrpSpPr/>
+          <p:nvPr/>
+        </p:nvGrpSpPr>
+        <p:grpSpPr>
+          <a:xfrm>
+            <a:off x="2100263" y="3162300"/>
+            <a:ext cx="4891087" cy="2286000"/>
+            <a:chOff x="2100263" y="3162300"/>
+            <a:chExt cx="4891087" cy="2286000"/>
+          </a:xfrm>
+        </p:grpSpPr>
+        <p:sp>
+          <p:nvSpPr>
+            <p:cNvPr id="8205" name="Rectangle 6"/>
+            <p:cNvSpPr>
+              <a:spLocks noChangeArrowheads="1"/>
+            </p:cNvSpPr>
+            <p:nvPr/>
+          </p:nvSpPr>
+          <p:spPr bwMode="auto">
+            <a:xfrm>
+              <a:off x="2116536" y="3250223"/>
+              <a:ext cx="4860348" cy="2198077"/>
+            </a:xfrm>
+            <a:prstGeom prst="rect">
+              <a:avLst/>
+            </a:prstGeom>
+            <a:noFill/>
+            <a:ln w="9525">
+              <a:solidFill>
+                <a:schemeClr val="tx1"/>
+              </a:solidFill>
+              <a:miter lim="800000"/>
+              <a:headEnd/>
+              <a:tailEnd type="none" w="lg" len="lg"/>
+            </a:ln>
+          </p:spPr>
+          <p:txBody>
+            <a:bodyPr wrap="none" anchor="ctr"/>
+            <a:lstStyle/>
+            <a:p>
+              <a:endParaRPr lang="en-US"/>
+            </a:p>
+          </p:txBody>
+        </p:sp>
+        <p:sp>
+          <p:nvSpPr>
+            <p:cNvPr id="8207" name="Freeform 7"/>
+            <p:cNvSpPr>
+              <a:spLocks/>
+            </p:cNvSpPr>
+            <p:nvPr/>
+          </p:nvSpPr>
+          <p:spPr bwMode="auto">
+            <a:xfrm>
+              <a:off x="2100263" y="3162300"/>
+              <a:ext cx="4891087" cy="2174264"/>
+            </a:xfrm>
+            <a:custGeom>
+              <a:avLst/>
+              <a:gdLst>
+                <a:gd name="T0" fmla="*/ 0 w 2705"/>
+                <a:gd name="T1" fmla="*/ 1144 h 1187"/>
+                <a:gd name="T2" fmla="*/ 242 w 2705"/>
+                <a:gd name="T3" fmla="*/ 1144 h 1187"/>
+                <a:gd name="T4" fmla="*/ 1010 w 2705"/>
+                <a:gd name="T5" fmla="*/ 1024 h 1187"/>
+                <a:gd name="T6" fmla="*/ 1242 w 2705"/>
+                <a:gd name="T7" fmla="*/ 168 h 1187"/>
+                <a:gd name="T8" fmla="*/ 1466 w 2705"/>
+                <a:gd name="T9" fmla="*/ 136 h 1187"/>
+                <a:gd name="T10" fmla="*/ 1778 w 2705"/>
+                <a:gd name="T11" fmla="*/ 984 h 1187"/>
+                <a:gd name="T12" fmla="*/ 2496 w 2705"/>
+                <a:gd name="T13" fmla="*/ 1120 h 1187"/>
+                <a:gd name="T14" fmla="*/ 2680 w 2705"/>
+                <a:gd name="T15" fmla="*/ 1144 h 1187"/>
+                <a:gd name="T16" fmla="*/ 2648 w 2705"/>
+                <a:gd name="T17" fmla="*/ 1144 h 1187"/>
+                <a:gd name="T18" fmla="*/ 0 60000 65536"/>
+                <a:gd name="T19" fmla="*/ 0 60000 65536"/>
+                <a:gd name="T20" fmla="*/ 0 60000 65536"/>
+                <a:gd name="T21" fmla="*/ 0 60000 65536"/>
+                <a:gd name="T22" fmla="*/ 0 60000 65536"/>
+                <a:gd name="T23" fmla="*/ 0 60000 65536"/>
+                <a:gd name="T24" fmla="*/ 0 60000 65536"/>
+                <a:gd name="T25" fmla="*/ 0 60000 65536"/>
+                <a:gd name="T26" fmla="*/ 0 60000 65536"/>
+                <a:gd name="T27" fmla="*/ 0 w 2705"/>
+                <a:gd name="T28" fmla="*/ 0 h 1187"/>
+                <a:gd name="T29" fmla="*/ 2705 w 2705"/>
+                <a:gd name="T30" fmla="*/ 1187 h 1187"/>
+              </a:gdLst>
+              <a:ahLst/>
+              <a:cxnLst>
+                <a:cxn ang="T18">
+                  <a:pos x="T0" y="T1"/>
+                </a:cxn>
+                <a:cxn ang="T19">
+                  <a:pos x="T2" y="T3"/>
+                </a:cxn>
+                <a:cxn ang="T20">
+                  <a:pos x="T4" y="T5"/>
+                </a:cxn>
+                <a:cxn ang="T21">
+                  <a:pos x="T6" y="T7"/>
+                </a:cxn>
+                <a:cxn ang="T22">
+                  <a:pos x="T8" y="T9"/>
+                </a:cxn>
+                <a:cxn ang="T23">
+                  <a:pos x="T10" y="T11"/>
+                </a:cxn>
+                <a:cxn ang="T24">
+                  <a:pos x="T12" y="T13"/>
+                </a:cxn>
+                <a:cxn ang="T25">
+                  <a:pos x="T14" y="T15"/>
+                </a:cxn>
+                <a:cxn ang="T26">
+                  <a:pos x="T16" y="T17"/>
+                </a:cxn>
+              </a:cxnLst>
+              <a:rect l="T27" t="T28" r="T29" b="T30"/>
+              <a:pathLst>
+                <a:path w="2705" h="1187">
+                  <a:moveTo>
+                    <a:pt x="0" y="1144"/>
+                  </a:moveTo>
+                  <a:cubicBezTo>
+                    <a:pt x="40" y="1143"/>
+                    <a:pt x="74" y="1164"/>
+                    <a:pt x="242" y="1144"/>
+                  </a:cubicBezTo>
+                  <a:cubicBezTo>
+                    <a:pt x="410" y="1124"/>
+                    <a:pt x="843" y="1187"/>
+                    <a:pt x="1010" y="1024"/>
+                  </a:cubicBezTo>
+                  <a:cubicBezTo>
+                    <a:pt x="1177" y="861"/>
+                    <a:pt x="1166" y="316"/>
+                    <a:pt x="1242" y="168"/>
+                  </a:cubicBezTo>
+                  <a:cubicBezTo>
+                    <a:pt x="1318" y="20"/>
+                    <a:pt x="1377" y="0"/>
+                    <a:pt x="1466" y="136"/>
+                  </a:cubicBezTo>
+                  <a:cubicBezTo>
+                    <a:pt x="1555" y="272"/>
+                    <a:pt x="1606" y="820"/>
+                    <a:pt x="1778" y="984"/>
+                  </a:cubicBezTo>
+                  <a:cubicBezTo>
+                    <a:pt x="1950" y="1148"/>
+                    <a:pt x="2346" y="1093"/>
+                    <a:pt x="2496" y="1120"/>
+                  </a:cubicBezTo>
+                  <a:cubicBezTo>
+                    <a:pt x="2646" y="1147"/>
+                    <a:pt x="2655" y="1140"/>
+                    <a:pt x="2680" y="1144"/>
+                  </a:cubicBezTo>
+                  <a:cubicBezTo>
+                    <a:pt x="2705" y="1148"/>
+                    <a:pt x="2655" y="1144"/>
+                    <a:pt x="2648" y="1144"/>
+                  </a:cubicBezTo>
+                </a:path>
+              </a:pathLst>
+            </a:custGeom>
+            <a:noFill/>
+            <a:ln w="38100">
+              <a:solidFill>
+                <a:srgbClr val="0000FF"/>
+              </a:solidFill>
+              <a:round/>
+              <a:headEnd/>
+              <a:tailEnd type="none" w="lg" len="lg"/>
+            </a:ln>
+          </p:spPr>
+          <p:txBody>
+            <a:bodyPr/>
+            <a:lstStyle/>
+            <a:p>
+              <a:endParaRPr lang="en-US"/>
+            </a:p>
+          </p:txBody>
+        </p:sp>
+      </p:grpSp>
+      <p:grpSp>
+        <p:nvGrpSpPr>
+          <p:cNvPr id="5" name="Group 18"/>
+          <p:cNvGrpSpPr/>
+          <p:nvPr/>
+        </p:nvGrpSpPr>
+        <p:grpSpPr>
+          <a:xfrm>
+            <a:off x="3552825" y="3250223"/>
+            <a:ext cx="1019286" cy="3158018"/>
+            <a:chOff x="3527425" y="3250223"/>
+            <a:chExt cx="1019286" cy="3158018"/>
+          </a:xfrm>
+        </p:grpSpPr>
+        <p:sp>
+          <p:nvSpPr>
+            <p:cNvPr id="8208" name="Line 8"/>
+            <p:cNvSpPr>
+              <a:spLocks noChangeShapeType="1"/>
+            </p:cNvSpPr>
+            <p:nvPr/>
+          </p:nvSpPr>
+          <p:spPr bwMode="auto">
+            <a:xfrm>
+              <a:off x="4546711" y="3250223"/>
+              <a:ext cx="0" cy="2198077"/>
+            </a:xfrm>
+            <a:prstGeom prst="line">
+              <a:avLst/>
+            </a:prstGeom>
+            <a:noFill/>
+            <a:ln w="38100">
+              <a:solidFill>
+                <a:schemeClr val="tx1"/>
+              </a:solidFill>
+              <a:prstDash val="dash"/>
+              <a:round/>
+              <a:headEnd/>
+              <a:tailEnd type="none" w="lg" len="lg"/>
+            </a:ln>
+          </p:spPr>
+          <p:txBody>
+            <a:bodyPr/>
+            <a:lstStyle/>
+            <a:p>
+              <a:endParaRPr lang="en-US"/>
+            </a:p>
+          </p:txBody>
+        </p:sp>
+        <p:grpSp>
+          <p:nvGrpSpPr>
+            <p:cNvPr id="6" name="Group 19"/>
+            <p:cNvGrpSpPr/>
+            <p:nvPr/>
+          </p:nvGrpSpPr>
+          <p:grpSpPr>
+            <a:xfrm>
+              <a:off x="3527425" y="5448300"/>
+              <a:ext cx="1019285" cy="959941"/>
+              <a:chOff x="3527425" y="5448300"/>
+              <a:chExt cx="1019285" cy="959941"/>
+            </a:xfrm>
+          </p:grpSpPr>
+          <p:sp>
+            <p:nvSpPr>
+              <p:cNvPr id="8203" name="Text Box 21"/>
+              <p:cNvSpPr txBox="1">
+                <a:spLocks noChangeArrowheads="1"/>
+              </p:cNvSpPr>
+              <p:nvPr/>
+            </p:nvSpPr>
+            <p:spPr bwMode="auto">
+              <a:xfrm>
+                <a:off x="3527425" y="5638800"/>
+                <a:ext cx="535630" cy="769441"/>
+              </a:xfrm>
+              <a:prstGeom prst="rect">
+                <a:avLst/>
+              </a:prstGeom>
+              <a:noFill/>
+              <a:ln w="9525">
+                <a:noFill/>
+                <a:miter lim="800000"/>
+                <a:headEnd/>
+                <a:tailEnd/>
+              </a:ln>
+            </p:spPr>
+            <p:txBody>
+              <a:bodyPr wrap="none">
+                <a:spAutoFit/>
+              </a:bodyPr>
+              <a:lstStyle/>
+              <a:p>
+                <a:r>
+                  <a:rPr lang="en-US" sz="4400" b="1" dirty="0" err="1" smtClean="0">
+                    <a:solidFill>
+                      <a:schemeClr val="accent1">
+                        <a:lumMod val="50000"/>
+                      </a:schemeClr>
+                    </a:solidFill>
+                    <a:latin typeface="Euclid Symbol" charset="2"/>
+                    <a:cs typeface="Euclid Symbol" charset="2"/>
+                    <a:sym typeface="Symbol" pitchFamily="18" charset="2"/>
+                  </a:rPr>
+                  <a:t>μ</a:t>
+                </a:r>
+                <a:endParaRPr lang="en-US" sz="4400" b="1" dirty="0">
+                  <a:solidFill>
+                    <a:schemeClr val="accent1">
+                      <a:lumMod val="50000"/>
+                    </a:schemeClr>
+                  </a:solidFill>
+                  <a:latin typeface="Euclid Symbol" charset="2"/>
+                  <a:cs typeface="Euclid Symbol" charset="2"/>
+                  <a:sym typeface="Symbol" pitchFamily="18" charset="2"/>
+                </a:endParaRPr>
+              </a:p>
+            </p:txBody>
+          </p:sp>
+          <p:cxnSp>
+            <p:nvCxnSpPr>
+              <p:cNvPr id="8204" name="AutoShape 25"/>
+              <p:cNvCxnSpPr>
+                <a:cxnSpLocks noChangeShapeType="1"/>
+                <a:stCxn id="8203" idx="3"/>
+                <a:endCxn id="8205" idx="2"/>
+              </p:cNvCxnSpPr>
+              <p:nvPr/>
+            </p:nvCxnSpPr>
+            <p:spPr bwMode="auto">
+              <a:xfrm flipV="1">
+                <a:off x="4063055" y="5448300"/>
+                <a:ext cx="483655" cy="575221"/>
+              </a:xfrm>
+              <a:prstGeom prst="curvedConnector2">
+                <a:avLst/>
+              </a:prstGeom>
+              <a:noFill/>
+              <a:ln w="41275">
+                <a:solidFill>
+                  <a:schemeClr val="tx1"/>
+                </a:solidFill>
+                <a:prstDash val="sysDot"/>
+                <a:round/>
+                <a:headEnd/>
+                <a:tailEnd type="triangle" w="med" len="med"/>
+              </a:ln>
+            </p:spPr>
+          </p:cxnSp>
+        </p:grpSp>
+      </p:grpSp>
+      <p:sp>
+        <p:nvSpPr>
+          <p:cNvPr id="594972" name="Text Box 28"/>
+          <p:cNvSpPr txBox="1">
+            <a:spLocks noChangeArrowheads="1"/>
+          </p:cNvSpPr>
+          <p:nvPr/>
+        </p:nvSpPr>
+        <p:spPr bwMode="auto">
+          <a:xfrm>
+            <a:off x="682625" y="4094163"/>
+            <a:ext cx="1339850" cy="701675"/>
+          </a:xfrm>
+          <a:prstGeom prst="rect">
+            <a:avLst/>
+          </a:prstGeom>
+          <a:noFill/>
+          <a:ln w="38100" algn="ctr">
+            <a:noFill/>
+            <a:miter lim="800000"/>
+            <a:headEnd/>
+            <a:tailEnd/>
+          </a:ln>
+        </p:spPr>
+        <p:txBody>
+          <a:bodyPr wrap="none">
+            <a:spAutoFit/>
+          </a:bodyPr>
+          <a:lstStyle/>
+          <a:p>
+            <a:pPr marL="342900" indent="-342900"/>
+            <a:r>
+              <a:rPr lang="en-US" dirty="0">
+                <a:solidFill>
+                  <a:schemeClr val="accent1">
+                    <a:lumMod val="50000"/>
+                  </a:schemeClr>
+                </a:solidFill>
+                <a:latin typeface="Comic Sans MS" pitchFamily="66" charset="0"/>
+              </a:rPr>
+              <a:t>PDF</a:t>
+            </a:r>
+            <a:r>
+              <a:rPr lang="en-US" baseline="-25000" dirty="0">
+                <a:solidFill>
+                  <a:schemeClr val="accent1">
+                    <a:lumMod val="50000"/>
+                  </a:schemeClr>
+                </a:solidFill>
+                <a:latin typeface="Comic Sans MS" pitchFamily="66" charset="0"/>
+              </a:rPr>
+              <a:t>R</a:t>
+            </a:r>
+          </a:p>
+        </p:txBody>
+      </p:sp>
+    </p:spTree>
+  </p:cSld>
+  <p:clrMapOvr>
+    <a:masterClrMapping/>
+  </p:clrMapOvr>
+  <mc:AlternateContent xmlns:mc="http://schemas.openxmlformats.org/markup-compatibility/2006">
+    <mc:Choice xmlns:p14="http://schemas.microsoft.com/office/powerpoint/2010/main" Requires="p14">
+      <p:transition spd="slow" p14:dur="900" advClick="0">
+        <p:fade thruBlk="1"/>
+      </p:transition>
+    </mc:Choice>
+    <mc:Fallback>
+      <p:transition xmlns:p14="http://schemas.microsoft.com/office/powerpoint/2010/main" spd="slow" advClick="0">
+        <p:fade thruBlk="1"/>
+      </p:transition>
+    </mc:Fallback>
+  </mc:AlternateContent>
+  <p:timing>
+    <p:tnLst>
+      <p:par>
+        <p:cTn xmlns:p14="http://schemas.microsoft.com/office/powerpoint/2010/main" id="1" dur="indefinite" restart="never" nodeType="tmRoot">
+          <p:childTnLst>
+            <p:seq concurrent="1" nextAc="seek">
+              <p:cTn id="2" dur="indefinite" nodeType="mainSeq">
+                <p:childTnLst>
+                  <p:par>
+                    <p:cTn id="3" fill="hold">
+                      <p:stCondLst>
+                        <p:cond delay="indefinite"/>
+                      </p:stCondLst>
+                      <p:childTnLst>
+                        <p:par>
+                          <p:cTn id="4" fill="hold">
+                            <p:stCondLst>
+                              <p:cond delay="0"/>
+                            </p:stCondLst>
+                            <p:childTnLst>
+                              <p:par>
+                                <p:cTn id="5" presetID="10" presetClass="entr" presetSubtype="0" fill="hold" grpId="0" nodeType="clickEffect">
+                                  <p:stCondLst>
+                                    <p:cond delay="0"/>
+                                  </p:stCondLst>
+                                  <p:childTnLst>
+                                    <p:set>
+                                      <p:cBhvr>
+                                        <p:cTn id="6" dur="1" fill="hold">
+                                          <p:stCondLst>
+                                            <p:cond delay="0"/>
+                                          </p:stCondLst>
+                                        </p:cTn>
+                                        <p:tgtEl>
+                                          <p:spTgt spid="594972"/>
+                                        </p:tgtEl>
+                                        <p:attrNameLst>
+                                          <p:attrName>style.visibility</p:attrName>
+                                        </p:attrNameLst>
+                                      </p:cBhvr>
+                                      <p:to>
+                                        <p:strVal val="visible"/>
+                                      </p:to>
+                                    </p:set>
+                                    <p:animEffect transition="in" filter="fade">
+                                      <p:cBhvr>
+                                        <p:cTn id="7" dur="500"/>
+                                        <p:tgtEl>
+                                          <p:spTgt spid="594972"/>
+                                        </p:tgtEl>
+                                      </p:cBhvr>
+                                    </p:animEffect>
+                                  </p:childTnLst>
+                                </p:cTn>
+                              </p:par>
+                            </p:childTnLst>
+                          </p:cTn>
+                        </p:par>
+                        <p:par>
+                          <p:cTn id="8" fill="hold">
+                            <p:stCondLst>
+                              <p:cond delay="500"/>
+                            </p:stCondLst>
+                            <p:childTnLst>
+                              <p:par>
+                                <p:cTn id="9" presetID="22" presetClass="entr" presetSubtype="8" fill="hold" nodeType="afterEffect">
+                                  <p:stCondLst>
+                                    <p:cond delay="0"/>
+                                  </p:stCondLst>
+                                  <p:childTnLst>
+                                    <p:set>
+                                      <p:cBhvr>
+                                        <p:cTn id="10" dur="1" fill="hold">
+                                          <p:stCondLst>
+                                            <p:cond delay="0"/>
+                                          </p:stCondLst>
+                                        </p:cTn>
+                                        <p:tgtEl>
+                                          <p:spTgt spid="4"/>
+                                        </p:tgtEl>
+                                        <p:attrNameLst>
+                                          <p:attrName>style.visibility</p:attrName>
+                                        </p:attrNameLst>
+                                      </p:cBhvr>
+                                      <p:to>
+                                        <p:strVal val="visible"/>
+                                      </p:to>
+                                    </p:set>
+                                    <p:animEffect transition="in" filter="wipe(left)">
+                                      <p:cBhvr>
+                                        <p:cTn id="11" dur="1000"/>
+                                        <p:tgtEl>
+                                          <p:spTgt spid="4"/>
+                                        </p:tgtEl>
+                                      </p:cBhvr>
+                                    </p:animEffect>
+                                  </p:childTnLst>
+                                </p:cTn>
+                              </p:par>
+                            </p:childTnLst>
+                          </p:cTn>
+                        </p:par>
+                      </p:childTnLst>
+                    </p:cTn>
+                  </p:par>
+                  <p:par>
+                    <p:cTn id="12" fill="hold">
+                      <p:stCondLst>
+                        <p:cond delay="indefinite"/>
+                      </p:stCondLst>
+                      <p:childTnLst>
+                        <p:par>
+                          <p:cTn id="13" fill="hold">
+                            <p:stCondLst>
+                              <p:cond delay="0"/>
+                            </p:stCondLst>
+                            <p:childTnLst>
+                              <p:par>
+                                <p:cTn id="14" presetID="22" presetClass="entr" presetSubtype="4" fill="hold" nodeType="clickEffect">
+                                  <p:stCondLst>
+                                    <p:cond delay="0"/>
+                                  </p:stCondLst>
+                                  <p:childTnLst>
+                                    <p:set>
+                                      <p:cBhvr>
+                                        <p:cTn id="15" dur="1" fill="hold">
+                                          <p:stCondLst>
+                                            <p:cond delay="0"/>
+                                          </p:stCondLst>
+                                        </p:cTn>
+                                        <p:tgtEl>
+                                          <p:spTgt spid="5"/>
+                                        </p:tgtEl>
+                                        <p:attrNameLst>
+                                          <p:attrName>style.visibility</p:attrName>
+                                        </p:attrNameLst>
+                                      </p:cBhvr>
+                                      <p:to>
+                                        <p:strVal val="visible"/>
+                                      </p:to>
+                                    </p:set>
+                                    <p:animEffect transition="in" filter="wipe(down)">
+                                      <p:cBhvr>
+                                        <p:cTn id="16" dur="1000"/>
+                                        <p:tgtEl>
+                                          <p:spTgt spid="5"/>
+                                        </p:tgtEl>
+                                      </p:cBhvr>
+                                    </p:animEffect>
+                                  </p:childTnLst>
+                                </p:cTn>
+                              </p:par>
+                            </p:childTnLst>
+                          </p:cTn>
+                        </p:par>
+                      </p:childTnLst>
+                    </p:cTn>
+                  </p:par>
+                  <p:par>
+                    <p:cTn id="17" fill="hold">
+                      <p:stCondLst>
+                        <p:cond delay="indefinite"/>
+                      </p:stCondLst>
+                      <p:childTnLst>
+                        <p:par>
+                          <p:cTn id="18" fill="hold">
+                            <p:stCondLst>
+                              <p:cond delay="0"/>
+                            </p:stCondLst>
+                            <p:childTnLst>
+                              <p:par>
+                                <p:cTn id="19" presetID="10" presetClass="entr" presetSubtype="0" fill="hold" nodeType="clickEffect">
+                                  <p:stCondLst>
+                                    <p:cond delay="0"/>
+                                  </p:stCondLst>
+                                  <p:childTnLst>
+                                    <p:set>
+                                      <p:cBhvr>
+                                        <p:cTn id="20" dur="1" fill="hold">
+                                          <p:stCondLst>
+                                            <p:cond delay="0"/>
+                                          </p:stCondLst>
+                                        </p:cTn>
+                                        <p:tgtEl>
+                                          <p:spTgt spid="2"/>
+                                        </p:tgtEl>
+                                        <p:attrNameLst>
+                                          <p:attrName>style.visibility</p:attrName>
+                                        </p:attrNameLst>
+                                      </p:cBhvr>
+                                      <p:to>
+                                        <p:strVal val="visible"/>
+                                      </p:to>
+                                    </p:set>
+                                    <p:animEffect transition="in" filter="fade">
+                                      <p:cBhvr>
+                                        <p:cTn id="21" dur="500"/>
+                                        <p:tgtEl>
+                                          <p:spTgt spid="2"/>
+                                        </p:tgtEl>
+                                      </p:cBhvr>
+                                    </p:animEffect>
+                                  </p:childTnLst>
+                                </p:cTn>
+                              </p:par>
+                            </p:childTnLst>
+                          </p:cTn>
+                        </p:par>
+                      </p:childTnLst>
+                    </p:cTn>
+                  </p:par>
+                </p:childTnLst>
+              </p:cTn>
+              <p:prevCondLst>
+                <p:cond evt="onPrev" delay="0">
+                  <p:tgtEl>
+                    <p:sldTgt/>
+                  </p:tgtEl>
+                </p:cond>
+              </p:prevCondLst>
+              <p:nextCondLst>
+                <p:cond evt="onNext" delay="0">
+                  <p:tgtEl>
+                    <p:sldTgt/>
+                  </p:tgtEl>
+                </p:cond>
+              </p:nextCondLst>
+            </p:seq>
+          </p:childTnLst>
+        </p:cTn>
+      </p:par>
+    </p:tnLst>
+    <p:bldLst>
+      <p:bldP spid="594972" grpId="0"/>
+    </p:bldLst>
+  </p:timing>
+</p:sld>
+</file>
+
+<file path=ppt/slides/slide11.xml><?xml version="1.0" encoding="utf-8"?>
+<p:sld xmlns:a="http://schemas.openxmlformats.org/drawingml/2006/main" xmlns:r="http://schemas.openxmlformats.org/officeDocument/2006/relationships" xmlns:p="http://schemas.openxmlformats.org/presentationml/2006/main" show="0">
+  <p:cSld>
+    <p:spTree>
+      <p:nvGrpSpPr>
+        <p:cNvPr id="1" name=""/>
+        <p:cNvGrpSpPr/>
+        <p:nvPr/>
+      </p:nvGrpSpPr>
+      <p:grpSpPr>
+        <a:xfrm>
+          <a:off x="0" y="0"/>
+          <a:ext cx="0" cy="0"/>
+          <a:chOff x="0" y="0"/>
+          <a:chExt cx="0" cy="0"/>
+        </a:xfrm>
+      </p:grpSpPr>
+      <p:sp>
+        <p:nvSpPr>
+          <p:cNvPr id="8197" name="Rectangle 2"/>
+          <p:cNvSpPr>
+            <a:spLocks noGrp="1" noChangeArrowheads="1"/>
+          </p:cNvSpPr>
+          <p:nvPr>
+            <p:ph type="title"/>
+          </p:nvPr>
+        </p:nvSpPr>
+        <p:spPr>
+          <a:xfrm>
+            <a:off x="1918970" y="144780"/>
+            <a:ext cx="5342890" cy="952500"/>
+          </a:xfrm>
+        </p:spPr>
+        <p:txBody>
+          <a:bodyPr/>
+          <a:lstStyle/>
+          <a:p>
+            <a:pPr marL="342900" indent="-342900"/>
+            <a:r>
+              <a:rPr lang="en-US" sz="4000" dirty="0" smtClean="0">
+                <a:latin typeface="Comic Sans MS" pitchFamily="66" charset="0"/>
+              </a:rPr>
+              <a:t>Standard Deviation</a:t>
+            </a:r>
+            <a:endParaRPr lang="en-US" sz="4000" dirty="0">
+              <a:latin typeface="Comic Sans MS" pitchFamily="66" charset="0"/>
+            </a:endParaRPr>
+          </a:p>
+        </p:txBody>
+      </p:sp>
+      <p:graphicFrame>
+        <p:nvGraphicFramePr>
+          <p:cNvPr id="8194" name="Object 2"/>
+          <p:cNvGraphicFramePr>
+            <a:graphicFrameLocks noChangeAspect="1"/>
+          </p:cNvGraphicFramePr>
+          <p:nvPr>
+            <p:extLst>
+              <p:ext uri="{D42A27DB-BD31-4B8C-83A1-F6EECF244321}">
+                <p14:modId xmlns:p14="http://schemas.microsoft.com/office/powerpoint/2010/main" val="2942640132"/>
+              </p:ext>
+            </p:extLst>
+          </p:nvPr>
+        </p:nvGraphicFramePr>
+        <p:xfrm>
+          <a:off x="1811338" y="1219200"/>
+          <a:ext cx="5464175" cy="1538288"/>
+        </p:xfrm>
+        <a:graphic>
+          <a:graphicData uri="http://schemas.openxmlformats.org/presentationml/2006/ole">
+            <mc:AlternateContent xmlns:mc="http://schemas.openxmlformats.org/markup-compatibility/2006">
+              <mc:Choice xmlns:v="urn:schemas-microsoft-com:vml" Requires="v">
+                <p:oleObj spid="_x0000_s8283" name="Equation" r:id="rId4" imgW="990600" imgH="279400" progId="Equation.DSMT4">
+                  <p:embed/>
+                </p:oleObj>
+              </mc:Choice>
+              <mc:Fallback>
+                <p:oleObj name="Equation" r:id="rId4" imgW="990600" imgH="279400" progId="Equation.DSMT4">
+                  <p:embed/>
+                  <p:pic>
+                    <p:nvPicPr>
+                      <p:cNvPr id="0" name="Object 2"/>
+                      <p:cNvPicPr>
+                        <a:picLocks noChangeAspect="1" noChangeArrowheads="1"/>
+                      </p:cNvPicPr>
+                      <p:nvPr/>
+                    </p:nvPicPr>
+                    <p:blipFill>
+                      <a:blip r:embed="rId5"/>
+                      <a:srcRect/>
+                      <a:stretch>
+                        <a:fillRect/>
+                      </a:stretch>
+                    </p:blipFill>
+                    <p:spPr bwMode="auto">
+                      <a:xfrm>
+                        <a:off x="1811338" y="1219200"/>
+                        <a:ext cx="5464175" cy="1538288"/>
+                      </a:xfrm>
+                      <a:prstGeom prst="rect">
+                        <a:avLst/>
+                      </a:prstGeom>
+                      <a:noFill/>
+                      <a:extLst>
+                        <a:ext uri="{909E8E84-426E-40dd-AFC4-6F175D3DCCD1}">
+                          <a14:hiddenFill xmlns:a14="http://schemas.microsoft.com/office/drawing/2010/main">
+                            <a:solidFill>
+                              <a:srgbClr val="FFFFFF"/>
+                            </a:solidFill>
+                          </a14:hiddenFill>
+                        </a:ext>
+                      </a:extLst>
+                    </p:spPr>
+                  </p:pic>
+                </p:oleObj>
+              </mc:Fallback>
+            </mc:AlternateContent>
+          </a:graphicData>
+        </a:graphic>
+      </p:graphicFrame>
+      <p:graphicFrame>
+        <p:nvGraphicFramePr>
+          <p:cNvPr id="8196" name="Object 2"/>
+          <p:cNvGraphicFramePr>
+            <a:graphicFrameLocks noChangeAspect="1"/>
+          </p:cNvGraphicFramePr>
+          <p:nvPr>
+            <p:extLst>
+              <p:ext uri="{D42A27DB-BD31-4B8C-83A1-F6EECF244321}">
+                <p14:modId xmlns:p14="http://schemas.microsoft.com/office/powerpoint/2010/main" val="2659792217"/>
+              </p:ext>
+            </p:extLst>
+          </p:nvPr>
+        </p:nvGraphicFramePr>
+        <p:xfrm>
+          <a:off x="401638" y="2679700"/>
+          <a:ext cx="8339137" cy="2692400"/>
+        </p:xfrm>
+        <a:graphic>
+          <a:graphicData uri="http://schemas.openxmlformats.org/presentationml/2006/ole">
+            <mc:AlternateContent xmlns:mc="http://schemas.openxmlformats.org/markup-compatibility/2006">
+              <mc:Choice xmlns:v="urn:schemas-microsoft-com:vml" Requires="v">
+                <p:oleObj spid="_x0000_s8284" name="Equation" r:id="rId6" imgW="1460500" imgH="431800" progId="Equation.DSMT4">
+                  <p:embed/>
+                </p:oleObj>
+              </mc:Choice>
+              <mc:Fallback>
+                <p:oleObj name="Equation" r:id="rId6" imgW="1460500" imgH="431800" progId="Equation.DSMT4">
+                  <p:embed/>
+                  <p:pic>
+                    <p:nvPicPr>
+                      <p:cNvPr id="0" name="Picture 4"/>
+                      <p:cNvPicPr>
+                        <a:picLocks noChangeAspect="1" noChangeArrowheads="1"/>
+                      </p:cNvPicPr>
+                      <p:nvPr/>
+                    </p:nvPicPr>
+                    <p:blipFill>
+                      <a:blip r:embed="rId7"/>
+                      <a:srcRect/>
+                      <a:stretch>
+                        <a:fillRect/>
+                      </a:stretch>
+                    </p:blipFill>
+                    <p:spPr bwMode="auto">
+                      <a:xfrm>
+                        <a:off x="401638" y="2679700"/>
+                        <a:ext cx="8339137" cy="2692400"/>
+                      </a:xfrm>
+                      <a:prstGeom prst="rect">
+                        <a:avLst/>
+                      </a:prstGeom>
+                      <a:noFill/>
+                      <a:ln>
+                        <a:noFill/>
+                      </a:ln>
+                      <a:extLst/>
+                    </p:spPr>
+                  </p:pic>
+                </p:oleObj>
+              </mc:Fallback>
+            </mc:AlternateContent>
+          </a:graphicData>
+        </a:graphic>
+      </p:graphicFrame>
+    </p:spTree>
+  </p:cSld>
+  <p:clrMapOvr>
+    <a:masterClrMapping/>
+  </p:clrMapOvr>
+  <p:transition xmlns:p14="http://schemas.microsoft.com/office/powerpoint/2010/main" spd="slow" advClick="0">
+    <p:fade/>
+  </p:transition>
+  <p:timing>
+    <p:tnLst>
+      <p:par>
+        <p:cTn xmlns:p14="http://schemas.microsoft.com/office/powerpoint/2010/main" id="1" dur="indefinite" restart="never" nodeType="tmRoot"/>
+      </p:par>
+    </p:tnLst>
+  </p:timing>
+</p:sld>
+</file>
+
+<file path=ppt/slides/slide12.xml><?xml version="1.0" encoding="utf-8"?>
+<p:sld xmlns:a="http://schemas.openxmlformats.org/drawingml/2006/main" xmlns:r="http://schemas.openxmlformats.org/officeDocument/2006/relationships" xmlns:p="http://schemas.openxmlformats.org/presentationml/2006/main" show="0">
+  <p:cSld>
+    <p:spTree>
+      <p:nvGrpSpPr>
+        <p:cNvPr id="1" name=""/>
+        <p:cNvGrpSpPr/>
+        <p:nvPr/>
+      </p:nvGrpSpPr>
+      <p:grpSpPr>
+        <a:xfrm>
+          <a:off x="0" y="0"/>
+          <a:ext cx="0" cy="0"/>
+          <a:chOff x="0" y="0"/>
+          <a:chExt cx="0" cy="0"/>
+        </a:xfrm>
+      </p:grpSpPr>
+      <p:sp>
+        <p:nvSpPr>
+          <p:cNvPr id="9221" name="Rectangle 2"/>
+          <p:cNvSpPr>
+            <a:spLocks noGrp="1" noChangeArrowheads="1"/>
+          </p:cNvSpPr>
+          <p:nvPr>
+            <p:ph type="title"/>
+          </p:nvPr>
+        </p:nvSpPr>
+        <p:spPr>
+          <a:xfrm>
+            <a:off x="1341438" y="98425"/>
+            <a:ext cx="7688262" cy="1057275"/>
+          </a:xfrm>
+        </p:spPr>
+        <p:txBody>
+          <a:bodyPr/>
+          <a:lstStyle/>
+          <a:p>
+            <a:pPr eaLnBrk="1" hangingPunct="1"/>
+            <a:r>
+              <a:rPr lang="en-US" sz="4000" dirty="0" err="1" smtClean="0"/>
+              <a:t>Chebyshev</a:t>
+            </a:r>
+            <a:r>
+              <a:rPr lang="en-US" sz="4000" dirty="0" smtClean="0"/>
+              <a:t> Bound </a:t>
+            </a:r>
+            <a:r>
+              <a:rPr lang="en-US" sz="4000" dirty="0" smtClean="0"/>
+              <a:t>(Restated)</a:t>
+            </a:r>
+            <a:endParaRPr lang="en-US" sz="4000" dirty="0" smtClean="0"/>
+          </a:p>
+        </p:txBody>
+      </p:sp>
+      <p:graphicFrame>
+        <p:nvGraphicFramePr>
+          <p:cNvPr id="9218" name="Object 2"/>
+          <p:cNvGraphicFramePr>
+            <a:graphicFrameLocks noChangeAspect="1"/>
+          </p:cNvGraphicFramePr>
+          <p:nvPr>
+            <p:extLst>
+              <p:ext uri="{D42A27DB-BD31-4B8C-83A1-F6EECF244321}">
+                <p14:modId xmlns:p14="http://schemas.microsoft.com/office/powerpoint/2010/main" val="4071019549"/>
+              </p:ext>
+            </p:extLst>
+          </p:nvPr>
+        </p:nvGraphicFramePr>
+        <p:xfrm>
+          <a:off x="1020763" y="2198688"/>
+          <a:ext cx="7057290" cy="1433512"/>
+        </p:xfrm>
+        <a:graphic>
+          <a:graphicData uri="http://schemas.openxmlformats.org/presentationml/2006/ole">
+            <mc:AlternateContent xmlns:mc="http://schemas.openxmlformats.org/markup-compatibility/2006">
+              <mc:Choice xmlns:v="urn:schemas-microsoft-com:vml" Requires="v">
+                <p:oleObj spid="_x0000_s9312" name="Equation" r:id="rId4" imgW="1130300" imgH="228600" progId="Equation.DSMT4">
+                  <p:embed/>
+                </p:oleObj>
+              </mc:Choice>
+              <mc:Fallback>
+                <p:oleObj name="Equation" r:id="rId4" imgW="1130300" imgH="228600" progId="Equation.DSMT4">
+                  <p:embed/>
+                  <p:pic>
+                    <p:nvPicPr>
+                      <p:cNvPr id="0" name="Object 2"/>
+                      <p:cNvPicPr>
+                        <a:picLocks noChangeAspect="1" noChangeArrowheads="1"/>
+                      </p:cNvPicPr>
+                      <p:nvPr/>
+                    </p:nvPicPr>
+                    <p:blipFill>
+                      <a:blip r:embed="rId5"/>
+                      <a:srcRect/>
+                      <a:stretch>
+                        <a:fillRect/>
+                      </a:stretch>
+                    </p:blipFill>
+                    <p:spPr bwMode="auto">
+                      <a:xfrm>
+                        <a:off x="1020763" y="2198688"/>
+                        <a:ext cx="7057290" cy="1433512"/>
+                      </a:xfrm>
+                      <a:prstGeom prst="rect">
+                        <a:avLst/>
+                      </a:prstGeom>
+                      <a:noFill/>
+                      <a:extLst/>
+                    </p:spPr>
+                  </p:pic>
+                </p:oleObj>
+              </mc:Fallback>
+            </mc:AlternateContent>
+          </a:graphicData>
+        </a:graphic>
+      </p:graphicFrame>
+      <p:graphicFrame>
+        <p:nvGraphicFramePr>
+          <p:cNvPr id="4" name="Object 3"/>
+          <p:cNvGraphicFramePr>
+            <a:graphicFrameLocks noChangeAspect="1"/>
+          </p:cNvGraphicFramePr>
+          <p:nvPr>
+            <p:extLst>
+              <p:ext uri="{D42A27DB-BD31-4B8C-83A1-F6EECF244321}">
+                <p14:modId xmlns:p14="http://schemas.microsoft.com/office/powerpoint/2010/main" val="1990465483"/>
+              </p:ext>
+            </p:extLst>
+          </p:nvPr>
+        </p:nvGraphicFramePr>
+        <p:xfrm>
+          <a:off x="412750" y="990600"/>
+          <a:ext cx="4362450" cy="1196155"/>
+        </p:xfrm>
+        <a:graphic>
+          <a:graphicData uri="http://schemas.openxmlformats.org/presentationml/2006/ole">
+            <mc:AlternateContent xmlns:mc="http://schemas.openxmlformats.org/markup-compatibility/2006">
+              <mc:Choice xmlns:v="urn:schemas-microsoft-com:vml" Requires="v">
+                <p:oleObj spid="_x0000_s9313" name="Equation" r:id="rId6" imgW="787400" imgH="215900" progId="Equation.DSMT4">
+                  <p:embed/>
+                </p:oleObj>
+              </mc:Choice>
+              <mc:Fallback>
+                <p:oleObj name="Equation" r:id="rId6" imgW="787400" imgH="215900" progId="Equation.DSMT4">
+                  <p:embed/>
+                  <p:pic>
+                    <p:nvPicPr>
+                      <p:cNvPr id="0" name=""/>
+                      <p:cNvPicPr/>
+                      <p:nvPr/>
+                    </p:nvPicPr>
+                    <p:blipFill>
+                      <a:blip r:embed="rId7"/>
+                      <a:stretch>
+                        <a:fillRect/>
+                      </a:stretch>
+                    </p:blipFill>
+                    <p:spPr>
+                      <a:xfrm>
+                        <a:off x="412750" y="990600"/>
+                        <a:ext cx="4362450" cy="1196155"/>
+                      </a:xfrm>
+                      <a:prstGeom prst="rect">
+                        <a:avLst/>
+                      </a:prstGeom>
+                    </p:spPr>
+                  </p:pic>
+                </p:oleObj>
+              </mc:Fallback>
+            </mc:AlternateContent>
+          </a:graphicData>
+        </a:graphic>
+      </p:graphicFrame>
+      <p:graphicFrame>
+        <p:nvGraphicFramePr>
+          <p:cNvPr id="5" name="Object 4"/>
+          <p:cNvGraphicFramePr>
+            <a:graphicFrameLocks noChangeAspect="1"/>
+          </p:cNvGraphicFramePr>
+          <p:nvPr>
+            <p:extLst>
+              <p:ext uri="{D42A27DB-BD31-4B8C-83A1-F6EECF244321}">
+                <p14:modId xmlns:p14="http://schemas.microsoft.com/office/powerpoint/2010/main" val="3019415780"/>
+              </p:ext>
+            </p:extLst>
+          </p:nvPr>
+        </p:nvGraphicFramePr>
+        <p:xfrm>
+          <a:off x="3232149" y="3440113"/>
+          <a:ext cx="3270251" cy="2452689"/>
+        </p:xfrm>
+        <a:graphic>
+          <a:graphicData uri="http://schemas.openxmlformats.org/presentationml/2006/ole">
+            <mc:AlternateContent xmlns:mc="http://schemas.openxmlformats.org/markup-compatibility/2006">
+              <mc:Choice xmlns:v="urn:schemas-microsoft-com:vml" Requires="v">
+                <p:oleObj spid="_x0000_s9314" name="Equation" r:id="rId8" imgW="609600" imgH="457200" progId="Equation.DSMT4">
+                  <p:embed/>
+                </p:oleObj>
+              </mc:Choice>
+              <mc:Fallback>
+                <p:oleObj name="Equation" r:id="rId8" imgW="609600" imgH="457200" progId="Equation.DSMT4">
+                  <p:embed/>
+                  <p:pic>
+                    <p:nvPicPr>
+                      <p:cNvPr id="0" name=""/>
+                      <p:cNvPicPr/>
+                      <p:nvPr/>
+                    </p:nvPicPr>
+                    <p:blipFill>
+                      <a:blip r:embed="rId9"/>
+                      <a:stretch>
+                        <a:fillRect/>
+                      </a:stretch>
+                    </p:blipFill>
+                    <p:spPr>
+                      <a:xfrm>
+                        <a:off x="3232149" y="3440113"/>
+                        <a:ext cx="3270251" cy="2452689"/>
+                      </a:xfrm>
+                      <a:prstGeom prst="rect">
+                        <a:avLst/>
+                      </a:prstGeom>
+                    </p:spPr>
+                  </p:pic>
+                </p:oleObj>
+              </mc:Fallback>
+            </mc:AlternateContent>
+          </a:graphicData>
+        </a:graphic>
+      </p:graphicFrame>
+    </p:spTree>
+  </p:cSld>
+  <p:clrMapOvr>
+    <a:masterClrMapping/>
+  </p:clrMapOvr>
+  <mc:AlternateContent xmlns:mc="http://schemas.openxmlformats.org/markup-compatibility/2006">
+    <mc:Choice xmlns:p14="http://schemas.microsoft.com/office/powerpoint/2010/main" Requires="p14">
+      <p:transition spd="slow" p14:dur="1200" advClick="0">
+        <p:fade thruBlk="1"/>
+      </p:transition>
+    </mc:Choice>
+    <mc:Fallback>
+      <p:transition xmlns:p14="http://schemas.microsoft.com/office/powerpoint/2010/main" spd="slow" advClick="0">
+        <p:fade thruBlk="1"/>
+      </p:transition>
+    </mc:Fallback>
+  </mc:AlternateContent>
+  <p:timing>
+    <p:tnLst>
+      <p:par>
+        <p:cTn xmlns:p14="http://schemas.microsoft.com/office/powerpoint/2010/main" id="1" dur="indefinite" restart="never" nodeType="tmRoot">
+          <p:childTnLst>
+            <p:seq concurrent="1" nextAc="seek">
+              <p:cTn id="2" dur="indefinite" nodeType="mainSeq">
+                <p:childTnLst>
+                  <p:par>
+                    <p:cTn id="3" fill="hold">
+                      <p:stCondLst>
+                        <p:cond delay="indefinite"/>
+                      </p:stCondLst>
+                      <p:childTnLst>
+                        <p:par>
+                          <p:cTn id="4" fill="hold">
+                            <p:stCondLst>
+                              <p:cond delay="0"/>
+                            </p:stCondLst>
+                            <p:childTnLst>
+                              <p:par>
+                                <p:cTn id="5" presetID="22" presetClass="entr" presetSubtype="8" fill="hold" nodeType="clickEffect">
+                                  <p:stCondLst>
+                                    <p:cond delay="0"/>
+                                  </p:stCondLst>
+                                  <p:childTnLst>
+                                    <p:set>
+                                      <p:cBhvr>
+                                        <p:cTn id="6" dur="1" fill="hold">
+                                          <p:stCondLst>
+                                            <p:cond delay="0"/>
+                                          </p:stCondLst>
+                                        </p:cTn>
+                                        <p:tgtEl>
+                                          <p:spTgt spid="9218"/>
+                                        </p:tgtEl>
+                                        <p:attrNameLst>
+                                          <p:attrName>style.visibility</p:attrName>
+                                        </p:attrNameLst>
+                                      </p:cBhvr>
+                                      <p:to>
+                                        <p:strVal val="visible"/>
+                                      </p:to>
+                                    </p:set>
+                                    <p:animEffect transition="in" filter="wipe(left)">
+                                      <p:cBhvr>
+                                        <p:cTn id="7" dur="1000"/>
+                                        <p:tgtEl>
+                                          <p:spTgt spid="9218"/>
+                                        </p:tgtEl>
+                                      </p:cBhvr>
+                                    </p:animEffect>
+                                  </p:childTnLst>
+                                </p:cTn>
+                              </p:par>
+                            </p:childTnLst>
+                          </p:cTn>
+                        </p:par>
+                        <p:par>
+                          <p:cTn id="8" fill="hold">
+                            <p:stCondLst>
+                              <p:cond delay="1000"/>
+                            </p:stCondLst>
+                            <p:childTnLst>
+                              <p:par>
+                                <p:cTn id="9" presetID="22" presetClass="entr" presetSubtype="8" fill="hold" nodeType="afterEffect">
+                                  <p:stCondLst>
+                                    <p:cond delay="0"/>
+                                  </p:stCondLst>
+                                  <p:childTnLst>
+                                    <p:set>
+                                      <p:cBhvr>
+                                        <p:cTn id="10" dur="1" fill="hold">
+                                          <p:stCondLst>
+                                            <p:cond delay="0"/>
+                                          </p:stCondLst>
+                                        </p:cTn>
+                                        <p:tgtEl>
+                                          <p:spTgt spid="5"/>
+                                        </p:tgtEl>
+                                        <p:attrNameLst>
+                                          <p:attrName>style.visibility</p:attrName>
+                                        </p:attrNameLst>
+                                      </p:cBhvr>
+                                      <p:to>
+                                        <p:strVal val="visible"/>
+                                      </p:to>
+                                    </p:set>
+                                    <p:animEffect transition="in" filter="wipe(left)">
+                                      <p:cBhvr>
+                                        <p:cTn id="11" dur="1000"/>
+                                        <p:tgtEl>
+                                          <p:spTgt spid="5"/>
+                                        </p:tgtEl>
+                                      </p:cBhvr>
+                                    </p:animEffect>
+                                  </p:childTnLst>
+                                </p:cTn>
+                              </p:par>
+                            </p:childTnLst>
+                          </p:cTn>
+                        </p:par>
+                      </p:childTnLst>
+                    </p:cTn>
+                  </p:par>
+                </p:childTnLst>
+              </p:cTn>
+              <p:prevCondLst>
+                <p:cond evt="onPrev" delay="0">
+                  <p:tgtEl>
+                    <p:sldTgt/>
+                  </p:tgtEl>
+                </p:cond>
+              </p:prevCondLst>
+              <p:nextCondLst>
+                <p:cond evt="onNext" delay="0">
+                  <p:tgtEl>
+                    <p:sldTgt/>
+                  </p:tgtEl>
+                </p:cond>
+              </p:nextCondLst>
+            </p:seq>
+          </p:childTnLst>
+        </p:cTn>
+      </p:par>
+    </p:tnLst>
+  </p:timing>
+</p:sld>
+</file>
+
+<file path=ppt/slides/slide13.xml><?xml version="1.0" encoding="utf-8"?>
+<p:sld xmlns:a="http://schemas.openxmlformats.org/drawingml/2006/main" xmlns:r="http://schemas.openxmlformats.org/officeDocument/2006/relationships" xmlns:p="http://schemas.openxmlformats.org/presentationml/2006/main" show="0">
+  <p:cSld>
+    <p:spTree>
+      <p:nvGrpSpPr>
+        <p:cNvPr id="1" name=""/>
+        <p:cNvGrpSpPr/>
+        <p:nvPr/>
+      </p:nvGrpSpPr>
+      <p:grpSpPr>
+        <a:xfrm>
+          <a:off x="0" y="0"/>
+          <a:ext cx="0" cy="0"/>
+          <a:chOff x="0" y="0"/>
+          <a:chExt cx="0" cy="0"/>
+        </a:xfrm>
+      </p:grpSpPr>
+      <p:sp>
+        <p:nvSpPr>
+          <p:cNvPr id="9221" name="Rectangle 2"/>
+          <p:cNvSpPr>
+            <a:spLocks noGrp="1" noChangeArrowheads="1"/>
+          </p:cNvSpPr>
+          <p:nvPr>
+            <p:ph type="title"/>
+          </p:nvPr>
+        </p:nvSpPr>
+        <p:spPr>
+          <a:xfrm>
+            <a:off x="1341438" y="98425"/>
+            <a:ext cx="7688262" cy="1057275"/>
+          </a:xfrm>
+        </p:spPr>
+        <p:txBody>
+          <a:bodyPr/>
+          <a:lstStyle/>
+          <a:p>
+            <a:pPr eaLnBrk="1" hangingPunct="1"/>
+            <a:r>
+              <a:rPr lang="en-US" sz="4000" dirty="0" err="1" smtClean="0"/>
+              <a:t>Chebyshev</a:t>
+            </a:r>
+            <a:r>
+              <a:rPr lang="en-US" sz="4000" dirty="0" smtClean="0"/>
+              <a:t> Bound </a:t>
+            </a:r>
+            <a:r>
+              <a:rPr lang="en-US" sz="4000" dirty="0" smtClean="0"/>
+              <a:t>(Restated)</a:t>
+            </a:r>
+            <a:endParaRPr lang="en-US" sz="4000" dirty="0" smtClean="0"/>
+          </a:p>
+        </p:txBody>
+      </p:sp>
+      <p:graphicFrame>
+        <p:nvGraphicFramePr>
+          <p:cNvPr id="2" name="Object 1"/>
+          <p:cNvGraphicFramePr>
+            <a:graphicFrameLocks noChangeAspect="1"/>
+          </p:cNvGraphicFramePr>
+          <p:nvPr>
+            <p:extLst>
+              <p:ext uri="{D42A27DB-BD31-4B8C-83A1-F6EECF244321}">
+                <p14:modId xmlns:p14="http://schemas.microsoft.com/office/powerpoint/2010/main" val="825090891"/>
+              </p:ext>
+            </p:extLst>
+          </p:nvPr>
+        </p:nvGraphicFramePr>
+        <p:xfrm>
+          <a:off x="3514725" y="3165475"/>
+          <a:ext cx="2097088" cy="2871788"/>
+        </p:xfrm>
+        <a:graphic>
+          <a:graphicData uri="http://schemas.openxmlformats.org/presentationml/2006/ole">
+            <mc:AlternateContent xmlns:mc="http://schemas.openxmlformats.org/markup-compatibility/2006">
+              <mc:Choice xmlns:v="urn:schemas-microsoft-com:vml" Requires="v">
+                <p:oleObj spid="_x0000_s1046" name="Equation" r:id="rId4" imgW="342900" imgH="469900" progId="Equation.DSMT4">
+                  <p:embed/>
+                </p:oleObj>
+              </mc:Choice>
+              <mc:Fallback>
+                <p:oleObj name="Equation" r:id="rId4" imgW="342900" imgH="469900" progId="Equation.DSMT4">
+                  <p:embed/>
+                  <p:pic>
+                    <p:nvPicPr>
+                      <p:cNvPr id="0" name=""/>
+                      <p:cNvPicPr/>
+                      <p:nvPr/>
+                    </p:nvPicPr>
+                    <p:blipFill>
+                      <a:blip r:embed="rId5"/>
+                      <a:stretch>
+                        <a:fillRect/>
+                      </a:stretch>
+                    </p:blipFill>
+                    <p:spPr>
+                      <a:xfrm>
+                        <a:off x="3514725" y="3165475"/>
+                        <a:ext cx="2097088" cy="2871788"/>
+                      </a:xfrm>
+                      <a:prstGeom prst="rect">
+                        <a:avLst/>
+                      </a:prstGeom>
+                    </p:spPr>
+                  </p:pic>
+                </p:oleObj>
+              </mc:Fallback>
+            </mc:AlternateContent>
+          </a:graphicData>
+        </a:graphic>
+      </p:graphicFrame>
+      <p:graphicFrame>
+        <p:nvGraphicFramePr>
+          <p:cNvPr id="4" name="Object 3"/>
+          <p:cNvGraphicFramePr>
+            <a:graphicFrameLocks noChangeAspect="1"/>
+          </p:cNvGraphicFramePr>
+          <p:nvPr>
+            <p:extLst>
+              <p:ext uri="{D42A27DB-BD31-4B8C-83A1-F6EECF244321}">
+                <p14:modId xmlns:p14="http://schemas.microsoft.com/office/powerpoint/2010/main" val="3383565636"/>
+              </p:ext>
+            </p:extLst>
+          </p:nvPr>
+        </p:nvGraphicFramePr>
+        <p:xfrm>
+          <a:off x="412750" y="990600"/>
+          <a:ext cx="4362450" cy="1196155"/>
+        </p:xfrm>
+        <a:graphic>
+          <a:graphicData uri="http://schemas.openxmlformats.org/presentationml/2006/ole">
+            <mc:AlternateContent xmlns:mc="http://schemas.openxmlformats.org/markup-compatibility/2006">
+              <mc:Choice xmlns:v="urn:schemas-microsoft-com:vml" Requires="v">
+                <p:oleObj spid="_x0000_s1047" name="Equation" r:id="rId6" imgW="787400" imgH="215900" progId="Equation.DSMT4">
+                  <p:embed/>
+                </p:oleObj>
+              </mc:Choice>
+              <mc:Fallback>
+                <p:oleObj name="Equation" r:id="rId6" imgW="787400" imgH="215900" progId="Equation.DSMT4">
+                  <p:embed/>
+                  <p:pic>
+                    <p:nvPicPr>
+                      <p:cNvPr id="0" name=""/>
+                      <p:cNvPicPr/>
+                      <p:nvPr/>
+                    </p:nvPicPr>
+                    <p:blipFill>
+                      <a:blip r:embed="rId7"/>
+                      <a:stretch>
+                        <a:fillRect/>
+                      </a:stretch>
+                    </p:blipFill>
+                    <p:spPr>
+                      <a:xfrm>
+                        <a:off x="412750" y="990600"/>
+                        <a:ext cx="4362450" cy="1196155"/>
+                      </a:xfrm>
+                      <a:prstGeom prst="rect">
+                        <a:avLst/>
+                      </a:prstGeom>
+                    </p:spPr>
+                  </p:pic>
+                </p:oleObj>
+              </mc:Fallback>
+            </mc:AlternateContent>
+          </a:graphicData>
+        </a:graphic>
+      </p:graphicFrame>
+      <p:graphicFrame>
+        <p:nvGraphicFramePr>
+          <p:cNvPr id="6" name="Object 2"/>
+          <p:cNvGraphicFramePr>
+            <a:graphicFrameLocks noChangeAspect="1"/>
+          </p:cNvGraphicFramePr>
+          <p:nvPr>
+            <p:extLst>
+              <p:ext uri="{D42A27DB-BD31-4B8C-83A1-F6EECF244321}">
+                <p14:modId xmlns:p14="http://schemas.microsoft.com/office/powerpoint/2010/main" val="4161226079"/>
+              </p:ext>
+            </p:extLst>
+          </p:nvPr>
+        </p:nvGraphicFramePr>
+        <p:xfrm>
+          <a:off x="1033463" y="2198688"/>
+          <a:ext cx="7057290" cy="1433512"/>
+        </p:xfrm>
+        <a:graphic>
+          <a:graphicData uri="http://schemas.openxmlformats.org/presentationml/2006/ole">
+            <mc:AlternateContent xmlns:mc="http://schemas.openxmlformats.org/markup-compatibility/2006">
+              <mc:Choice xmlns:v="urn:schemas-microsoft-com:vml" Requires="v">
+                <p:oleObj spid="_x0000_s1048" name="Equation" r:id="rId8" imgW="1130300" imgH="228600" progId="Equation.DSMT4">
+                  <p:embed/>
+                </p:oleObj>
+              </mc:Choice>
+              <mc:Fallback>
+                <p:oleObj name="Equation" r:id="rId8" imgW="1130300" imgH="228600" progId="Equation.DSMT4">
+                  <p:embed/>
+                  <p:pic>
+                    <p:nvPicPr>
+                      <p:cNvPr id="0" name=""/>
+                      <p:cNvPicPr>
+                        <a:picLocks noChangeAspect="1" noChangeArrowheads="1"/>
+                      </p:cNvPicPr>
+                      <p:nvPr/>
+                    </p:nvPicPr>
+                    <p:blipFill>
+                      <a:blip r:embed="rId9"/>
+                      <a:srcRect/>
+                      <a:stretch>
+                        <a:fillRect/>
+                      </a:stretch>
+                    </p:blipFill>
+                    <p:spPr bwMode="auto">
+                      <a:xfrm>
+                        <a:off x="1033463" y="2198688"/>
+                        <a:ext cx="7057290" cy="1433512"/>
+                      </a:xfrm>
+                      <a:prstGeom prst="rect">
+                        <a:avLst/>
+                      </a:prstGeom>
+                      <a:noFill/>
+                      <a:extLst/>
+                    </p:spPr>
+                  </p:pic>
+                </p:oleObj>
+              </mc:Fallback>
+            </mc:AlternateContent>
+          </a:graphicData>
+        </a:graphic>
+      </p:graphicFrame>
+      <p:sp>
+        <p:nvSpPr>
+          <p:cNvPr id="3" name="Rectangle 2"/>
+          <p:cNvSpPr/>
+          <p:nvPr/>
+        </p:nvSpPr>
+        <p:spPr bwMode="auto">
+          <a:xfrm>
+            <a:off x="482600" y="1993900"/>
+            <a:ext cx="7950200" cy="4051300"/>
+          </a:xfrm>
+          <a:prstGeom prst="rect">
+            <a:avLst/>
+          </a:prstGeom>
+          <a:noFill/>
+          <a:ln w="41275" algn="ctr">
+            <a:solidFill>
+              <a:srgbClr val="FF00FF"/>
+            </a:solidFill>
+            <a:prstDash val="sysDash"/>
+            <a:miter lim="800000"/>
+            <a:headEnd/>
+            <a:tailEnd/>
+          </a:ln>
+        </p:spPr>
+        <p:txBody>
+          <a:bodyPr wrap="none" rtlCol="0" anchor="ctr"/>
+          <a:lstStyle/>
+          <a:p>
+            <a:pPr algn="ctr"/>
+            <a:endParaRPr lang="en-US"/>
+          </a:p>
+        </p:txBody>
+      </p:sp>
+    </p:spTree>
+    <p:extLst>
+      <p:ext uri="{BB962C8B-B14F-4D97-AF65-F5344CB8AC3E}">
+        <p14:creationId xmlns:p14="http://schemas.microsoft.com/office/powerpoint/2010/main" val="48287341"/>
+      </p:ext>
+    </p:extLst>
+  </p:cSld>
+  <p:clrMapOvr>
+    <a:masterClrMapping/>
+  </p:clrMapOvr>
+  <mc:AlternateContent xmlns:mc="http://schemas.openxmlformats.org/markup-compatibility/2006">
+    <mc:Choice xmlns:p14="http://schemas.microsoft.com/office/powerpoint/2010/main" Requires="p14">
+      <p:transition spd="slow" p14:dur="1200" advClick="0">
+        <p:fade thruBlk="1"/>
+      </p:transition>
+    </mc:Choice>
+    <mc:Fallback>
+      <p:transition xmlns:p14="http://schemas.microsoft.com/office/powerpoint/2010/main" spd="slow" advClick="0">
+        <p:fade thruBlk="1"/>
+      </p:transition>
+    </mc:Fallback>
+  </mc:AlternateContent>
+  <p:timing>
+    <p:tnLst>
+      <p:par>
+        <p:cTn xmlns:p14="http://schemas.microsoft.com/office/powerpoint/2010/main" id="1" dur="indefinite" restart="never" nodeType="tmRoot">
+          <p:childTnLst>
+            <p:seq concurrent="1" nextAc="seek">
+              <p:cTn id="2" dur="indefinite" nodeType="mainSeq">
+                <p:childTnLst>
+                  <p:par>
+                    <p:cTn id="3" fill="hold">
+                      <p:stCondLst>
+                        <p:cond delay="indefinite"/>
+                      </p:stCondLst>
+                      <p:childTnLst>
+                        <p:par>
+                          <p:cTn id="4" fill="hold">
+                            <p:stCondLst>
+                              <p:cond delay="0"/>
+                            </p:stCondLst>
+                            <p:childTnLst>
+                              <p:par>
+                                <p:cTn id="5" presetID="22" presetClass="entr" presetSubtype="4" fill="hold" nodeType="clickEffect">
+                                  <p:stCondLst>
+                                    <p:cond delay="0"/>
+                                  </p:stCondLst>
+                                  <p:childTnLst>
+                                    <p:set>
+                                      <p:cBhvr>
+                                        <p:cTn id="6" dur="1" fill="hold">
+                                          <p:stCondLst>
+                                            <p:cond delay="0"/>
+                                          </p:stCondLst>
+                                        </p:cTn>
+                                        <p:tgtEl>
+                                          <p:spTgt spid="6"/>
+                                        </p:tgtEl>
+                                        <p:attrNameLst>
+                                          <p:attrName>style.visibility</p:attrName>
+                                        </p:attrNameLst>
+                                      </p:cBhvr>
+                                      <p:to>
+                                        <p:strVal val="visible"/>
+                                      </p:to>
+                                    </p:set>
+                                    <p:animEffect transition="in" filter="wipe(down)">
+                                      <p:cBhvr>
+                                        <p:cTn id="7" dur="2000"/>
+                                        <p:tgtEl>
+                                          <p:spTgt spid="6"/>
+                                        </p:tgtEl>
+                                      </p:cBhvr>
+                                    </p:animEffect>
+                                  </p:childTnLst>
+                                </p:cTn>
+                              </p:par>
+                            </p:childTnLst>
+                          </p:cTn>
+                        </p:par>
+                      </p:childTnLst>
+                    </p:cTn>
+                  </p:par>
+                </p:childTnLst>
+              </p:cTn>
+              <p:prevCondLst>
+                <p:cond evt="onPrev" delay="0">
+                  <p:tgtEl>
+                    <p:sldTgt/>
+                  </p:tgtEl>
+                </p:cond>
+              </p:prevCondLst>
+              <p:nextCondLst>
+                <p:cond evt="onNext" delay="0">
+                  <p:tgtEl>
+                    <p:sldTgt/>
+                  </p:tgtEl>
+                </p:cond>
+              </p:nextCondLst>
+            </p:seq>
+          </p:childTnLst>
+        </p:cTn>
+      </p:par>
+    </p:tnLst>
+  </p:timing>
+</p:sld>
+</file>
+
+<file path=ppt/slides/slide14.xml><?xml version="1.0" encoding="utf-8"?>
+<p:sld xmlns:a="http://schemas.openxmlformats.org/drawingml/2006/main" xmlns:r="http://schemas.openxmlformats.org/officeDocument/2006/relationships" xmlns:p="http://schemas.openxmlformats.org/presentationml/2006/main" show="0">
+  <p:cSld>
+    <p:spTree>
+      <p:nvGrpSpPr>
+        <p:cNvPr id="1" name=""/>
+        <p:cNvGrpSpPr/>
+        <p:nvPr/>
+      </p:nvGrpSpPr>
+      <p:grpSpPr>
+        <a:xfrm>
+          <a:off x="0" y="0"/>
+          <a:ext cx="0" cy="0"/>
+          <a:chOff x="0" y="0"/>
+          <a:chExt cx="0" cy="0"/>
+        </a:xfrm>
+      </p:grpSpPr>
+      <p:graphicFrame>
+        <p:nvGraphicFramePr>
+          <p:cNvPr id="2" name="Object 1"/>
+          <p:cNvGraphicFramePr>
+            <a:graphicFrameLocks noChangeAspect="1"/>
+          </p:cNvGraphicFramePr>
+          <p:nvPr>
+            <p:extLst>
+              <p:ext uri="{D42A27DB-BD31-4B8C-83A1-F6EECF244321}">
+                <p14:modId xmlns:p14="http://schemas.microsoft.com/office/powerpoint/2010/main" val="1513961805"/>
+              </p:ext>
+            </p:extLst>
+          </p:nvPr>
+        </p:nvGraphicFramePr>
+        <p:xfrm>
+          <a:off x="1014413" y="1003299"/>
+          <a:ext cx="7062787" cy="2062584"/>
+        </p:xfrm>
+        <a:graphic>
+          <a:graphicData uri="http://schemas.openxmlformats.org/presentationml/2006/ole">
+            <mc:AlternateContent xmlns:mc="http://schemas.openxmlformats.org/markup-compatibility/2006">
+              <mc:Choice xmlns:v="urn:schemas-microsoft-com:vml" Requires="v">
+                <p:oleObj spid="_x0000_s502789" name="Equation" r:id="rId5" imgW="1435100" imgH="419100" progId="Equation.DSMT4">
+                  <p:embed/>
+                </p:oleObj>
+              </mc:Choice>
+              <mc:Fallback>
+                <p:oleObj name="Equation" r:id="rId5" imgW="1435100" imgH="419100" progId="Equation.DSMT4">
+                  <p:embed/>
+                  <p:pic>
+                    <p:nvPicPr>
+                      <p:cNvPr id="0" name=""/>
+                      <p:cNvPicPr/>
+                      <p:nvPr/>
+                    </p:nvPicPr>
+                    <p:blipFill>
+                      <a:blip r:embed="rId6"/>
+                      <a:stretch>
+                        <a:fillRect/>
+                      </a:stretch>
+                    </p:blipFill>
+                    <p:spPr>
+                      <a:xfrm>
+                        <a:off x="1014413" y="1003299"/>
+                        <a:ext cx="7062787" cy="2062584"/>
+                      </a:xfrm>
+                      <a:prstGeom prst="rect">
+                        <a:avLst/>
+                      </a:prstGeom>
+                    </p:spPr>
+                  </p:pic>
+                </p:oleObj>
+              </mc:Fallback>
+            </mc:AlternateContent>
+          </a:graphicData>
+        </a:graphic>
+      </p:graphicFrame>
+      <p:sp>
+        <p:nvSpPr>
+          <p:cNvPr id="726019" name="Rectangle 3"/>
+          <p:cNvSpPr>
+            <a:spLocks noGrp="1" noChangeArrowheads="1"/>
+          </p:cNvSpPr>
+          <p:nvPr>
+            <p:ph type="body" idx="1"/>
+          </p:nvPr>
+        </p:nvSpPr>
+        <p:spPr>
+          <a:xfrm>
+            <a:off x="381049" y="3107410"/>
+            <a:ext cx="8433790" cy="3320297"/>
+          </a:xfrm>
+        </p:spPr>
+        <p:txBody>
+          <a:bodyPr/>
+          <a:lstStyle/>
+          <a:p>
+            <a:pPr eaLnBrk="1" hangingPunct="1">
+              <a:lnSpc>
+                <a:spcPct val="90000"/>
+              </a:lnSpc>
+              <a:buFontTx/>
+              <a:buNone/>
+            </a:pPr>
+            <a:r>
+              <a:rPr lang="en-US" sz="4400" dirty="0" smtClean="0">
+                <a:solidFill>
+                  <a:srgbClr val="0000FF"/>
+                </a:solidFill>
+                <a:cs typeface="Times New Roman" pitchFamily="18" charset="0"/>
+              </a:rPr>
+              <a:t>R</a:t>
+            </a:r>
+            <a:r>
+              <a:rPr lang="en-US" sz="4400" dirty="0" smtClean="0">
+                <a:cs typeface="Times New Roman" pitchFamily="18" charset="0"/>
+              </a:rPr>
+              <a:t> probably not many </a:t>
+            </a:r>
+            <a:r>
+              <a:rPr lang="el-GR" sz="4400" dirty="0" smtClean="0">
+                <a:solidFill>
+                  <a:srgbClr val="008000"/>
+                </a:solidFill>
+                <a:cs typeface="Times New Roman" pitchFamily="18" charset="0"/>
+              </a:rPr>
+              <a:t>σ</a:t>
+            </a:r>
+            <a:r>
+              <a:rPr lang="en-US" sz="4400" dirty="0" smtClean="0">
+                <a:cs typeface="Times New Roman" pitchFamily="18" charset="0"/>
+              </a:rPr>
+              <a:t>’s from </a:t>
+            </a:r>
+            <a:r>
+              <a:rPr lang="en-US" sz="4400" dirty="0" err="1" smtClean="0">
+                <a:solidFill>
+                  <a:srgbClr val="0000FF"/>
+                </a:solidFill>
+                <a:latin typeface="Symbol" pitchFamily="18" charset="2"/>
+                <a:cs typeface="Times New Roman" pitchFamily="18" charset="0"/>
+                <a:sym typeface="Symbol" pitchFamily="18" charset="2"/>
+              </a:rPr>
+              <a:t>μ</a:t>
+            </a:r>
+            <a:r>
+              <a:rPr lang="en-US" sz="4400" dirty="0" smtClean="0">
+                <a:latin typeface="Symbol" pitchFamily="18" charset="2"/>
+                <a:cs typeface="Times New Roman" pitchFamily="18" charset="0"/>
+                <a:sym typeface="Symbol" pitchFamily="18" charset="2"/>
+              </a:rPr>
+              <a:t>: </a:t>
+            </a:r>
+          </a:p>
+          <a:p>
+            <a:pPr eaLnBrk="1" hangingPunct="1">
+              <a:lnSpc>
+                <a:spcPct val="65000"/>
+              </a:lnSpc>
+              <a:buFontTx/>
+              <a:buNone/>
+            </a:pPr>
+            <a:r>
+              <a:rPr lang="en-US" sz="4800" dirty="0" smtClean="0">
+                <a:cs typeface="Times New Roman" pitchFamily="18" charset="0"/>
+              </a:rPr>
+              <a:t>further than</a:t>
+            </a:r>
+            <a:r>
+              <a:rPr lang="en-US" sz="4800" dirty="0" smtClean="0">
+                <a:solidFill>
+                  <a:schemeClr val="accent2"/>
+                </a:solidFill>
+                <a:cs typeface="Times New Roman" pitchFamily="18" charset="0"/>
+              </a:rPr>
+              <a:t>   </a:t>
+            </a:r>
+            <a:r>
+              <a:rPr lang="el-GR" sz="4800" dirty="0" smtClean="0">
+                <a:solidFill>
+                  <a:srgbClr val="008000"/>
+                </a:solidFill>
+                <a:cs typeface="Times New Roman" pitchFamily="18" charset="0"/>
+              </a:rPr>
+              <a:t>σ</a:t>
+            </a:r>
+            <a:r>
+              <a:rPr lang="en-US" sz="4800" dirty="0" smtClean="0">
+                <a:cs typeface="Times New Roman" pitchFamily="18" charset="0"/>
+              </a:rPr>
+              <a:t>     Pr </a:t>
+            </a:r>
+            <a:r>
+              <a:rPr lang="en-US" sz="4800" b="1" dirty="0" smtClean="0">
+                <a:latin typeface="Times New Roman" pitchFamily="18" charset="0"/>
+                <a:cs typeface="Times New Roman" pitchFamily="18" charset="0"/>
+              </a:rPr>
+              <a:t>≤</a:t>
+            </a:r>
+            <a:r>
+              <a:rPr lang="en-US" sz="4800" dirty="0" smtClean="0">
+                <a:cs typeface="Times New Roman" pitchFamily="18" charset="0"/>
+              </a:rPr>
+              <a:t> 1</a:t>
+            </a:r>
+          </a:p>
+          <a:p>
+            <a:pPr eaLnBrk="1" hangingPunct="1">
+              <a:lnSpc>
+                <a:spcPct val="65000"/>
+              </a:lnSpc>
+              <a:buFontTx/>
+              <a:buNone/>
+            </a:pPr>
+            <a:r>
+              <a:rPr lang="en-US" sz="4800" dirty="0" smtClean="0">
+                <a:cs typeface="Times New Roman" pitchFamily="18" charset="0"/>
+              </a:rPr>
+              <a:t>                     </a:t>
+            </a:r>
+            <a:r>
+              <a:rPr lang="en-US" sz="4800" dirty="0" smtClean="0">
+                <a:solidFill>
+                  <a:srgbClr val="FF5050"/>
+                </a:solidFill>
+                <a:cs typeface="Times New Roman" pitchFamily="18" charset="0"/>
+              </a:rPr>
+              <a:t>2</a:t>
+            </a:r>
+            <a:r>
+              <a:rPr lang="el-GR" sz="4800" dirty="0" smtClean="0">
+                <a:solidFill>
+                  <a:srgbClr val="008000"/>
+                </a:solidFill>
+                <a:cs typeface="Times New Roman" pitchFamily="18" charset="0"/>
+              </a:rPr>
+              <a:t>σ</a:t>
+            </a:r>
+            <a:r>
+              <a:rPr lang="en-US" sz="4800" dirty="0" smtClean="0">
+                <a:cs typeface="Times New Roman" pitchFamily="18" charset="0"/>
+              </a:rPr>
+              <a:t>     Pr </a:t>
+            </a:r>
+            <a:r>
+              <a:rPr lang="en-US" sz="4800" b="1" dirty="0" smtClean="0">
+                <a:latin typeface="Times New Roman" pitchFamily="18" charset="0"/>
+                <a:cs typeface="Times New Roman" pitchFamily="18" charset="0"/>
+              </a:rPr>
+              <a:t>≤</a:t>
+            </a:r>
+            <a:r>
+              <a:rPr lang="en-US" sz="4800" dirty="0" smtClean="0">
+                <a:solidFill>
+                  <a:srgbClr val="0000FF"/>
+                </a:solidFill>
+                <a:cs typeface="Times New Roman" pitchFamily="18" charset="0"/>
+              </a:rPr>
+              <a:t> 1/</a:t>
+            </a:r>
+            <a:r>
+              <a:rPr lang="en-US" sz="4800" dirty="0" smtClean="0">
+                <a:solidFill>
+                  <a:srgbClr val="FF5050"/>
+                </a:solidFill>
+                <a:cs typeface="Times New Roman" pitchFamily="18" charset="0"/>
+              </a:rPr>
+              <a:t>4</a:t>
+            </a:r>
+          </a:p>
+          <a:p>
+            <a:pPr eaLnBrk="1" hangingPunct="1">
+              <a:lnSpc>
+                <a:spcPct val="65000"/>
+              </a:lnSpc>
+              <a:buFontTx/>
+              <a:buNone/>
+            </a:pPr>
+            <a:r>
+              <a:rPr lang="en-US" sz="4800" dirty="0" smtClean="0">
+                <a:cs typeface="Times New Roman" pitchFamily="18" charset="0"/>
+              </a:rPr>
+              <a:t>                    </a:t>
+            </a:r>
+            <a:r>
+              <a:rPr lang="en-US" sz="4800" dirty="0" smtClean="0">
+                <a:solidFill>
+                  <a:srgbClr val="660066"/>
+                </a:solidFill>
+                <a:cs typeface="Times New Roman" pitchFamily="18" charset="0"/>
+              </a:rPr>
+              <a:t> 3</a:t>
+            </a:r>
+            <a:r>
+              <a:rPr lang="el-GR" sz="4800" dirty="0" smtClean="0">
+                <a:solidFill>
+                  <a:srgbClr val="008000"/>
+                </a:solidFill>
+                <a:cs typeface="Times New Roman" pitchFamily="18" charset="0"/>
+              </a:rPr>
+              <a:t>σ</a:t>
+            </a:r>
+            <a:r>
+              <a:rPr lang="en-US" sz="4800" dirty="0" smtClean="0">
+                <a:cs typeface="Times New Roman" pitchFamily="18" charset="0"/>
+              </a:rPr>
+              <a:t>     Pr </a:t>
+            </a:r>
+            <a:r>
+              <a:rPr lang="en-US" sz="4800" b="1" dirty="0" smtClean="0">
+                <a:latin typeface="Times New Roman" pitchFamily="18" charset="0"/>
+                <a:cs typeface="Times New Roman" pitchFamily="18" charset="0"/>
+              </a:rPr>
+              <a:t>≤</a:t>
+            </a:r>
+            <a:r>
+              <a:rPr lang="en-US" sz="4800" dirty="0" smtClean="0">
+                <a:solidFill>
+                  <a:srgbClr val="0000FF"/>
+                </a:solidFill>
+                <a:cs typeface="Times New Roman" pitchFamily="18" charset="0"/>
+              </a:rPr>
+              <a:t> </a:t>
+            </a:r>
+            <a:r>
+              <a:rPr lang="en-US" sz="4800" dirty="0" smtClean="0">
+                <a:solidFill>
+                  <a:srgbClr val="0033CC"/>
+                </a:solidFill>
+                <a:cs typeface="Times New Roman" pitchFamily="18" charset="0"/>
+              </a:rPr>
+              <a:t>1/</a:t>
+            </a:r>
+            <a:r>
+              <a:rPr lang="en-US" sz="4800" dirty="0" smtClean="0">
+                <a:solidFill>
+                  <a:srgbClr val="660066"/>
+                </a:solidFill>
+                <a:cs typeface="Times New Roman" pitchFamily="18" charset="0"/>
+              </a:rPr>
+              <a:t>9</a:t>
+            </a:r>
+          </a:p>
+          <a:p>
+            <a:pPr eaLnBrk="1" hangingPunct="1">
+              <a:lnSpc>
+                <a:spcPct val="65000"/>
+              </a:lnSpc>
+              <a:buFontTx/>
+              <a:buNone/>
+            </a:pPr>
+            <a:r>
+              <a:rPr lang="en-US" sz="4800" dirty="0" smtClean="0">
+                <a:solidFill>
+                  <a:srgbClr val="0000FF"/>
+                </a:solidFill>
+                <a:cs typeface="Times New Roman" pitchFamily="18" charset="0"/>
+              </a:rPr>
+              <a:t>			           </a:t>
+            </a:r>
+            <a:r>
+              <a:rPr lang="en-US" sz="4800" dirty="0" smtClean="0">
+                <a:solidFill>
+                  <a:srgbClr val="FF00FF"/>
+                </a:solidFill>
+                <a:cs typeface="Times New Roman" pitchFamily="18" charset="0"/>
+              </a:rPr>
+              <a:t>4</a:t>
+            </a:r>
+            <a:r>
+              <a:rPr lang="el-GR" sz="4800" dirty="0" smtClean="0">
+                <a:solidFill>
+                  <a:srgbClr val="008000"/>
+                </a:solidFill>
+                <a:cs typeface="Times New Roman" pitchFamily="18" charset="0"/>
+              </a:rPr>
+              <a:t>σ</a:t>
+            </a:r>
+            <a:r>
+              <a:rPr lang="en-US" sz="4800" dirty="0" smtClean="0">
+                <a:cs typeface="Times New Roman" pitchFamily="18" charset="0"/>
+              </a:rPr>
+              <a:t>     Pr </a:t>
+            </a:r>
+            <a:r>
+              <a:rPr lang="en-US" sz="4800" b="1" dirty="0" smtClean="0">
+                <a:latin typeface="Times New Roman" pitchFamily="18" charset="0"/>
+                <a:cs typeface="Times New Roman" pitchFamily="18" charset="0"/>
+              </a:rPr>
+              <a:t>≤</a:t>
+            </a:r>
+            <a:r>
+              <a:rPr lang="en-US" sz="4800" dirty="0" smtClean="0">
+                <a:solidFill>
+                  <a:schemeClr val="accent2"/>
+                </a:solidFill>
+                <a:cs typeface="Times New Roman" pitchFamily="18" charset="0"/>
+              </a:rPr>
+              <a:t> </a:t>
+            </a:r>
+            <a:r>
+              <a:rPr lang="en-US" sz="4800" dirty="0" smtClean="0">
+                <a:solidFill>
+                  <a:srgbClr val="0033CC"/>
+                </a:solidFill>
+                <a:cs typeface="Times New Roman" pitchFamily="18" charset="0"/>
+              </a:rPr>
+              <a:t>1/</a:t>
+            </a:r>
+            <a:r>
+              <a:rPr lang="en-US" sz="4800" dirty="0" smtClean="0">
+                <a:solidFill>
+                  <a:srgbClr val="FF00FF"/>
+                </a:solidFill>
+                <a:cs typeface="Times New Roman" pitchFamily="18" charset="0"/>
+              </a:rPr>
+              <a:t>16</a:t>
+            </a:r>
+          </a:p>
+        </p:txBody>
+      </p:sp>
+      <p:sp>
+        <p:nvSpPr>
+          <p:cNvPr id="3" name="Rectangle 2"/>
+          <p:cNvSpPr/>
+          <p:nvPr/>
+        </p:nvSpPr>
+        <p:spPr bwMode="auto">
+          <a:xfrm>
+            <a:off x="990600" y="1079500"/>
+            <a:ext cx="7099300" cy="2006600"/>
+          </a:xfrm>
+          <a:prstGeom prst="rect">
+            <a:avLst/>
+          </a:prstGeom>
+          <a:noFill/>
+          <a:ln w="41275" algn="ctr">
+            <a:solidFill>
+              <a:srgbClr val="FF00FF"/>
+            </a:solidFill>
+            <a:prstDash val="sysDash"/>
+            <a:miter lim="800000"/>
+            <a:headEnd/>
+            <a:tailEnd/>
+          </a:ln>
+        </p:spPr>
+        <p:txBody>
+          <a:bodyPr wrap="none" rtlCol="0" anchor="ctr"/>
+          <a:lstStyle/>
+          <a:p>
+            <a:pPr algn="ctr"/>
+            <a:endParaRPr lang="en-US"/>
+          </a:p>
+        </p:txBody>
+      </p:sp>
+      <p:sp>
+        <p:nvSpPr>
+          <p:cNvPr id="7" name="Rectangle 6"/>
+          <p:cNvSpPr>
+            <a:spLocks noGrp="1" noChangeArrowheads="1"/>
+          </p:cNvSpPr>
+          <p:nvPr>
+            <p:ph type="title"/>
+          </p:nvPr>
+        </p:nvSpPr>
+        <p:spPr>
+          <a:xfrm>
+            <a:off x="2036763" y="63499"/>
+            <a:ext cx="5113337" cy="1012825"/>
+          </a:xfrm>
+          <a:noFill/>
+        </p:spPr>
+        <p:txBody>
+          <a:bodyPr/>
+          <a:lstStyle/>
+          <a:p>
+            <a:pPr eaLnBrk="1" hangingPunct="1"/>
+            <a:r>
+              <a:rPr lang="en-US" sz="4000" dirty="0" smtClean="0"/>
+              <a:t>Standard Deviation</a:t>
+            </a:r>
+          </a:p>
+        </p:txBody>
+      </p:sp>
+    </p:spTree>
+    <p:custDataLst>
+      <p:tags r:id="rId2"/>
+    </p:custDataLst>
+    <p:extLst>
+      <p:ext uri="{BB962C8B-B14F-4D97-AF65-F5344CB8AC3E}">
+        <p14:creationId xmlns:p14="http://schemas.microsoft.com/office/powerpoint/2010/main" val="3029808278"/>
+      </p:ext>
+    </p:extLst>
+  </p:cSld>
+  <p:clrMapOvr>
+    <a:masterClrMapping/>
+  </p:clrMapOvr>
+  <p:transition xmlns:p14="http://schemas.microsoft.com/office/powerpoint/2010/main" spd="slow" advClick="0">
+    <p:fade/>
+  </p:transition>
+  <p:timing>
+    <p:tnLst>
+      <p:par>
+        <p:cTn xmlns:p14="http://schemas.microsoft.com/office/powerpoint/2010/main" id="1" dur="indefinite" restart="never" nodeType="tmRoot">
+          <p:childTnLst>
+            <p:seq concurrent="1" nextAc="seek">
+              <p:cTn id="2" dur="indefinite" nodeType="mainSeq">
+                <p:childTnLst>
+                  <p:par>
+                    <p:cTn id="3" fill="hold">
+                      <p:stCondLst>
+                        <p:cond delay="indefinite"/>
+                      </p:stCondLst>
+                      <p:childTnLst>
+                        <p:par>
+                          <p:cTn id="4" fill="hold">
+                            <p:stCondLst>
+                              <p:cond delay="0"/>
+                            </p:stCondLst>
+                            <p:childTnLst>
+                              <p:par>
+                                <p:cTn id="5" presetID="22" presetClass="entr" presetSubtype="8" fill="hold" nodeType="clickEffect">
+                                  <p:stCondLst>
+                                    <p:cond delay="0"/>
+                                  </p:stCondLst>
+                                  <p:childTnLst>
+                                    <p:set>
+                                      <p:cBhvr>
+                                        <p:cTn id="6" dur="1" fill="hold">
+                                          <p:stCondLst>
+                                            <p:cond delay="0"/>
+                                          </p:stCondLst>
+                                        </p:cTn>
+                                        <p:tgtEl>
+                                          <p:spTgt spid="2"/>
+                                        </p:tgtEl>
+                                        <p:attrNameLst>
+                                          <p:attrName>style.visibility</p:attrName>
+                                        </p:attrNameLst>
+                                      </p:cBhvr>
+                                      <p:to>
+                                        <p:strVal val="visible"/>
+                                      </p:to>
+                                    </p:set>
+                                    <p:animEffect transition="in" filter="wipe(left)">
+                                      <p:cBhvr>
+                                        <p:cTn id="7" dur="1000"/>
+                                        <p:tgtEl>
+                                          <p:spTgt spid="2"/>
+                                        </p:tgtEl>
+                                      </p:cBhvr>
+                                    </p:animEffect>
+                                  </p:childTnLst>
+                                </p:cTn>
+                              </p:par>
+                            </p:childTnLst>
+                          </p:cTn>
+                        </p:par>
+                      </p:childTnLst>
+                    </p:cTn>
+                  </p:par>
+                  <p:par>
+                    <p:cTn id="8" fill="hold">
+                      <p:stCondLst>
+                        <p:cond delay="indefinite"/>
+                      </p:stCondLst>
+                      <p:childTnLst>
+                        <p:par>
+                          <p:cTn id="9" fill="hold">
+                            <p:stCondLst>
+                              <p:cond delay="0"/>
+                            </p:stCondLst>
+                            <p:childTnLst>
+                              <p:par>
+                                <p:cTn id="10" presetID="10" presetClass="entr" presetSubtype="0" fill="hold" grpId="0" nodeType="clickEffect">
+                                  <p:stCondLst>
+                                    <p:cond delay="0"/>
+                                  </p:stCondLst>
+                                  <p:childTnLst>
+                                    <p:set>
+                                      <p:cBhvr>
+                                        <p:cTn id="11" dur="1" fill="hold">
+                                          <p:stCondLst>
+                                            <p:cond delay="0"/>
+                                          </p:stCondLst>
+                                        </p:cTn>
+                                        <p:tgtEl>
+                                          <p:spTgt spid="3"/>
+                                        </p:tgtEl>
+                                        <p:attrNameLst>
+                                          <p:attrName>style.visibility</p:attrName>
+                                        </p:attrNameLst>
+                                      </p:cBhvr>
+                                      <p:to>
+                                        <p:strVal val="visible"/>
+                                      </p:to>
+                                    </p:set>
+                                    <p:animEffect transition="in" filter="fade">
+                                      <p:cBhvr>
+                                        <p:cTn id="12" dur="500"/>
+                                        <p:tgtEl>
+                                          <p:spTgt spid="3"/>
+                                        </p:tgtEl>
+                                      </p:cBhvr>
+                                    </p:animEffect>
+                                  </p:childTnLst>
+                                </p:cTn>
+                              </p:par>
+                            </p:childTnLst>
+                          </p:cTn>
+                        </p:par>
+                      </p:childTnLst>
+                    </p:cTn>
+                  </p:par>
+                  <p:par>
+                    <p:cTn id="13" fill="hold">
+                      <p:stCondLst>
+                        <p:cond delay="indefinite"/>
+                      </p:stCondLst>
+                      <p:childTnLst>
+                        <p:par>
+                          <p:cTn id="14" fill="hold">
+                            <p:stCondLst>
+                              <p:cond delay="0"/>
+                            </p:stCondLst>
+                            <p:childTnLst>
+                              <p:par>
+                                <p:cTn id="15" presetID="10" presetClass="entr" presetSubtype="0" fill="hold" grpId="0" nodeType="clickEffect">
+                                  <p:stCondLst>
+                                    <p:cond delay="0"/>
+                                  </p:stCondLst>
+                                  <p:childTnLst>
+                                    <p:set>
+                                      <p:cBhvr>
+                                        <p:cTn id="16" dur="1" fill="hold">
+                                          <p:stCondLst>
+                                            <p:cond delay="0"/>
+                                          </p:stCondLst>
+                                        </p:cTn>
+                                        <p:tgtEl>
+                                          <p:spTgt spid="726019">
+                                            <p:txEl>
+                                              <p:pRg st="0" end="0"/>
+                                            </p:txEl>
+                                          </p:spTgt>
+                                        </p:tgtEl>
+                                        <p:attrNameLst>
+                                          <p:attrName>style.visibility</p:attrName>
+                                        </p:attrNameLst>
+                                      </p:cBhvr>
+                                      <p:to>
+                                        <p:strVal val="visible"/>
+                                      </p:to>
+                                    </p:set>
+                                    <p:animEffect transition="in" filter="fade">
+                                      <p:cBhvr>
+                                        <p:cTn id="17" dur="500"/>
+                                        <p:tgtEl>
+                                          <p:spTgt spid="726019">
+                                            <p:txEl>
+                                              <p:pRg st="0" end="0"/>
+                                            </p:txEl>
+                                          </p:spTgt>
+                                        </p:tgtEl>
+                                      </p:cBhvr>
+                                    </p:animEffect>
+                                  </p:childTnLst>
+                                </p:cTn>
+                              </p:par>
+                            </p:childTnLst>
+                          </p:cTn>
+                        </p:par>
+                      </p:childTnLst>
+                    </p:cTn>
+                  </p:par>
+                  <p:par>
+                    <p:cTn id="18" fill="hold">
+                      <p:stCondLst>
+                        <p:cond delay="indefinite"/>
+                      </p:stCondLst>
+                      <p:childTnLst>
+                        <p:par>
+                          <p:cTn id="19" fill="hold">
+                            <p:stCondLst>
+                              <p:cond delay="0"/>
+                            </p:stCondLst>
+                            <p:childTnLst>
+                              <p:par>
+                                <p:cTn id="20" presetID="10" presetClass="entr" presetSubtype="0" fill="hold" grpId="0" nodeType="clickEffect">
+                                  <p:stCondLst>
+                                    <p:cond delay="0"/>
+                                  </p:stCondLst>
+                                  <p:childTnLst>
+                                    <p:set>
+                                      <p:cBhvr>
+                                        <p:cTn id="21" dur="1" fill="hold">
+                                          <p:stCondLst>
+                                            <p:cond delay="0"/>
+                                          </p:stCondLst>
+                                        </p:cTn>
+                                        <p:tgtEl>
+                                          <p:spTgt spid="726019">
+                                            <p:txEl>
+                                              <p:pRg st="1" end="1"/>
+                                            </p:txEl>
+                                          </p:spTgt>
+                                        </p:tgtEl>
+                                        <p:attrNameLst>
+                                          <p:attrName>style.visibility</p:attrName>
+                                        </p:attrNameLst>
+                                      </p:cBhvr>
+                                      <p:to>
+                                        <p:strVal val="visible"/>
+                                      </p:to>
+                                    </p:set>
+                                    <p:animEffect transition="in" filter="fade">
+                                      <p:cBhvr>
+                                        <p:cTn id="22" dur="500"/>
+                                        <p:tgtEl>
+                                          <p:spTgt spid="726019">
+                                            <p:txEl>
+                                              <p:pRg st="1" end="1"/>
+                                            </p:txEl>
+                                          </p:spTgt>
+                                        </p:tgtEl>
+                                      </p:cBhvr>
+                                    </p:animEffect>
+                                  </p:childTnLst>
+                                </p:cTn>
+                              </p:par>
+                            </p:childTnLst>
+                          </p:cTn>
+                        </p:par>
+                      </p:childTnLst>
+                    </p:cTn>
+                  </p:par>
+                  <p:par>
+                    <p:cTn id="23" fill="hold">
+                      <p:stCondLst>
+                        <p:cond delay="indefinite"/>
+                      </p:stCondLst>
+                      <p:childTnLst>
+                        <p:par>
+                          <p:cTn id="24" fill="hold">
+                            <p:stCondLst>
+                              <p:cond delay="0"/>
+                            </p:stCondLst>
+                            <p:childTnLst>
+                              <p:par>
+                                <p:cTn id="25" presetID="10" presetClass="entr" presetSubtype="0" fill="hold" grpId="0" nodeType="clickEffect">
+                                  <p:stCondLst>
+                                    <p:cond delay="0"/>
+                                  </p:stCondLst>
+                                  <p:childTnLst>
+                                    <p:set>
+                                      <p:cBhvr>
+                                        <p:cTn id="26" dur="1" fill="hold">
+                                          <p:stCondLst>
+                                            <p:cond delay="0"/>
+                                          </p:stCondLst>
+                                        </p:cTn>
+                                        <p:tgtEl>
+                                          <p:spTgt spid="726019">
+                                            <p:txEl>
+                                              <p:pRg st="2" end="2"/>
+                                            </p:txEl>
+                                          </p:spTgt>
+                                        </p:tgtEl>
+                                        <p:attrNameLst>
+                                          <p:attrName>style.visibility</p:attrName>
+                                        </p:attrNameLst>
+                                      </p:cBhvr>
+                                      <p:to>
+                                        <p:strVal val="visible"/>
+                                      </p:to>
+                                    </p:set>
+                                    <p:animEffect transition="in" filter="fade">
+                                      <p:cBhvr>
+                                        <p:cTn id="27" dur="500"/>
+                                        <p:tgtEl>
+                                          <p:spTgt spid="726019">
+                                            <p:txEl>
+                                              <p:pRg st="2" end="2"/>
+                                            </p:txEl>
+                                          </p:spTgt>
+                                        </p:tgtEl>
+                                      </p:cBhvr>
+                                    </p:animEffect>
+                                  </p:childTnLst>
+                                </p:cTn>
+                              </p:par>
+                            </p:childTnLst>
+                          </p:cTn>
+                        </p:par>
+                      </p:childTnLst>
+                    </p:cTn>
+                  </p:par>
+                  <p:par>
+                    <p:cTn id="28" fill="hold">
+                      <p:stCondLst>
+                        <p:cond delay="indefinite"/>
+                      </p:stCondLst>
+                      <p:childTnLst>
+                        <p:par>
+                          <p:cTn id="29" fill="hold">
+                            <p:stCondLst>
+                              <p:cond delay="0"/>
+                            </p:stCondLst>
+                            <p:childTnLst>
+                              <p:par>
+                                <p:cTn id="30" presetID="10" presetClass="entr" presetSubtype="0" fill="hold" grpId="0" nodeType="clickEffect">
+                                  <p:stCondLst>
+                                    <p:cond delay="0"/>
+                                  </p:stCondLst>
+                                  <p:childTnLst>
+                                    <p:set>
+                                      <p:cBhvr>
+                                        <p:cTn id="31" dur="1" fill="hold">
+                                          <p:stCondLst>
+                                            <p:cond delay="0"/>
+                                          </p:stCondLst>
+                                        </p:cTn>
+                                        <p:tgtEl>
+                                          <p:spTgt spid="726019">
+                                            <p:txEl>
+                                              <p:pRg st="3" end="3"/>
+                                            </p:txEl>
+                                          </p:spTgt>
+                                        </p:tgtEl>
+                                        <p:attrNameLst>
+                                          <p:attrName>style.visibility</p:attrName>
+                                        </p:attrNameLst>
+                                      </p:cBhvr>
+                                      <p:to>
+                                        <p:strVal val="visible"/>
+                                      </p:to>
+                                    </p:set>
+                                    <p:animEffect transition="in" filter="fade">
+                                      <p:cBhvr>
+                                        <p:cTn id="32" dur="500"/>
+                                        <p:tgtEl>
+                                          <p:spTgt spid="726019">
+                                            <p:txEl>
+                                              <p:pRg st="3" end="3"/>
+                                            </p:txEl>
+                                          </p:spTgt>
+                                        </p:tgtEl>
+                                      </p:cBhvr>
+                                    </p:animEffect>
+                                  </p:childTnLst>
+                                </p:cTn>
+                              </p:par>
+                            </p:childTnLst>
+                          </p:cTn>
+                        </p:par>
+                      </p:childTnLst>
+                    </p:cTn>
+                  </p:par>
+                  <p:par>
+                    <p:cTn id="33" fill="hold">
+                      <p:stCondLst>
+                        <p:cond delay="indefinite"/>
+                      </p:stCondLst>
+                      <p:childTnLst>
+                        <p:par>
+                          <p:cTn id="34" fill="hold">
+                            <p:stCondLst>
+                              <p:cond delay="0"/>
+                            </p:stCondLst>
+                            <p:childTnLst>
+                              <p:par>
+                                <p:cTn id="35" presetID="10" presetClass="entr" presetSubtype="0" fill="hold" grpId="0" nodeType="clickEffect">
+                                  <p:stCondLst>
+                                    <p:cond delay="0"/>
+                                  </p:stCondLst>
+                                  <p:childTnLst>
+                                    <p:set>
+                                      <p:cBhvr>
+                                        <p:cTn id="36" dur="1" fill="hold">
+                                          <p:stCondLst>
+                                            <p:cond delay="0"/>
+                                          </p:stCondLst>
+                                        </p:cTn>
+                                        <p:tgtEl>
+                                          <p:spTgt spid="726019">
+                                            <p:txEl>
+                                              <p:pRg st="4" end="4"/>
+                                            </p:txEl>
+                                          </p:spTgt>
+                                        </p:tgtEl>
+                                        <p:attrNameLst>
+                                          <p:attrName>style.visibility</p:attrName>
+                                        </p:attrNameLst>
+                                      </p:cBhvr>
+                                      <p:to>
+                                        <p:strVal val="visible"/>
+                                      </p:to>
+                                    </p:set>
+                                    <p:animEffect transition="in" filter="fade">
+                                      <p:cBhvr>
+                                        <p:cTn id="37" dur="500"/>
+                                        <p:tgtEl>
+                                          <p:spTgt spid="726019">
+                                            <p:txEl>
+                                              <p:pRg st="4" end="4"/>
+                                            </p:txEl>
+                                          </p:spTgt>
+                                        </p:tgtEl>
+                                      </p:cBhvr>
+                                    </p:animEffect>
+                                  </p:childTnLst>
+                                </p:cTn>
+                              </p:par>
+                            </p:childTnLst>
+                          </p:cTn>
+                        </p:par>
+                      </p:childTnLst>
+                    </p:cTn>
+                  </p:par>
+                </p:childTnLst>
+              </p:cTn>
+              <p:prevCondLst>
+                <p:cond evt="onPrev" delay="0">
+                  <p:tgtEl>
+                    <p:sldTgt/>
+                  </p:tgtEl>
+                </p:cond>
+              </p:prevCondLst>
+              <p:nextCondLst>
+                <p:cond evt="onNext" delay="0">
+                  <p:tgtEl>
+                    <p:sldTgt/>
+                  </p:tgtEl>
+                </p:cond>
+              </p:nextCondLst>
+            </p:seq>
+          </p:childTnLst>
+        </p:cTn>
+      </p:par>
+    </p:tnLst>
+    <p:bldLst>
+      <p:bldP spid="726019" grpId="0" build="p"/>
+      <p:bldP spid="3" grpId="0" animBg="1"/>
+    </p:bldLst>
+  </p:timing>
+</p:sld>
+</file>
+
 <file path=ppt/slides/slide2.xml><?xml version="1.0" encoding="utf-8"?>
 <p:sld xmlns:a="http://schemas.openxmlformats.org/drawingml/2006/main" xmlns:r="http://schemas.openxmlformats.org/officeDocument/2006/relationships" xmlns:p="http://schemas.openxmlformats.org/presentationml/2006/main">
   <p:cSld>
@@ -4079,7 +7389,7 @@
           <a:graphicData uri="http://schemas.openxmlformats.org/presentationml/2006/ole">
             <mc:AlternateContent xmlns:mc="http://schemas.openxmlformats.org/markup-compatibility/2006">
               <mc:Choice xmlns:v="urn:schemas-microsoft-com:vml" Requires="v">
-                <p:oleObj spid="_x0000_s6194" name="Equation" r:id="rId5" imgW="850900" imgH="431800" progId="Equation.DSMT4">
+                <p:oleObj spid="_x0000_s6196" name="Equation" r:id="rId5" imgW="850900" imgH="431800" progId="Equation.DSMT4">
                   <p:embed/>
                 </p:oleObj>
               </mc:Choice>
@@ -4775,7 +8085,7 @@
           <a:graphicData uri="http://schemas.openxmlformats.org/presentationml/2006/ole">
             <mc:AlternateContent xmlns:mc="http://schemas.openxmlformats.org/markup-compatibility/2006">
               <mc:Choice xmlns:v="urn:schemas-microsoft-com:vml" Requires="v">
-                <p:oleObj spid="_x0000_s499736" name="Equation" r:id="rId5" imgW="1739900" imgH="419100" progId="Equation.DSMT4">
+                <p:oleObj spid="_x0000_s499742" name="Equation" r:id="rId5" imgW="1739900" imgH="419100" progId="Equation.DSMT4">
                   <p:embed/>
                 </p:oleObj>
               </mc:Choice>
@@ -4853,7 +8163,7 @@
           <a:graphicData uri="http://schemas.openxmlformats.org/presentationml/2006/ole">
             <mc:AlternateContent xmlns:mc="http://schemas.openxmlformats.org/markup-compatibility/2006">
               <mc:Choice xmlns:v="urn:schemas-microsoft-com:vml" Requires="v">
-                <p:oleObj spid="_x0000_s499737" name="Equation" r:id="rId7" imgW="1409700" imgH="266700" progId="Equation.DSMT4">
+                <p:oleObj spid="_x0000_s499743" name="Equation" r:id="rId7" imgW="1409700" imgH="266700" progId="Equation.DSMT4">
                   <p:embed/>
                 </p:oleObj>
               </mc:Choice>
@@ -5347,30 +8657,21 @@
                             </p:childTnLst>
                           </p:cTn>
                         </p:par>
-                      </p:childTnLst>
-                    </p:cTn>
-                  </p:par>
-                  <p:par>
-                    <p:cTn id="25" fill="hold">
-                      <p:stCondLst>
-                        <p:cond delay="indefinite"/>
-                      </p:stCondLst>
-                      <p:childTnLst>
                         <p:par>
-                          <p:cTn id="26" fill="hold">
+                          <p:cTn id="25" fill="hold">
                             <p:stCondLst>
-                              <p:cond delay="0"/>
+                              <p:cond delay="1000"/>
                             </p:stCondLst>
                             <p:childTnLst>
                               <p:par>
-                                <p:cTn id="27" presetID="15" presetClass="entr" presetSubtype="0" fill="hold" grpId="0" nodeType="clickEffect">
+                                <p:cTn id="26" presetID="15" presetClass="entr" presetSubtype="0" fill="hold" grpId="0" nodeType="afterEffect">
                                   <p:stCondLst>
                                     <p:cond delay="0"/>
                                   </p:stCondLst>
                                   <p:childTnLst>
                                     <p:set>
                                       <p:cBhvr>
-                                        <p:cTn id="28" dur="1" fill="hold">
+                                        <p:cTn id="27" dur="1" fill="hold">
                                           <p:stCondLst>
                                             <p:cond delay="0"/>
                                           </p:stCondLst>
@@ -5388,7 +8689,7 @@
                                     </p:set>
                                     <p:anim calcmode="lin" valueType="num">
                                       <p:cBhvr>
-                                        <p:cTn id="29" dur="1000" fill="hold"/>
+                                        <p:cTn id="28" dur="1000" fill="hold"/>
                                         <p:tgtEl>
                                           <p:spTgt spid="6"/>
                                         </p:tgtEl>
@@ -5411,7 +8712,7 @@
                                     </p:anim>
                                     <p:anim calcmode="lin" valueType="num">
                                       <p:cBhvr>
-                                        <p:cTn id="30" dur="1000" fill="hold"/>
+                                        <p:cTn id="29" dur="1000" fill="hold"/>
                                         <p:tgtEl>
                                           <p:spTgt spid="6"/>
                                         </p:tgtEl>
@@ -5434,7 +8735,7 @@
                                     </p:anim>
                                     <p:anim calcmode="lin" valueType="num">
                                       <p:cBhvr>
-                                        <p:cTn id="31" dur="1000" fill="hold"/>
+                                        <p:cTn id="30" dur="1000" fill="hold"/>
                                         <p:tgtEl>
                                           <p:spTgt spid="6"/>
                                         </p:tgtEl>
@@ -5457,7 +8758,7 @@
                                     </p:anim>
                                     <p:anim calcmode="lin" valueType="num">
                                       <p:cBhvr>
-                                        <p:cTn id="32" dur="1000" fill="hold"/>
+                                        <p:cTn id="31" dur="1000" fill="hold"/>
                                         <p:tgtEl>
                                           <p:spTgt spid="6"/>
                                         </p:tgtEl>
@@ -5533,9 +8834,93 @@
           <a:chExt cx="0" cy="0"/>
         </a:xfrm>
       </p:grpSpPr>
+      <p:graphicFrame>
+        <p:nvGraphicFramePr>
+          <p:cNvPr id="7170" name="Object 2"/>
+          <p:cNvGraphicFramePr>
+            <a:graphicFrameLocks noChangeAspect="1"/>
+          </p:cNvGraphicFramePr>
+          <p:nvPr>
+            <p:extLst>
+              <p:ext uri="{D42A27DB-BD31-4B8C-83A1-F6EECF244321}">
+                <p14:modId xmlns:p14="http://schemas.microsoft.com/office/powerpoint/2010/main" val="3450014703"/>
+              </p:ext>
+            </p:extLst>
+          </p:nvPr>
+        </p:nvGraphicFramePr>
+        <p:xfrm>
+          <a:off x="300038" y="1154113"/>
+          <a:ext cx="8610600" cy="2270125"/>
+        </p:xfrm>
+        <a:graphic>
+          <a:graphicData uri="http://schemas.openxmlformats.org/presentationml/2006/ole">
+            <mc:AlternateContent xmlns:mc="http://schemas.openxmlformats.org/markup-compatibility/2006">
+              <mc:Choice xmlns:v="urn:schemas-microsoft-com:vml" Requires="v">
+                <p:oleObj spid="_x0000_s503819" name="Equation" r:id="rId5" imgW="1739900" imgH="419100" progId="Equation.DSMT4">
+                  <p:embed/>
+                </p:oleObj>
+              </mc:Choice>
+              <mc:Fallback>
+                <p:oleObj name="Equation" r:id="rId5" imgW="1739900" imgH="419100" progId="Equation.DSMT4">
+                  <p:embed/>
+                  <p:pic>
+                    <p:nvPicPr>
+                      <p:cNvPr id="0" name=""/>
+                      <p:cNvPicPr>
+                        <a:picLocks noChangeAspect="1" noChangeArrowheads="1"/>
+                      </p:cNvPicPr>
+                      <p:nvPr/>
+                    </p:nvPicPr>
+                    <p:blipFill>
+                      <a:blip r:embed="rId6"/>
+                      <a:srcRect/>
+                      <a:stretch>
+                        <a:fillRect/>
+                      </a:stretch>
+                    </p:blipFill>
+                    <p:spPr bwMode="auto">
+                      <a:xfrm>
+                        <a:off x="300038" y="1154113"/>
+                        <a:ext cx="8610600" cy="2270125"/>
+                      </a:xfrm>
+                      <a:prstGeom prst="rect">
+                        <a:avLst/>
+                      </a:prstGeom>
+                      <a:noFill/>
+                      <a:ln>
+                        <a:noFill/>
+                      </a:ln>
+                      <a:extLst>
+                        <a:ext uri="{909E8E84-426E-40dd-AFC4-6F175D3DCCD1}">
+                          <a14:hiddenFill xmlns:a14="http://schemas.microsoft.com/office/drawing/2010/main">
+                            <a:solidFill>
+                              <a:srgbClr val="FFFFFF"/>
+                            </a:solidFill>
+                          </a14:hiddenFill>
+                        </a:ext>
+                        <a:ext uri="{91240B29-F687-4f45-9708-019B960494DF}">
+                          <a14:hiddenLine xmlns:a14="http://schemas.microsoft.com/office/drawing/2010/main" w="41275">
+                            <a:solidFill>
+                              <a:srgbClr val="FF00FF"/>
+                            </a:solidFill>
+                            <a:prstDash val="sysDot"/>
+                            <a:miter lim="800000"/>
+                            <a:headEnd/>
+                            <a:tailEnd/>
+                          </a14:hiddenLine>
+                        </a:ext>
+                      </a:extLst>
+                    </p:spPr>
+                  </p:pic>
+                </p:oleObj>
+              </mc:Fallback>
+            </mc:AlternateContent>
+          </a:graphicData>
+        </a:graphic>
+      </p:graphicFrame>
       <p:sp>
         <p:nvSpPr>
-          <p:cNvPr id="8197" name="Rectangle 2"/>
+          <p:cNvPr id="7172" name="Rectangle 2"/>
           <p:cNvSpPr>
             <a:spLocks noGrp="1" noChangeArrowheads="1"/>
           </p:cNvSpPr>
@@ -5543,68 +8928,62 @@
             <p:ph type="title"/>
           </p:nvPr>
         </p:nvSpPr>
-        <p:spPr>
-          <a:xfrm>
-            <a:off x="1918970" y="144780"/>
-            <a:ext cx="5342890" cy="952500"/>
-          </a:xfrm>
-        </p:spPr>
+        <p:spPr/>
         <p:txBody>
           <a:bodyPr/>
           <a:lstStyle/>
           <a:p>
-            <a:pPr marL="342900" indent="-342900"/>
-            <a:r>
-              <a:rPr lang="en-US" sz="4000" dirty="0" smtClean="0">
-                <a:latin typeface="Comic Sans MS" pitchFamily="66" charset="0"/>
+            <a:pPr eaLnBrk="1" hangingPunct="1"/>
+            <a:r>
+              <a:rPr lang="en-US" sz="4400" smtClean="0">
+                <a:solidFill>
+                  <a:schemeClr val="tx1"/>
+                </a:solidFill>
               </a:rPr>
-              <a:t>Standard Deviation</a:t>
-            </a:r>
-            <a:endParaRPr lang="en-US" sz="4000" dirty="0">
-              <a:latin typeface="Comic Sans MS" pitchFamily="66" charset="0"/>
-            </a:endParaRPr>
+              <a:t>Chebyshev Bound</a:t>
+            </a:r>
           </a:p>
         </p:txBody>
       </p:sp>
       <p:graphicFrame>
         <p:nvGraphicFramePr>
-          <p:cNvPr id="8194" name="Object 2"/>
+          <p:cNvPr id="7" name="Object 2"/>
           <p:cNvGraphicFramePr>
             <a:graphicFrameLocks noChangeAspect="1"/>
           </p:cNvGraphicFramePr>
           <p:nvPr>
             <p:extLst>
               <p:ext uri="{D42A27DB-BD31-4B8C-83A1-F6EECF244321}">
-                <p14:modId xmlns:p14="http://schemas.microsoft.com/office/powerpoint/2010/main" val="1961137199"/>
+                <p14:modId xmlns:p14="http://schemas.microsoft.com/office/powerpoint/2010/main" val="79370315"/>
               </p:ext>
             </p:extLst>
           </p:nvPr>
         </p:nvGraphicFramePr>
         <p:xfrm>
-          <a:off x="1811338" y="1219200"/>
+          <a:off x="1844675" y="3771900"/>
           <a:ext cx="5464175" cy="1538288"/>
         </p:xfrm>
         <a:graphic>
           <a:graphicData uri="http://schemas.openxmlformats.org/presentationml/2006/ole">
             <mc:AlternateContent xmlns:mc="http://schemas.openxmlformats.org/markup-compatibility/2006">
               <mc:Choice xmlns:v="urn:schemas-microsoft-com:vml" Requires="v">
-                <p:oleObj spid="_x0000_s121940" name="Equation" r:id="rId4" imgW="990600" imgH="279400" progId="Equation.DSMT4">
+                <p:oleObj spid="_x0000_s503820" name="Equation" r:id="rId7" imgW="990600" imgH="279400" progId="Equation.DSMT4">
                   <p:embed/>
                 </p:oleObj>
               </mc:Choice>
               <mc:Fallback>
-                <p:oleObj name="Equation" r:id="rId4" imgW="990600" imgH="279400" progId="Equation.DSMT4">
+                <p:oleObj name="Equation" r:id="rId7" imgW="990600" imgH="279400" progId="Equation.DSMT4">
                   <p:embed/>
                   <p:pic>
                     <p:nvPicPr>
-                      <p:cNvPr id="0" name="Object 2"/>
+                      <p:cNvPr id="0" name=""/>
                       <p:cNvPicPr>
                         <a:picLocks noChangeAspect="1" noChangeArrowheads="1"/>
                       </p:cNvPicPr>
                       <p:nvPr/>
                     </p:nvPicPr>
                     <p:blipFill>
-                      <a:blip r:embed="rId5"/>
+                      <a:blip r:embed="rId8"/>
                       <a:srcRect/>
                       <a:stretch>
                         <a:fillRect/>
@@ -5612,7 +8991,468 @@
                     </p:blipFill>
                     <p:spPr bwMode="auto">
                       <a:xfrm>
-                        <a:off x="1811338" y="1219200"/>
+                        <a:off x="1844675" y="3771900"/>
+                        <a:ext cx="5464175" cy="1538288"/>
+                      </a:xfrm>
+                      <a:prstGeom prst="rect">
+                        <a:avLst/>
+                      </a:prstGeom>
+                      <a:noFill/>
+                      <a:extLst>
+                        <a:ext uri="{909E8E84-426E-40dd-AFC4-6F175D3DCCD1}">
+                          <a14:hiddenFill xmlns:a14="http://schemas.microsoft.com/office/drawing/2010/main">
+                            <a:solidFill>
+                              <a:srgbClr val="FFFFFF"/>
+                            </a:solidFill>
+                          </a14:hiddenFill>
+                        </a:ext>
+                      </a:extLst>
+                    </p:spPr>
+                  </p:pic>
+                </p:oleObj>
+              </mc:Fallback>
+            </mc:AlternateContent>
+          </a:graphicData>
+        </a:graphic>
+      </p:graphicFrame>
+    </p:spTree>
+    <p:custDataLst>
+      <p:tags r:id="rId2"/>
+    </p:custDataLst>
+    <p:extLst>
+      <p:ext uri="{BB962C8B-B14F-4D97-AF65-F5344CB8AC3E}">
+        <p14:creationId xmlns:p14="http://schemas.microsoft.com/office/powerpoint/2010/main" val="1892404990"/>
+      </p:ext>
+    </p:extLst>
+  </p:cSld>
+  <p:clrMapOvr>
+    <a:masterClrMapping/>
+  </p:clrMapOvr>
+  <mc:AlternateContent xmlns:mc="http://schemas.openxmlformats.org/markup-compatibility/2006">
+    <mc:Choice xmlns:p14="http://schemas.microsoft.com/office/powerpoint/2010/main" Requires="p14">
+      <p:transition spd="med" p14:dur="600" advClick="0">
+        <p:fade/>
+      </p:transition>
+    </mc:Choice>
+    <mc:Fallback>
+      <p:transition xmlns:p14="http://schemas.microsoft.com/office/powerpoint/2010/main" spd="med" advClick="0">
+        <p:fade/>
+      </p:transition>
+    </mc:Fallback>
+  </mc:AlternateContent>
+  <p:timing>
+    <p:tnLst>
+      <p:par>
+        <p:cTn xmlns:p14="http://schemas.microsoft.com/office/powerpoint/2010/main" id="1" dur="indefinite" restart="never" nodeType="tmRoot">
+          <p:childTnLst>
+            <p:seq concurrent="1" nextAc="seek">
+              <p:cTn id="2" dur="indefinite" nodeType="mainSeq">
+                <p:childTnLst>
+                  <p:par>
+                    <p:cTn id="3" fill="hold">
+                      <p:stCondLst>
+                        <p:cond delay="indefinite"/>
+                        <p:cond evt="onBegin" delay="0">
+                          <p:tn val="2"/>
+                        </p:cond>
+                      </p:stCondLst>
+                      <p:childTnLst>
+                        <p:par>
+                          <p:cTn id="4" fill="hold">
+                            <p:stCondLst>
+                              <p:cond delay="0"/>
+                            </p:stCondLst>
+                            <p:childTnLst>
+                              <p:par>
+                                <p:cTn id="5" presetID="10" presetClass="entr" presetSubtype="0" fill="hold" nodeType="afterEffect">
+                                  <p:stCondLst>
+                                    <p:cond delay="0"/>
+                                  </p:stCondLst>
+                                  <p:childTnLst>
+                                    <p:set>
+                                      <p:cBhvr>
+                                        <p:cTn id="6" dur="1" fill="hold">
+                                          <p:stCondLst>
+                                            <p:cond delay="0"/>
+                                          </p:stCondLst>
+                                        </p:cTn>
+                                        <p:tgtEl>
+                                          <p:spTgt spid="7"/>
+                                        </p:tgtEl>
+                                        <p:attrNameLst>
+                                          <p:attrName>style.visibility</p:attrName>
+                                        </p:attrNameLst>
+                                      </p:cBhvr>
+                                      <p:to>
+                                        <p:strVal val="visible"/>
+                                      </p:to>
+                                    </p:set>
+                                    <p:animEffect transition="in" filter="fade">
+                                      <p:cBhvr>
+                                        <p:cTn id="7" dur="500"/>
+                                        <p:tgtEl>
+                                          <p:spTgt spid="7"/>
+                                        </p:tgtEl>
+                                      </p:cBhvr>
+                                    </p:animEffect>
+                                  </p:childTnLst>
+                                </p:cTn>
+                              </p:par>
+                            </p:childTnLst>
+                          </p:cTn>
+                        </p:par>
+                      </p:childTnLst>
+                    </p:cTn>
+                  </p:par>
+                </p:childTnLst>
+              </p:cTn>
+              <p:prevCondLst>
+                <p:cond evt="onPrev" delay="0">
+                  <p:tgtEl>
+                    <p:sldTgt/>
+                  </p:tgtEl>
+                </p:cond>
+              </p:prevCondLst>
+              <p:nextCondLst>
+                <p:cond evt="onNext" delay="0">
+                  <p:tgtEl>
+                    <p:sldTgt/>
+                  </p:tgtEl>
+                </p:cond>
+              </p:nextCondLst>
+            </p:seq>
+          </p:childTnLst>
+        </p:cTn>
+      </p:par>
+    </p:tnLst>
+  </p:timing>
+</p:sld>
+</file>
+
+<file path=ppt/slides/slide5.xml><?xml version="1.0" encoding="utf-8"?>
+<p:sld xmlns:a="http://schemas.openxmlformats.org/drawingml/2006/main" xmlns:r="http://schemas.openxmlformats.org/officeDocument/2006/relationships" xmlns:p="http://schemas.openxmlformats.org/presentationml/2006/main">
+  <p:cSld>
+    <p:spTree>
+      <p:nvGrpSpPr>
+        <p:cNvPr id="1" name=""/>
+        <p:cNvGrpSpPr/>
+        <p:nvPr/>
+      </p:nvGrpSpPr>
+      <p:grpSpPr>
+        <a:xfrm>
+          <a:off x="0" y="0"/>
+          <a:ext cx="0" cy="0"/>
+          <a:chOff x="0" y="0"/>
+          <a:chExt cx="0" cy="0"/>
+        </a:xfrm>
+      </p:grpSpPr>
+      <p:graphicFrame>
+        <p:nvGraphicFramePr>
+          <p:cNvPr id="7170" name="Object 2"/>
+          <p:cNvGraphicFramePr>
+            <a:graphicFrameLocks noChangeAspect="1"/>
+          </p:cNvGraphicFramePr>
+          <p:nvPr>
+            <p:extLst>
+              <p:ext uri="{D42A27DB-BD31-4B8C-83A1-F6EECF244321}">
+                <p14:modId xmlns:p14="http://schemas.microsoft.com/office/powerpoint/2010/main" val="971034049"/>
+              </p:ext>
+            </p:extLst>
+          </p:nvPr>
+        </p:nvGraphicFramePr>
+        <p:xfrm>
+          <a:off x="330200" y="1069975"/>
+          <a:ext cx="7227888" cy="2338388"/>
+        </p:xfrm>
+        <a:graphic>
+          <a:graphicData uri="http://schemas.openxmlformats.org/presentationml/2006/ole">
+            <mc:AlternateContent xmlns:mc="http://schemas.openxmlformats.org/markup-compatibility/2006">
+              <mc:Choice xmlns:v="urn:schemas-microsoft-com:vml" Requires="v">
+                <p:oleObj spid="_x0000_s504843" name="Equation" r:id="rId5" imgW="1460500" imgH="431800" progId="Equation.DSMT4">
+                  <p:embed/>
+                </p:oleObj>
+              </mc:Choice>
+              <mc:Fallback>
+                <p:oleObj name="Equation" r:id="rId5" imgW="1460500" imgH="431800" progId="Equation.DSMT4">
+                  <p:embed/>
+                  <p:pic>
+                    <p:nvPicPr>
+                      <p:cNvPr id="0" name=""/>
+                      <p:cNvPicPr>
+                        <a:picLocks noChangeAspect="1" noChangeArrowheads="1"/>
+                      </p:cNvPicPr>
+                      <p:nvPr/>
+                    </p:nvPicPr>
+                    <p:blipFill>
+                      <a:blip r:embed="rId6"/>
+                      <a:srcRect/>
+                      <a:stretch>
+                        <a:fillRect/>
+                      </a:stretch>
+                    </p:blipFill>
+                    <p:spPr bwMode="auto">
+                      <a:xfrm>
+                        <a:off x="330200" y="1069975"/>
+                        <a:ext cx="7227888" cy="2338388"/>
+                      </a:xfrm>
+                      <a:prstGeom prst="rect">
+                        <a:avLst/>
+                      </a:prstGeom>
+                      <a:noFill/>
+                      <a:ln>
+                        <a:noFill/>
+                      </a:ln>
+                      <a:extLst>
+                        <a:ext uri="{909E8E84-426E-40dd-AFC4-6F175D3DCCD1}">
+                          <a14:hiddenFill xmlns:a14="http://schemas.microsoft.com/office/drawing/2010/main">
+                            <a:solidFill>
+                              <a:srgbClr val="FFFFFF"/>
+                            </a:solidFill>
+                          </a14:hiddenFill>
+                        </a:ext>
+                        <a:ext uri="{91240B29-F687-4f45-9708-019B960494DF}">
+                          <a14:hiddenLine xmlns:a14="http://schemas.microsoft.com/office/drawing/2010/main" w="41275">
+                            <a:solidFill>
+                              <a:srgbClr val="FF00FF"/>
+                            </a:solidFill>
+                            <a:prstDash val="sysDot"/>
+                            <a:miter lim="800000"/>
+                            <a:headEnd/>
+                            <a:tailEnd/>
+                          </a14:hiddenLine>
+                        </a:ext>
+                      </a:extLst>
+                    </p:spPr>
+                  </p:pic>
+                </p:oleObj>
+              </mc:Fallback>
+            </mc:AlternateContent>
+          </a:graphicData>
+        </a:graphic>
+      </p:graphicFrame>
+      <p:sp>
+        <p:nvSpPr>
+          <p:cNvPr id="7172" name="Rectangle 2"/>
+          <p:cNvSpPr>
+            <a:spLocks noGrp="1" noChangeArrowheads="1"/>
+          </p:cNvSpPr>
+          <p:nvPr>
+            <p:ph type="title"/>
+          </p:nvPr>
+        </p:nvSpPr>
+        <p:spPr/>
+        <p:txBody>
+          <a:bodyPr/>
+          <a:lstStyle/>
+          <a:p>
+            <a:pPr eaLnBrk="1" hangingPunct="1"/>
+            <a:r>
+              <a:rPr lang="en-US" sz="4400" smtClean="0">
+                <a:solidFill>
+                  <a:schemeClr val="tx1"/>
+                </a:solidFill>
+              </a:rPr>
+              <a:t>Chebyshev Bound</a:t>
+            </a:r>
+          </a:p>
+        </p:txBody>
+      </p:sp>
+      <p:graphicFrame>
+        <p:nvGraphicFramePr>
+          <p:cNvPr id="7" name="Object 2"/>
+          <p:cNvGraphicFramePr>
+            <a:graphicFrameLocks noChangeAspect="1"/>
+          </p:cNvGraphicFramePr>
+          <p:nvPr>
+            <p:extLst>
+              <p:ext uri="{D42A27DB-BD31-4B8C-83A1-F6EECF244321}">
+                <p14:modId xmlns:p14="http://schemas.microsoft.com/office/powerpoint/2010/main" val="2664687231"/>
+              </p:ext>
+            </p:extLst>
+          </p:nvPr>
+        </p:nvGraphicFramePr>
+        <p:xfrm>
+          <a:off x="1844675" y="3771900"/>
+          <a:ext cx="5464175" cy="1538288"/>
+        </p:xfrm>
+        <a:graphic>
+          <a:graphicData uri="http://schemas.openxmlformats.org/presentationml/2006/ole">
+            <mc:AlternateContent xmlns:mc="http://schemas.openxmlformats.org/markup-compatibility/2006">
+              <mc:Choice xmlns:v="urn:schemas-microsoft-com:vml" Requires="v">
+                <p:oleObj spid="_x0000_s504844" name="Equation" r:id="rId7" imgW="990600" imgH="279400" progId="Equation.DSMT4">
+                  <p:embed/>
+                </p:oleObj>
+              </mc:Choice>
+              <mc:Fallback>
+                <p:oleObj name="Equation" r:id="rId7" imgW="990600" imgH="279400" progId="Equation.DSMT4">
+                  <p:embed/>
+                  <p:pic>
+                    <p:nvPicPr>
+                      <p:cNvPr id="0" name=""/>
+                      <p:cNvPicPr>
+                        <a:picLocks noChangeAspect="1" noChangeArrowheads="1"/>
+                      </p:cNvPicPr>
+                      <p:nvPr/>
+                    </p:nvPicPr>
+                    <p:blipFill>
+                      <a:blip r:embed="rId8"/>
+                      <a:srcRect/>
+                      <a:stretch>
+                        <a:fillRect/>
+                      </a:stretch>
+                    </p:blipFill>
+                    <p:spPr bwMode="auto">
+                      <a:xfrm>
+                        <a:off x="1844675" y="3771900"/>
+                        <a:ext cx="5464175" cy="1538288"/>
+                      </a:xfrm>
+                      <a:prstGeom prst="rect">
+                        <a:avLst/>
+                      </a:prstGeom>
+                      <a:noFill/>
+                      <a:extLst>
+                        <a:ext uri="{909E8E84-426E-40dd-AFC4-6F175D3DCCD1}">
+                          <a14:hiddenFill xmlns:a14="http://schemas.microsoft.com/office/drawing/2010/main">
+                            <a:solidFill>
+                              <a:srgbClr val="FFFFFF"/>
+                            </a:solidFill>
+                          </a14:hiddenFill>
+                        </a:ext>
+                      </a:extLst>
+                    </p:spPr>
+                  </p:pic>
+                </p:oleObj>
+              </mc:Fallback>
+            </mc:AlternateContent>
+          </a:graphicData>
+        </a:graphic>
+      </p:graphicFrame>
+    </p:spTree>
+    <p:custDataLst>
+      <p:tags r:id="rId2"/>
+    </p:custDataLst>
+    <p:extLst>
+      <p:ext uri="{BB962C8B-B14F-4D97-AF65-F5344CB8AC3E}">
+        <p14:creationId xmlns:p14="http://schemas.microsoft.com/office/powerpoint/2010/main" val="3382953271"/>
+      </p:ext>
+    </p:extLst>
+  </p:cSld>
+  <p:clrMapOvr>
+    <a:masterClrMapping/>
+  </p:clrMapOvr>
+  <mc:AlternateContent xmlns:mc="http://schemas.openxmlformats.org/markup-compatibility/2006">
+    <mc:Choice xmlns:p14="http://schemas.microsoft.com/office/powerpoint/2010/main" Requires="p14">
+      <p:transition spd="med" p14:dur="600" advClick="0">
+        <p:fade/>
+      </p:transition>
+    </mc:Choice>
+    <mc:Fallback>
+      <p:transition xmlns:p14="http://schemas.microsoft.com/office/powerpoint/2010/main" spd="med" advClick="0">
+        <p:fade/>
+      </p:transition>
+    </mc:Fallback>
+  </mc:AlternateContent>
+  <p:timing>
+    <p:tnLst>
+      <p:par>
+        <p:cTn xmlns:p14="http://schemas.microsoft.com/office/powerpoint/2010/main" id="1" dur="indefinite" restart="never" nodeType="tmRoot"/>
+      </p:par>
+    </p:tnLst>
+  </p:timing>
+</p:sld>
+</file>
+
+<file path=ppt/slides/slide6.xml><?xml version="1.0" encoding="utf-8"?>
+<p:sld xmlns:a="http://schemas.openxmlformats.org/drawingml/2006/main" xmlns:r="http://schemas.openxmlformats.org/officeDocument/2006/relationships" xmlns:p="http://schemas.openxmlformats.org/presentationml/2006/main">
+  <p:cSld>
+    <p:spTree>
+      <p:nvGrpSpPr>
+        <p:cNvPr id="1" name=""/>
+        <p:cNvGrpSpPr/>
+        <p:nvPr/>
+      </p:nvGrpSpPr>
+      <p:grpSpPr>
+        <a:xfrm>
+          <a:off x="0" y="0"/>
+          <a:ext cx="0" cy="0"/>
+          <a:chOff x="0" y="0"/>
+          <a:chExt cx="0" cy="0"/>
+        </a:xfrm>
+      </p:grpSpPr>
+      <p:sp>
+        <p:nvSpPr>
+          <p:cNvPr id="7172" name="Rectangle 2"/>
+          <p:cNvSpPr>
+            <a:spLocks noGrp="1" noChangeArrowheads="1"/>
+          </p:cNvSpPr>
+          <p:nvPr>
+            <p:ph type="title"/>
+          </p:nvPr>
+        </p:nvSpPr>
+        <p:spPr/>
+        <p:txBody>
+          <a:bodyPr/>
+          <a:lstStyle/>
+          <a:p>
+            <a:pPr eaLnBrk="1" hangingPunct="1"/>
+            <a:r>
+              <a:rPr lang="en-US" sz="4400" smtClean="0">
+                <a:solidFill>
+                  <a:schemeClr val="tx1"/>
+                </a:solidFill>
+              </a:rPr>
+              <a:t>Chebyshev Bound</a:t>
+            </a:r>
+          </a:p>
+        </p:txBody>
+      </p:sp>
+      <p:graphicFrame>
+        <p:nvGraphicFramePr>
+          <p:cNvPr id="7" name="Object 2"/>
+          <p:cNvGraphicFramePr>
+            <a:graphicFrameLocks noChangeAspect="1"/>
+          </p:cNvGraphicFramePr>
+          <p:nvPr>
+            <p:extLst>
+              <p:ext uri="{D42A27DB-BD31-4B8C-83A1-F6EECF244321}">
+                <p14:modId xmlns:p14="http://schemas.microsoft.com/office/powerpoint/2010/main" val="966581103"/>
+              </p:ext>
+            </p:extLst>
+          </p:nvPr>
+        </p:nvGraphicFramePr>
+        <p:xfrm>
+          <a:off x="1844675" y="3771900"/>
+          <a:ext cx="5464175" cy="1538288"/>
+        </p:xfrm>
+        <a:graphic>
+          <a:graphicData uri="http://schemas.openxmlformats.org/presentationml/2006/ole">
+            <mc:AlternateContent xmlns:mc="http://schemas.openxmlformats.org/markup-compatibility/2006">
+              <mc:Choice xmlns:v="urn:schemas-microsoft-com:vml" Requires="v">
+                <p:oleObj spid="_x0000_s505872" name="Equation" r:id="rId5" imgW="990600" imgH="279400" progId="Equation.DSMT4">
+                  <p:embed/>
+                </p:oleObj>
+              </mc:Choice>
+              <mc:Fallback>
+                <p:oleObj name="Equation" r:id="rId5" imgW="990600" imgH="279400" progId="Equation.DSMT4">
+                  <p:embed/>
+                  <p:pic>
+                    <p:nvPicPr>
+                      <p:cNvPr id="0" name=""/>
+                      <p:cNvPicPr>
+                        <a:picLocks noChangeAspect="1" noChangeArrowheads="1"/>
+                      </p:cNvPicPr>
+                      <p:nvPr/>
+                    </p:nvPicPr>
+                    <p:blipFill>
+                      <a:blip r:embed="rId6"/>
+                      <a:srcRect/>
+                      <a:stretch>
+                        <a:fillRect/>
+                      </a:stretch>
+                    </p:blipFill>
+                    <p:spPr bwMode="auto">
+                      <a:xfrm>
+                        <a:off x="1844675" y="3771900"/>
                         <a:ext cx="5464175" cy="1538288"/>
                       </a:xfrm>
                       <a:prstGeom prst="rect">
@@ -5638,204 +9478,13 @@
       </p:graphicFrame>
       <p:grpSp>
         <p:nvGrpSpPr>
-          <p:cNvPr id="2" name="Group 30"/>
-          <p:cNvGrpSpPr>
-            <a:grpSpLocks/>
-          </p:cNvGrpSpPr>
-          <p:nvPr/>
-        </p:nvGrpSpPr>
-        <p:grpSpPr bwMode="auto">
-          <a:xfrm>
-            <a:off x="4254500" y="3903662"/>
-            <a:ext cx="766763" cy="2673349"/>
-            <a:chOff x="2680" y="2459"/>
-            <a:chExt cx="483" cy="1684"/>
-          </a:xfrm>
-        </p:grpSpPr>
-        <p:grpSp>
-          <p:nvGrpSpPr>
-            <p:cNvPr id="3" name="Group 29"/>
-            <p:cNvGrpSpPr>
-              <a:grpSpLocks/>
-            </p:cNvGrpSpPr>
-            <p:nvPr/>
-          </p:nvGrpSpPr>
-          <p:grpSpPr bwMode="auto">
-            <a:xfrm>
-              <a:off x="2680" y="2480"/>
-              <a:ext cx="483" cy="1663"/>
-              <a:chOff x="2680" y="2480"/>
-              <a:chExt cx="483" cy="1663"/>
-            </a:xfrm>
-          </p:grpSpPr>
-          <p:graphicFrame>
-            <p:nvGraphicFramePr>
-              <p:cNvPr id="8195" name="Object 3"/>
-              <p:cNvGraphicFramePr>
-                <a:graphicFrameLocks noChangeAspect="1"/>
-              </p:cNvGraphicFramePr>
-              <p:nvPr/>
-            </p:nvGraphicFramePr>
-            <p:xfrm>
-              <a:off x="2790" y="3056"/>
-              <a:ext cx="373" cy="1087"/>
-            </p:xfrm>
-            <a:graphic>
-              <a:graphicData uri="http://schemas.openxmlformats.org/presentationml/2006/ole">
-                <mc:AlternateContent xmlns:mc="http://schemas.openxmlformats.org/markup-compatibility/2006">
-                  <mc:Choice xmlns:v="urn:schemas-microsoft-com:vml" Requires="v">
-                    <p:oleObj spid="_x0000_s121941" name="Equation" r:id="rId6" imgW="152400" imgH="444500" progId="Equation.DSMT4">
-                      <p:embed/>
-                    </p:oleObj>
-                  </mc:Choice>
-                  <mc:Fallback>
-                    <p:oleObj name="Equation" r:id="rId6" imgW="152400" imgH="444500" progId="Equation.DSMT4">
-                      <p:embed/>
-                      <p:pic>
-                        <p:nvPicPr>
-                          <p:cNvPr id="0" name="Object 3"/>
-                          <p:cNvPicPr>
-                            <a:picLocks noChangeAspect="1" noChangeArrowheads="1"/>
-                          </p:cNvPicPr>
-                          <p:nvPr/>
-                        </p:nvPicPr>
-                        <p:blipFill>
-                          <a:blip r:embed="rId7">
-                            <a:extLst>
-                              <a:ext uri="{28A0092B-C50C-407E-A947-70E740481C1C}">
-                                <a14:useLocalDpi xmlns:a14="http://schemas.microsoft.com/office/drawing/2010/main" val="0"/>
-                              </a:ext>
-                            </a:extLst>
-                          </a:blip>
-                          <a:srcRect/>
-                          <a:stretch>
-                            <a:fillRect/>
-                          </a:stretch>
-                        </p:blipFill>
-                        <p:spPr bwMode="auto">
-                          <a:xfrm>
-                            <a:off x="2790" y="3056"/>
-                            <a:ext cx="373" cy="1087"/>
-                          </a:xfrm>
-                          <a:prstGeom prst="rect">
-                            <a:avLst/>
-                          </a:prstGeom>
-                          <a:noFill/>
-                          <a:ln>
-                            <a:noFill/>
-                          </a:ln>
-                          <a:extLst>
-                            <a:ext uri="{909E8E84-426E-40dd-AFC4-6F175D3DCCD1}">
-                              <a14:hiddenFill xmlns:a14="http://schemas.microsoft.com/office/drawing/2010/main">
-                                <a:solidFill>
-                                  <a:srgbClr val="FFFFFF"/>
-                                </a:solidFill>
-                              </a14:hiddenFill>
-                            </a:ext>
-                            <a:ext uri="{91240B29-F687-4f45-9708-019B960494DF}">
-                              <a14:hiddenLine xmlns:a14="http://schemas.microsoft.com/office/drawing/2010/main" w="9525">
-                                <a:solidFill>
-                                  <a:srgbClr val="FF6600"/>
-                                </a:solidFill>
-                                <a:miter lim="800000"/>
-                                <a:headEnd/>
-                                <a:tailEnd/>
-                              </a14:hiddenLine>
-                            </a:ext>
-                          </a:extLst>
-                        </p:spPr>
-                      </p:pic>
-                    </p:oleObj>
-                  </mc:Fallback>
-                </mc:AlternateContent>
-              </a:graphicData>
-            </a:graphic>
-          </p:graphicFrame>
-          <p:sp>
-            <p:nvSpPr>
-              <p:cNvPr id="8211" name="Line 16"/>
-              <p:cNvSpPr>
-                <a:spLocks noChangeShapeType="1"/>
-              </p:cNvSpPr>
-              <p:nvPr/>
-            </p:nvSpPr>
-            <p:spPr bwMode="auto">
-              <a:xfrm flipH="1">
-                <a:off x="2680" y="2480"/>
-                <a:ext cx="8" cy="1000"/>
-              </a:xfrm>
-              <a:prstGeom prst="line">
-                <a:avLst/>
-              </a:prstGeom>
-              <a:noFill/>
-              <a:ln w="44450" cap="rnd">
-                <a:solidFill>
-                  <a:srgbClr val="008000"/>
-                </a:solidFill>
-                <a:prstDash val="sysDot"/>
-                <a:round/>
-                <a:headEnd/>
-                <a:tailEnd/>
-              </a:ln>
-            </p:spPr>
-            <p:txBody>
-              <a:bodyPr>
-                <a:spAutoFit/>
-              </a:bodyPr>
-              <a:lstStyle/>
-              <a:p>
-                <a:endParaRPr lang="en-US"/>
-              </a:p>
-            </p:txBody>
-          </p:sp>
-        </p:grpSp>
-        <p:sp>
-          <p:nvSpPr>
-            <p:cNvPr id="8210" name="Line 17"/>
-            <p:cNvSpPr>
-              <a:spLocks noChangeShapeType="1"/>
-            </p:cNvSpPr>
-            <p:nvPr/>
-          </p:nvSpPr>
-          <p:spPr bwMode="auto">
-            <a:xfrm>
-              <a:off x="3083" y="2459"/>
-              <a:ext cx="16" cy="1000"/>
-            </a:xfrm>
-            <a:prstGeom prst="line">
-              <a:avLst/>
-            </a:prstGeom>
-            <a:noFill/>
-            <a:ln w="44450" cap="rnd">
-              <a:solidFill>
-                <a:srgbClr val="008000"/>
-              </a:solidFill>
-              <a:prstDash val="sysDot"/>
-              <a:round/>
-              <a:headEnd/>
-              <a:tailEnd/>
-            </a:ln>
-          </p:spPr>
-          <p:txBody>
-            <a:bodyPr>
-              <a:spAutoFit/>
-            </a:bodyPr>
-            <a:lstStyle/>
-            <a:p>
-              <a:endParaRPr lang="en-US"/>
-            </a:p>
-          </p:txBody>
-        </p:sp>
-      </p:grpSp>
-      <p:grpSp>
-        <p:nvGrpSpPr>
-          <p:cNvPr id="4" name="Group 20"/>
+          <p:cNvPr id="5" name="Group 20"/>
           <p:cNvGrpSpPr/>
           <p:nvPr/>
         </p:nvGrpSpPr>
         <p:grpSpPr>
           <a:xfrm>
-            <a:off x="2100263" y="3162300"/>
+            <a:off x="2104915" y="914400"/>
             <a:ext cx="4891087" cy="2286000"/>
             <a:chOff x="2100263" y="3162300"/>
             <a:chExt cx="4891087" cy="2286000"/>
@@ -5843,7 +9492,7 @@
         </p:grpSpPr>
         <p:sp>
           <p:nvSpPr>
-            <p:cNvPr id="8205" name="Rectangle 6"/>
+            <p:cNvPr id="6" name="Rectangle 6"/>
             <p:cNvSpPr>
               <a:spLocks noChangeArrowheads="1"/>
             </p:cNvSpPr>
@@ -5877,7 +9526,7 @@
         </p:sp>
         <p:sp>
           <p:nvSpPr>
-            <p:cNvPr id="8207" name="Freeform 7"/>
+            <p:cNvPr id="8" name="Freeform 7"/>
             <p:cNvSpPr>
               <a:spLocks/>
             </p:cNvSpPr>
@@ -6023,13 +9672,13 @@
       </p:grpSp>
       <p:grpSp>
         <p:nvGrpSpPr>
-          <p:cNvPr id="5" name="Group 18"/>
+          <p:cNvPr id="9" name="Group 18"/>
           <p:cNvGrpSpPr/>
           <p:nvPr/>
         </p:nvGrpSpPr>
         <p:grpSpPr>
           <a:xfrm>
-            <a:off x="3552825" y="3250223"/>
+            <a:off x="3557477" y="1002323"/>
             <a:ext cx="1019286" cy="3158018"/>
             <a:chOff x="3527425" y="3250223"/>
             <a:chExt cx="1019286" cy="3158018"/>
@@ -6037,7 +9686,7 @@
         </p:grpSpPr>
         <p:sp>
           <p:nvSpPr>
-            <p:cNvPr id="8208" name="Line 8"/>
+            <p:cNvPr id="10" name="Line 8"/>
             <p:cNvSpPr>
               <a:spLocks noChangeShapeType="1"/>
             </p:cNvSpPr>
@@ -6072,21 +9721,21 @@
         </p:sp>
         <p:grpSp>
           <p:nvGrpSpPr>
-            <p:cNvPr id="6" name="Group 19"/>
+            <p:cNvPr id="11" name="Group 19"/>
             <p:cNvGrpSpPr/>
             <p:nvPr/>
           </p:nvGrpSpPr>
           <p:grpSpPr>
             <a:xfrm>
-              <a:off x="3527425" y="5448300"/>
-              <a:ext cx="1019285" cy="959941"/>
-              <a:chOff x="3527425" y="5448300"/>
-              <a:chExt cx="1019285" cy="959941"/>
+              <a:off x="3527425" y="5435600"/>
+              <a:ext cx="993885" cy="972641"/>
+              <a:chOff x="3527425" y="5435600"/>
+              <a:chExt cx="993885" cy="972641"/>
             </a:xfrm>
           </p:grpSpPr>
           <p:sp>
             <p:nvSpPr>
-              <p:cNvPr id="8203" name="Text Box 21"/>
+              <p:cNvPr id="12" name="Text Box 21"/>
               <p:cNvSpPr txBox="1">
                 <a:spLocks noChangeArrowheads="1"/>
               </p:cNvSpPr>
@@ -6142,18 +9791,18 @@
           </p:sp>
           <p:cxnSp>
             <p:nvCxnSpPr>
-              <p:cNvPr id="8204" name="AutoShape 25"/>
+              <p:cNvPr id="13" name="AutoShape 25"/>
               <p:cNvCxnSpPr>
                 <a:cxnSpLocks noChangeShapeType="1"/>
-                <a:stCxn id="8203" idx="3"/>
-                <a:endCxn id="8205" idx="2"/>
+                <a:stCxn id="12" idx="3"/>
+                <a:endCxn id="6" idx="2"/>
               </p:cNvCxnSpPr>
               <p:nvPr/>
             </p:nvCxnSpPr>
             <p:spPr bwMode="auto">
               <a:xfrm flipV="1">
-                <a:off x="4063055" y="5448300"/>
-                <a:ext cx="483655" cy="575221"/>
+                <a:off x="4063055" y="5435600"/>
+                <a:ext cx="458255" cy="587921"/>
               </a:xfrm>
               <a:prstGeom prst="curvedConnector2">
                 <a:avLst/>
@@ -6174,7 +9823,7 @@
       </p:grpSp>
       <p:sp>
         <p:nvSpPr>
-          <p:cNvPr id="594972" name="Text Box 28"/>
+          <p:cNvPr id="14" name="Text Box 28"/>
           <p:cNvSpPr txBox="1">
             <a:spLocks noChangeArrowheads="1"/>
           </p:cNvSpPr>
@@ -6182,7 +9831,7 @@
         </p:nvSpPr>
         <p:spPr bwMode="auto">
           <a:xfrm>
-            <a:off x="682625" y="4094163"/>
+            <a:off x="687277" y="1846263"/>
             <a:ext cx="1339850" cy="701675"/>
           </a:xfrm>
           <a:prstGeom prst="rect">
@@ -6228,20 +9877,262 @@
           </a:p>
         </p:txBody>
       </p:sp>
+      <p:grpSp>
+        <p:nvGrpSpPr>
+          <p:cNvPr id="15" name="Group 30"/>
+          <p:cNvGrpSpPr>
+            <a:grpSpLocks/>
+          </p:cNvGrpSpPr>
+          <p:nvPr/>
+        </p:nvGrpSpPr>
+        <p:grpSpPr bwMode="auto">
+          <a:xfrm>
+            <a:off x="4256881" y="1617665"/>
+            <a:ext cx="665163" cy="1620838"/>
+            <a:chOff x="2680" y="2459"/>
+            <a:chExt cx="419" cy="1021"/>
+          </a:xfrm>
+        </p:grpSpPr>
+        <p:sp>
+          <p:nvSpPr>
+            <p:cNvPr id="19" name="Line 16"/>
+            <p:cNvSpPr>
+              <a:spLocks noChangeShapeType="1"/>
+            </p:cNvSpPr>
+            <p:nvPr/>
+          </p:nvSpPr>
+          <p:spPr bwMode="auto">
+            <a:xfrm flipH="1">
+              <a:off x="2680" y="2480"/>
+              <a:ext cx="8" cy="1000"/>
+            </a:xfrm>
+            <a:prstGeom prst="line">
+              <a:avLst/>
+            </a:prstGeom>
+            <a:noFill/>
+            <a:ln w="44450" cap="rnd">
+              <a:solidFill>
+                <a:srgbClr val="008000"/>
+              </a:solidFill>
+              <a:prstDash val="sysDot"/>
+              <a:round/>
+              <a:headEnd/>
+              <a:tailEnd/>
+            </a:ln>
+          </p:spPr>
+          <p:txBody>
+            <a:bodyPr>
+              <a:spAutoFit/>
+            </a:bodyPr>
+            <a:lstStyle/>
+            <a:p>
+              <a:endParaRPr lang="en-US"/>
+            </a:p>
+          </p:txBody>
+        </p:sp>
+        <p:sp>
+          <p:nvSpPr>
+            <p:cNvPr id="17" name="Line 17"/>
+            <p:cNvSpPr>
+              <a:spLocks noChangeShapeType="1"/>
+            </p:cNvSpPr>
+            <p:nvPr/>
+          </p:nvSpPr>
+          <p:spPr bwMode="auto">
+            <a:xfrm>
+              <a:off x="3083" y="2459"/>
+              <a:ext cx="16" cy="1000"/>
+            </a:xfrm>
+            <a:prstGeom prst="line">
+              <a:avLst/>
+            </a:prstGeom>
+            <a:noFill/>
+            <a:ln w="44450" cap="rnd">
+              <a:solidFill>
+                <a:srgbClr val="008000"/>
+              </a:solidFill>
+              <a:prstDash val="sysDot"/>
+              <a:round/>
+              <a:headEnd/>
+              <a:tailEnd/>
+            </a:ln>
+          </p:spPr>
+          <p:txBody>
+            <a:bodyPr>
+              <a:spAutoFit/>
+            </a:bodyPr>
+            <a:lstStyle/>
+            <a:p>
+              <a:endParaRPr lang="en-US"/>
+            </a:p>
+          </p:txBody>
+        </p:sp>
+      </p:grpSp>
+      <p:graphicFrame>
+        <p:nvGraphicFramePr>
+          <p:cNvPr id="21" name="Object 20"/>
+          <p:cNvGraphicFramePr>
+            <a:graphicFrameLocks noChangeAspect="1"/>
+          </p:cNvGraphicFramePr>
+          <p:nvPr>
+            <p:extLst>
+              <p:ext uri="{D42A27DB-BD31-4B8C-83A1-F6EECF244321}">
+                <p14:modId xmlns:p14="http://schemas.microsoft.com/office/powerpoint/2010/main" val="2592509286"/>
+              </p:ext>
+            </p:extLst>
+          </p:nvPr>
+        </p:nvGraphicFramePr>
+        <p:xfrm>
+          <a:off x="5886450" y="1181100"/>
+          <a:ext cx="742122" cy="1066800"/>
+        </p:xfrm>
+        <a:graphic>
+          <a:graphicData uri="http://schemas.openxmlformats.org/presentationml/2006/ole">
+            <mc:AlternateContent xmlns:mc="http://schemas.openxmlformats.org/markup-compatibility/2006">
+              <mc:Choice xmlns:v="urn:schemas-microsoft-com:vml" Requires="v">
+                <p:oleObj spid="_x0000_s505873" name="Equation" r:id="rId7" imgW="203200" imgH="292100" progId="Equation.DSMT4">
+                  <p:embed/>
+                </p:oleObj>
+              </mc:Choice>
+              <mc:Fallback>
+                <p:oleObj name="Equation" r:id="rId7" imgW="203200" imgH="292100" progId="Equation.DSMT4">
+                  <p:embed/>
+                  <p:pic>
+                    <p:nvPicPr>
+                      <p:cNvPr id="0" name=""/>
+                      <p:cNvPicPr/>
+                      <p:nvPr/>
+                    </p:nvPicPr>
+                    <p:blipFill>
+                      <a:blip r:embed="rId8"/>
+                      <a:stretch>
+                        <a:fillRect/>
+                      </a:stretch>
+                    </p:blipFill>
+                    <p:spPr>
+                      <a:xfrm>
+                        <a:off x="5886450" y="1181100"/>
+                        <a:ext cx="742122" cy="1066800"/>
+                      </a:xfrm>
+                      <a:prstGeom prst="rect">
+                        <a:avLst/>
+                      </a:prstGeom>
+                    </p:spPr>
+                  </p:pic>
+                </p:oleObj>
+              </mc:Fallback>
+            </mc:AlternateContent>
+          </a:graphicData>
+        </a:graphic>
+      </p:graphicFrame>
+      <p:graphicFrame>
+        <p:nvGraphicFramePr>
+          <p:cNvPr id="26" name="Object 25"/>
+          <p:cNvGraphicFramePr>
+            <a:graphicFrameLocks noChangeAspect="1"/>
+          </p:cNvGraphicFramePr>
+          <p:nvPr>
+            <p:extLst>
+              <p:ext uri="{D42A27DB-BD31-4B8C-83A1-F6EECF244321}">
+                <p14:modId xmlns:p14="http://schemas.microsoft.com/office/powerpoint/2010/main" val="2477378610"/>
+              </p:ext>
+            </p:extLst>
+          </p:nvPr>
+        </p:nvGraphicFramePr>
+        <p:xfrm>
+          <a:off x="4475163" y="2413000"/>
+          <a:ext cx="584200" cy="1646382"/>
+        </p:xfrm>
+        <a:graphic>
+          <a:graphicData uri="http://schemas.openxmlformats.org/presentationml/2006/ole">
+            <mc:AlternateContent xmlns:mc="http://schemas.openxmlformats.org/markup-compatibility/2006">
+              <mc:Choice xmlns:v="urn:schemas-microsoft-com:vml" Requires="v">
+                <p:oleObj spid="_x0000_s505874" name="Equation" r:id="rId9" imgW="139700" imgH="393700" progId="Equation.DSMT4">
+                  <p:embed/>
+                </p:oleObj>
+              </mc:Choice>
+              <mc:Fallback>
+                <p:oleObj name="Equation" r:id="rId9" imgW="139700" imgH="393700" progId="Equation.DSMT4">
+                  <p:embed/>
+                  <p:pic>
+                    <p:nvPicPr>
+                      <p:cNvPr id="0" name=""/>
+                      <p:cNvPicPr/>
+                      <p:nvPr/>
+                    </p:nvPicPr>
+                    <p:blipFill>
+                      <a:blip r:embed="rId10"/>
+                      <a:stretch>
+                        <a:fillRect/>
+                      </a:stretch>
+                    </p:blipFill>
+                    <p:spPr>
+                      <a:xfrm>
+                        <a:off x="4475163" y="2413000"/>
+                        <a:ext cx="584200" cy="1646382"/>
+                      </a:xfrm>
+                      <a:prstGeom prst="rect">
+                        <a:avLst/>
+                      </a:prstGeom>
+                    </p:spPr>
+                  </p:pic>
+                </p:oleObj>
+              </mc:Fallback>
+            </mc:AlternateContent>
+          </a:graphicData>
+        </a:graphic>
+      </p:graphicFrame>
+      <p:cxnSp>
+        <p:nvCxnSpPr>
+          <p:cNvPr id="28" name="Curved Connector 27"/>
+          <p:cNvCxnSpPr>
+            <a:stCxn id="21" idx="1"/>
+          </p:cNvCxnSpPr>
+          <p:nvPr/>
+        </p:nvCxnSpPr>
+        <p:spPr bwMode="auto">
+          <a:xfrm rot="10800000" flipV="1">
+            <a:off x="4737100" y="1714500"/>
+            <a:ext cx="1149350" cy="1600200"/>
+          </a:xfrm>
+          <a:prstGeom prst="curvedConnector2">
+            <a:avLst/>
+          </a:prstGeom>
+          <a:noFill/>
+          <a:ln w="41275" cap="flat" cmpd="sng" algn="ctr">
+            <a:solidFill>
+              <a:srgbClr val="008000"/>
+            </a:solidFill>
+            <a:prstDash val="sysDash"/>
+            <a:round/>
+            <a:headEnd type="none" w="med" len="med"/>
+            <a:tailEnd type="stealth" w="lg" len="lg"/>
+          </a:ln>
+          <a:effectLst/>
+        </p:spPr>
+      </p:cxnSp>
     </p:spTree>
+    <p:custDataLst>
+      <p:tags r:id="rId2"/>
+    </p:custDataLst>
+    <p:extLst>
+      <p:ext uri="{BB962C8B-B14F-4D97-AF65-F5344CB8AC3E}">
+        <p14:creationId xmlns:p14="http://schemas.microsoft.com/office/powerpoint/2010/main" val="2960368954"/>
+      </p:ext>
+    </p:extLst>
   </p:cSld>
   <p:clrMapOvr>
     <a:masterClrMapping/>
   </p:clrMapOvr>
   <mc:AlternateContent xmlns:mc="http://schemas.openxmlformats.org/markup-compatibility/2006">
     <mc:Choice xmlns:p14="http://schemas.microsoft.com/office/powerpoint/2010/main" Requires="p14">
-      <p:transition spd="slow" p14:dur="900" advClick="0">
-        <p:fade thruBlk="1"/>
+      <p:transition spd="med" p14:dur="600" advClick="0">
+        <p:fade/>
       </p:transition>
     </mc:Choice>
     <mc:Fallback>
-      <p:transition xmlns:p14="http://schemas.microsoft.com/office/powerpoint/2010/main" spd="slow" advClick="0">
-        <p:fade thruBlk="1"/>
+      <p:transition xmlns:p14="http://schemas.microsoft.com/office/powerpoint/2010/main" spd="med" advClick="0">
+        <p:fade/>
       </p:transition>
     </mc:Fallback>
   </mc:AlternateContent>
@@ -6257,6 +10148,9 @@
                     <p:cTn id="3" fill="hold">
                       <p:stCondLst>
                         <p:cond delay="indefinite"/>
+                        <p:cond evt="onBegin" delay="0">
+                          <p:tn val="2"/>
+                        </p:cond>
                       </p:stCondLst>
                       <p:childTnLst>
                         <p:par>
@@ -6266,7 +10160,7 @@
                             </p:stCondLst>
                             <p:childTnLst>
                               <p:par>
-                                <p:cTn id="5" presetID="10" presetClass="entr" presetSubtype="0" fill="hold" grpId="0" nodeType="clickEffect">
+                                <p:cTn id="5" presetID="10" presetClass="entr" presetSubtype="0" fill="hold" grpId="0" nodeType="withEffect">
                                   <p:stCondLst>
                                     <p:cond delay="0"/>
                                   </p:stCondLst>
@@ -6279,7 +10173,7 @@
                                           </p:stCondLst>
                                         </p:cTn>
                                         <p:tgtEl>
-                                          <p:spTgt spid="594972"/>
+                                          <p:spTgt spid="14"/>
                                         </p:tgtEl>
                                         <p:attrNameLst>
                                           <p:attrName>style.visibility</p:attrName>
@@ -6293,7 +10187,7 @@
                                       <p:cBhvr>
                                         <p:cTn id="7" dur="500"/>
                                         <p:tgtEl>
-                                          <p:spTgt spid="594972"/>
+                                          <p:spTgt spid="14"/>
                                         </p:tgtEl>
                                       </p:cBhvr>
                                     </p:animEffect>
@@ -6307,771 +10201,6 @@
                           <p:cTn id="8" fill="hold">
                             <p:stCondLst>
                               <p:cond delay="500"/>
-                            </p:stCondLst>
-                            <p:childTnLst>
-                              <p:par>
-                                <p:cTn id="9" presetID="22" presetClass="entr" presetSubtype="8" fill="hold" nodeType="afterEffect">
-                                  <p:stCondLst>
-                                    <p:cond delay="0"/>
-                                  </p:stCondLst>
-                                  <p:childTnLst>
-                                    <p:set>
-                                      <p:cBhvr>
-                                        <p:cTn id="10" dur="1" fill="hold">
-                                          <p:stCondLst>
-                                            <p:cond delay="0"/>
-                                          </p:stCondLst>
-                                        </p:cTn>
-                                        <p:tgtEl>
-                                          <p:spTgt spid="4"/>
-                                        </p:tgtEl>
-                                        <p:attrNameLst>
-                                          <p:attrName>style.visibility</p:attrName>
-                                        </p:attrNameLst>
-                                      </p:cBhvr>
-                                      <p:to>
-                                        <p:strVal val="visible"/>
-                                      </p:to>
-                                    </p:set>
-                                    <p:animEffect transition="in" filter="wipe(left)">
-                                      <p:cBhvr>
-                                        <p:cTn id="11" dur="1000"/>
-                                        <p:tgtEl>
-                                          <p:spTgt spid="4"/>
-                                        </p:tgtEl>
-                                      </p:cBhvr>
-                                    </p:animEffect>
-                                  </p:childTnLst>
-                                </p:cTn>
-                              </p:par>
-                            </p:childTnLst>
-                          </p:cTn>
-                        </p:par>
-                      </p:childTnLst>
-                    </p:cTn>
-                  </p:par>
-                  <p:par>
-                    <p:cTn id="12" fill="hold">
-                      <p:stCondLst>
-                        <p:cond delay="indefinite"/>
-                      </p:stCondLst>
-                      <p:childTnLst>
-                        <p:par>
-                          <p:cTn id="13" fill="hold">
-                            <p:stCondLst>
-                              <p:cond delay="0"/>
-                            </p:stCondLst>
-                            <p:childTnLst>
-                              <p:par>
-                                <p:cTn id="14" presetID="22" presetClass="entr" presetSubtype="4" fill="hold" nodeType="clickEffect">
-                                  <p:stCondLst>
-                                    <p:cond delay="0"/>
-                                  </p:stCondLst>
-                                  <p:childTnLst>
-                                    <p:set>
-                                      <p:cBhvr>
-                                        <p:cTn id="15" dur="1" fill="hold">
-                                          <p:stCondLst>
-                                            <p:cond delay="0"/>
-                                          </p:stCondLst>
-                                        </p:cTn>
-                                        <p:tgtEl>
-                                          <p:spTgt spid="5"/>
-                                        </p:tgtEl>
-                                        <p:attrNameLst>
-                                          <p:attrName>style.visibility</p:attrName>
-                                        </p:attrNameLst>
-                                      </p:cBhvr>
-                                      <p:to>
-                                        <p:strVal val="visible"/>
-                                      </p:to>
-                                    </p:set>
-                                    <p:animEffect transition="in" filter="wipe(down)">
-                                      <p:cBhvr>
-                                        <p:cTn id="16" dur="1000"/>
-                                        <p:tgtEl>
-                                          <p:spTgt spid="5"/>
-                                        </p:tgtEl>
-                                      </p:cBhvr>
-                                    </p:animEffect>
-                                  </p:childTnLst>
-                                </p:cTn>
-                              </p:par>
-                            </p:childTnLst>
-                          </p:cTn>
-                        </p:par>
-                      </p:childTnLst>
-                    </p:cTn>
-                  </p:par>
-                  <p:par>
-                    <p:cTn id="17" fill="hold">
-                      <p:stCondLst>
-                        <p:cond delay="indefinite"/>
-                      </p:stCondLst>
-                      <p:childTnLst>
-                        <p:par>
-                          <p:cTn id="18" fill="hold">
-                            <p:stCondLst>
-                              <p:cond delay="0"/>
-                            </p:stCondLst>
-                            <p:childTnLst>
-                              <p:par>
-                                <p:cTn id="19" presetID="10" presetClass="entr" presetSubtype="0" fill="hold" nodeType="clickEffect">
-                                  <p:stCondLst>
-                                    <p:cond delay="0"/>
-                                  </p:stCondLst>
-                                  <p:childTnLst>
-                                    <p:set>
-                                      <p:cBhvr>
-                                        <p:cTn id="20" dur="1" fill="hold">
-                                          <p:stCondLst>
-                                            <p:cond delay="0"/>
-                                          </p:stCondLst>
-                                        </p:cTn>
-                                        <p:tgtEl>
-                                          <p:spTgt spid="2"/>
-                                        </p:tgtEl>
-                                        <p:attrNameLst>
-                                          <p:attrName>style.visibility</p:attrName>
-                                        </p:attrNameLst>
-                                      </p:cBhvr>
-                                      <p:to>
-                                        <p:strVal val="visible"/>
-                                      </p:to>
-                                    </p:set>
-                                    <p:animEffect transition="in" filter="fade">
-                                      <p:cBhvr>
-                                        <p:cTn id="21" dur="500"/>
-                                        <p:tgtEl>
-                                          <p:spTgt spid="2"/>
-                                        </p:tgtEl>
-                                      </p:cBhvr>
-                                    </p:animEffect>
-                                  </p:childTnLst>
-                                </p:cTn>
-                              </p:par>
-                            </p:childTnLst>
-                          </p:cTn>
-                        </p:par>
-                      </p:childTnLst>
-                    </p:cTn>
-                  </p:par>
-                </p:childTnLst>
-              </p:cTn>
-              <p:prevCondLst>
-                <p:cond evt="onPrev" delay="0">
-                  <p:tgtEl>
-                    <p:sldTgt/>
-                  </p:tgtEl>
-                </p:cond>
-              </p:prevCondLst>
-              <p:nextCondLst>
-                <p:cond evt="onNext" delay="0">
-                  <p:tgtEl>
-                    <p:sldTgt/>
-                  </p:tgtEl>
-                </p:cond>
-              </p:nextCondLst>
-            </p:seq>
-          </p:childTnLst>
-        </p:cTn>
-      </p:par>
-    </p:tnLst>
-    <p:bldLst>
-      <p:bldP spid="594972" grpId="0"/>
-    </p:bldLst>
-  </p:timing>
-</p:sld>
-</file>
-
-<file path=ppt/slides/slide5.xml><?xml version="1.0" encoding="utf-8"?>
-<p:sld xmlns:a="http://schemas.openxmlformats.org/drawingml/2006/main" xmlns:r="http://schemas.openxmlformats.org/officeDocument/2006/relationships" xmlns:p="http://schemas.openxmlformats.org/presentationml/2006/main">
-  <p:cSld>
-    <p:spTree>
-      <p:nvGrpSpPr>
-        <p:cNvPr id="1" name=""/>
-        <p:cNvGrpSpPr/>
-        <p:nvPr/>
-      </p:nvGrpSpPr>
-      <p:grpSpPr>
-        <a:xfrm>
-          <a:off x="0" y="0"/>
-          <a:ext cx="0" cy="0"/>
-          <a:chOff x="0" y="0"/>
-          <a:chExt cx="0" cy="0"/>
-        </a:xfrm>
-      </p:grpSpPr>
-      <p:sp>
-        <p:nvSpPr>
-          <p:cNvPr id="8197" name="Rectangle 2"/>
-          <p:cNvSpPr>
-            <a:spLocks noGrp="1" noChangeArrowheads="1"/>
-          </p:cNvSpPr>
-          <p:nvPr>
-            <p:ph type="title"/>
-          </p:nvPr>
-        </p:nvSpPr>
-        <p:spPr>
-          <a:xfrm>
-            <a:off x="1918970" y="144780"/>
-            <a:ext cx="5342890" cy="952500"/>
-          </a:xfrm>
-        </p:spPr>
-        <p:txBody>
-          <a:bodyPr/>
-          <a:lstStyle/>
-          <a:p>
-            <a:pPr marL="342900" indent="-342900"/>
-            <a:r>
-              <a:rPr lang="en-US" sz="4000" dirty="0" smtClean="0">
-                <a:latin typeface="Comic Sans MS" pitchFamily="66" charset="0"/>
-              </a:rPr>
-              <a:t>Standard Deviation</a:t>
-            </a:r>
-            <a:endParaRPr lang="en-US" sz="4000" dirty="0">
-              <a:latin typeface="Comic Sans MS" pitchFamily="66" charset="0"/>
-            </a:endParaRPr>
-          </a:p>
-        </p:txBody>
-      </p:sp>
-      <p:graphicFrame>
-        <p:nvGraphicFramePr>
-          <p:cNvPr id="8194" name="Object 2"/>
-          <p:cNvGraphicFramePr>
-            <a:graphicFrameLocks noChangeAspect="1"/>
-          </p:cNvGraphicFramePr>
-          <p:nvPr>
-            <p:extLst>
-              <p:ext uri="{D42A27DB-BD31-4B8C-83A1-F6EECF244321}">
-                <p14:modId xmlns:p14="http://schemas.microsoft.com/office/powerpoint/2010/main" val="2942640132"/>
-              </p:ext>
-            </p:extLst>
-          </p:nvPr>
-        </p:nvGraphicFramePr>
-        <p:xfrm>
-          <a:off x="1811338" y="1219200"/>
-          <a:ext cx="5464175" cy="1538288"/>
-        </p:xfrm>
-        <a:graphic>
-          <a:graphicData uri="http://schemas.openxmlformats.org/presentationml/2006/ole">
-            <mc:AlternateContent xmlns:mc="http://schemas.openxmlformats.org/markup-compatibility/2006">
-              <mc:Choice xmlns:v="urn:schemas-microsoft-com:vml" Requires="v">
-                <p:oleObj spid="_x0000_s8275" name="Equation" r:id="rId4" imgW="990600" imgH="279400" progId="Equation.DSMT4">
-                  <p:embed/>
-                </p:oleObj>
-              </mc:Choice>
-              <mc:Fallback>
-                <p:oleObj name="Equation" r:id="rId4" imgW="990600" imgH="279400" progId="Equation.DSMT4">
-                  <p:embed/>
-                  <p:pic>
-                    <p:nvPicPr>
-                      <p:cNvPr id="0" name="Object 2"/>
-                      <p:cNvPicPr>
-                        <a:picLocks noChangeAspect="1" noChangeArrowheads="1"/>
-                      </p:cNvPicPr>
-                      <p:nvPr/>
-                    </p:nvPicPr>
-                    <p:blipFill>
-                      <a:blip r:embed="rId5"/>
-                      <a:srcRect/>
-                      <a:stretch>
-                        <a:fillRect/>
-                      </a:stretch>
-                    </p:blipFill>
-                    <p:spPr bwMode="auto">
-                      <a:xfrm>
-                        <a:off x="1811338" y="1219200"/>
-                        <a:ext cx="5464175" cy="1538288"/>
-                      </a:xfrm>
-                      <a:prstGeom prst="rect">
-                        <a:avLst/>
-                      </a:prstGeom>
-                      <a:noFill/>
-                      <a:extLst>
-                        <a:ext uri="{909E8E84-426E-40dd-AFC4-6F175D3DCCD1}">
-                          <a14:hiddenFill xmlns:a14="http://schemas.microsoft.com/office/drawing/2010/main">
-                            <a:solidFill>
-                              <a:srgbClr val="FFFFFF"/>
-                            </a:solidFill>
-                          </a14:hiddenFill>
-                        </a:ext>
-                      </a:extLst>
-                    </p:spPr>
-                  </p:pic>
-                </p:oleObj>
-              </mc:Fallback>
-            </mc:AlternateContent>
-          </a:graphicData>
-        </a:graphic>
-      </p:graphicFrame>
-      <p:graphicFrame>
-        <p:nvGraphicFramePr>
-          <p:cNvPr id="8196" name="Object 2"/>
-          <p:cNvGraphicFramePr>
-            <a:graphicFrameLocks noChangeAspect="1"/>
-          </p:cNvGraphicFramePr>
-          <p:nvPr>
-            <p:extLst>
-              <p:ext uri="{D42A27DB-BD31-4B8C-83A1-F6EECF244321}">
-                <p14:modId xmlns:p14="http://schemas.microsoft.com/office/powerpoint/2010/main" val="1328324166"/>
-              </p:ext>
-            </p:extLst>
-          </p:nvPr>
-        </p:nvGraphicFramePr>
-        <p:xfrm>
-          <a:off x="365125" y="2679700"/>
-          <a:ext cx="8411778" cy="2692400"/>
-        </p:xfrm>
-        <a:graphic>
-          <a:graphicData uri="http://schemas.openxmlformats.org/presentationml/2006/ole">
-            <mc:AlternateContent xmlns:mc="http://schemas.openxmlformats.org/markup-compatibility/2006">
-              <mc:Choice xmlns:v="urn:schemas-microsoft-com:vml" Requires="v">
-                <p:oleObj spid="_x0000_s8276" name="Equation" r:id="rId6" imgW="1473200" imgH="431800" progId="Equation.DSMT4">
-                  <p:embed/>
-                </p:oleObj>
-              </mc:Choice>
-              <mc:Fallback>
-                <p:oleObj name="Equation" r:id="rId6" imgW="1473200" imgH="431800" progId="Equation.DSMT4">
-                  <p:embed/>
-                  <p:pic>
-                    <p:nvPicPr>
-                      <p:cNvPr id="0" name="Picture 4"/>
-                      <p:cNvPicPr>
-                        <a:picLocks noChangeAspect="1" noChangeArrowheads="1"/>
-                      </p:cNvPicPr>
-                      <p:nvPr/>
-                    </p:nvPicPr>
-                    <p:blipFill>
-                      <a:blip r:embed="rId7"/>
-                      <a:srcRect/>
-                      <a:stretch>
-                        <a:fillRect/>
-                      </a:stretch>
-                    </p:blipFill>
-                    <p:spPr bwMode="auto">
-                      <a:xfrm>
-                        <a:off x="365125" y="2679700"/>
-                        <a:ext cx="8411778" cy="2692400"/>
-                      </a:xfrm>
-                      <a:prstGeom prst="rect">
-                        <a:avLst/>
-                      </a:prstGeom>
-                      <a:noFill/>
-                      <a:ln>
-                        <a:noFill/>
-                      </a:ln>
-                      <a:extLst/>
-                    </p:spPr>
-                  </p:pic>
-                </p:oleObj>
-              </mc:Fallback>
-            </mc:AlternateContent>
-          </a:graphicData>
-        </a:graphic>
-      </p:graphicFrame>
-    </p:spTree>
-  </p:cSld>
-  <p:clrMapOvr>
-    <a:masterClrMapping/>
-  </p:clrMapOvr>
-  <p:transition xmlns:p14="http://schemas.microsoft.com/office/powerpoint/2010/main" spd="slow" advClick="0">
-    <p:fade/>
-  </p:transition>
-  <p:timing>
-    <p:tnLst>
-      <p:par>
-        <p:cTn xmlns:p14="http://schemas.microsoft.com/office/powerpoint/2010/main" id="1" dur="indefinite" restart="never" nodeType="tmRoot">
-          <p:childTnLst>
-            <p:seq concurrent="1" nextAc="seek">
-              <p:cTn id="2" dur="indefinite" nodeType="mainSeq">
-                <p:childTnLst>
-                  <p:par>
-                    <p:cTn id="3" fill="hold">
-                      <p:stCondLst>
-                        <p:cond delay="indefinite"/>
-                      </p:stCondLst>
-                      <p:childTnLst>
-                        <p:par>
-                          <p:cTn id="4" fill="hold">
-                            <p:stCondLst>
-                              <p:cond delay="0"/>
-                            </p:stCondLst>
-                            <p:childTnLst>
-                              <p:par>
-                                <p:cTn id="5" presetID="22" presetClass="entr" presetSubtype="8" fill="hold" nodeType="clickEffect">
-                                  <p:stCondLst>
-                                    <p:cond delay="0"/>
-                                  </p:stCondLst>
-                                  <p:childTnLst>
-                                    <p:set>
-                                      <p:cBhvr>
-                                        <p:cTn id="6" dur="1" fill="hold">
-                                          <p:stCondLst>
-                                            <p:cond delay="0"/>
-                                          </p:stCondLst>
-                                        </p:cTn>
-                                        <p:tgtEl>
-                                          <p:spTgt spid="8196"/>
-                                        </p:tgtEl>
-                                        <p:attrNameLst>
-                                          <p:attrName>style.visibility</p:attrName>
-                                        </p:attrNameLst>
-                                      </p:cBhvr>
-                                      <p:to>
-                                        <p:strVal val="visible"/>
-                                      </p:to>
-                                    </p:set>
-                                    <p:animEffect transition="in" filter="wipe(left)">
-                                      <p:cBhvr>
-                                        <p:cTn id="7" dur="1000"/>
-                                        <p:tgtEl>
-                                          <p:spTgt spid="8196"/>
-                                        </p:tgtEl>
-                                      </p:cBhvr>
-                                    </p:animEffect>
-                                  </p:childTnLst>
-                                </p:cTn>
-                              </p:par>
-                            </p:childTnLst>
-                          </p:cTn>
-                        </p:par>
-                      </p:childTnLst>
-                    </p:cTn>
-                  </p:par>
-                </p:childTnLst>
-              </p:cTn>
-              <p:prevCondLst>
-                <p:cond evt="onPrev" delay="0">
-                  <p:tgtEl>
-                    <p:sldTgt/>
-                  </p:tgtEl>
-                </p:cond>
-              </p:prevCondLst>
-              <p:nextCondLst>
-                <p:cond evt="onNext" delay="0">
-                  <p:tgtEl>
-                    <p:sldTgt/>
-                  </p:tgtEl>
-                </p:cond>
-              </p:nextCondLst>
-            </p:seq>
-          </p:childTnLst>
-        </p:cTn>
-      </p:par>
-    </p:tnLst>
-  </p:timing>
-</p:sld>
-</file>
-
-<file path=ppt/slides/slide6.xml><?xml version="1.0" encoding="utf-8"?>
-<p:sld xmlns:a="http://schemas.openxmlformats.org/drawingml/2006/main" xmlns:r="http://schemas.openxmlformats.org/officeDocument/2006/relationships" xmlns:p="http://schemas.openxmlformats.org/presentationml/2006/main" show="0">
-  <p:cSld>
-    <p:spTree>
-      <p:nvGrpSpPr>
-        <p:cNvPr id="1" name=""/>
-        <p:cNvGrpSpPr/>
-        <p:nvPr/>
-      </p:nvGrpSpPr>
-      <p:grpSpPr>
-        <a:xfrm>
-          <a:off x="0" y="0"/>
-          <a:ext cx="0" cy="0"/>
-          <a:chOff x="0" y="0"/>
-          <a:chExt cx="0" cy="0"/>
-        </a:xfrm>
-      </p:grpSpPr>
-      <p:sp>
-        <p:nvSpPr>
-          <p:cNvPr id="9221" name="Rectangle 2"/>
-          <p:cNvSpPr>
-            <a:spLocks noGrp="1" noChangeArrowheads="1"/>
-          </p:cNvSpPr>
-          <p:nvPr>
-            <p:ph type="title"/>
-          </p:nvPr>
-        </p:nvSpPr>
-        <p:spPr>
-          <a:xfrm>
-            <a:off x="1341438" y="98425"/>
-            <a:ext cx="7688262" cy="1057275"/>
-          </a:xfrm>
-        </p:spPr>
-        <p:txBody>
-          <a:bodyPr/>
-          <a:lstStyle/>
-          <a:p>
-            <a:pPr eaLnBrk="1" hangingPunct="1"/>
-            <a:r>
-              <a:rPr lang="en-US" sz="4000" dirty="0" err="1" smtClean="0"/>
-              <a:t>Chebyshev</a:t>
-            </a:r>
-            <a:r>
-              <a:rPr lang="en-US" sz="4000" dirty="0" smtClean="0"/>
-              <a:t> Bound </a:t>
-            </a:r>
-            <a:r>
-              <a:rPr lang="en-US" sz="4000" dirty="0" smtClean="0"/>
-              <a:t>(Restated)</a:t>
-            </a:r>
-            <a:endParaRPr lang="en-US" sz="4000" dirty="0" smtClean="0"/>
-          </a:p>
-        </p:txBody>
-      </p:sp>
-      <p:graphicFrame>
-        <p:nvGraphicFramePr>
-          <p:cNvPr id="9218" name="Object 2"/>
-          <p:cNvGraphicFramePr>
-            <a:graphicFrameLocks noChangeAspect="1"/>
-          </p:cNvGraphicFramePr>
-          <p:nvPr>
-            <p:extLst>
-              <p:ext uri="{D42A27DB-BD31-4B8C-83A1-F6EECF244321}">
-                <p14:modId xmlns:p14="http://schemas.microsoft.com/office/powerpoint/2010/main" val="4071019549"/>
-              </p:ext>
-            </p:extLst>
-          </p:nvPr>
-        </p:nvGraphicFramePr>
-        <p:xfrm>
-          <a:off x="1020763" y="2198688"/>
-          <a:ext cx="7057290" cy="1433512"/>
-        </p:xfrm>
-        <a:graphic>
-          <a:graphicData uri="http://schemas.openxmlformats.org/presentationml/2006/ole">
-            <mc:AlternateContent xmlns:mc="http://schemas.openxmlformats.org/markup-compatibility/2006">
-              <mc:Choice xmlns:v="urn:schemas-microsoft-com:vml" Requires="v">
-                <p:oleObj spid="_x0000_s9306" name="Equation" r:id="rId4" imgW="1130300" imgH="228600" progId="Equation.DSMT4">
-                  <p:embed/>
-                </p:oleObj>
-              </mc:Choice>
-              <mc:Fallback>
-                <p:oleObj name="Equation" r:id="rId4" imgW="1130300" imgH="228600" progId="Equation.DSMT4">
-                  <p:embed/>
-                  <p:pic>
-                    <p:nvPicPr>
-                      <p:cNvPr id="0" name="Object 2"/>
-                      <p:cNvPicPr>
-                        <a:picLocks noChangeAspect="1" noChangeArrowheads="1"/>
-                      </p:cNvPicPr>
-                      <p:nvPr/>
-                    </p:nvPicPr>
-                    <p:blipFill>
-                      <a:blip r:embed="rId5"/>
-                      <a:srcRect/>
-                      <a:stretch>
-                        <a:fillRect/>
-                      </a:stretch>
-                    </p:blipFill>
-                    <p:spPr bwMode="auto">
-                      <a:xfrm>
-                        <a:off x="1020763" y="2198688"/>
-                        <a:ext cx="7057290" cy="1433512"/>
-                      </a:xfrm>
-                      <a:prstGeom prst="rect">
-                        <a:avLst/>
-                      </a:prstGeom>
-                      <a:noFill/>
-                      <a:extLst/>
-                    </p:spPr>
-                  </p:pic>
-                </p:oleObj>
-              </mc:Fallback>
-            </mc:AlternateContent>
-          </a:graphicData>
-        </a:graphic>
-      </p:graphicFrame>
-      <p:graphicFrame>
-        <p:nvGraphicFramePr>
-          <p:cNvPr id="4" name="Object 3"/>
-          <p:cNvGraphicFramePr>
-            <a:graphicFrameLocks noChangeAspect="1"/>
-          </p:cNvGraphicFramePr>
-          <p:nvPr>
-            <p:extLst>
-              <p:ext uri="{D42A27DB-BD31-4B8C-83A1-F6EECF244321}">
-                <p14:modId xmlns:p14="http://schemas.microsoft.com/office/powerpoint/2010/main" val="1990465483"/>
-              </p:ext>
-            </p:extLst>
-          </p:nvPr>
-        </p:nvGraphicFramePr>
-        <p:xfrm>
-          <a:off x="412750" y="990600"/>
-          <a:ext cx="4362450" cy="1196155"/>
-        </p:xfrm>
-        <a:graphic>
-          <a:graphicData uri="http://schemas.openxmlformats.org/presentationml/2006/ole">
-            <mc:AlternateContent xmlns:mc="http://schemas.openxmlformats.org/markup-compatibility/2006">
-              <mc:Choice xmlns:v="urn:schemas-microsoft-com:vml" Requires="v">
-                <p:oleObj spid="_x0000_s9307" name="Equation" r:id="rId6" imgW="787400" imgH="215900" progId="Equation.DSMT4">
-                  <p:embed/>
-                </p:oleObj>
-              </mc:Choice>
-              <mc:Fallback>
-                <p:oleObj name="Equation" r:id="rId6" imgW="787400" imgH="215900" progId="Equation.DSMT4">
-                  <p:embed/>
-                  <p:pic>
-                    <p:nvPicPr>
-                      <p:cNvPr id="0" name=""/>
-                      <p:cNvPicPr/>
-                      <p:nvPr/>
-                    </p:nvPicPr>
-                    <p:blipFill>
-                      <a:blip r:embed="rId7"/>
-                      <a:stretch>
-                        <a:fillRect/>
-                      </a:stretch>
-                    </p:blipFill>
-                    <p:spPr>
-                      <a:xfrm>
-                        <a:off x="412750" y="990600"/>
-                        <a:ext cx="4362450" cy="1196155"/>
-                      </a:xfrm>
-                      <a:prstGeom prst="rect">
-                        <a:avLst/>
-                      </a:prstGeom>
-                    </p:spPr>
-                  </p:pic>
-                </p:oleObj>
-              </mc:Fallback>
-            </mc:AlternateContent>
-          </a:graphicData>
-        </a:graphic>
-      </p:graphicFrame>
-      <p:graphicFrame>
-        <p:nvGraphicFramePr>
-          <p:cNvPr id="5" name="Object 4"/>
-          <p:cNvGraphicFramePr>
-            <a:graphicFrameLocks noChangeAspect="1"/>
-          </p:cNvGraphicFramePr>
-          <p:nvPr>
-            <p:extLst>
-              <p:ext uri="{D42A27DB-BD31-4B8C-83A1-F6EECF244321}">
-                <p14:modId xmlns:p14="http://schemas.microsoft.com/office/powerpoint/2010/main" val="3019415780"/>
-              </p:ext>
-            </p:extLst>
-          </p:nvPr>
-        </p:nvGraphicFramePr>
-        <p:xfrm>
-          <a:off x="3232149" y="3440113"/>
-          <a:ext cx="3270251" cy="2452689"/>
-        </p:xfrm>
-        <a:graphic>
-          <a:graphicData uri="http://schemas.openxmlformats.org/presentationml/2006/ole">
-            <mc:AlternateContent xmlns:mc="http://schemas.openxmlformats.org/markup-compatibility/2006">
-              <mc:Choice xmlns:v="urn:schemas-microsoft-com:vml" Requires="v">
-                <p:oleObj spid="_x0000_s9308" name="Equation" r:id="rId8" imgW="609600" imgH="457200" progId="Equation.DSMT4">
-                  <p:embed/>
-                </p:oleObj>
-              </mc:Choice>
-              <mc:Fallback>
-                <p:oleObj name="Equation" r:id="rId8" imgW="609600" imgH="457200" progId="Equation.DSMT4">
-                  <p:embed/>
-                  <p:pic>
-                    <p:nvPicPr>
-                      <p:cNvPr id="0" name=""/>
-                      <p:cNvPicPr/>
-                      <p:nvPr/>
-                    </p:nvPicPr>
-                    <p:blipFill>
-                      <a:blip r:embed="rId9"/>
-                      <a:stretch>
-                        <a:fillRect/>
-                      </a:stretch>
-                    </p:blipFill>
-                    <p:spPr>
-                      <a:xfrm>
-                        <a:off x="3232149" y="3440113"/>
-                        <a:ext cx="3270251" cy="2452689"/>
-                      </a:xfrm>
-                      <a:prstGeom prst="rect">
-                        <a:avLst/>
-                      </a:prstGeom>
-                    </p:spPr>
-                  </p:pic>
-                </p:oleObj>
-              </mc:Fallback>
-            </mc:AlternateContent>
-          </a:graphicData>
-        </a:graphic>
-      </p:graphicFrame>
-    </p:spTree>
-  </p:cSld>
-  <p:clrMapOvr>
-    <a:masterClrMapping/>
-  </p:clrMapOvr>
-  <mc:AlternateContent xmlns:mc="http://schemas.openxmlformats.org/markup-compatibility/2006">
-    <mc:Choice xmlns:p14="http://schemas.microsoft.com/office/powerpoint/2010/main" Requires="p14">
-      <p:transition spd="slow" p14:dur="1200" advClick="0">
-        <p:fade thruBlk="1"/>
-      </p:transition>
-    </mc:Choice>
-    <mc:Fallback>
-      <p:transition xmlns:p14="http://schemas.microsoft.com/office/powerpoint/2010/main" spd="slow" advClick="0">
-        <p:fade thruBlk="1"/>
-      </p:transition>
-    </mc:Fallback>
-  </mc:AlternateContent>
-  <p:timing>
-    <p:tnLst>
-      <p:par>
-        <p:cTn xmlns:p14="http://schemas.microsoft.com/office/powerpoint/2010/main" id="1" dur="indefinite" restart="never" nodeType="tmRoot">
-          <p:childTnLst>
-            <p:seq concurrent="1" nextAc="seek">
-              <p:cTn id="2" dur="indefinite" nodeType="mainSeq">
-                <p:childTnLst>
-                  <p:par>
-                    <p:cTn id="3" fill="hold">
-                      <p:stCondLst>
-                        <p:cond delay="indefinite"/>
-                      </p:stCondLst>
-                      <p:childTnLst>
-                        <p:par>
-                          <p:cTn id="4" fill="hold">
-                            <p:stCondLst>
-                              <p:cond delay="0"/>
-                            </p:stCondLst>
-                            <p:childTnLst>
-                              <p:par>
-                                <p:cTn id="5" presetID="22" presetClass="entr" presetSubtype="8" fill="hold" nodeType="clickEffect">
-                                  <p:stCondLst>
-                                    <p:cond delay="0"/>
-                                  </p:stCondLst>
-                                  <p:childTnLst>
-                                    <p:set>
-                                      <p:cBhvr>
-                                        <p:cTn id="6" dur="1" fill="hold">
-                                          <p:stCondLst>
-                                            <p:cond delay="0"/>
-                                          </p:stCondLst>
-                                        </p:cTn>
-                                        <p:tgtEl>
-                                          <p:spTgt spid="9218"/>
-                                        </p:tgtEl>
-                                        <p:attrNameLst>
-                                          <p:attrName>style.visibility</p:attrName>
-                                        </p:attrNameLst>
-                                      </p:cBhvr>
-                                      <p:to>
-                                        <p:strVal val="visible"/>
-                                      </p:to>
-                                    </p:set>
-                                    <p:animEffect transition="in" filter="wipe(left)">
-                                      <p:cBhvr>
-                                        <p:cTn id="7" dur="1000"/>
-                                        <p:tgtEl>
-                                          <p:spTgt spid="9218"/>
-                                        </p:tgtEl>
-                                      </p:cBhvr>
-                                    </p:animEffect>
-                                  </p:childTnLst>
-                                </p:cTn>
-                              </p:par>
-                            </p:childTnLst>
-                          </p:cTn>
-                        </p:par>
-                        <p:par>
-                          <p:cTn id="8" fill="hold">
-                            <p:stCondLst>
-                              <p:cond delay="1000"/>
                             </p:stCondLst>
                             <p:childTnLst>
                               <p:par>
@@ -7115,352 +10244,33 @@
                       </p:childTnLst>
                     </p:cTn>
                   </p:par>
-                </p:childTnLst>
-              </p:cTn>
-              <p:prevCondLst>
-                <p:cond evt="onPrev" delay="0">
-                  <p:tgtEl>
-                    <p:sldTgt/>
-                  </p:tgtEl>
-                </p:cond>
-              </p:prevCondLst>
-              <p:nextCondLst>
-                <p:cond evt="onNext" delay="0">
-                  <p:tgtEl>
-                    <p:sldTgt/>
-                  </p:tgtEl>
-                </p:cond>
-              </p:nextCondLst>
-            </p:seq>
-          </p:childTnLst>
-        </p:cTn>
-      </p:par>
-    </p:tnLst>
-  </p:timing>
-</p:sld>
-</file>
-
-<file path=ppt/slides/slide7.xml><?xml version="1.0" encoding="utf-8"?>
-<p:sld xmlns:a="http://schemas.openxmlformats.org/drawingml/2006/main" xmlns:r="http://schemas.openxmlformats.org/officeDocument/2006/relationships" xmlns:p="http://schemas.openxmlformats.org/presentationml/2006/main" show="0">
-  <p:cSld>
-    <p:spTree>
-      <p:nvGrpSpPr>
-        <p:cNvPr id="1" name=""/>
-        <p:cNvGrpSpPr/>
-        <p:nvPr/>
-      </p:nvGrpSpPr>
-      <p:grpSpPr>
-        <a:xfrm>
-          <a:off x="0" y="0"/>
-          <a:ext cx="0" cy="0"/>
-          <a:chOff x="0" y="0"/>
-          <a:chExt cx="0" cy="0"/>
-        </a:xfrm>
-      </p:grpSpPr>
-      <p:sp>
-        <p:nvSpPr>
-          <p:cNvPr id="9221" name="Rectangle 2"/>
-          <p:cNvSpPr>
-            <a:spLocks noGrp="1" noChangeArrowheads="1"/>
-          </p:cNvSpPr>
-          <p:nvPr>
-            <p:ph type="title"/>
-          </p:nvPr>
-        </p:nvSpPr>
-        <p:spPr>
-          <a:xfrm>
-            <a:off x="1341438" y="98425"/>
-            <a:ext cx="7688262" cy="1057275"/>
-          </a:xfrm>
-        </p:spPr>
-        <p:txBody>
-          <a:bodyPr/>
-          <a:lstStyle/>
-          <a:p>
-            <a:pPr eaLnBrk="1" hangingPunct="1"/>
-            <a:r>
-              <a:rPr lang="en-US" sz="4000" dirty="0" err="1" smtClean="0"/>
-              <a:t>Chebyshev</a:t>
-            </a:r>
-            <a:r>
-              <a:rPr lang="en-US" sz="4000" dirty="0" smtClean="0"/>
-              <a:t> Bound </a:t>
-            </a:r>
-            <a:r>
-              <a:rPr lang="en-US" sz="4000" dirty="0" smtClean="0"/>
-              <a:t>(Restated)</a:t>
-            </a:r>
-            <a:endParaRPr lang="en-US" sz="4000" dirty="0" smtClean="0"/>
-          </a:p>
-        </p:txBody>
-      </p:sp>
-      <p:graphicFrame>
-        <p:nvGraphicFramePr>
-          <p:cNvPr id="2" name="Object 1"/>
-          <p:cNvGraphicFramePr>
-            <a:graphicFrameLocks noChangeAspect="1"/>
-          </p:cNvGraphicFramePr>
-          <p:nvPr>
-            <p:extLst>
-              <p:ext uri="{D42A27DB-BD31-4B8C-83A1-F6EECF244321}">
-                <p14:modId xmlns:p14="http://schemas.microsoft.com/office/powerpoint/2010/main" val="825090891"/>
-              </p:ext>
-            </p:extLst>
-          </p:nvPr>
-        </p:nvGraphicFramePr>
-        <p:xfrm>
-          <a:off x="3514725" y="3165475"/>
-          <a:ext cx="2097088" cy="2871788"/>
-        </p:xfrm>
-        <a:graphic>
-          <a:graphicData uri="http://schemas.openxmlformats.org/presentationml/2006/ole">
-            <mc:AlternateContent xmlns:mc="http://schemas.openxmlformats.org/markup-compatibility/2006">
-              <mc:Choice xmlns:v="urn:schemas-microsoft-com:vml" Requires="v">
-                <p:oleObj spid="_x0000_s1040" name="Equation" r:id="rId4" imgW="342900" imgH="469900" progId="Equation.DSMT4">
-                  <p:embed/>
-                </p:oleObj>
-              </mc:Choice>
-              <mc:Fallback>
-                <p:oleObj name="Equation" r:id="rId4" imgW="342900" imgH="469900" progId="Equation.DSMT4">
-                  <p:embed/>
-                  <p:pic>
-                    <p:nvPicPr>
-                      <p:cNvPr id="0" name=""/>
-                      <p:cNvPicPr/>
-                      <p:nvPr/>
-                    </p:nvPicPr>
-                    <p:blipFill>
-                      <a:blip r:embed="rId5"/>
-                      <a:stretch>
-                        <a:fillRect/>
-                      </a:stretch>
-                    </p:blipFill>
-                    <p:spPr>
-                      <a:xfrm>
-                        <a:off x="3514725" y="3165475"/>
-                        <a:ext cx="2097088" cy="2871788"/>
-                      </a:xfrm>
-                      <a:prstGeom prst="rect">
-                        <a:avLst/>
-                      </a:prstGeom>
-                    </p:spPr>
-                  </p:pic>
-                </p:oleObj>
-              </mc:Fallback>
-            </mc:AlternateContent>
-          </a:graphicData>
-        </a:graphic>
-      </p:graphicFrame>
-      <p:graphicFrame>
-        <p:nvGraphicFramePr>
-          <p:cNvPr id="4" name="Object 3"/>
-          <p:cNvGraphicFramePr>
-            <a:graphicFrameLocks noChangeAspect="1"/>
-          </p:cNvGraphicFramePr>
-          <p:nvPr>
-            <p:extLst>
-              <p:ext uri="{D42A27DB-BD31-4B8C-83A1-F6EECF244321}">
-                <p14:modId xmlns:p14="http://schemas.microsoft.com/office/powerpoint/2010/main" val="3383565636"/>
-              </p:ext>
-            </p:extLst>
-          </p:nvPr>
-        </p:nvGraphicFramePr>
-        <p:xfrm>
-          <a:off x="412750" y="990600"/>
-          <a:ext cx="4362450" cy="1196155"/>
-        </p:xfrm>
-        <a:graphic>
-          <a:graphicData uri="http://schemas.openxmlformats.org/presentationml/2006/ole">
-            <mc:AlternateContent xmlns:mc="http://schemas.openxmlformats.org/markup-compatibility/2006">
-              <mc:Choice xmlns:v="urn:schemas-microsoft-com:vml" Requires="v">
-                <p:oleObj spid="_x0000_s1041" name="Equation" r:id="rId6" imgW="787400" imgH="215900" progId="Equation.DSMT4">
-                  <p:embed/>
-                </p:oleObj>
-              </mc:Choice>
-              <mc:Fallback>
-                <p:oleObj name="Equation" r:id="rId6" imgW="787400" imgH="215900" progId="Equation.DSMT4">
-                  <p:embed/>
-                  <p:pic>
-                    <p:nvPicPr>
-                      <p:cNvPr id="0" name=""/>
-                      <p:cNvPicPr/>
-                      <p:nvPr/>
-                    </p:nvPicPr>
-                    <p:blipFill>
-                      <a:blip r:embed="rId7"/>
-                      <a:stretch>
-                        <a:fillRect/>
-                      </a:stretch>
-                    </p:blipFill>
-                    <p:spPr>
-                      <a:xfrm>
-                        <a:off x="412750" y="990600"/>
-                        <a:ext cx="4362450" cy="1196155"/>
-                      </a:xfrm>
-                      <a:prstGeom prst="rect">
-                        <a:avLst/>
-                      </a:prstGeom>
-                    </p:spPr>
-                  </p:pic>
-                </p:oleObj>
-              </mc:Fallback>
-            </mc:AlternateContent>
-          </a:graphicData>
-        </a:graphic>
-      </p:graphicFrame>
-      <p:graphicFrame>
-        <p:nvGraphicFramePr>
-          <p:cNvPr id="6" name="Object 2"/>
-          <p:cNvGraphicFramePr>
-            <a:graphicFrameLocks noChangeAspect="1"/>
-          </p:cNvGraphicFramePr>
-          <p:nvPr>
-            <p:extLst>
-              <p:ext uri="{D42A27DB-BD31-4B8C-83A1-F6EECF244321}">
-                <p14:modId xmlns:p14="http://schemas.microsoft.com/office/powerpoint/2010/main" val="4161226079"/>
-              </p:ext>
-            </p:extLst>
-          </p:nvPr>
-        </p:nvGraphicFramePr>
-        <p:xfrm>
-          <a:off x="1033463" y="2198688"/>
-          <a:ext cx="7057290" cy="1433512"/>
-        </p:xfrm>
-        <a:graphic>
-          <a:graphicData uri="http://schemas.openxmlformats.org/presentationml/2006/ole">
-            <mc:AlternateContent xmlns:mc="http://schemas.openxmlformats.org/markup-compatibility/2006">
-              <mc:Choice xmlns:v="urn:schemas-microsoft-com:vml" Requires="v">
-                <p:oleObj spid="_x0000_s1042" name="Equation" r:id="rId8" imgW="1130300" imgH="228600" progId="Equation.DSMT4">
-                  <p:embed/>
-                </p:oleObj>
-              </mc:Choice>
-              <mc:Fallback>
-                <p:oleObj name="Equation" r:id="rId8" imgW="1130300" imgH="228600" progId="Equation.DSMT4">
-                  <p:embed/>
-                  <p:pic>
-                    <p:nvPicPr>
-                      <p:cNvPr id="0" name=""/>
-                      <p:cNvPicPr>
-                        <a:picLocks noChangeAspect="1" noChangeArrowheads="1"/>
-                      </p:cNvPicPr>
-                      <p:nvPr/>
-                    </p:nvPicPr>
-                    <p:blipFill>
-                      <a:blip r:embed="rId9"/>
-                      <a:srcRect/>
-                      <a:stretch>
-                        <a:fillRect/>
-                      </a:stretch>
-                    </p:blipFill>
-                    <p:spPr bwMode="auto">
-                      <a:xfrm>
-                        <a:off x="1033463" y="2198688"/>
-                        <a:ext cx="7057290" cy="1433512"/>
-                      </a:xfrm>
-                      <a:prstGeom prst="rect">
-                        <a:avLst/>
-                      </a:prstGeom>
-                      <a:noFill/>
-                      <a:extLst/>
-                    </p:spPr>
-                  </p:pic>
-                </p:oleObj>
-              </mc:Fallback>
-            </mc:AlternateContent>
-          </a:graphicData>
-        </a:graphic>
-      </p:graphicFrame>
-      <p:sp>
-        <p:nvSpPr>
-          <p:cNvPr id="3" name="Rectangle 2"/>
-          <p:cNvSpPr/>
-          <p:nvPr/>
-        </p:nvSpPr>
-        <p:spPr bwMode="auto">
-          <a:xfrm>
-            <a:off x="482600" y="1993900"/>
-            <a:ext cx="7950200" cy="4051300"/>
-          </a:xfrm>
-          <a:prstGeom prst="rect">
-            <a:avLst/>
-          </a:prstGeom>
-          <a:noFill/>
-          <a:ln w="41275" algn="ctr">
-            <a:solidFill>
-              <a:srgbClr val="FF00FF"/>
-            </a:solidFill>
-            <a:prstDash val="sysDash"/>
-            <a:miter lim="800000"/>
-            <a:headEnd/>
-            <a:tailEnd/>
-          </a:ln>
-        </p:spPr>
-        <p:txBody>
-          <a:bodyPr wrap="none" rtlCol="0" anchor="ctr"/>
-          <a:lstStyle/>
-          <a:p>
-            <a:pPr algn="ctr"/>
-            <a:endParaRPr lang="en-US"/>
-          </a:p>
-        </p:txBody>
-      </p:sp>
-    </p:spTree>
-    <p:extLst>
-      <p:ext uri="{BB962C8B-B14F-4D97-AF65-F5344CB8AC3E}">
-        <p14:creationId xmlns:p14="http://schemas.microsoft.com/office/powerpoint/2010/main" val="48287341"/>
-      </p:ext>
-    </p:extLst>
-  </p:cSld>
-  <p:clrMapOvr>
-    <a:masterClrMapping/>
-  </p:clrMapOvr>
-  <mc:AlternateContent xmlns:mc="http://schemas.openxmlformats.org/markup-compatibility/2006">
-    <mc:Choice xmlns:p14="http://schemas.microsoft.com/office/powerpoint/2010/main" Requires="p14">
-      <p:transition spd="slow" p14:dur="1200" advClick="0">
-        <p:fade thruBlk="1"/>
-      </p:transition>
-    </mc:Choice>
-    <mc:Fallback>
-      <p:transition xmlns:p14="http://schemas.microsoft.com/office/powerpoint/2010/main" spd="slow" advClick="0">
-        <p:fade thruBlk="1"/>
-      </p:transition>
-    </mc:Fallback>
-  </mc:AlternateContent>
-  <p:timing>
-    <p:tnLst>
-      <p:par>
-        <p:cTn xmlns:p14="http://schemas.microsoft.com/office/powerpoint/2010/main" id="1" dur="indefinite" restart="never" nodeType="tmRoot">
-          <p:childTnLst>
-            <p:seq concurrent="1" nextAc="seek">
-              <p:cTn id="2" dur="indefinite" nodeType="mainSeq">
-                <p:childTnLst>
                   <p:par>
-                    <p:cTn id="3" fill="hold">
+                    <p:cTn id="12" fill="hold">
                       <p:stCondLst>
                         <p:cond delay="indefinite"/>
                       </p:stCondLst>
                       <p:childTnLst>
                         <p:par>
-                          <p:cTn id="4" fill="hold">
+                          <p:cTn id="13" fill="hold">
                             <p:stCondLst>
                               <p:cond delay="0"/>
                             </p:stCondLst>
                             <p:childTnLst>
                               <p:par>
-                                <p:cTn id="5" presetID="22" presetClass="entr" presetSubtype="4" fill="hold" nodeType="clickEffect">
+                                <p:cTn id="14" presetID="22" presetClass="entr" presetSubtype="4" fill="hold" nodeType="clickEffect">
                                   <p:stCondLst>
                                     <p:cond delay="0"/>
                                   </p:stCondLst>
                                   <p:childTnLst>
                                     <p:set>
                                       <p:cBhvr>
-                                        <p:cTn id="6" dur="1" fill="hold">
+                                        <p:cTn id="15" dur="1" fill="hold">
                                           <p:stCondLst>
                                             <p:cond delay="0"/>
                                           </p:stCondLst>
                                         </p:cTn>
                                         <p:tgtEl>
-                                          <p:spTgt spid="6"/>
+                                          <p:spTgt spid="9"/>
                                         </p:tgtEl>
                                         <p:attrNameLst>
                                           <p:attrName>style.visibility</p:attrName>
@@ -7472,9 +10282,194 @@
                                     </p:set>
                                     <p:animEffect transition="in" filter="wipe(down)">
                                       <p:cBhvr>
-                                        <p:cTn id="7" dur="2000"/>
+                                        <p:cTn id="16" dur="1000"/>
                                         <p:tgtEl>
-                                          <p:spTgt spid="6"/>
+                                          <p:spTgt spid="9"/>
+                                        </p:tgtEl>
+                                      </p:cBhvr>
+                                    </p:animEffect>
+                                  </p:childTnLst>
+                                </p:cTn>
+                              </p:par>
+                            </p:childTnLst>
+                          </p:cTn>
+                        </p:par>
+                      </p:childTnLst>
+                    </p:cTn>
+                  </p:par>
+                  <p:par>
+                    <p:cTn id="17" fill="hold">
+                      <p:stCondLst>
+                        <p:cond delay="indefinite"/>
+                      </p:stCondLst>
+                      <p:childTnLst>
+                        <p:par>
+                          <p:cTn id="18" fill="hold">
+                            <p:stCondLst>
+                              <p:cond delay="0"/>
+                            </p:stCondLst>
+                            <p:childTnLst>
+                              <p:par>
+                                <p:cTn id="19" presetID="10" presetClass="entr" presetSubtype="0" fill="hold" nodeType="clickEffect">
+                                  <p:stCondLst>
+                                    <p:cond delay="0"/>
+                                  </p:stCondLst>
+                                  <p:childTnLst>
+                                    <p:set>
+                                      <p:cBhvr>
+                                        <p:cTn id="20" dur="1" fill="hold">
+                                          <p:stCondLst>
+                                            <p:cond delay="0"/>
+                                          </p:stCondLst>
+                                        </p:cTn>
+                                        <p:tgtEl>
+                                          <p:spTgt spid="15"/>
+                                        </p:tgtEl>
+                                        <p:attrNameLst>
+                                          <p:attrName>style.visibility</p:attrName>
+                                        </p:attrNameLst>
+                                      </p:cBhvr>
+                                      <p:to>
+                                        <p:strVal val="visible"/>
+                                      </p:to>
+                                    </p:set>
+                                    <p:animEffect transition="in" filter="fade">
+                                      <p:cBhvr>
+                                        <p:cTn id="21" dur="500"/>
+                                        <p:tgtEl>
+                                          <p:spTgt spid="15"/>
+                                        </p:tgtEl>
+                                      </p:cBhvr>
+                                    </p:animEffect>
+                                  </p:childTnLst>
+                                </p:cTn>
+                              </p:par>
+                            </p:childTnLst>
+                          </p:cTn>
+                        </p:par>
+                        <p:par>
+                          <p:cTn id="22" fill="hold">
+                            <p:stCondLst>
+                              <p:cond delay="500"/>
+                            </p:stCondLst>
+                            <p:childTnLst>
+                              <p:par>
+                                <p:cTn id="23" presetID="10" presetClass="entr" presetSubtype="0" fill="hold" nodeType="afterEffect">
+                                  <p:stCondLst>
+                                    <p:cond delay="0"/>
+                                  </p:stCondLst>
+                                  <p:childTnLst>
+                                    <p:set>
+                                      <p:cBhvr>
+                                        <p:cTn id="24" dur="1" fill="hold">
+                                          <p:stCondLst>
+                                            <p:cond delay="0"/>
+                                          </p:stCondLst>
+                                        </p:cTn>
+                                        <p:tgtEl>
+                                          <p:spTgt spid="26"/>
+                                        </p:tgtEl>
+                                        <p:attrNameLst>
+                                          <p:attrName>style.visibility</p:attrName>
+                                        </p:attrNameLst>
+                                      </p:cBhvr>
+                                      <p:to>
+                                        <p:strVal val="visible"/>
+                                      </p:to>
+                                    </p:set>
+                                    <p:animEffect transition="in" filter="fade">
+                                      <p:cBhvr>
+                                        <p:cTn id="25" dur="500"/>
+                                        <p:tgtEl>
+                                          <p:spTgt spid="26"/>
+                                        </p:tgtEl>
+                                      </p:cBhvr>
+                                    </p:animEffect>
+                                  </p:childTnLst>
+                                </p:cTn>
+                              </p:par>
+                            </p:childTnLst>
+                          </p:cTn>
+                        </p:par>
+                      </p:childTnLst>
+                    </p:cTn>
+                  </p:par>
+                  <p:par>
+                    <p:cTn id="26" fill="hold">
+                      <p:stCondLst>
+                        <p:cond delay="indefinite"/>
+                      </p:stCondLst>
+                      <p:childTnLst>
+                        <p:par>
+                          <p:cTn id="27" fill="hold">
+                            <p:stCondLst>
+                              <p:cond delay="0"/>
+                            </p:stCondLst>
+                            <p:childTnLst>
+                              <p:par>
+                                <p:cTn id="28" presetID="10" presetClass="entr" presetSubtype="0" fill="hold" nodeType="clickEffect">
+                                  <p:stCondLst>
+                                    <p:cond delay="0"/>
+                                  </p:stCondLst>
+                                  <p:childTnLst>
+                                    <p:set>
+                                      <p:cBhvr>
+                                        <p:cTn id="29" dur="1" fill="hold">
+                                          <p:stCondLst>
+                                            <p:cond delay="0"/>
+                                          </p:stCondLst>
+                                        </p:cTn>
+                                        <p:tgtEl>
+                                          <p:spTgt spid="21"/>
+                                        </p:tgtEl>
+                                        <p:attrNameLst>
+                                          <p:attrName>style.visibility</p:attrName>
+                                        </p:attrNameLst>
+                                      </p:cBhvr>
+                                      <p:to>
+                                        <p:strVal val="visible"/>
+                                      </p:to>
+                                    </p:set>
+                                    <p:animEffect transition="in" filter="fade">
+                                      <p:cBhvr>
+                                        <p:cTn id="30" dur="500"/>
+                                        <p:tgtEl>
+                                          <p:spTgt spid="21"/>
+                                        </p:tgtEl>
+                                      </p:cBhvr>
+                                    </p:animEffect>
+                                  </p:childTnLst>
+                                </p:cTn>
+                              </p:par>
+                              <p:par>
+                                <p:cTn id="31" presetID="22" presetClass="entr" presetSubtype="1" fill="hold" nodeType="withEffect">
+                                  <p:stCondLst>
+                                    <p:cond delay="0"/>
+                                  </p:stCondLst>
+                                  <p:childTnLst>
+                                    <p:set>
+                                      <p:cBhvr>
+                                        <p:cTn id="32" dur="1" fill="hold">
+                                          <p:stCondLst>
+                                            <p:cond delay="0"/>
+                                          </p:stCondLst>
+                                        </p:cTn>
+                                        <p:tgtEl>
+                                          <p:spTgt spid="28"/>
+                                        </p:tgtEl>
+                                        <p:attrNameLst>
+                                          <p:attrName>style.visibility</p:attrName>
+                                        </p:attrNameLst>
+                                      </p:cBhvr>
+                                      <p:to>
+                                        <p:strVal val="visible"/>
+                                      </p:to>
+                                    </p:set>
+                                    <p:animEffect transition="in" filter="wipe(up)">
+                                      <p:cBhvr>
+                                        <p:cTn id="33" dur="500"/>
+                                        <p:tgtEl>
+                                          <p:spTgt spid="28"/>
                                         </p:tgtEl>
                                       </p:cBhvr>
                                     </p:animEffect>
@@ -7508,11 +10503,594 @@
         </p:cTn>
       </p:par>
     </p:tnLst>
+    <p:bldLst>
+      <p:bldP spid="14" grpId="0"/>
+    </p:bldLst>
+  </p:timing>
+</p:sld>
+</file>
+
+<file path=ppt/slides/slide7.xml><?xml version="1.0" encoding="utf-8"?>
+<p:sld xmlns:a="http://schemas.openxmlformats.org/drawingml/2006/main" xmlns:r="http://schemas.openxmlformats.org/officeDocument/2006/relationships" xmlns:p="http://schemas.openxmlformats.org/presentationml/2006/main">
+  <p:cSld>
+    <p:spTree>
+      <p:nvGrpSpPr>
+        <p:cNvPr id="1" name=""/>
+        <p:cNvGrpSpPr/>
+        <p:nvPr/>
+      </p:nvGrpSpPr>
+      <p:grpSpPr>
+        <a:xfrm>
+          <a:off x="0" y="0"/>
+          <a:ext cx="0" cy="0"/>
+          <a:chOff x="0" y="0"/>
+          <a:chExt cx="0" cy="0"/>
+        </a:xfrm>
+      </p:grpSpPr>
+      <p:sp>
+        <p:nvSpPr>
+          <p:cNvPr id="7172" name="Rectangle 2"/>
+          <p:cNvSpPr>
+            <a:spLocks noGrp="1" noChangeArrowheads="1"/>
+          </p:cNvSpPr>
+          <p:nvPr>
+            <p:ph type="title"/>
+          </p:nvPr>
+        </p:nvSpPr>
+        <p:spPr/>
+        <p:txBody>
+          <a:bodyPr/>
+          <a:lstStyle/>
+          <a:p>
+            <a:pPr eaLnBrk="1" hangingPunct="1"/>
+            <a:r>
+              <a:rPr lang="en-US" sz="4400" smtClean="0">
+                <a:solidFill>
+                  <a:schemeClr val="tx1"/>
+                </a:solidFill>
+              </a:rPr>
+              <a:t>Chebyshev Bound</a:t>
+            </a:r>
+          </a:p>
+        </p:txBody>
+      </p:sp>
+      <p:graphicFrame>
+        <p:nvGraphicFramePr>
+          <p:cNvPr id="7" name="Object 2"/>
+          <p:cNvGraphicFramePr>
+            <a:graphicFrameLocks noChangeAspect="1"/>
+          </p:cNvGraphicFramePr>
+          <p:nvPr>
+            <p:extLst>
+              <p:ext uri="{D42A27DB-BD31-4B8C-83A1-F6EECF244321}">
+                <p14:modId xmlns:p14="http://schemas.microsoft.com/office/powerpoint/2010/main" val="1472166367"/>
+              </p:ext>
+            </p:extLst>
+          </p:nvPr>
+        </p:nvGraphicFramePr>
+        <p:xfrm>
+          <a:off x="1844675" y="3771900"/>
+          <a:ext cx="5464175" cy="1538288"/>
+        </p:xfrm>
+        <a:graphic>
+          <a:graphicData uri="http://schemas.openxmlformats.org/presentationml/2006/ole">
+            <mc:AlternateContent xmlns:mc="http://schemas.openxmlformats.org/markup-compatibility/2006">
+              <mc:Choice xmlns:v="urn:schemas-microsoft-com:vml" Requires="v">
+                <p:oleObj spid="_x0000_s506889" name="Equation" r:id="rId5" imgW="990600" imgH="279400" progId="Equation.DSMT4">
+                  <p:embed/>
+                </p:oleObj>
+              </mc:Choice>
+              <mc:Fallback>
+                <p:oleObj name="Equation" r:id="rId5" imgW="990600" imgH="279400" progId="Equation.DSMT4">
+                  <p:embed/>
+                  <p:pic>
+                    <p:nvPicPr>
+                      <p:cNvPr id="0" name=""/>
+                      <p:cNvPicPr>
+                        <a:picLocks noChangeAspect="1" noChangeArrowheads="1"/>
+                      </p:cNvPicPr>
+                      <p:nvPr/>
+                    </p:nvPicPr>
+                    <p:blipFill>
+                      <a:blip r:embed="rId6"/>
+                      <a:srcRect/>
+                      <a:stretch>
+                        <a:fillRect/>
+                      </a:stretch>
+                    </p:blipFill>
+                    <p:spPr bwMode="auto">
+                      <a:xfrm>
+                        <a:off x="1844675" y="3771900"/>
+                        <a:ext cx="5464175" cy="1538288"/>
+                      </a:xfrm>
+                      <a:prstGeom prst="rect">
+                        <a:avLst/>
+                      </a:prstGeom>
+                      <a:noFill/>
+                      <a:extLst>
+                        <a:ext uri="{909E8E84-426E-40dd-AFC4-6F175D3DCCD1}">
+                          <a14:hiddenFill xmlns:a14="http://schemas.microsoft.com/office/drawing/2010/main">
+                            <a:solidFill>
+                              <a:srgbClr val="FFFFFF"/>
+                            </a:solidFill>
+                          </a14:hiddenFill>
+                        </a:ext>
+                      </a:extLst>
+                    </p:spPr>
+                  </p:pic>
+                </p:oleObj>
+              </mc:Fallback>
+            </mc:AlternateContent>
+          </a:graphicData>
+        </a:graphic>
+      </p:graphicFrame>
+      <p:graphicFrame>
+        <p:nvGraphicFramePr>
+          <p:cNvPr id="6" name="Object 2"/>
+          <p:cNvGraphicFramePr>
+            <a:graphicFrameLocks noChangeAspect="1"/>
+          </p:cNvGraphicFramePr>
+          <p:nvPr>
+            <p:extLst>
+              <p:ext uri="{D42A27DB-BD31-4B8C-83A1-F6EECF244321}">
+                <p14:modId xmlns:p14="http://schemas.microsoft.com/office/powerpoint/2010/main" val="2481773670"/>
+              </p:ext>
+            </p:extLst>
+          </p:nvPr>
+        </p:nvGraphicFramePr>
+        <p:xfrm>
+          <a:off x="330200" y="1069975"/>
+          <a:ext cx="7227888" cy="2338388"/>
+        </p:xfrm>
+        <a:graphic>
+          <a:graphicData uri="http://schemas.openxmlformats.org/presentationml/2006/ole">
+            <mc:AlternateContent xmlns:mc="http://schemas.openxmlformats.org/markup-compatibility/2006">
+              <mc:Choice xmlns:v="urn:schemas-microsoft-com:vml" Requires="v">
+                <p:oleObj spid="_x0000_s506890" name="Equation" r:id="rId7" imgW="1460500" imgH="431800" progId="Equation.DSMT4">
+                  <p:embed/>
+                </p:oleObj>
+              </mc:Choice>
+              <mc:Fallback>
+                <p:oleObj name="Equation" r:id="rId7" imgW="1460500" imgH="431800" progId="Equation.DSMT4">
+                  <p:embed/>
+                  <p:pic>
+                    <p:nvPicPr>
+                      <p:cNvPr id="0" name=""/>
+                      <p:cNvPicPr>
+                        <a:picLocks noChangeAspect="1" noChangeArrowheads="1"/>
+                      </p:cNvPicPr>
+                      <p:nvPr/>
+                    </p:nvPicPr>
+                    <p:blipFill>
+                      <a:blip r:embed="rId8"/>
+                      <a:srcRect/>
+                      <a:stretch>
+                        <a:fillRect/>
+                      </a:stretch>
+                    </p:blipFill>
+                    <p:spPr bwMode="auto">
+                      <a:xfrm>
+                        <a:off x="330200" y="1069975"/>
+                        <a:ext cx="7227888" cy="2338388"/>
+                      </a:xfrm>
+                      <a:prstGeom prst="rect">
+                        <a:avLst/>
+                      </a:prstGeom>
+                      <a:noFill/>
+                      <a:ln>
+                        <a:noFill/>
+                      </a:ln>
+                      <a:extLst>
+                        <a:ext uri="{909E8E84-426E-40dd-AFC4-6F175D3DCCD1}">
+                          <a14:hiddenFill xmlns:a14="http://schemas.microsoft.com/office/drawing/2010/main">
+                            <a:solidFill>
+                              <a:srgbClr val="FFFFFF"/>
+                            </a:solidFill>
+                          </a14:hiddenFill>
+                        </a:ext>
+                        <a:ext uri="{91240B29-F687-4f45-9708-019B960494DF}">
+                          <a14:hiddenLine xmlns:a14="http://schemas.microsoft.com/office/drawing/2010/main" w="41275">
+                            <a:solidFill>
+                              <a:srgbClr val="FF00FF"/>
+                            </a:solidFill>
+                            <a:prstDash val="sysDot"/>
+                            <a:miter lim="800000"/>
+                            <a:headEnd/>
+                            <a:tailEnd/>
+                          </a14:hiddenLine>
+                        </a:ext>
+                      </a:extLst>
+                    </p:spPr>
+                  </p:pic>
+                </p:oleObj>
+              </mc:Fallback>
+            </mc:AlternateContent>
+          </a:graphicData>
+        </a:graphic>
+      </p:graphicFrame>
+    </p:spTree>
+    <p:custDataLst>
+      <p:tags r:id="rId2"/>
+    </p:custDataLst>
+    <p:extLst>
+      <p:ext uri="{BB962C8B-B14F-4D97-AF65-F5344CB8AC3E}">
+        <p14:creationId xmlns:p14="http://schemas.microsoft.com/office/powerpoint/2010/main" val="2352684966"/>
+      </p:ext>
+    </p:extLst>
+  </p:cSld>
+  <p:clrMapOvr>
+    <a:masterClrMapping/>
+  </p:clrMapOvr>
+  <p:transition xmlns:p14="http://schemas.microsoft.com/office/powerpoint/2010/main" spd="slow" advClick="0">
+    <p:fade thruBlk="1"/>
+  </p:transition>
+  <p:timing>
+    <p:tnLst>
+      <p:par>
+        <p:cTn xmlns:p14="http://schemas.microsoft.com/office/powerpoint/2010/main" id="1" dur="indefinite" restart="never" nodeType="tmRoot"/>
+      </p:par>
+    </p:tnLst>
   </p:timing>
 </p:sld>
 </file>
 
 <file path=ppt/slides/slide8.xml><?xml version="1.0" encoding="utf-8"?>
+<p:sld xmlns:a="http://schemas.openxmlformats.org/drawingml/2006/main" xmlns:r="http://schemas.openxmlformats.org/officeDocument/2006/relationships" xmlns:p="http://schemas.openxmlformats.org/presentationml/2006/main">
+  <p:cSld>
+    <p:spTree>
+      <p:nvGrpSpPr>
+        <p:cNvPr id="1" name=""/>
+        <p:cNvGrpSpPr/>
+        <p:nvPr/>
+      </p:nvGrpSpPr>
+      <p:grpSpPr>
+        <a:xfrm>
+          <a:off x="0" y="0"/>
+          <a:ext cx="0" cy="0"/>
+          <a:chOff x="0" y="0"/>
+          <a:chExt cx="0" cy="0"/>
+        </a:xfrm>
+      </p:grpSpPr>
+      <p:graphicFrame>
+        <p:nvGraphicFramePr>
+          <p:cNvPr id="7170" name="Object 2"/>
+          <p:cNvGraphicFramePr>
+            <a:graphicFrameLocks noChangeAspect="1"/>
+          </p:cNvGraphicFramePr>
+          <p:nvPr>
+            <p:extLst>
+              <p:ext uri="{D42A27DB-BD31-4B8C-83A1-F6EECF244321}">
+                <p14:modId xmlns:p14="http://schemas.microsoft.com/office/powerpoint/2010/main" val="3844136160"/>
+              </p:ext>
+            </p:extLst>
+          </p:nvPr>
+        </p:nvGraphicFramePr>
+        <p:xfrm>
+          <a:off x="366713" y="1128713"/>
+          <a:ext cx="7918450" cy="2270125"/>
+        </p:xfrm>
+        <a:graphic>
+          <a:graphicData uri="http://schemas.openxmlformats.org/presentationml/2006/ole">
+            <mc:AlternateContent xmlns:mc="http://schemas.openxmlformats.org/markup-compatibility/2006">
+              <mc:Choice xmlns:v="urn:schemas-microsoft-com:vml" Requires="v">
+                <p:oleObj spid="_x0000_s507915" name="Equation" r:id="rId5" imgW="1600200" imgH="419100" progId="Equation.DSMT4">
+                  <p:embed/>
+                </p:oleObj>
+              </mc:Choice>
+              <mc:Fallback>
+                <p:oleObj name="Equation" r:id="rId5" imgW="1600200" imgH="419100" progId="Equation.DSMT4">
+                  <p:embed/>
+                  <p:pic>
+                    <p:nvPicPr>
+                      <p:cNvPr id="0" name=""/>
+                      <p:cNvPicPr>
+                        <a:picLocks noChangeAspect="1" noChangeArrowheads="1"/>
+                      </p:cNvPicPr>
+                      <p:nvPr/>
+                    </p:nvPicPr>
+                    <p:blipFill>
+                      <a:blip r:embed="rId6"/>
+                      <a:srcRect/>
+                      <a:stretch>
+                        <a:fillRect/>
+                      </a:stretch>
+                    </p:blipFill>
+                    <p:spPr bwMode="auto">
+                      <a:xfrm>
+                        <a:off x="366713" y="1128713"/>
+                        <a:ext cx="7918450" cy="2270125"/>
+                      </a:xfrm>
+                      <a:prstGeom prst="rect">
+                        <a:avLst/>
+                      </a:prstGeom>
+                      <a:noFill/>
+                      <a:ln>
+                        <a:noFill/>
+                      </a:ln>
+                      <a:extLst>
+                        <a:ext uri="{909E8E84-426E-40dd-AFC4-6F175D3DCCD1}">
+                          <a14:hiddenFill xmlns:a14="http://schemas.microsoft.com/office/drawing/2010/main">
+                            <a:solidFill>
+                              <a:srgbClr val="FFFFFF"/>
+                            </a:solidFill>
+                          </a14:hiddenFill>
+                        </a:ext>
+                        <a:ext uri="{91240B29-F687-4f45-9708-019B960494DF}">
+                          <a14:hiddenLine xmlns:a14="http://schemas.microsoft.com/office/drawing/2010/main" w="41275">
+                            <a:solidFill>
+                              <a:srgbClr val="FF00FF"/>
+                            </a:solidFill>
+                            <a:prstDash val="sysDot"/>
+                            <a:miter lim="800000"/>
+                            <a:headEnd/>
+                            <a:tailEnd/>
+                          </a14:hiddenLine>
+                        </a:ext>
+                      </a:extLst>
+                    </p:spPr>
+                  </p:pic>
+                </p:oleObj>
+              </mc:Fallback>
+            </mc:AlternateContent>
+          </a:graphicData>
+        </a:graphic>
+      </p:graphicFrame>
+      <p:graphicFrame>
+        <p:nvGraphicFramePr>
+          <p:cNvPr id="7" name="Object 2"/>
+          <p:cNvGraphicFramePr>
+            <a:graphicFrameLocks noChangeAspect="1"/>
+          </p:cNvGraphicFramePr>
+          <p:nvPr>
+            <p:extLst>
+              <p:ext uri="{D42A27DB-BD31-4B8C-83A1-F6EECF244321}">
+                <p14:modId xmlns:p14="http://schemas.microsoft.com/office/powerpoint/2010/main" val="3783457963"/>
+              </p:ext>
+            </p:extLst>
+          </p:nvPr>
+        </p:nvGraphicFramePr>
+        <p:xfrm>
+          <a:off x="1844675" y="3771900"/>
+          <a:ext cx="5464175" cy="1538288"/>
+        </p:xfrm>
+        <a:graphic>
+          <a:graphicData uri="http://schemas.openxmlformats.org/presentationml/2006/ole">
+            <mc:AlternateContent xmlns:mc="http://schemas.openxmlformats.org/markup-compatibility/2006">
+              <mc:Choice xmlns:v="urn:schemas-microsoft-com:vml" Requires="v">
+                <p:oleObj spid="_x0000_s507916" name="Equation" r:id="rId7" imgW="990600" imgH="279400" progId="Equation.DSMT4">
+                  <p:embed/>
+                </p:oleObj>
+              </mc:Choice>
+              <mc:Fallback>
+                <p:oleObj name="Equation" r:id="rId7" imgW="990600" imgH="279400" progId="Equation.DSMT4">
+                  <p:embed/>
+                  <p:pic>
+                    <p:nvPicPr>
+                      <p:cNvPr id="0" name=""/>
+                      <p:cNvPicPr>
+                        <a:picLocks noChangeAspect="1" noChangeArrowheads="1"/>
+                      </p:cNvPicPr>
+                      <p:nvPr/>
+                    </p:nvPicPr>
+                    <p:blipFill>
+                      <a:blip r:embed="rId8"/>
+                      <a:srcRect/>
+                      <a:stretch>
+                        <a:fillRect/>
+                      </a:stretch>
+                    </p:blipFill>
+                    <p:spPr bwMode="auto">
+                      <a:xfrm>
+                        <a:off x="1844675" y="3771900"/>
+                        <a:ext cx="5464175" cy="1538288"/>
+                      </a:xfrm>
+                      <a:prstGeom prst="rect">
+                        <a:avLst/>
+                      </a:prstGeom>
+                      <a:noFill/>
+                      <a:extLst>
+                        <a:ext uri="{909E8E84-426E-40dd-AFC4-6F175D3DCCD1}">
+                          <a14:hiddenFill xmlns:a14="http://schemas.microsoft.com/office/drawing/2010/main">
+                            <a:solidFill>
+                              <a:srgbClr val="FFFFFF"/>
+                            </a:solidFill>
+                          </a14:hiddenFill>
+                        </a:ext>
+                      </a:extLst>
+                    </p:spPr>
+                  </p:pic>
+                </p:oleObj>
+              </mc:Fallback>
+            </mc:AlternateContent>
+          </a:graphicData>
+        </a:graphic>
+      </p:graphicFrame>
+      <p:sp>
+        <p:nvSpPr>
+          <p:cNvPr id="6" name="Rectangle 2"/>
+          <p:cNvSpPr>
+            <a:spLocks noGrp="1" noChangeArrowheads="1"/>
+          </p:cNvSpPr>
+          <p:nvPr>
+            <p:ph type="title"/>
+          </p:nvPr>
+        </p:nvSpPr>
+        <p:spPr>
+          <a:xfrm>
+            <a:off x="1341438" y="98425"/>
+            <a:ext cx="7688262" cy="1057275"/>
+          </a:xfrm>
+        </p:spPr>
+        <p:txBody>
+          <a:bodyPr/>
+          <a:lstStyle/>
+          <a:p>
+            <a:pPr eaLnBrk="1" hangingPunct="1"/>
+            <a:r>
+              <a:rPr lang="en-US" sz="4000" dirty="0" err="1" smtClean="0"/>
+              <a:t>Chebyshev</a:t>
+            </a:r>
+            <a:r>
+              <a:rPr lang="en-US" sz="4000" dirty="0" smtClean="0"/>
+              <a:t> Bound </a:t>
+            </a:r>
+            <a:r>
+              <a:rPr lang="en-US" sz="4000" dirty="0" smtClean="0"/>
+              <a:t>(Restated)</a:t>
+            </a:r>
+            <a:endParaRPr lang="en-US" sz="4000" dirty="0" smtClean="0"/>
+          </a:p>
+        </p:txBody>
+      </p:sp>
+      <p:sp>
+        <p:nvSpPr>
+          <p:cNvPr id="8" name="Rectangle 7"/>
+          <p:cNvSpPr/>
+          <p:nvPr/>
+        </p:nvSpPr>
+        <p:spPr bwMode="auto">
+          <a:xfrm>
+            <a:off x="342900" y="1308100"/>
+            <a:ext cx="8001000" cy="2171700"/>
+          </a:xfrm>
+          <a:prstGeom prst="rect">
+            <a:avLst/>
+          </a:prstGeom>
+          <a:noFill/>
+          <a:ln w="41275" algn="ctr">
+            <a:solidFill>
+              <a:srgbClr val="FF00FF"/>
+            </a:solidFill>
+            <a:prstDash val="sysDash"/>
+            <a:miter lim="800000"/>
+            <a:headEnd/>
+            <a:tailEnd/>
+          </a:ln>
+        </p:spPr>
+        <p:txBody>
+          <a:bodyPr wrap="none" rtlCol="0" anchor="ctr"/>
+          <a:lstStyle/>
+          <a:p>
+            <a:pPr algn="ctr"/>
+            <a:endParaRPr lang="en-US"/>
+          </a:p>
+        </p:txBody>
+      </p:sp>
+    </p:spTree>
+    <p:custDataLst>
+      <p:tags r:id="rId2"/>
+    </p:custDataLst>
+    <p:extLst>
+      <p:ext uri="{BB962C8B-B14F-4D97-AF65-F5344CB8AC3E}">
+        <p14:creationId xmlns:p14="http://schemas.microsoft.com/office/powerpoint/2010/main" val="4240363593"/>
+      </p:ext>
+    </p:extLst>
+  </p:cSld>
+  <p:clrMapOvr>
+    <a:masterClrMapping/>
+  </p:clrMapOvr>
+  <mc:AlternateContent xmlns:mc="http://schemas.openxmlformats.org/markup-compatibility/2006">
+    <mc:Choice xmlns:p14="http://schemas.microsoft.com/office/powerpoint/2010/main" Requires="p14">
+      <p:transition spd="med" p14:dur="600" advClick="0">
+        <p:fade/>
+      </p:transition>
+    </mc:Choice>
+    <mc:Fallback>
+      <p:transition xmlns:p14="http://schemas.microsoft.com/office/powerpoint/2010/main" spd="med" advClick="0">
+        <p:fade/>
+      </p:transition>
+    </mc:Fallback>
+  </mc:AlternateContent>
+  <p:timing>
+    <p:tnLst>
+      <p:par>
+        <p:cTn xmlns:p14="http://schemas.microsoft.com/office/powerpoint/2010/main" id="1" dur="indefinite" restart="never" nodeType="tmRoot">
+          <p:childTnLst>
+            <p:seq concurrent="1" nextAc="seek">
+              <p:cTn id="2" dur="indefinite" nodeType="mainSeq">
+                <p:childTnLst>
+                  <p:par>
+                    <p:cTn id="3" fill="hold">
+                      <p:stCondLst>
+                        <p:cond delay="indefinite"/>
+                      </p:stCondLst>
+                      <p:childTnLst>
+                        <p:par>
+                          <p:cTn id="4" fill="hold">
+                            <p:stCondLst>
+                              <p:cond delay="0"/>
+                            </p:stCondLst>
+                            <p:childTnLst>
+                              <p:par>
+                                <p:cTn id="5" presetID="10" presetClass="entr" presetSubtype="0" fill="hold" grpId="0" nodeType="clickEffect">
+                                  <p:stCondLst>
+                                    <p:cond delay="0"/>
+                                  </p:stCondLst>
+                                  <p:childTnLst>
+                                    <p:set>
+                                      <p:cBhvr>
+                                        <p:cTn id="6" dur="1" fill="hold">
+                                          <p:stCondLst>
+                                            <p:cond delay="0"/>
+                                          </p:stCondLst>
+                                        </p:cTn>
+                                        <p:tgtEl>
+                                          <p:spTgt spid="8"/>
+                                        </p:tgtEl>
+                                        <p:attrNameLst>
+                                          <p:attrName>style.visibility</p:attrName>
+                                        </p:attrNameLst>
+                                      </p:cBhvr>
+                                      <p:to>
+                                        <p:strVal val="visible"/>
+                                      </p:to>
+                                    </p:set>
+                                    <p:animEffect transition="in" filter="fade">
+                                      <p:cBhvr>
+                                        <p:cTn id="7" dur="500"/>
+                                        <p:tgtEl>
+                                          <p:spTgt spid="8"/>
+                                        </p:tgtEl>
+                                      </p:cBhvr>
+                                    </p:animEffect>
+                                  </p:childTnLst>
+                                </p:cTn>
+                              </p:par>
+                            </p:childTnLst>
+                          </p:cTn>
+                        </p:par>
+                      </p:childTnLst>
+                    </p:cTn>
+                  </p:par>
+                </p:childTnLst>
+              </p:cTn>
+              <p:prevCondLst>
+                <p:cond evt="onPrev" delay="0">
+                  <p:tgtEl>
+                    <p:sldTgt/>
+                  </p:tgtEl>
+                </p:cond>
+              </p:prevCondLst>
+              <p:nextCondLst>
+                <p:cond evt="onNext" delay="0">
+                  <p:tgtEl>
+                    <p:sldTgt/>
+                  </p:tgtEl>
+                </p:cond>
+              </p:nextCondLst>
+            </p:seq>
+          </p:childTnLst>
+        </p:cTn>
+      </p:par>
+    </p:tnLst>
+    <p:bldLst>
+      <p:bldP spid="8" grpId="0" animBg="1"/>
+    </p:bldLst>
+  </p:timing>
+</p:sld>
+</file>
+
+<file path=ppt/slides/slide9.xml><?xml version="1.0" encoding="utf-8"?>
 <p:sld xmlns:a="http://schemas.openxmlformats.org/drawingml/2006/main" xmlns:r="http://schemas.openxmlformats.org/officeDocument/2006/relationships" xmlns:p="http://schemas.openxmlformats.org/presentationml/2006/main">
   <p:cSld>
     <p:spTree>
@@ -7538,25 +11116,25 @@
           <p:nvPr>
             <p:extLst>
               <p:ext uri="{D42A27DB-BD31-4B8C-83A1-F6EECF244321}">
-                <p14:modId xmlns:p14="http://schemas.microsoft.com/office/powerpoint/2010/main" val="459298969"/>
+                <p14:modId xmlns:p14="http://schemas.microsoft.com/office/powerpoint/2010/main" val="1382466424"/>
               </p:ext>
             </p:extLst>
           </p:nvPr>
         </p:nvGraphicFramePr>
         <p:xfrm>
-          <a:off x="1014413" y="1003299"/>
-          <a:ext cx="7062787" cy="2062584"/>
+          <a:off x="858838" y="431800"/>
+          <a:ext cx="7375525" cy="2062163"/>
         </p:xfrm>
         <a:graphic>
           <a:graphicData uri="http://schemas.openxmlformats.org/presentationml/2006/ole">
             <mc:AlternateContent xmlns:mc="http://schemas.openxmlformats.org/markup-compatibility/2006">
               <mc:Choice xmlns:v="urn:schemas-microsoft-com:vml" Requires="v">
-                <p:oleObj spid="_x0000_s500740" name="Equation" r:id="rId5" imgW="1435100" imgH="419100" progId="Equation.DSMT4">
+                <p:oleObj spid="_x0000_s500745" name="Equation" r:id="rId5" imgW="1498600" imgH="419100" progId="Equation.DSMT4">
                   <p:embed/>
                 </p:oleObj>
               </mc:Choice>
               <mc:Fallback>
-                <p:oleObj name="Equation" r:id="rId5" imgW="1435100" imgH="419100" progId="Equation.DSMT4">
+                <p:oleObj name="Equation" r:id="rId5" imgW="1498600" imgH="419100" progId="Equation.DSMT4">
                   <p:embed/>
                   <p:pic>
                     <p:nvPicPr>
@@ -7572,8 +11150,8 @@
                     </p:blipFill>
                     <p:spPr>
                       <a:xfrm>
-                        <a:off x="1014413" y="1003299"/>
-                        <a:ext cx="7062787" cy="2062584"/>
+                        <a:off x="858838" y="431800"/>
+                        <a:ext cx="7375525" cy="2062163"/>
                       </a:xfrm>
                       <a:prstGeom prst="rect">
                         <a:avLst/>
@@ -7598,7 +11176,7 @@
         </p:nvSpPr>
         <p:spPr>
           <a:xfrm>
-            <a:off x="381049" y="3107410"/>
+            <a:off x="381049" y="2447010"/>
             <a:ext cx="8433790" cy="3320297"/>
           </a:xfrm>
         </p:spPr>
@@ -7932,41 +11510,7 @@
       </p:sp>
       <p:sp>
         <p:nvSpPr>
-          <p:cNvPr id="3" name="Rectangle 2"/>
-          <p:cNvSpPr/>
-          <p:nvPr/>
-        </p:nvSpPr>
-        <p:spPr bwMode="auto">
-          <a:xfrm>
-            <a:off x="990600" y="1079500"/>
-            <a:ext cx="7099300" cy="2006600"/>
-          </a:xfrm>
-          <a:prstGeom prst="rect">
-            <a:avLst/>
-          </a:prstGeom>
-          <a:noFill/>
-          <a:ln w="41275" algn="ctr">
-            <a:solidFill>
-              <a:srgbClr val="FF00FF"/>
-            </a:solidFill>
-            <a:prstDash val="sysDash"/>
-            <a:miter lim="800000"/>
-            <a:headEnd/>
-            <a:tailEnd/>
-          </a:ln>
-        </p:spPr>
-        <p:txBody>
-          <a:bodyPr wrap="none" rtlCol="0" anchor="ctr"/>
-          <a:lstStyle/>
-          <a:p>
-            <a:pPr algn="ctr"/>
-            <a:endParaRPr lang="en-US"/>
-          </a:p>
-        </p:txBody>
-      </p:sp>
-      <p:sp>
-        <p:nvSpPr>
-          <p:cNvPr id="8" name="Rectangle 2"/>
+          <p:cNvPr id="10" name="Rectangle 2"/>
           <p:cNvSpPr>
             <a:spLocks noGrp="1" noChangeArrowheads="1"/>
           </p:cNvSpPr>
@@ -7976,28 +11520,24 @@
         </p:nvSpPr>
         <p:spPr>
           <a:xfrm>
-            <a:off x="1341438" y="98425"/>
-            <a:ext cx="7688262" cy="1057275"/>
+            <a:off x="1917700" y="0"/>
+            <a:ext cx="5905500" cy="1206500"/>
           </a:xfrm>
         </p:spPr>
         <p:txBody>
           <a:bodyPr/>
           <a:lstStyle/>
           <a:p>
-            <a:pPr eaLnBrk="1" hangingPunct="1"/>
-            <a:r>
-              <a:rPr lang="en-US" sz="4000" dirty="0" err="1" smtClean="0"/>
-              <a:t>Chebyshev</a:t>
-            </a:r>
-            <a:r>
-              <a:rPr lang="en-US" sz="4000" dirty="0" smtClean="0"/>
-              <a:t> Bound </a:t>
-            </a:r>
-            <a:r>
-              <a:rPr lang="en-US" sz="4000" dirty="0" smtClean="0"/>
-              <a:t>(Restated)</a:t>
-            </a:r>
-            <a:endParaRPr lang="en-US" sz="4000" dirty="0" smtClean="0"/>
+            <a:pPr marL="342900" indent="-342900"/>
+            <a:r>
+              <a:rPr lang="en-US" sz="4000" dirty="0" smtClean="0">
+                <a:latin typeface="Comic Sans MS" pitchFamily="66" charset="0"/>
+              </a:rPr>
+              <a:t>Standard Deviation</a:t>
+            </a:r>
+            <a:endParaRPr lang="en-US" sz="4000" dirty="0">
+              <a:latin typeface="Comic Sans MS" pitchFamily="66" charset="0"/>
+            </a:endParaRPr>
           </a:p>
         </p:txBody>
       </p:sp>
@@ -8014,9 +11554,18 @@
   <p:clrMapOvr>
     <a:masterClrMapping/>
   </p:clrMapOvr>
-  <p:transition xmlns:p14="http://schemas.microsoft.com/office/powerpoint/2010/main" spd="slow" advClick="0">
-    <p:fade/>
-  </p:transition>
+  <mc:AlternateContent xmlns:mc="http://schemas.openxmlformats.org/markup-compatibility/2006">
+    <mc:Choice xmlns:p14="http://schemas.microsoft.com/office/powerpoint/2010/main" Requires="p14">
+      <p:transition spd="med" p14:dur="700" advClick="0">
+        <p:fade/>
+      </p:transition>
+    </mc:Choice>
+    <mc:Fallback>
+      <p:transition xmlns:p14="http://schemas.microsoft.com/office/powerpoint/2010/main" spd="med" advClick="0">
+        <p:fade/>
+      </p:transition>
+    </mc:Fallback>
+  </mc:AlternateContent>
   <p:timing>
     <p:tnLst>
       <p:par>
@@ -8038,7 +11587,7 @@
                             </p:stCondLst>
                             <p:childTnLst>
                               <p:par>
-                                <p:cTn id="5" presetID="22" presetClass="entr" presetSubtype="8" fill="hold" nodeType="clickEffect">
+                                <p:cTn id="5" presetID="10" presetClass="entr" presetSubtype="0" fill="hold" grpId="0" nodeType="clickEffect">
                                   <p:stCondLst>
                                     <p:cond delay="0"/>
                                   </p:stCondLst>
@@ -8051,7 +11600,11 @@
                                           </p:stCondLst>
                                         </p:cTn>
                                         <p:tgtEl>
-                                          <p:spTgt spid="2"/>
+                                          <p:spTgt spid="726019">
+                                            <p:txEl>
+                                              <p:pRg st="1" end="1"/>
+                                            </p:txEl>
+                                          </p:spTgt>
                                         </p:tgtEl>
                                         <p:attrNameLst>
                                           <p:attrName>style.visibility</p:attrName>
@@ -8061,11 +11614,15 @@
                                         <p:strVal val="visible"/>
                                       </p:to>
                                     </p:set>
-                                    <p:animEffect transition="in" filter="wipe(left)">
+                                    <p:animEffect transition="in" filter="fade">
                                       <p:cBhvr>
                                         <p:cTn id="7" dur="1000"/>
                                         <p:tgtEl>
-                                          <p:spTgt spid="2"/>
+                                          <p:spTgt spid="726019">
+                                            <p:txEl>
+                                              <p:pRg st="1" end="1"/>
+                                            </p:txEl>
+                                          </p:spTgt>
                                         </p:tgtEl>
                                       </p:cBhvr>
                                     </p:animEffect>
@@ -8104,7 +11661,11 @@
                                           </p:stCondLst>
                                         </p:cTn>
                                         <p:tgtEl>
-                                          <p:spTgt spid="3"/>
+                                          <p:spTgt spid="726019">
+                                            <p:txEl>
+                                              <p:pRg st="2" end="2"/>
+                                            </p:txEl>
+                                          </p:spTgt>
                                         </p:tgtEl>
                                         <p:attrNameLst>
                                           <p:attrName>style.visibility</p:attrName>
@@ -8116,9 +11677,13 @@
                                     </p:set>
                                     <p:animEffect transition="in" filter="fade">
                                       <p:cBhvr>
-                                        <p:cTn id="12" dur="500"/>
+                                        <p:cTn id="12" dur="1000"/>
                                         <p:tgtEl>
-                                          <p:spTgt spid="3"/>
+                                          <p:spTgt spid="726019">
+                                            <p:txEl>
+                                              <p:pRg st="2" end="2"/>
+                                            </p:txEl>
+                                          </p:spTgt>
                                         </p:tgtEl>
                                       </p:cBhvr>
                                     </p:animEffect>
@@ -8159,7 +11724,7 @@
                                         <p:tgtEl>
                                           <p:spTgt spid="726019">
                                             <p:txEl>
-                                              <p:pRg st="0" end="0"/>
+                                              <p:pRg st="3" end="3"/>
                                             </p:txEl>
                                           </p:spTgt>
                                         </p:tgtEl>
@@ -8173,11 +11738,11 @@
                                     </p:set>
                                     <p:animEffect transition="in" filter="fade">
                                       <p:cBhvr>
-                                        <p:cTn id="17" dur="500"/>
+                                        <p:cTn id="17" dur="1000"/>
                                         <p:tgtEl>
                                           <p:spTgt spid="726019">
                                             <p:txEl>
-                                              <p:pRg st="0" end="0"/>
+                                              <p:pRg st="3" end="3"/>
                                             </p:txEl>
                                           </p:spTgt>
                                         </p:tgtEl>
@@ -8220,189 +11785,6 @@
                                         <p:tgtEl>
                                           <p:spTgt spid="726019">
                                             <p:txEl>
-                                              <p:pRg st="1" end="1"/>
-                                            </p:txEl>
-                                          </p:spTgt>
-                                        </p:tgtEl>
-                                        <p:attrNameLst>
-                                          <p:attrName>style.visibility</p:attrName>
-                                        </p:attrNameLst>
-                                      </p:cBhvr>
-                                      <p:to>
-                                        <p:strVal val="visible"/>
-                                      </p:to>
-                                    </p:set>
-                                    <p:animEffect transition="in" filter="fade">
-                                      <p:cBhvr>
-                                        <p:cTn id="22" dur="500"/>
-                                        <p:tgtEl>
-                                          <p:spTgt spid="726019">
-                                            <p:txEl>
-                                              <p:pRg st="1" end="1"/>
-                                            </p:txEl>
-                                          </p:spTgt>
-                                        </p:tgtEl>
-                                      </p:cBhvr>
-                                    </p:animEffect>
-                                  </p:childTnLst>
-                                </p:cTn>
-                              </p:par>
-                            </p:childTnLst>
-                          </p:cTn>
-                        </p:par>
-                      </p:childTnLst>
-                    </p:cTn>
-                  </p:par>
-                  <p:par>
-                    <p:cTn id="23" fill="hold">
-                      <p:stCondLst>
-                        <p:cond delay="indefinite"/>
-                      </p:stCondLst>
-                      <p:childTnLst>
-                        <p:par>
-                          <p:cTn id="24" fill="hold">
-                            <p:stCondLst>
-                              <p:cond delay="0"/>
-                            </p:stCondLst>
-                            <p:childTnLst>
-                              <p:par>
-                                <p:cTn id="25" presetID="10" presetClass="entr" presetSubtype="0" fill="hold" grpId="0" nodeType="clickEffect">
-                                  <p:stCondLst>
-                                    <p:cond delay="0"/>
-                                  </p:stCondLst>
-                                  <p:childTnLst>
-                                    <p:set>
-                                      <p:cBhvr>
-                                        <p:cTn id="26" dur="1" fill="hold">
-                                          <p:stCondLst>
-                                            <p:cond delay="0"/>
-                                          </p:stCondLst>
-                                        </p:cTn>
-                                        <p:tgtEl>
-                                          <p:spTgt spid="726019">
-                                            <p:txEl>
-                                              <p:pRg st="2" end="2"/>
-                                            </p:txEl>
-                                          </p:spTgt>
-                                        </p:tgtEl>
-                                        <p:attrNameLst>
-                                          <p:attrName>style.visibility</p:attrName>
-                                        </p:attrNameLst>
-                                      </p:cBhvr>
-                                      <p:to>
-                                        <p:strVal val="visible"/>
-                                      </p:to>
-                                    </p:set>
-                                    <p:animEffect transition="in" filter="fade">
-                                      <p:cBhvr>
-                                        <p:cTn id="27" dur="500"/>
-                                        <p:tgtEl>
-                                          <p:spTgt spid="726019">
-                                            <p:txEl>
-                                              <p:pRg st="2" end="2"/>
-                                            </p:txEl>
-                                          </p:spTgt>
-                                        </p:tgtEl>
-                                      </p:cBhvr>
-                                    </p:animEffect>
-                                  </p:childTnLst>
-                                </p:cTn>
-                              </p:par>
-                            </p:childTnLst>
-                          </p:cTn>
-                        </p:par>
-                      </p:childTnLst>
-                    </p:cTn>
-                  </p:par>
-                  <p:par>
-                    <p:cTn id="28" fill="hold">
-                      <p:stCondLst>
-                        <p:cond delay="indefinite"/>
-                      </p:stCondLst>
-                      <p:childTnLst>
-                        <p:par>
-                          <p:cTn id="29" fill="hold">
-                            <p:stCondLst>
-                              <p:cond delay="0"/>
-                            </p:stCondLst>
-                            <p:childTnLst>
-                              <p:par>
-                                <p:cTn id="30" presetID="10" presetClass="entr" presetSubtype="0" fill="hold" grpId="0" nodeType="clickEffect">
-                                  <p:stCondLst>
-                                    <p:cond delay="0"/>
-                                  </p:stCondLst>
-                                  <p:childTnLst>
-                                    <p:set>
-                                      <p:cBhvr>
-                                        <p:cTn id="31" dur="1" fill="hold">
-                                          <p:stCondLst>
-                                            <p:cond delay="0"/>
-                                          </p:stCondLst>
-                                        </p:cTn>
-                                        <p:tgtEl>
-                                          <p:spTgt spid="726019">
-                                            <p:txEl>
-                                              <p:pRg st="3" end="3"/>
-                                            </p:txEl>
-                                          </p:spTgt>
-                                        </p:tgtEl>
-                                        <p:attrNameLst>
-                                          <p:attrName>style.visibility</p:attrName>
-                                        </p:attrNameLst>
-                                      </p:cBhvr>
-                                      <p:to>
-                                        <p:strVal val="visible"/>
-                                      </p:to>
-                                    </p:set>
-                                    <p:animEffect transition="in" filter="fade">
-                                      <p:cBhvr>
-                                        <p:cTn id="32" dur="500"/>
-                                        <p:tgtEl>
-                                          <p:spTgt spid="726019">
-                                            <p:txEl>
-                                              <p:pRg st="3" end="3"/>
-                                            </p:txEl>
-                                          </p:spTgt>
-                                        </p:tgtEl>
-                                      </p:cBhvr>
-                                    </p:animEffect>
-                                  </p:childTnLst>
-                                </p:cTn>
-                              </p:par>
-                            </p:childTnLst>
-                          </p:cTn>
-                        </p:par>
-                      </p:childTnLst>
-                    </p:cTn>
-                  </p:par>
-                  <p:par>
-                    <p:cTn id="33" fill="hold">
-                      <p:stCondLst>
-                        <p:cond delay="indefinite"/>
-                      </p:stCondLst>
-                      <p:childTnLst>
-                        <p:par>
-                          <p:cTn id="34" fill="hold">
-                            <p:stCondLst>
-                              <p:cond delay="0"/>
-                            </p:stCondLst>
-                            <p:childTnLst>
-                              <p:par>
-                                <p:cTn id="35" presetID="10" presetClass="entr" presetSubtype="0" fill="hold" grpId="0" nodeType="clickEffect">
-                                  <p:stCondLst>
-                                    <p:cond delay="0"/>
-                                  </p:stCondLst>
-                                  <p:childTnLst>
-                                    <p:set>
-                                      <p:cBhvr>
-                                        <p:cTn id="36" dur="1" fill="hold">
-                                          <p:stCondLst>
-                                            <p:cond delay="0"/>
-                                          </p:stCondLst>
-                                        </p:cTn>
-                                        <p:tgtEl>
-                                          <p:spTgt spid="726019">
-                                            <p:txEl>
                                               <p:pRg st="4" end="4"/>
                                             </p:txEl>
                                           </p:spTgt>
@@ -8417,7 +11799,7 @@
                                     </p:set>
                                     <p:animEffect transition="in" filter="fade">
                                       <p:cBhvr>
-                                        <p:cTn id="37" dur="500"/>
+                                        <p:cTn id="22" dur="1000"/>
                                         <p:tgtEl>
                                           <p:spTgt spid="726019">
                                             <p:txEl>
@@ -8458,953 +11840,7 @@
       </p:par>
     </p:tnLst>
     <p:bldLst>
-      <p:bldP spid="726019" grpId="0" build="p"/>
-      <p:bldP spid="3" grpId="0" animBg="1"/>
-    </p:bldLst>
-  </p:timing>
-</p:sld>
-</file>
-
-<file path=ppt/slides/slide9.xml><?xml version="1.0" encoding="utf-8"?>
-<p:sld xmlns:a="http://schemas.openxmlformats.org/drawingml/2006/main" xmlns:r="http://schemas.openxmlformats.org/officeDocument/2006/relationships" xmlns:p="http://schemas.openxmlformats.org/presentationml/2006/main" show="0">
-  <p:cSld>
-    <p:spTree>
-      <p:nvGrpSpPr>
-        <p:cNvPr id="1" name=""/>
-        <p:cNvGrpSpPr/>
-        <p:nvPr/>
-      </p:nvGrpSpPr>
-      <p:grpSpPr>
-        <a:xfrm>
-          <a:off x="0" y="0"/>
-          <a:ext cx="0" cy="0"/>
-          <a:chOff x="0" y="0"/>
-          <a:chExt cx="0" cy="0"/>
-        </a:xfrm>
-      </p:grpSpPr>
-      <p:graphicFrame>
-        <p:nvGraphicFramePr>
-          <p:cNvPr id="2" name="Object 1"/>
-          <p:cNvGraphicFramePr>
-            <a:graphicFrameLocks noChangeAspect="1"/>
-          </p:cNvGraphicFramePr>
-          <p:nvPr>
-            <p:extLst>
-              <p:ext uri="{D42A27DB-BD31-4B8C-83A1-F6EECF244321}">
-                <p14:modId xmlns:p14="http://schemas.microsoft.com/office/powerpoint/2010/main" val="1513961805"/>
-              </p:ext>
-            </p:extLst>
-          </p:nvPr>
-        </p:nvGraphicFramePr>
-        <p:xfrm>
-          <a:off x="1014413" y="1003299"/>
-          <a:ext cx="7062787" cy="2062584"/>
-        </p:xfrm>
-        <a:graphic>
-          <a:graphicData uri="http://schemas.openxmlformats.org/presentationml/2006/ole">
-            <mc:AlternateContent xmlns:mc="http://schemas.openxmlformats.org/markup-compatibility/2006">
-              <mc:Choice xmlns:v="urn:schemas-microsoft-com:vml" Requires="v">
-                <p:oleObj spid="_x0000_s502786" name="Equation" r:id="rId5" imgW="1435100" imgH="419100" progId="Equation.DSMT4">
-                  <p:embed/>
-                </p:oleObj>
-              </mc:Choice>
-              <mc:Fallback>
-                <p:oleObj name="Equation" r:id="rId5" imgW="1435100" imgH="419100" progId="Equation.DSMT4">
-                  <p:embed/>
-                  <p:pic>
-                    <p:nvPicPr>
-                      <p:cNvPr id="0" name=""/>
-                      <p:cNvPicPr/>
-                      <p:nvPr/>
-                    </p:nvPicPr>
-                    <p:blipFill>
-                      <a:blip r:embed="rId6"/>
-                      <a:stretch>
-                        <a:fillRect/>
-                      </a:stretch>
-                    </p:blipFill>
-                    <p:spPr>
-                      <a:xfrm>
-                        <a:off x="1014413" y="1003299"/>
-                        <a:ext cx="7062787" cy="2062584"/>
-                      </a:xfrm>
-                      <a:prstGeom prst="rect">
-                        <a:avLst/>
-                      </a:prstGeom>
-                    </p:spPr>
-                  </p:pic>
-                </p:oleObj>
-              </mc:Fallback>
-            </mc:AlternateContent>
-          </a:graphicData>
-        </a:graphic>
-      </p:graphicFrame>
-      <p:sp>
-        <p:nvSpPr>
-          <p:cNvPr id="726019" name="Rectangle 3"/>
-          <p:cNvSpPr>
-            <a:spLocks noGrp="1" noChangeArrowheads="1"/>
-          </p:cNvSpPr>
-          <p:nvPr>
-            <p:ph type="body" idx="1"/>
-          </p:nvPr>
-        </p:nvSpPr>
-        <p:spPr>
-          <a:xfrm>
-            <a:off x="381049" y="3107410"/>
-            <a:ext cx="8433790" cy="3320297"/>
-          </a:xfrm>
-        </p:spPr>
-        <p:txBody>
-          <a:bodyPr/>
-          <a:lstStyle/>
-          <a:p>
-            <a:pPr eaLnBrk="1" hangingPunct="1">
-              <a:lnSpc>
-                <a:spcPct val="90000"/>
-              </a:lnSpc>
-              <a:buFontTx/>
-              <a:buNone/>
-            </a:pPr>
-            <a:r>
-              <a:rPr lang="en-US" sz="4400" dirty="0" smtClean="0">
-                <a:solidFill>
-                  <a:srgbClr val="0000FF"/>
-                </a:solidFill>
-                <a:cs typeface="Times New Roman" pitchFamily="18" charset="0"/>
-              </a:rPr>
-              <a:t>R</a:t>
-            </a:r>
-            <a:r>
-              <a:rPr lang="en-US" sz="4400" dirty="0" smtClean="0">
-                <a:cs typeface="Times New Roman" pitchFamily="18" charset="0"/>
-              </a:rPr>
-              <a:t> probably not many </a:t>
-            </a:r>
-            <a:r>
-              <a:rPr lang="el-GR" sz="4400" dirty="0" smtClean="0">
-                <a:solidFill>
-                  <a:srgbClr val="008000"/>
-                </a:solidFill>
-                <a:cs typeface="Times New Roman" pitchFamily="18" charset="0"/>
-              </a:rPr>
-              <a:t>σ</a:t>
-            </a:r>
-            <a:r>
-              <a:rPr lang="en-US" sz="4400" dirty="0" smtClean="0">
-                <a:cs typeface="Times New Roman" pitchFamily="18" charset="0"/>
-              </a:rPr>
-              <a:t>’s from </a:t>
-            </a:r>
-            <a:r>
-              <a:rPr lang="en-US" sz="4400" dirty="0" err="1" smtClean="0">
-                <a:solidFill>
-                  <a:srgbClr val="0000FF"/>
-                </a:solidFill>
-                <a:latin typeface="Symbol" pitchFamily="18" charset="2"/>
-                <a:cs typeface="Times New Roman" pitchFamily="18" charset="0"/>
-                <a:sym typeface="Symbol" pitchFamily="18" charset="2"/>
-              </a:rPr>
-              <a:t>μ</a:t>
-            </a:r>
-            <a:r>
-              <a:rPr lang="en-US" sz="4400" dirty="0" smtClean="0">
-                <a:latin typeface="Symbol" pitchFamily="18" charset="2"/>
-                <a:cs typeface="Times New Roman" pitchFamily="18" charset="0"/>
-                <a:sym typeface="Symbol" pitchFamily="18" charset="2"/>
-              </a:rPr>
-              <a:t>: </a:t>
-            </a:r>
-          </a:p>
-          <a:p>
-            <a:pPr eaLnBrk="1" hangingPunct="1">
-              <a:lnSpc>
-                <a:spcPct val="65000"/>
-              </a:lnSpc>
-              <a:buFontTx/>
-              <a:buNone/>
-            </a:pPr>
-            <a:r>
-              <a:rPr lang="en-US" sz="4800" dirty="0" smtClean="0">
-                <a:cs typeface="Times New Roman" pitchFamily="18" charset="0"/>
-              </a:rPr>
-              <a:t>further than</a:t>
-            </a:r>
-            <a:r>
-              <a:rPr lang="en-US" sz="4800" dirty="0" smtClean="0">
-                <a:solidFill>
-                  <a:schemeClr val="accent2"/>
-                </a:solidFill>
-                <a:cs typeface="Times New Roman" pitchFamily="18" charset="0"/>
-              </a:rPr>
-              <a:t>   </a:t>
-            </a:r>
-            <a:r>
-              <a:rPr lang="el-GR" sz="4800" dirty="0" smtClean="0">
-                <a:solidFill>
-                  <a:srgbClr val="008000"/>
-                </a:solidFill>
-                <a:cs typeface="Times New Roman" pitchFamily="18" charset="0"/>
-              </a:rPr>
-              <a:t>σ</a:t>
-            </a:r>
-            <a:r>
-              <a:rPr lang="en-US" sz="4800" dirty="0" smtClean="0">
-                <a:cs typeface="Times New Roman" pitchFamily="18" charset="0"/>
-              </a:rPr>
-              <a:t>     Pr </a:t>
-            </a:r>
-            <a:r>
-              <a:rPr lang="en-US" sz="4800" b="1" dirty="0" smtClean="0">
-                <a:latin typeface="Times New Roman" pitchFamily="18" charset="0"/>
-                <a:cs typeface="Times New Roman" pitchFamily="18" charset="0"/>
-              </a:rPr>
-              <a:t>≤</a:t>
-            </a:r>
-            <a:r>
-              <a:rPr lang="en-US" sz="4800" dirty="0" smtClean="0">
-                <a:cs typeface="Times New Roman" pitchFamily="18" charset="0"/>
-              </a:rPr>
-              <a:t> 1</a:t>
-            </a:r>
-          </a:p>
-          <a:p>
-            <a:pPr eaLnBrk="1" hangingPunct="1">
-              <a:lnSpc>
-                <a:spcPct val="65000"/>
-              </a:lnSpc>
-              <a:buFontTx/>
-              <a:buNone/>
-            </a:pPr>
-            <a:r>
-              <a:rPr lang="en-US" sz="4800" dirty="0" smtClean="0">
-                <a:cs typeface="Times New Roman" pitchFamily="18" charset="0"/>
-              </a:rPr>
-              <a:t>                     </a:t>
-            </a:r>
-            <a:r>
-              <a:rPr lang="en-US" sz="4800" dirty="0" smtClean="0">
-                <a:solidFill>
-                  <a:srgbClr val="FF5050"/>
-                </a:solidFill>
-                <a:cs typeface="Times New Roman" pitchFamily="18" charset="0"/>
-              </a:rPr>
-              <a:t>2</a:t>
-            </a:r>
-            <a:r>
-              <a:rPr lang="el-GR" sz="4800" dirty="0" smtClean="0">
-                <a:solidFill>
-                  <a:srgbClr val="008000"/>
-                </a:solidFill>
-                <a:cs typeface="Times New Roman" pitchFamily="18" charset="0"/>
-              </a:rPr>
-              <a:t>σ</a:t>
-            </a:r>
-            <a:r>
-              <a:rPr lang="en-US" sz="4800" dirty="0" smtClean="0">
-                <a:cs typeface="Times New Roman" pitchFamily="18" charset="0"/>
-              </a:rPr>
-              <a:t>     Pr </a:t>
-            </a:r>
-            <a:r>
-              <a:rPr lang="en-US" sz="4800" b="1" dirty="0" smtClean="0">
-                <a:latin typeface="Times New Roman" pitchFamily="18" charset="0"/>
-                <a:cs typeface="Times New Roman" pitchFamily="18" charset="0"/>
-              </a:rPr>
-              <a:t>≤</a:t>
-            </a:r>
-            <a:r>
-              <a:rPr lang="en-US" sz="4800" dirty="0" smtClean="0">
-                <a:solidFill>
-                  <a:srgbClr val="0000FF"/>
-                </a:solidFill>
-                <a:cs typeface="Times New Roman" pitchFamily="18" charset="0"/>
-              </a:rPr>
-              <a:t> 1/</a:t>
-            </a:r>
-            <a:r>
-              <a:rPr lang="en-US" sz="4800" dirty="0" smtClean="0">
-                <a:solidFill>
-                  <a:srgbClr val="FF5050"/>
-                </a:solidFill>
-                <a:cs typeface="Times New Roman" pitchFamily="18" charset="0"/>
-              </a:rPr>
-              <a:t>4</a:t>
-            </a:r>
-          </a:p>
-          <a:p>
-            <a:pPr eaLnBrk="1" hangingPunct="1">
-              <a:lnSpc>
-                <a:spcPct val="65000"/>
-              </a:lnSpc>
-              <a:buFontTx/>
-              <a:buNone/>
-            </a:pPr>
-            <a:r>
-              <a:rPr lang="en-US" sz="4800" dirty="0" smtClean="0">
-                <a:cs typeface="Times New Roman" pitchFamily="18" charset="0"/>
-              </a:rPr>
-              <a:t>                    </a:t>
-            </a:r>
-            <a:r>
-              <a:rPr lang="en-US" sz="4800" dirty="0" smtClean="0">
-                <a:solidFill>
-                  <a:srgbClr val="660066"/>
-                </a:solidFill>
-                <a:cs typeface="Times New Roman" pitchFamily="18" charset="0"/>
-              </a:rPr>
-              <a:t> 3</a:t>
-            </a:r>
-            <a:r>
-              <a:rPr lang="el-GR" sz="4800" dirty="0" smtClean="0">
-                <a:solidFill>
-                  <a:srgbClr val="008000"/>
-                </a:solidFill>
-                <a:cs typeface="Times New Roman" pitchFamily="18" charset="0"/>
-              </a:rPr>
-              <a:t>σ</a:t>
-            </a:r>
-            <a:r>
-              <a:rPr lang="en-US" sz="4800" dirty="0" smtClean="0">
-                <a:cs typeface="Times New Roman" pitchFamily="18" charset="0"/>
-              </a:rPr>
-              <a:t>     Pr </a:t>
-            </a:r>
-            <a:r>
-              <a:rPr lang="en-US" sz="4800" b="1" dirty="0" smtClean="0">
-                <a:latin typeface="Times New Roman" pitchFamily="18" charset="0"/>
-                <a:cs typeface="Times New Roman" pitchFamily="18" charset="0"/>
-              </a:rPr>
-              <a:t>≤</a:t>
-            </a:r>
-            <a:r>
-              <a:rPr lang="en-US" sz="4800" dirty="0" smtClean="0">
-                <a:solidFill>
-                  <a:srgbClr val="0000FF"/>
-                </a:solidFill>
-                <a:cs typeface="Times New Roman" pitchFamily="18" charset="0"/>
-              </a:rPr>
-              <a:t> </a:t>
-            </a:r>
-            <a:r>
-              <a:rPr lang="en-US" sz="4800" dirty="0" smtClean="0">
-                <a:solidFill>
-                  <a:srgbClr val="0033CC"/>
-                </a:solidFill>
-                <a:cs typeface="Times New Roman" pitchFamily="18" charset="0"/>
-              </a:rPr>
-              <a:t>1/</a:t>
-            </a:r>
-            <a:r>
-              <a:rPr lang="en-US" sz="4800" dirty="0" smtClean="0">
-                <a:solidFill>
-                  <a:srgbClr val="660066"/>
-                </a:solidFill>
-                <a:cs typeface="Times New Roman" pitchFamily="18" charset="0"/>
-              </a:rPr>
-              <a:t>9</a:t>
-            </a:r>
-          </a:p>
-          <a:p>
-            <a:pPr eaLnBrk="1" hangingPunct="1">
-              <a:lnSpc>
-                <a:spcPct val="65000"/>
-              </a:lnSpc>
-              <a:buFontTx/>
-              <a:buNone/>
-            </a:pPr>
-            <a:r>
-              <a:rPr lang="en-US" sz="4800" dirty="0" smtClean="0">
-                <a:solidFill>
-                  <a:srgbClr val="0000FF"/>
-                </a:solidFill>
-                <a:cs typeface="Times New Roman" pitchFamily="18" charset="0"/>
-              </a:rPr>
-              <a:t>			           </a:t>
-            </a:r>
-            <a:r>
-              <a:rPr lang="en-US" sz="4800" dirty="0" smtClean="0">
-                <a:solidFill>
-                  <a:srgbClr val="FF00FF"/>
-                </a:solidFill>
-                <a:cs typeface="Times New Roman" pitchFamily="18" charset="0"/>
-              </a:rPr>
-              <a:t>4</a:t>
-            </a:r>
-            <a:r>
-              <a:rPr lang="el-GR" sz="4800" dirty="0" smtClean="0">
-                <a:solidFill>
-                  <a:srgbClr val="008000"/>
-                </a:solidFill>
-                <a:cs typeface="Times New Roman" pitchFamily="18" charset="0"/>
-              </a:rPr>
-              <a:t>σ</a:t>
-            </a:r>
-            <a:r>
-              <a:rPr lang="en-US" sz="4800" dirty="0" smtClean="0">
-                <a:cs typeface="Times New Roman" pitchFamily="18" charset="0"/>
-              </a:rPr>
-              <a:t>     Pr </a:t>
-            </a:r>
-            <a:r>
-              <a:rPr lang="en-US" sz="4800" b="1" dirty="0" smtClean="0">
-                <a:latin typeface="Times New Roman" pitchFamily="18" charset="0"/>
-                <a:cs typeface="Times New Roman" pitchFamily="18" charset="0"/>
-              </a:rPr>
-              <a:t>≤</a:t>
-            </a:r>
-            <a:r>
-              <a:rPr lang="en-US" sz="4800" dirty="0" smtClean="0">
-                <a:solidFill>
-                  <a:schemeClr val="accent2"/>
-                </a:solidFill>
-                <a:cs typeface="Times New Roman" pitchFamily="18" charset="0"/>
-              </a:rPr>
-              <a:t> </a:t>
-            </a:r>
-            <a:r>
-              <a:rPr lang="en-US" sz="4800" dirty="0" smtClean="0">
-                <a:solidFill>
-                  <a:srgbClr val="0033CC"/>
-                </a:solidFill>
-                <a:cs typeface="Times New Roman" pitchFamily="18" charset="0"/>
-              </a:rPr>
-              <a:t>1/</a:t>
-            </a:r>
-            <a:r>
-              <a:rPr lang="en-US" sz="4800" dirty="0" smtClean="0">
-                <a:solidFill>
-                  <a:srgbClr val="FF00FF"/>
-                </a:solidFill>
-                <a:cs typeface="Times New Roman" pitchFamily="18" charset="0"/>
-              </a:rPr>
-              <a:t>16</a:t>
-            </a:r>
-          </a:p>
-        </p:txBody>
-      </p:sp>
-      <p:sp>
-        <p:nvSpPr>
-          <p:cNvPr id="3" name="Rectangle 2"/>
-          <p:cNvSpPr/>
-          <p:nvPr/>
-        </p:nvSpPr>
-        <p:spPr bwMode="auto">
-          <a:xfrm>
-            <a:off x="990600" y="1079500"/>
-            <a:ext cx="7099300" cy="2006600"/>
-          </a:xfrm>
-          <a:prstGeom prst="rect">
-            <a:avLst/>
-          </a:prstGeom>
-          <a:noFill/>
-          <a:ln w="41275" algn="ctr">
-            <a:solidFill>
-              <a:srgbClr val="FF00FF"/>
-            </a:solidFill>
-            <a:prstDash val="sysDash"/>
-            <a:miter lim="800000"/>
-            <a:headEnd/>
-            <a:tailEnd/>
-          </a:ln>
-        </p:spPr>
-        <p:txBody>
-          <a:bodyPr wrap="none" rtlCol="0" anchor="ctr"/>
-          <a:lstStyle/>
-          <a:p>
-            <a:pPr algn="ctr"/>
-            <a:endParaRPr lang="en-US"/>
-          </a:p>
-        </p:txBody>
-      </p:sp>
-      <p:sp>
-        <p:nvSpPr>
-          <p:cNvPr id="7" name="Rectangle 6"/>
-          <p:cNvSpPr>
-            <a:spLocks noGrp="1" noChangeArrowheads="1"/>
-          </p:cNvSpPr>
-          <p:nvPr>
-            <p:ph type="title"/>
-          </p:nvPr>
-        </p:nvSpPr>
-        <p:spPr>
-          <a:xfrm>
-            <a:off x="2036763" y="63499"/>
-            <a:ext cx="5113337" cy="1012825"/>
-          </a:xfrm>
-          <a:noFill/>
-        </p:spPr>
-        <p:txBody>
-          <a:bodyPr/>
-          <a:lstStyle/>
-          <a:p>
-            <a:pPr eaLnBrk="1" hangingPunct="1"/>
-            <a:r>
-              <a:rPr lang="en-US" sz="4000" dirty="0" smtClean="0"/>
-              <a:t>Standard Deviation</a:t>
-            </a:r>
-          </a:p>
-        </p:txBody>
-      </p:sp>
-    </p:spTree>
-    <p:custDataLst>
-      <p:tags r:id="rId2"/>
-    </p:custDataLst>
-    <p:extLst>
-      <p:ext uri="{BB962C8B-B14F-4D97-AF65-F5344CB8AC3E}">
-        <p14:creationId xmlns:p14="http://schemas.microsoft.com/office/powerpoint/2010/main" val="3029808278"/>
-      </p:ext>
-    </p:extLst>
-  </p:cSld>
-  <p:clrMapOvr>
-    <a:masterClrMapping/>
-  </p:clrMapOvr>
-  <p:transition xmlns:p14="http://schemas.microsoft.com/office/powerpoint/2010/main" spd="slow" advClick="0">
-    <p:fade/>
-  </p:transition>
-  <p:timing>
-    <p:tnLst>
-      <p:par>
-        <p:cTn xmlns:p14="http://schemas.microsoft.com/office/powerpoint/2010/main" id="1" dur="indefinite" restart="never" nodeType="tmRoot">
-          <p:childTnLst>
-            <p:seq concurrent="1" nextAc="seek">
-              <p:cTn id="2" dur="indefinite" nodeType="mainSeq">
-                <p:childTnLst>
-                  <p:par>
-                    <p:cTn id="3" fill="hold">
-                      <p:stCondLst>
-                        <p:cond delay="indefinite"/>
-                      </p:stCondLst>
-                      <p:childTnLst>
-                        <p:par>
-                          <p:cTn id="4" fill="hold">
-                            <p:stCondLst>
-                              <p:cond delay="0"/>
-                            </p:stCondLst>
-                            <p:childTnLst>
-                              <p:par>
-                                <p:cTn id="5" presetID="22" presetClass="entr" presetSubtype="8" fill="hold" nodeType="clickEffect">
-                                  <p:stCondLst>
-                                    <p:cond delay="0"/>
-                                  </p:stCondLst>
-                                  <p:childTnLst>
-                                    <p:set>
-                                      <p:cBhvr>
-                                        <p:cTn id="6" dur="1" fill="hold">
-                                          <p:stCondLst>
-                                            <p:cond delay="0"/>
-                                          </p:stCondLst>
-                                        </p:cTn>
-                                        <p:tgtEl>
-                                          <p:spTgt spid="2"/>
-                                        </p:tgtEl>
-                                        <p:attrNameLst>
-                                          <p:attrName>style.visibility</p:attrName>
-                                        </p:attrNameLst>
-                                      </p:cBhvr>
-                                      <p:to>
-                                        <p:strVal val="visible"/>
-                                      </p:to>
-                                    </p:set>
-                                    <p:animEffect transition="in" filter="wipe(left)">
-                                      <p:cBhvr>
-                                        <p:cTn id="7" dur="1000"/>
-                                        <p:tgtEl>
-                                          <p:spTgt spid="2"/>
-                                        </p:tgtEl>
-                                      </p:cBhvr>
-                                    </p:animEffect>
-                                  </p:childTnLst>
-                                </p:cTn>
-                              </p:par>
-                            </p:childTnLst>
-                          </p:cTn>
-                        </p:par>
-                      </p:childTnLst>
-                    </p:cTn>
-                  </p:par>
-                  <p:par>
-                    <p:cTn id="8" fill="hold">
-                      <p:stCondLst>
-                        <p:cond delay="indefinite"/>
-                      </p:stCondLst>
-                      <p:childTnLst>
-                        <p:par>
-                          <p:cTn id="9" fill="hold">
-                            <p:stCondLst>
-                              <p:cond delay="0"/>
-                            </p:stCondLst>
-                            <p:childTnLst>
-                              <p:par>
-                                <p:cTn id="10" presetID="10" presetClass="entr" presetSubtype="0" fill="hold" grpId="0" nodeType="clickEffect">
-                                  <p:stCondLst>
-                                    <p:cond delay="0"/>
-                                  </p:stCondLst>
-                                  <p:childTnLst>
-                                    <p:set>
-                                      <p:cBhvr>
-                                        <p:cTn id="11" dur="1" fill="hold">
-                                          <p:stCondLst>
-                                            <p:cond delay="0"/>
-                                          </p:stCondLst>
-                                        </p:cTn>
-                                        <p:tgtEl>
-                                          <p:spTgt spid="3"/>
-                                        </p:tgtEl>
-                                        <p:attrNameLst>
-                                          <p:attrName>style.visibility</p:attrName>
-                                        </p:attrNameLst>
-                                      </p:cBhvr>
-                                      <p:to>
-                                        <p:strVal val="visible"/>
-                                      </p:to>
-                                    </p:set>
-                                    <p:animEffect transition="in" filter="fade">
-                                      <p:cBhvr>
-                                        <p:cTn id="12" dur="500"/>
-                                        <p:tgtEl>
-                                          <p:spTgt spid="3"/>
-                                        </p:tgtEl>
-                                      </p:cBhvr>
-                                    </p:animEffect>
-                                  </p:childTnLst>
-                                </p:cTn>
-                              </p:par>
-                            </p:childTnLst>
-                          </p:cTn>
-                        </p:par>
-                      </p:childTnLst>
-                    </p:cTn>
-                  </p:par>
-                  <p:par>
-                    <p:cTn id="13" fill="hold">
-                      <p:stCondLst>
-                        <p:cond delay="indefinite"/>
-                      </p:stCondLst>
-                      <p:childTnLst>
-                        <p:par>
-                          <p:cTn id="14" fill="hold">
-                            <p:stCondLst>
-                              <p:cond delay="0"/>
-                            </p:stCondLst>
-                            <p:childTnLst>
-                              <p:par>
-                                <p:cTn id="15" presetID="10" presetClass="entr" presetSubtype="0" fill="hold" grpId="0" nodeType="clickEffect">
-                                  <p:stCondLst>
-                                    <p:cond delay="0"/>
-                                  </p:stCondLst>
-                                  <p:childTnLst>
-                                    <p:set>
-                                      <p:cBhvr>
-                                        <p:cTn id="16" dur="1" fill="hold">
-                                          <p:stCondLst>
-                                            <p:cond delay="0"/>
-                                          </p:stCondLst>
-                                        </p:cTn>
-                                        <p:tgtEl>
-                                          <p:spTgt spid="726019">
-                                            <p:txEl>
-                                              <p:pRg st="0" end="0"/>
-                                            </p:txEl>
-                                          </p:spTgt>
-                                        </p:tgtEl>
-                                        <p:attrNameLst>
-                                          <p:attrName>style.visibility</p:attrName>
-                                        </p:attrNameLst>
-                                      </p:cBhvr>
-                                      <p:to>
-                                        <p:strVal val="visible"/>
-                                      </p:to>
-                                    </p:set>
-                                    <p:animEffect transition="in" filter="fade">
-                                      <p:cBhvr>
-                                        <p:cTn id="17" dur="500"/>
-                                        <p:tgtEl>
-                                          <p:spTgt spid="726019">
-                                            <p:txEl>
-                                              <p:pRg st="0" end="0"/>
-                                            </p:txEl>
-                                          </p:spTgt>
-                                        </p:tgtEl>
-                                      </p:cBhvr>
-                                    </p:animEffect>
-                                  </p:childTnLst>
-                                </p:cTn>
-                              </p:par>
-                            </p:childTnLst>
-                          </p:cTn>
-                        </p:par>
-                      </p:childTnLst>
-                    </p:cTn>
-                  </p:par>
-                  <p:par>
-                    <p:cTn id="18" fill="hold">
-                      <p:stCondLst>
-                        <p:cond delay="indefinite"/>
-                      </p:stCondLst>
-                      <p:childTnLst>
-                        <p:par>
-                          <p:cTn id="19" fill="hold">
-                            <p:stCondLst>
-                              <p:cond delay="0"/>
-                            </p:stCondLst>
-                            <p:childTnLst>
-                              <p:par>
-                                <p:cTn id="20" presetID="10" presetClass="entr" presetSubtype="0" fill="hold" grpId="0" nodeType="clickEffect">
-                                  <p:stCondLst>
-                                    <p:cond delay="0"/>
-                                  </p:stCondLst>
-                                  <p:childTnLst>
-                                    <p:set>
-                                      <p:cBhvr>
-                                        <p:cTn id="21" dur="1" fill="hold">
-                                          <p:stCondLst>
-                                            <p:cond delay="0"/>
-                                          </p:stCondLst>
-                                        </p:cTn>
-                                        <p:tgtEl>
-                                          <p:spTgt spid="726019">
-                                            <p:txEl>
-                                              <p:pRg st="1" end="1"/>
-                                            </p:txEl>
-                                          </p:spTgt>
-                                        </p:tgtEl>
-                                        <p:attrNameLst>
-                                          <p:attrName>style.visibility</p:attrName>
-                                        </p:attrNameLst>
-                                      </p:cBhvr>
-                                      <p:to>
-                                        <p:strVal val="visible"/>
-                                      </p:to>
-                                    </p:set>
-                                    <p:animEffect transition="in" filter="fade">
-                                      <p:cBhvr>
-                                        <p:cTn id="22" dur="500"/>
-                                        <p:tgtEl>
-                                          <p:spTgt spid="726019">
-                                            <p:txEl>
-                                              <p:pRg st="1" end="1"/>
-                                            </p:txEl>
-                                          </p:spTgt>
-                                        </p:tgtEl>
-                                      </p:cBhvr>
-                                    </p:animEffect>
-                                  </p:childTnLst>
-                                </p:cTn>
-                              </p:par>
-                            </p:childTnLst>
-                          </p:cTn>
-                        </p:par>
-                      </p:childTnLst>
-                    </p:cTn>
-                  </p:par>
-                  <p:par>
-                    <p:cTn id="23" fill="hold">
-                      <p:stCondLst>
-                        <p:cond delay="indefinite"/>
-                      </p:stCondLst>
-                      <p:childTnLst>
-                        <p:par>
-                          <p:cTn id="24" fill="hold">
-                            <p:stCondLst>
-                              <p:cond delay="0"/>
-                            </p:stCondLst>
-                            <p:childTnLst>
-                              <p:par>
-                                <p:cTn id="25" presetID="10" presetClass="entr" presetSubtype="0" fill="hold" grpId="0" nodeType="clickEffect">
-                                  <p:stCondLst>
-                                    <p:cond delay="0"/>
-                                  </p:stCondLst>
-                                  <p:childTnLst>
-                                    <p:set>
-                                      <p:cBhvr>
-                                        <p:cTn id="26" dur="1" fill="hold">
-                                          <p:stCondLst>
-                                            <p:cond delay="0"/>
-                                          </p:stCondLst>
-                                        </p:cTn>
-                                        <p:tgtEl>
-                                          <p:spTgt spid="726019">
-                                            <p:txEl>
-                                              <p:pRg st="2" end="2"/>
-                                            </p:txEl>
-                                          </p:spTgt>
-                                        </p:tgtEl>
-                                        <p:attrNameLst>
-                                          <p:attrName>style.visibility</p:attrName>
-                                        </p:attrNameLst>
-                                      </p:cBhvr>
-                                      <p:to>
-                                        <p:strVal val="visible"/>
-                                      </p:to>
-                                    </p:set>
-                                    <p:animEffect transition="in" filter="fade">
-                                      <p:cBhvr>
-                                        <p:cTn id="27" dur="500"/>
-                                        <p:tgtEl>
-                                          <p:spTgt spid="726019">
-                                            <p:txEl>
-                                              <p:pRg st="2" end="2"/>
-                                            </p:txEl>
-                                          </p:spTgt>
-                                        </p:tgtEl>
-                                      </p:cBhvr>
-                                    </p:animEffect>
-                                  </p:childTnLst>
-                                </p:cTn>
-                              </p:par>
-                            </p:childTnLst>
-                          </p:cTn>
-                        </p:par>
-                      </p:childTnLst>
-                    </p:cTn>
-                  </p:par>
-                  <p:par>
-                    <p:cTn id="28" fill="hold">
-                      <p:stCondLst>
-                        <p:cond delay="indefinite"/>
-                      </p:stCondLst>
-                      <p:childTnLst>
-                        <p:par>
-                          <p:cTn id="29" fill="hold">
-                            <p:stCondLst>
-                              <p:cond delay="0"/>
-                            </p:stCondLst>
-                            <p:childTnLst>
-                              <p:par>
-                                <p:cTn id="30" presetID="10" presetClass="entr" presetSubtype="0" fill="hold" grpId="0" nodeType="clickEffect">
-                                  <p:stCondLst>
-                                    <p:cond delay="0"/>
-                                  </p:stCondLst>
-                                  <p:childTnLst>
-                                    <p:set>
-                                      <p:cBhvr>
-                                        <p:cTn id="31" dur="1" fill="hold">
-                                          <p:stCondLst>
-                                            <p:cond delay="0"/>
-                                          </p:stCondLst>
-                                        </p:cTn>
-                                        <p:tgtEl>
-                                          <p:spTgt spid="726019">
-                                            <p:txEl>
-                                              <p:pRg st="3" end="3"/>
-                                            </p:txEl>
-                                          </p:spTgt>
-                                        </p:tgtEl>
-                                        <p:attrNameLst>
-                                          <p:attrName>style.visibility</p:attrName>
-                                        </p:attrNameLst>
-                                      </p:cBhvr>
-                                      <p:to>
-                                        <p:strVal val="visible"/>
-                                      </p:to>
-                                    </p:set>
-                                    <p:animEffect transition="in" filter="fade">
-                                      <p:cBhvr>
-                                        <p:cTn id="32" dur="500"/>
-                                        <p:tgtEl>
-                                          <p:spTgt spid="726019">
-                                            <p:txEl>
-                                              <p:pRg st="3" end="3"/>
-                                            </p:txEl>
-                                          </p:spTgt>
-                                        </p:tgtEl>
-                                      </p:cBhvr>
-                                    </p:animEffect>
-                                  </p:childTnLst>
-                                </p:cTn>
-                              </p:par>
-                            </p:childTnLst>
-                          </p:cTn>
-                        </p:par>
-                      </p:childTnLst>
-                    </p:cTn>
-                  </p:par>
-                  <p:par>
-                    <p:cTn id="33" fill="hold">
-                      <p:stCondLst>
-                        <p:cond delay="indefinite"/>
-                      </p:stCondLst>
-                      <p:childTnLst>
-                        <p:par>
-                          <p:cTn id="34" fill="hold">
-                            <p:stCondLst>
-                              <p:cond delay="0"/>
-                            </p:stCondLst>
-                            <p:childTnLst>
-                              <p:par>
-                                <p:cTn id="35" presetID="10" presetClass="entr" presetSubtype="0" fill="hold" grpId="0" nodeType="clickEffect">
-                                  <p:stCondLst>
-                                    <p:cond delay="0"/>
-                                  </p:stCondLst>
-                                  <p:childTnLst>
-                                    <p:set>
-                                      <p:cBhvr>
-                                        <p:cTn id="36" dur="1" fill="hold">
-                                          <p:stCondLst>
-                                            <p:cond delay="0"/>
-                                          </p:stCondLst>
-                                        </p:cTn>
-                                        <p:tgtEl>
-                                          <p:spTgt spid="726019">
-                                            <p:txEl>
-                                              <p:pRg st="4" end="4"/>
-                                            </p:txEl>
-                                          </p:spTgt>
-                                        </p:tgtEl>
-                                        <p:attrNameLst>
-                                          <p:attrName>style.visibility</p:attrName>
-                                        </p:attrNameLst>
-                                      </p:cBhvr>
-                                      <p:to>
-                                        <p:strVal val="visible"/>
-                                      </p:to>
-                                    </p:set>
-                                    <p:animEffect transition="in" filter="fade">
-                                      <p:cBhvr>
-                                        <p:cTn id="37" dur="500"/>
-                                        <p:tgtEl>
-                                          <p:spTgt spid="726019">
-                                            <p:txEl>
-                                              <p:pRg st="4" end="4"/>
-                                            </p:txEl>
-                                          </p:spTgt>
-                                        </p:tgtEl>
-                                      </p:cBhvr>
-                                    </p:animEffect>
-                                  </p:childTnLst>
-                                </p:cTn>
-                              </p:par>
-                            </p:childTnLst>
-                          </p:cTn>
-                        </p:par>
-                      </p:childTnLst>
-                    </p:cTn>
-                  </p:par>
-                </p:childTnLst>
-              </p:cTn>
-              <p:prevCondLst>
-                <p:cond evt="onPrev" delay="0">
-                  <p:tgtEl>
-                    <p:sldTgt/>
-                  </p:tgtEl>
-                </p:cond>
-              </p:prevCondLst>
-              <p:nextCondLst>
-                <p:cond evt="onNext" delay="0">
-                  <p:tgtEl>
-                    <p:sldTgt/>
-                  </p:tgtEl>
-                </p:cond>
-              </p:nextCondLst>
-            </p:seq>
-          </p:childTnLst>
-        </p:cTn>
-      </p:par>
-    </p:tnLst>
-    <p:bldLst>
-      <p:bldP spid="726019" grpId="0" build="p"/>
-      <p:bldP spid="3" grpId="0" animBg="1"/>
+      <p:bldP spid="726019" grpId="0" uiExpand="1" build="p"/>
     </p:bldLst>
   </p:timing>
 </p:sld>
@@ -9433,6 +11869,18 @@
 </p:tagLst>
 </file>
 
+<file path=ppt/tags/tag10.xml><?xml version="1.0" encoding="utf-8"?>
+<p:tagLst xmlns:a="http://schemas.openxmlformats.org/drawingml/2006/main" xmlns:r="http://schemas.openxmlformats.org/officeDocument/2006/relationships" xmlns:p="http://schemas.openxmlformats.org/presentationml/2006/main">
+  <p:tag name="TIMING" val="|15.7|8.9|6.6|14|7.3"/>
+</p:tagLst>
+</file>
+
+<file path=ppt/tags/tag11.xml><?xml version="1.0" encoding="utf-8"?>
+<p:tagLst xmlns:a="http://schemas.openxmlformats.org/drawingml/2006/main" xmlns:r="http://schemas.openxmlformats.org/officeDocument/2006/relationships" xmlns:p="http://schemas.openxmlformats.org/presentationml/2006/main">
+  <p:tag name="TIMING" val="|15.7|8.9|6.6|14|7.3"/>
+</p:tagLst>
+</file>
+
 <file path=ppt/tags/tag2.xml><?xml version="1.0" encoding="utf-8"?>
 <p:tagLst xmlns:a="http://schemas.openxmlformats.org/drawingml/2006/main" xmlns:r="http://schemas.openxmlformats.org/officeDocument/2006/relationships" xmlns:p="http://schemas.openxmlformats.org/presentationml/2006/main">
   <p:tag name="TIMING" val="|9.4"/>
@@ -9453,13 +11901,31 @@
 
 <file path=ppt/tags/tag5.xml><?xml version="1.0" encoding="utf-8"?>
 <p:tagLst xmlns:a="http://schemas.openxmlformats.org/drawingml/2006/main" xmlns:r="http://schemas.openxmlformats.org/officeDocument/2006/relationships" xmlns:p="http://schemas.openxmlformats.org/presentationml/2006/main">
-  <p:tag name="TIMING" val="|15.7|8.9|6.6|14|7.3"/>
+  <p:tag name="TIMING" val="|14|7.9|6.8|40.6"/>
 </p:tagLst>
 </file>
 
 <file path=ppt/tags/tag6.xml><?xml version="1.0" encoding="utf-8"?>
 <p:tagLst xmlns:a="http://schemas.openxmlformats.org/drawingml/2006/main" xmlns:r="http://schemas.openxmlformats.org/officeDocument/2006/relationships" xmlns:p="http://schemas.openxmlformats.org/presentationml/2006/main">
-  <p:tag name="TIMING" val="|15.7|8.9|6.6|14|7.3"/>
+  <p:tag name="TIMING" val="|14|7.9|6.8|40.6"/>
+</p:tagLst>
+</file>
+
+<file path=ppt/tags/tag7.xml><?xml version="1.0" encoding="utf-8"?>
+<p:tagLst xmlns:a="http://schemas.openxmlformats.org/drawingml/2006/main" xmlns:r="http://schemas.openxmlformats.org/officeDocument/2006/relationships" xmlns:p="http://schemas.openxmlformats.org/presentationml/2006/main">
+  <p:tag name="TIMING" val="|14|7.9|6.8|40.6"/>
+</p:tagLst>
+</file>
+
+<file path=ppt/tags/tag8.xml><?xml version="1.0" encoding="utf-8"?>
+<p:tagLst xmlns:a="http://schemas.openxmlformats.org/drawingml/2006/main" xmlns:r="http://schemas.openxmlformats.org/officeDocument/2006/relationships" xmlns:p="http://schemas.openxmlformats.org/presentationml/2006/main">
+  <p:tag name="TIMING" val="|14|7.9|6.8|40.6"/>
+</p:tagLst>
+</file>
+
+<file path=ppt/tags/tag9.xml><?xml version="1.0" encoding="utf-8"?>
+<p:tagLst xmlns:a="http://schemas.openxmlformats.org/drawingml/2006/main" xmlns:r="http://schemas.openxmlformats.org/officeDocument/2006/relationships" xmlns:p="http://schemas.openxmlformats.org/presentationml/2006/main">
+  <p:tag name="TIMING" val="|14|7.9|6.8|40.6"/>
 </p:tagLst>
 </file>
 

--- a/spring13/slides13/deviation-chebyshev.pptx
+++ b/spring13/slides13/deviation-chebyshev.pptx
@@ -6,31 +6,33 @@
     <p:sldMasterId id="2147483687" r:id="rId2"/>
   </p:sldMasterIdLst>
   <p:notesMasterIdLst>
-    <p:notesMasterId r:id="rId17"/>
+    <p:notesMasterId r:id="rId19"/>
   </p:notesMasterIdLst>
   <p:handoutMasterIdLst>
-    <p:handoutMasterId r:id="rId18"/>
+    <p:handoutMasterId r:id="rId20"/>
   </p:handoutMasterIdLst>
   <p:sldIdLst>
     <p:sldId id="764" r:id="rId3"/>
     <p:sldId id="790" r:id="rId4"/>
     <p:sldId id="859" r:id="rId5"/>
-    <p:sldId id="863" r:id="rId6"/>
-    <p:sldId id="864" r:id="rId7"/>
-    <p:sldId id="865" r:id="rId8"/>
-    <p:sldId id="866" r:id="rId9"/>
-    <p:sldId id="867" r:id="rId10"/>
-    <p:sldId id="861" r:id="rId11"/>
-    <p:sldId id="806" r:id="rId12"/>
-    <p:sldId id="793" r:id="rId13"/>
-    <p:sldId id="794" r:id="rId14"/>
-    <p:sldId id="860" r:id="rId15"/>
-    <p:sldId id="862" r:id="rId16"/>
+    <p:sldId id="868" r:id="rId6"/>
+    <p:sldId id="863" r:id="rId7"/>
+    <p:sldId id="870" r:id="rId8"/>
+    <p:sldId id="865" r:id="rId9"/>
+    <p:sldId id="864" r:id="rId10"/>
+    <p:sldId id="866" r:id="rId11"/>
+    <p:sldId id="867" r:id="rId12"/>
+    <p:sldId id="861" r:id="rId13"/>
+    <p:sldId id="806" r:id="rId14"/>
+    <p:sldId id="793" r:id="rId15"/>
+    <p:sldId id="794" r:id="rId16"/>
+    <p:sldId id="860" r:id="rId17"/>
+    <p:sldId id="862" r:id="rId18"/>
   </p:sldIdLst>
   <p:sldSz cx="9144000" cy="6858000" type="screen4x3"/>
   <p:notesSz cx="9601200" cy="7315200"/>
   <p:custDataLst>
-    <p:tags r:id="rId20"/>
+    <p:tags r:id="rId22"/>
   </p:custDataLst>
   <p:defaultTextStyle>
     <a:defPPr>
@@ -959,6 +961,182 @@
       </p:grpSpPr>
       <p:sp>
         <p:nvSpPr>
+          <p:cNvPr id="82946" name="Rectangle 7"/>
+          <p:cNvSpPr>
+            <a:spLocks noGrp="1" noChangeArrowheads="1"/>
+          </p:cNvSpPr>
+          <p:nvPr>
+            <p:ph type="sldNum" sz="quarter" idx="5"/>
+          </p:nvPr>
+        </p:nvSpPr>
+        <p:spPr>
+          <a:noFill/>
+        </p:spPr>
+        <p:txBody>
+          <a:bodyPr/>
+          <a:lstStyle/>
+          <a:p>
+            <a:fld id="{6930F263-5C53-4B37-9EAE-BECA69AE5181}" type="slidenum">
+              <a:rPr lang="en-US"/>
+              <a:pPr/>
+              <a:t>10</a:t>
+            </a:fld>
+            <a:endParaRPr lang="en-US"/>
+          </a:p>
+        </p:txBody>
+      </p:sp>
+      <p:sp>
+        <p:nvSpPr>
+          <p:cNvPr id="82947" name="Rectangle 2"/>
+          <p:cNvSpPr>
+            <a:spLocks noGrp="1" noRot="1" noChangeAspect="1" noChangeArrowheads="1" noTextEdit="1"/>
+          </p:cNvSpPr>
+          <p:nvPr>
+            <p:ph type="sldImg"/>
+          </p:nvPr>
+        </p:nvSpPr>
+        <p:spPr>
+          <a:ln/>
+        </p:spPr>
+      </p:sp>
+      <p:sp>
+        <p:nvSpPr>
+          <p:cNvPr id="82948" name="Rectangle 3"/>
+          <p:cNvSpPr>
+            <a:spLocks noGrp="1" noChangeArrowheads="1"/>
+          </p:cNvSpPr>
+          <p:nvPr>
+            <p:ph type="body" idx="1"/>
+          </p:nvPr>
+        </p:nvSpPr>
+        <p:spPr>
+          <a:noFill/>
+          <a:ln/>
+        </p:spPr>
+        <p:txBody>
+          <a:bodyPr/>
+          <a:lstStyle/>
+          <a:p>
+            <a:pPr eaLnBrk="1" hangingPunct="1"/>
+            <a:endParaRPr lang="en-US" dirty="0" smtClean="0"/>
+          </a:p>
+        </p:txBody>
+      </p:sp>
+    </p:spTree>
+  </p:cSld>
+  <p:clrMapOvr>
+    <a:masterClrMapping/>
+  </p:clrMapOvr>
+</p:notes>
+</file>
+
+<file path=ppt/notesSlides/notesSlide11.xml><?xml version="1.0" encoding="utf-8"?>
+<p:notes xmlns:a="http://schemas.openxmlformats.org/drawingml/2006/main" xmlns:r="http://schemas.openxmlformats.org/officeDocument/2006/relationships" xmlns:p="http://schemas.openxmlformats.org/presentationml/2006/main">
+  <p:cSld>
+    <p:spTree>
+      <p:nvGrpSpPr>
+        <p:cNvPr id="1" name=""/>
+        <p:cNvGrpSpPr/>
+        <p:nvPr/>
+      </p:nvGrpSpPr>
+      <p:grpSpPr>
+        <a:xfrm>
+          <a:off x="0" y="0"/>
+          <a:ext cx="0" cy="0"/>
+          <a:chOff x="0" y="0"/>
+          <a:chExt cx="0" cy="0"/>
+        </a:xfrm>
+      </p:grpSpPr>
+      <p:sp>
+        <p:nvSpPr>
+          <p:cNvPr id="87042" name="Rectangle 7"/>
+          <p:cNvSpPr>
+            <a:spLocks noGrp="1" noChangeArrowheads="1"/>
+          </p:cNvSpPr>
+          <p:nvPr>
+            <p:ph type="sldNum" sz="quarter" idx="5"/>
+          </p:nvPr>
+        </p:nvSpPr>
+        <p:spPr>
+          <a:noFill/>
+        </p:spPr>
+        <p:txBody>
+          <a:bodyPr/>
+          <a:lstStyle/>
+          <a:p>
+            <a:fld id="{3F183194-98C9-4413-984E-18B2C48D4821}" type="slidenum">
+              <a:rPr lang="en-US"/>
+              <a:pPr/>
+              <a:t>11</a:t>
+            </a:fld>
+            <a:endParaRPr lang="en-US"/>
+          </a:p>
+        </p:txBody>
+      </p:sp>
+      <p:sp>
+        <p:nvSpPr>
+          <p:cNvPr id="87043" name="Rectangle 2"/>
+          <p:cNvSpPr>
+            <a:spLocks noGrp="1" noRot="1" noChangeAspect="1" noChangeArrowheads="1" noTextEdit="1"/>
+          </p:cNvSpPr>
+          <p:nvPr>
+            <p:ph type="sldImg"/>
+          </p:nvPr>
+        </p:nvSpPr>
+        <p:spPr>
+          <a:ln/>
+        </p:spPr>
+      </p:sp>
+      <p:sp>
+        <p:nvSpPr>
+          <p:cNvPr id="87044" name="Rectangle 3"/>
+          <p:cNvSpPr>
+            <a:spLocks noGrp="1" noChangeArrowheads="1"/>
+          </p:cNvSpPr>
+          <p:nvPr>
+            <p:ph type="body" idx="1"/>
+          </p:nvPr>
+        </p:nvSpPr>
+        <p:spPr>
+          <a:noFill/>
+          <a:ln/>
+        </p:spPr>
+        <p:txBody>
+          <a:bodyPr/>
+          <a:lstStyle/>
+          <a:p>
+            <a:pPr eaLnBrk="1" hangingPunct="1"/>
+            <a:endParaRPr lang="en-US" smtClean="0"/>
+          </a:p>
+        </p:txBody>
+      </p:sp>
+    </p:spTree>
+  </p:cSld>
+  <p:clrMapOvr>
+    <a:masterClrMapping/>
+  </p:clrMapOvr>
+</p:notes>
+</file>
+
+<file path=ppt/notesSlides/notesSlide12.xml><?xml version="1.0" encoding="utf-8"?>
+<p:notes xmlns:a="http://schemas.openxmlformats.org/drawingml/2006/main" xmlns:r="http://schemas.openxmlformats.org/officeDocument/2006/relationships" xmlns:p="http://schemas.openxmlformats.org/presentationml/2006/main">
+  <p:cSld>
+    <p:spTree>
+      <p:nvGrpSpPr>
+        <p:cNvPr id="1" name=""/>
+        <p:cNvGrpSpPr/>
+        <p:nvPr/>
+      </p:nvGrpSpPr>
+      <p:grpSpPr>
+        <a:xfrm>
+          <a:off x="0" y="0"/>
+          <a:ext cx="0" cy="0"/>
+          <a:chOff x="0" y="0"/>
+          <a:chExt cx="0" cy="0"/>
+        </a:xfrm>
+      </p:grpSpPr>
+      <p:sp>
+        <p:nvSpPr>
           <p:cNvPr id="84994" name="Rectangle 7"/>
           <p:cNvSpPr>
             <a:spLocks noGrp="1" noChangeArrowheads="1"/>
@@ -977,7 +1155,7 @@
             <a:fld id="{D2EF288E-83B7-4C4D-B8FC-65471DDB030C}" type="slidenum">
               <a:rPr lang="en-US"/>
               <a:pPr/>
-              <a:t>10</a:t>
+              <a:t>12</a:t>
             </a:fld>
             <a:endParaRPr lang="en-US"/>
           </a:p>
@@ -1028,7 +1206,7 @@
 </p:notes>
 </file>
 
-<file path=ppt/notesSlides/notesSlide11.xml><?xml version="1.0" encoding="utf-8"?>
+<file path=ppt/notesSlides/notesSlide13.xml><?xml version="1.0" encoding="utf-8"?>
 <p:notes xmlns:a="http://schemas.openxmlformats.org/drawingml/2006/main" xmlns:r="http://schemas.openxmlformats.org/officeDocument/2006/relationships" xmlns:p="http://schemas.openxmlformats.org/presentationml/2006/main">
   <p:cSld>
     <p:spTree>
@@ -1065,7 +1243,7 @@
             <a:fld id="{D2EF288E-83B7-4C4D-B8FC-65471DDB030C}" type="slidenum">
               <a:rPr lang="en-US"/>
               <a:pPr/>
-              <a:t>11</a:t>
+              <a:t>13</a:t>
             </a:fld>
             <a:endParaRPr lang="en-US"/>
           </a:p>
@@ -1116,7 +1294,7 @@
 </p:notes>
 </file>
 
-<file path=ppt/notesSlides/notesSlide12.xml><?xml version="1.0" encoding="utf-8"?>
+<file path=ppt/notesSlides/notesSlide14.xml><?xml version="1.0" encoding="utf-8"?>
 <p:notes xmlns:a="http://schemas.openxmlformats.org/drawingml/2006/main" xmlns:r="http://schemas.openxmlformats.org/officeDocument/2006/relationships" xmlns:p="http://schemas.openxmlformats.org/presentationml/2006/main">
   <p:cSld>
     <p:spTree>
@@ -1153,7 +1331,7 @@
             <a:fld id="{984906FB-C5CB-4728-854F-836E6D80BB25}" type="slidenum">
               <a:rPr lang="en-US"/>
               <a:pPr/>
-              <a:t>12</a:t>
+              <a:t>14</a:t>
             </a:fld>
             <a:endParaRPr lang="en-US"/>
           </a:p>
@@ -1204,7 +1382,7 @@
 </p:notes>
 </file>
 
-<file path=ppt/notesSlides/notesSlide13.xml><?xml version="1.0" encoding="utf-8"?>
+<file path=ppt/notesSlides/notesSlide15.xml><?xml version="1.0" encoding="utf-8"?>
 <p:notes xmlns:a="http://schemas.openxmlformats.org/drawingml/2006/main" xmlns:r="http://schemas.openxmlformats.org/officeDocument/2006/relationships" xmlns:p="http://schemas.openxmlformats.org/presentationml/2006/main">
   <p:cSld>
     <p:spTree>
@@ -1241,7 +1419,7 @@
             <a:fld id="{984906FB-C5CB-4728-854F-836E6D80BB25}" type="slidenum">
               <a:rPr lang="en-US"/>
               <a:pPr/>
-              <a:t>13</a:t>
+              <a:t>15</a:t>
             </a:fld>
             <a:endParaRPr lang="en-US"/>
           </a:p>
@@ -1292,7 +1470,7 @@
 </p:notes>
 </file>
 
-<file path=ppt/notesSlides/notesSlide14.xml><?xml version="1.0" encoding="utf-8"?>
+<file path=ppt/notesSlides/notesSlide16.xml><?xml version="1.0" encoding="utf-8"?>
 <p:notes xmlns:a="http://schemas.openxmlformats.org/drawingml/2006/main" xmlns:r="http://schemas.openxmlformats.org/officeDocument/2006/relationships" xmlns:p="http://schemas.openxmlformats.org/presentationml/2006/main">
   <p:cSld>
     <p:spTree>
@@ -1329,7 +1507,7 @@
             <a:fld id="{3F183194-98C9-4413-984E-18B2C48D4821}" type="slidenum">
               <a:rPr lang="en-US"/>
               <a:pPr/>
-              <a:t>14</a:t>
+              <a:t>16</a:t>
             </a:fld>
             <a:endParaRPr lang="en-US"/>
           </a:p>
@@ -1575,68 +1753,70 @@
       </p:grpSpPr>
       <p:sp>
         <p:nvSpPr>
-          <p:cNvPr id="82946" name="Rectangle 7"/>
+          <p:cNvPr id="2" name="Slide Image Placeholder 1"/>
           <p:cNvSpPr>
-            <a:spLocks noGrp="1" noChangeArrowheads="1"/>
+            <a:spLocks noGrp="1" noRot="1" noChangeAspect="1"/>
           </p:cNvSpPr>
           <p:nvPr>
-            <p:ph type="sldNum" sz="quarter" idx="5"/>
+            <p:ph type="sldImg"/>
           </p:nvPr>
         </p:nvSpPr>
-        <p:spPr>
-          <a:noFill/>
-        </p:spPr>
+        <p:spPr/>
+      </p:sp>
+      <p:sp>
+        <p:nvSpPr>
+          <p:cNvPr id="3" name="Notes Placeholder 2"/>
+          <p:cNvSpPr>
+            <a:spLocks noGrp="1"/>
+          </p:cNvSpPr>
+          <p:nvPr>
+            <p:ph type="body" idx="1"/>
+          </p:nvPr>
+        </p:nvSpPr>
+        <p:spPr/>
         <p:txBody>
           <a:bodyPr/>
           <a:lstStyle/>
           <a:p>
-            <a:fld id="{6930F263-5C53-4B37-9EAE-BECA69AE5181}" type="slidenum">
-              <a:rPr lang="en-US"/>
-              <a:pPr/>
+            <a:endParaRPr lang="en-US"/>
+          </a:p>
+        </p:txBody>
+      </p:sp>
+      <p:sp>
+        <p:nvSpPr>
+          <p:cNvPr id="4" name="Slide Number Placeholder 3"/>
+          <p:cNvSpPr>
+            <a:spLocks noGrp="1"/>
+          </p:cNvSpPr>
+          <p:nvPr>
+            <p:ph type="sldNum" sz="quarter" idx="10"/>
+          </p:nvPr>
+        </p:nvSpPr>
+        <p:spPr/>
+        <p:txBody>
+          <a:bodyPr/>
+          <a:lstStyle/>
+          <a:p>
+            <a:pPr>
+              <a:defRPr/>
+            </a:pPr>
+            <a:fld id="{A32D937A-A834-4882-89DE-8A0AB0171B36}" type="slidenum">
+              <a:rPr lang="en-US" smtClean="0"/>
+              <a:pPr>
+                <a:defRPr/>
+              </a:pPr>
               <a:t>4</a:t>
             </a:fld>
             <a:endParaRPr lang="en-US"/>
           </a:p>
         </p:txBody>
       </p:sp>
-      <p:sp>
-        <p:nvSpPr>
-          <p:cNvPr id="82947" name="Rectangle 2"/>
-          <p:cNvSpPr>
-            <a:spLocks noGrp="1" noRot="1" noChangeAspect="1" noChangeArrowheads="1" noTextEdit="1"/>
-          </p:cNvSpPr>
-          <p:nvPr>
-            <p:ph type="sldImg"/>
-          </p:nvPr>
-        </p:nvSpPr>
-        <p:spPr>
-          <a:ln/>
-        </p:spPr>
-      </p:sp>
-      <p:sp>
-        <p:nvSpPr>
-          <p:cNvPr id="82948" name="Rectangle 3"/>
-          <p:cNvSpPr>
-            <a:spLocks noGrp="1" noChangeArrowheads="1"/>
-          </p:cNvSpPr>
-          <p:nvPr>
-            <p:ph type="body" idx="1"/>
-          </p:nvPr>
-        </p:nvSpPr>
-        <p:spPr>
-          <a:noFill/>
-          <a:ln/>
-        </p:spPr>
-        <p:txBody>
-          <a:bodyPr/>
-          <a:lstStyle/>
-          <a:p>
-            <a:pPr eaLnBrk="1" hangingPunct="1"/>
-            <a:endParaRPr lang="en-US" dirty="0" smtClean="0"/>
-          </a:p>
-        </p:txBody>
-      </p:sp>
     </p:spTree>
+    <p:extLst>
+      <p:ext uri="{BB962C8B-B14F-4D97-AF65-F5344CB8AC3E}">
+        <p14:creationId xmlns:p14="http://schemas.microsoft.com/office/powerpoint/2010/main" val="763072909"/>
+      </p:ext>
+    </p:extLst>
   </p:cSld>
   <p:clrMapOvr>
     <a:masterClrMapping/>
@@ -2015,7 +2195,7 @@
       </p:grpSpPr>
       <p:sp>
         <p:nvSpPr>
-          <p:cNvPr id="87042" name="Rectangle 7"/>
+          <p:cNvPr id="82946" name="Rectangle 7"/>
           <p:cNvSpPr>
             <a:spLocks noGrp="1" noChangeArrowheads="1"/>
           </p:cNvSpPr>
@@ -2030,7 +2210,7 @@
           <a:bodyPr/>
           <a:lstStyle/>
           <a:p>
-            <a:fld id="{3F183194-98C9-4413-984E-18B2C48D4821}" type="slidenum">
+            <a:fld id="{6930F263-5C53-4B37-9EAE-BECA69AE5181}" type="slidenum">
               <a:rPr lang="en-US"/>
               <a:pPr/>
               <a:t>9</a:t>
@@ -2041,7 +2221,7 @@
       </p:sp>
       <p:sp>
         <p:nvSpPr>
-          <p:cNvPr id="87043" name="Rectangle 2"/>
+          <p:cNvPr id="82947" name="Rectangle 2"/>
           <p:cNvSpPr>
             <a:spLocks noGrp="1" noRot="1" noChangeAspect="1" noChangeArrowheads="1" noTextEdit="1"/>
           </p:cNvSpPr>
@@ -2055,7 +2235,7 @@
       </p:sp>
       <p:sp>
         <p:nvSpPr>
-          <p:cNvPr id="87044" name="Rectangle 3"/>
+          <p:cNvPr id="82948" name="Rectangle 3"/>
           <p:cNvSpPr>
             <a:spLocks noGrp="1" noChangeArrowheads="1"/>
           </p:cNvSpPr>
@@ -2072,7 +2252,7 @@
           <a:lstStyle/>
           <a:p>
             <a:pPr eaLnBrk="1" hangingPunct="1"/>
-            <a:endParaRPr lang="en-US" smtClean="0"/>
+            <a:endParaRPr lang="en-US" dirty="0" smtClean="0"/>
           </a:p>
         </p:txBody>
       </p:sp>
@@ -4264,6 +4444,1113 @@
 </file>
 
 <file path=ppt/slides/slide10.xml><?xml version="1.0" encoding="utf-8"?>
+<p:sld xmlns:a="http://schemas.openxmlformats.org/drawingml/2006/main" xmlns:r="http://schemas.openxmlformats.org/officeDocument/2006/relationships" xmlns:p="http://schemas.openxmlformats.org/presentationml/2006/main">
+  <p:cSld>
+    <p:spTree>
+      <p:nvGrpSpPr>
+        <p:cNvPr id="1" name=""/>
+        <p:cNvGrpSpPr/>
+        <p:nvPr/>
+      </p:nvGrpSpPr>
+      <p:grpSpPr>
+        <a:xfrm>
+          <a:off x="0" y="0"/>
+          <a:ext cx="0" cy="0"/>
+          <a:chOff x="0" y="0"/>
+          <a:chExt cx="0" cy="0"/>
+        </a:xfrm>
+      </p:grpSpPr>
+      <p:graphicFrame>
+        <p:nvGraphicFramePr>
+          <p:cNvPr id="7170" name="Object 2"/>
+          <p:cNvGraphicFramePr>
+            <a:graphicFrameLocks noChangeAspect="1"/>
+          </p:cNvGraphicFramePr>
+          <p:nvPr>
+            <p:extLst>
+              <p:ext uri="{D42A27DB-BD31-4B8C-83A1-F6EECF244321}">
+                <p14:modId xmlns:p14="http://schemas.microsoft.com/office/powerpoint/2010/main" val="3844136160"/>
+              </p:ext>
+            </p:extLst>
+          </p:nvPr>
+        </p:nvGraphicFramePr>
+        <p:xfrm>
+          <a:off x="366713" y="1128713"/>
+          <a:ext cx="7918450" cy="2270125"/>
+        </p:xfrm>
+        <a:graphic>
+          <a:graphicData uri="http://schemas.openxmlformats.org/presentationml/2006/ole">
+            <mc:AlternateContent xmlns:mc="http://schemas.openxmlformats.org/markup-compatibility/2006">
+              <mc:Choice xmlns:v="urn:schemas-microsoft-com:vml" Requires="v">
+                <p:oleObj spid="_x0000_s507922" name="Equation" r:id="rId5" imgW="1600200" imgH="419100" progId="Equation.DSMT4">
+                  <p:embed/>
+                </p:oleObj>
+              </mc:Choice>
+              <mc:Fallback>
+                <p:oleObj name="Equation" r:id="rId5" imgW="1600200" imgH="419100" progId="Equation.DSMT4">
+                  <p:embed/>
+                  <p:pic>
+                    <p:nvPicPr>
+                      <p:cNvPr id="0" name=""/>
+                      <p:cNvPicPr>
+                        <a:picLocks noChangeAspect="1" noChangeArrowheads="1"/>
+                      </p:cNvPicPr>
+                      <p:nvPr/>
+                    </p:nvPicPr>
+                    <p:blipFill>
+                      <a:blip r:embed="rId6"/>
+                      <a:srcRect/>
+                      <a:stretch>
+                        <a:fillRect/>
+                      </a:stretch>
+                    </p:blipFill>
+                    <p:spPr bwMode="auto">
+                      <a:xfrm>
+                        <a:off x="366713" y="1128713"/>
+                        <a:ext cx="7918450" cy="2270125"/>
+                      </a:xfrm>
+                      <a:prstGeom prst="rect">
+                        <a:avLst/>
+                      </a:prstGeom>
+                      <a:noFill/>
+                      <a:ln>
+                        <a:noFill/>
+                      </a:ln>
+                      <a:extLst>
+                        <a:ext uri="{909E8E84-426E-40dd-AFC4-6F175D3DCCD1}">
+                          <a14:hiddenFill xmlns:a14="http://schemas.microsoft.com/office/drawing/2010/main">
+                            <a:solidFill>
+                              <a:srgbClr val="FFFFFF"/>
+                            </a:solidFill>
+                          </a14:hiddenFill>
+                        </a:ext>
+                        <a:ext uri="{91240B29-F687-4f45-9708-019B960494DF}">
+                          <a14:hiddenLine xmlns:a14="http://schemas.microsoft.com/office/drawing/2010/main" w="41275">
+                            <a:solidFill>
+                              <a:srgbClr val="FF00FF"/>
+                            </a:solidFill>
+                            <a:prstDash val="sysDot"/>
+                            <a:miter lim="800000"/>
+                            <a:headEnd/>
+                            <a:tailEnd/>
+                          </a14:hiddenLine>
+                        </a:ext>
+                      </a:extLst>
+                    </p:spPr>
+                  </p:pic>
+                </p:oleObj>
+              </mc:Fallback>
+            </mc:AlternateContent>
+          </a:graphicData>
+        </a:graphic>
+      </p:graphicFrame>
+      <p:graphicFrame>
+        <p:nvGraphicFramePr>
+          <p:cNvPr id="7" name="Object 2"/>
+          <p:cNvGraphicFramePr>
+            <a:graphicFrameLocks noChangeAspect="1"/>
+          </p:cNvGraphicFramePr>
+          <p:nvPr>
+            <p:extLst>
+              <p:ext uri="{D42A27DB-BD31-4B8C-83A1-F6EECF244321}">
+                <p14:modId xmlns:p14="http://schemas.microsoft.com/office/powerpoint/2010/main" val="3783457963"/>
+              </p:ext>
+            </p:extLst>
+          </p:nvPr>
+        </p:nvGraphicFramePr>
+        <p:xfrm>
+          <a:off x="1844675" y="3771900"/>
+          <a:ext cx="5464175" cy="1538288"/>
+        </p:xfrm>
+        <a:graphic>
+          <a:graphicData uri="http://schemas.openxmlformats.org/presentationml/2006/ole">
+            <mc:AlternateContent xmlns:mc="http://schemas.openxmlformats.org/markup-compatibility/2006">
+              <mc:Choice xmlns:v="urn:schemas-microsoft-com:vml" Requires="v">
+                <p:oleObj spid="_x0000_s507923" name="Equation" r:id="rId7" imgW="990600" imgH="279400" progId="Equation.DSMT4">
+                  <p:embed/>
+                </p:oleObj>
+              </mc:Choice>
+              <mc:Fallback>
+                <p:oleObj name="Equation" r:id="rId7" imgW="990600" imgH="279400" progId="Equation.DSMT4">
+                  <p:embed/>
+                  <p:pic>
+                    <p:nvPicPr>
+                      <p:cNvPr id="0" name=""/>
+                      <p:cNvPicPr>
+                        <a:picLocks noChangeAspect="1" noChangeArrowheads="1"/>
+                      </p:cNvPicPr>
+                      <p:nvPr/>
+                    </p:nvPicPr>
+                    <p:blipFill>
+                      <a:blip r:embed="rId8"/>
+                      <a:srcRect/>
+                      <a:stretch>
+                        <a:fillRect/>
+                      </a:stretch>
+                    </p:blipFill>
+                    <p:spPr bwMode="auto">
+                      <a:xfrm>
+                        <a:off x="1844675" y="3771900"/>
+                        <a:ext cx="5464175" cy="1538288"/>
+                      </a:xfrm>
+                      <a:prstGeom prst="rect">
+                        <a:avLst/>
+                      </a:prstGeom>
+                      <a:noFill/>
+                      <a:extLst>
+                        <a:ext uri="{909E8E84-426E-40dd-AFC4-6F175D3DCCD1}">
+                          <a14:hiddenFill xmlns:a14="http://schemas.microsoft.com/office/drawing/2010/main">
+                            <a:solidFill>
+                              <a:srgbClr val="FFFFFF"/>
+                            </a:solidFill>
+                          </a14:hiddenFill>
+                        </a:ext>
+                      </a:extLst>
+                    </p:spPr>
+                  </p:pic>
+                </p:oleObj>
+              </mc:Fallback>
+            </mc:AlternateContent>
+          </a:graphicData>
+        </a:graphic>
+      </p:graphicFrame>
+      <p:sp>
+        <p:nvSpPr>
+          <p:cNvPr id="6" name="Rectangle 2"/>
+          <p:cNvSpPr>
+            <a:spLocks noGrp="1" noChangeArrowheads="1"/>
+          </p:cNvSpPr>
+          <p:nvPr>
+            <p:ph type="title"/>
+          </p:nvPr>
+        </p:nvSpPr>
+        <p:spPr>
+          <a:xfrm>
+            <a:off x="1341438" y="98425"/>
+            <a:ext cx="7688262" cy="1057275"/>
+          </a:xfrm>
+        </p:spPr>
+        <p:txBody>
+          <a:bodyPr/>
+          <a:lstStyle/>
+          <a:p>
+            <a:pPr eaLnBrk="1" hangingPunct="1"/>
+            <a:r>
+              <a:rPr lang="en-US" sz="4000" dirty="0" err="1" smtClean="0"/>
+              <a:t>Chebyshev</a:t>
+            </a:r>
+            <a:r>
+              <a:rPr lang="en-US" sz="4000" dirty="0" smtClean="0"/>
+              <a:t> Bound (Restated)</a:t>
+            </a:r>
+          </a:p>
+        </p:txBody>
+      </p:sp>
+      <p:sp>
+        <p:nvSpPr>
+          <p:cNvPr id="8" name="Rectangle 7"/>
+          <p:cNvSpPr/>
+          <p:nvPr/>
+        </p:nvSpPr>
+        <p:spPr bwMode="auto">
+          <a:xfrm>
+            <a:off x="342900" y="1308100"/>
+            <a:ext cx="8001000" cy="2171700"/>
+          </a:xfrm>
+          <a:prstGeom prst="rect">
+            <a:avLst/>
+          </a:prstGeom>
+          <a:noFill/>
+          <a:ln w="41275" algn="ctr">
+            <a:solidFill>
+              <a:srgbClr val="FF00FF"/>
+            </a:solidFill>
+            <a:prstDash val="sysDash"/>
+            <a:miter lim="800000"/>
+            <a:headEnd/>
+            <a:tailEnd/>
+          </a:ln>
+        </p:spPr>
+        <p:txBody>
+          <a:bodyPr wrap="none" rtlCol="0" anchor="ctr"/>
+          <a:lstStyle/>
+          <a:p>
+            <a:pPr algn="ctr"/>
+            <a:endParaRPr lang="en-US"/>
+          </a:p>
+        </p:txBody>
+      </p:sp>
+    </p:spTree>
+    <p:custDataLst>
+      <p:tags r:id="rId2"/>
+    </p:custDataLst>
+    <p:extLst>
+      <p:ext uri="{BB962C8B-B14F-4D97-AF65-F5344CB8AC3E}">
+        <p14:creationId xmlns:p14="http://schemas.microsoft.com/office/powerpoint/2010/main" val="4240363593"/>
+      </p:ext>
+    </p:extLst>
+  </p:cSld>
+  <p:clrMapOvr>
+    <a:masterClrMapping/>
+  </p:clrMapOvr>
+  <mc:AlternateContent xmlns:mc="http://schemas.openxmlformats.org/markup-compatibility/2006" xmlns:p14="http://schemas.microsoft.com/office/powerpoint/2010/main">
+    <mc:Choice Requires="p14">
+      <p:transition spd="med" p14:dur="600" advClick="0">
+        <p:fade/>
+      </p:transition>
+    </mc:Choice>
+    <mc:Fallback xmlns="">
+      <p:transition xmlns:p14="http://schemas.microsoft.com/office/powerpoint/2010/main" spd="med" advClick="0">
+        <p:fade/>
+      </p:transition>
+    </mc:Fallback>
+  </mc:AlternateContent>
+  <p:timing>
+    <p:tnLst>
+      <p:par>
+        <p:cTn xmlns:p14="http://schemas.microsoft.com/office/powerpoint/2010/main" id="1" dur="indefinite" restart="never" nodeType="tmRoot">
+          <p:childTnLst>
+            <p:seq concurrent="1" nextAc="seek">
+              <p:cTn id="2" dur="indefinite" nodeType="mainSeq">
+                <p:childTnLst>
+                  <p:par>
+                    <p:cTn id="3" fill="hold">
+                      <p:stCondLst>
+                        <p:cond delay="indefinite"/>
+                      </p:stCondLst>
+                      <p:childTnLst>
+                        <p:par>
+                          <p:cTn id="4" fill="hold">
+                            <p:stCondLst>
+                              <p:cond delay="0"/>
+                            </p:stCondLst>
+                            <p:childTnLst>
+                              <p:par>
+                                <p:cTn id="5" presetID="10" presetClass="entr" presetSubtype="0" fill="hold" grpId="0" nodeType="clickEffect">
+                                  <p:stCondLst>
+                                    <p:cond delay="0"/>
+                                  </p:stCondLst>
+                                  <p:childTnLst>
+                                    <p:set>
+                                      <p:cBhvr>
+                                        <p:cTn id="6" dur="1" fill="hold">
+                                          <p:stCondLst>
+                                            <p:cond delay="0"/>
+                                          </p:stCondLst>
+                                        </p:cTn>
+                                        <p:tgtEl>
+                                          <p:spTgt spid="8"/>
+                                        </p:tgtEl>
+                                        <p:attrNameLst>
+                                          <p:attrName>style.visibility</p:attrName>
+                                        </p:attrNameLst>
+                                      </p:cBhvr>
+                                      <p:to>
+                                        <p:strVal val="visible"/>
+                                      </p:to>
+                                    </p:set>
+                                    <p:animEffect transition="in" filter="fade">
+                                      <p:cBhvr>
+                                        <p:cTn id="7" dur="500"/>
+                                        <p:tgtEl>
+                                          <p:spTgt spid="8"/>
+                                        </p:tgtEl>
+                                      </p:cBhvr>
+                                    </p:animEffect>
+                                  </p:childTnLst>
+                                </p:cTn>
+                              </p:par>
+                            </p:childTnLst>
+                          </p:cTn>
+                        </p:par>
+                      </p:childTnLst>
+                    </p:cTn>
+                  </p:par>
+                </p:childTnLst>
+              </p:cTn>
+              <p:prevCondLst>
+                <p:cond evt="onPrev" delay="0">
+                  <p:tgtEl>
+                    <p:sldTgt/>
+                  </p:tgtEl>
+                </p:cond>
+              </p:prevCondLst>
+              <p:nextCondLst>
+                <p:cond evt="onNext" delay="0">
+                  <p:tgtEl>
+                    <p:sldTgt/>
+                  </p:tgtEl>
+                </p:cond>
+              </p:nextCondLst>
+            </p:seq>
+          </p:childTnLst>
+        </p:cTn>
+      </p:par>
+    </p:tnLst>
+    <p:bldLst>
+      <p:bldP spid="8" grpId="0" animBg="1"/>
+    </p:bldLst>
+  </p:timing>
+</p:sld>
+</file>
+
+<file path=ppt/slides/slide11.xml><?xml version="1.0" encoding="utf-8"?>
+<p:sld xmlns:a="http://schemas.openxmlformats.org/drawingml/2006/main" xmlns:r="http://schemas.openxmlformats.org/officeDocument/2006/relationships" xmlns:p="http://schemas.openxmlformats.org/presentationml/2006/main">
+  <p:cSld>
+    <p:spTree>
+      <p:nvGrpSpPr>
+        <p:cNvPr id="1" name=""/>
+        <p:cNvGrpSpPr/>
+        <p:nvPr/>
+      </p:nvGrpSpPr>
+      <p:grpSpPr>
+        <a:xfrm>
+          <a:off x="0" y="0"/>
+          <a:ext cx="0" cy="0"/>
+          <a:chOff x="0" y="0"/>
+          <a:chExt cx="0" cy="0"/>
+        </a:xfrm>
+      </p:grpSpPr>
+      <p:graphicFrame>
+        <p:nvGraphicFramePr>
+          <p:cNvPr id="2" name="Object 1"/>
+          <p:cNvGraphicFramePr>
+            <a:graphicFrameLocks noChangeAspect="1"/>
+          </p:cNvGraphicFramePr>
+          <p:nvPr>
+            <p:extLst>
+              <p:ext uri="{D42A27DB-BD31-4B8C-83A1-F6EECF244321}">
+                <p14:modId xmlns:p14="http://schemas.microsoft.com/office/powerpoint/2010/main" val="1382466424"/>
+              </p:ext>
+            </p:extLst>
+          </p:nvPr>
+        </p:nvGraphicFramePr>
+        <p:xfrm>
+          <a:off x="858838" y="431800"/>
+          <a:ext cx="7375525" cy="2062163"/>
+        </p:xfrm>
+        <a:graphic>
+          <a:graphicData uri="http://schemas.openxmlformats.org/presentationml/2006/ole">
+            <mc:AlternateContent xmlns:mc="http://schemas.openxmlformats.org/markup-compatibility/2006">
+              <mc:Choice xmlns:v="urn:schemas-microsoft-com:vml" Requires="v">
+                <p:oleObj spid="_x0000_s500749" name="Equation" r:id="rId5" imgW="1498600" imgH="419100" progId="Equation.DSMT4">
+                  <p:embed/>
+                </p:oleObj>
+              </mc:Choice>
+              <mc:Fallback>
+                <p:oleObj name="Equation" r:id="rId5" imgW="1498600" imgH="419100" progId="Equation.DSMT4">
+                  <p:embed/>
+                  <p:pic>
+                    <p:nvPicPr>
+                      <p:cNvPr id="0" name=""/>
+                      <p:cNvPicPr/>
+                      <p:nvPr/>
+                    </p:nvPicPr>
+                    <p:blipFill>
+                      <a:blip r:embed="rId6"/>
+                      <a:stretch>
+                        <a:fillRect/>
+                      </a:stretch>
+                    </p:blipFill>
+                    <p:spPr>
+                      <a:xfrm>
+                        <a:off x="858838" y="431800"/>
+                        <a:ext cx="7375525" cy="2062163"/>
+                      </a:xfrm>
+                      <a:prstGeom prst="rect">
+                        <a:avLst/>
+                      </a:prstGeom>
+                    </p:spPr>
+                  </p:pic>
+                </p:oleObj>
+              </mc:Fallback>
+            </mc:AlternateContent>
+          </a:graphicData>
+        </a:graphic>
+      </p:graphicFrame>
+      <p:sp>
+        <p:nvSpPr>
+          <p:cNvPr id="726019" name="Rectangle 3"/>
+          <p:cNvSpPr>
+            <a:spLocks noGrp="1" noChangeArrowheads="1"/>
+          </p:cNvSpPr>
+          <p:nvPr>
+            <p:ph type="body" idx="1"/>
+          </p:nvPr>
+        </p:nvSpPr>
+        <p:spPr>
+          <a:xfrm>
+            <a:off x="381049" y="2447010"/>
+            <a:ext cx="8433790" cy="3320297"/>
+          </a:xfrm>
+        </p:spPr>
+        <p:txBody>
+          <a:bodyPr/>
+          <a:lstStyle/>
+          <a:p>
+            <a:pPr eaLnBrk="1" hangingPunct="1">
+              <a:lnSpc>
+                <a:spcPct val="90000"/>
+              </a:lnSpc>
+              <a:buFontTx/>
+              <a:buNone/>
+            </a:pPr>
+            <a:r>
+              <a:rPr lang="en-US" sz="4400" dirty="0" smtClean="0">
+                <a:solidFill>
+                  <a:srgbClr val="0000FF"/>
+                </a:solidFill>
+                <a:cs typeface="Times New Roman" pitchFamily="18" charset="0"/>
+              </a:rPr>
+              <a:t>R</a:t>
+            </a:r>
+            <a:r>
+              <a:rPr lang="en-US" sz="4400" dirty="0" smtClean="0">
+                <a:cs typeface="Times New Roman" pitchFamily="18" charset="0"/>
+              </a:rPr>
+              <a:t> probably not many </a:t>
+            </a:r>
+            <a:r>
+              <a:rPr lang="el-GR" sz="4400" dirty="0" smtClean="0">
+                <a:solidFill>
+                  <a:srgbClr val="008000"/>
+                </a:solidFill>
+                <a:cs typeface="Times New Roman" pitchFamily="18" charset="0"/>
+              </a:rPr>
+              <a:t>σ</a:t>
+            </a:r>
+            <a:r>
+              <a:rPr lang="en-US" sz="4400" dirty="0" smtClean="0">
+                <a:cs typeface="Times New Roman" pitchFamily="18" charset="0"/>
+              </a:rPr>
+              <a:t>’s from </a:t>
+            </a:r>
+            <a:r>
+              <a:rPr lang="en-US" sz="4400" dirty="0" err="1" smtClean="0">
+                <a:solidFill>
+                  <a:srgbClr val="0000FF"/>
+                </a:solidFill>
+                <a:latin typeface="Symbol" pitchFamily="18" charset="2"/>
+                <a:cs typeface="Times New Roman" pitchFamily="18" charset="0"/>
+                <a:sym typeface="Symbol" pitchFamily="18" charset="2"/>
+              </a:rPr>
+              <a:t>μ</a:t>
+            </a:r>
+            <a:r>
+              <a:rPr lang="en-US" sz="4400" dirty="0" smtClean="0">
+                <a:latin typeface="Symbol" pitchFamily="18" charset="2"/>
+                <a:cs typeface="Times New Roman" pitchFamily="18" charset="0"/>
+                <a:sym typeface="Symbol" pitchFamily="18" charset="2"/>
+              </a:rPr>
+              <a:t>: </a:t>
+            </a:r>
+          </a:p>
+          <a:p>
+            <a:pPr eaLnBrk="1" hangingPunct="1">
+              <a:lnSpc>
+                <a:spcPct val="65000"/>
+              </a:lnSpc>
+              <a:buFontTx/>
+              <a:buNone/>
+            </a:pPr>
+            <a:r>
+              <a:rPr lang="en-US" sz="4800" dirty="0" smtClean="0">
+                <a:cs typeface="Times New Roman" pitchFamily="18" charset="0"/>
+              </a:rPr>
+              <a:t>further than</a:t>
+            </a:r>
+            <a:r>
+              <a:rPr lang="en-US" sz="4800" dirty="0" smtClean="0">
+                <a:solidFill>
+                  <a:schemeClr val="accent2"/>
+                </a:solidFill>
+                <a:cs typeface="Times New Roman" pitchFamily="18" charset="0"/>
+              </a:rPr>
+              <a:t>   </a:t>
+            </a:r>
+            <a:r>
+              <a:rPr lang="el-GR" sz="4800" dirty="0" smtClean="0">
+                <a:solidFill>
+                  <a:srgbClr val="008000"/>
+                </a:solidFill>
+                <a:cs typeface="Times New Roman" pitchFamily="18" charset="0"/>
+              </a:rPr>
+              <a:t>σ</a:t>
+            </a:r>
+            <a:r>
+              <a:rPr lang="en-US" sz="4800" dirty="0" smtClean="0">
+                <a:cs typeface="Times New Roman" pitchFamily="18" charset="0"/>
+              </a:rPr>
+              <a:t>     Pr </a:t>
+            </a:r>
+            <a:r>
+              <a:rPr lang="en-US" sz="4800" b="1" dirty="0" smtClean="0">
+                <a:latin typeface="Times New Roman" pitchFamily="18" charset="0"/>
+                <a:cs typeface="Times New Roman" pitchFamily="18" charset="0"/>
+              </a:rPr>
+              <a:t>≤</a:t>
+            </a:r>
+            <a:r>
+              <a:rPr lang="en-US" sz="4800" dirty="0" smtClean="0">
+                <a:cs typeface="Times New Roman" pitchFamily="18" charset="0"/>
+              </a:rPr>
+              <a:t> 1</a:t>
+            </a:r>
+          </a:p>
+          <a:p>
+            <a:pPr eaLnBrk="1" hangingPunct="1">
+              <a:lnSpc>
+                <a:spcPct val="65000"/>
+              </a:lnSpc>
+              <a:buFontTx/>
+              <a:buNone/>
+            </a:pPr>
+            <a:r>
+              <a:rPr lang="en-US" sz="4800" dirty="0" smtClean="0">
+                <a:cs typeface="Times New Roman" pitchFamily="18" charset="0"/>
+              </a:rPr>
+              <a:t>                     </a:t>
+            </a:r>
+            <a:r>
+              <a:rPr lang="en-US" sz="4800" dirty="0" smtClean="0">
+                <a:solidFill>
+                  <a:srgbClr val="FF5050"/>
+                </a:solidFill>
+                <a:cs typeface="Times New Roman" pitchFamily="18" charset="0"/>
+              </a:rPr>
+              <a:t>2</a:t>
+            </a:r>
+            <a:r>
+              <a:rPr lang="el-GR" sz="4800" dirty="0" smtClean="0">
+                <a:solidFill>
+                  <a:srgbClr val="008000"/>
+                </a:solidFill>
+                <a:cs typeface="Times New Roman" pitchFamily="18" charset="0"/>
+              </a:rPr>
+              <a:t>σ</a:t>
+            </a:r>
+            <a:r>
+              <a:rPr lang="en-US" sz="4800" dirty="0" smtClean="0">
+                <a:cs typeface="Times New Roman" pitchFamily="18" charset="0"/>
+              </a:rPr>
+              <a:t>     Pr </a:t>
+            </a:r>
+            <a:r>
+              <a:rPr lang="en-US" sz="4800" b="1" dirty="0" smtClean="0">
+                <a:latin typeface="Times New Roman" pitchFamily="18" charset="0"/>
+                <a:cs typeface="Times New Roman" pitchFamily="18" charset="0"/>
+              </a:rPr>
+              <a:t>≤</a:t>
+            </a:r>
+            <a:r>
+              <a:rPr lang="en-US" sz="4800" dirty="0" smtClean="0">
+                <a:solidFill>
+                  <a:srgbClr val="0000FF"/>
+                </a:solidFill>
+                <a:cs typeface="Times New Roman" pitchFamily="18" charset="0"/>
+              </a:rPr>
+              <a:t> 1/</a:t>
+            </a:r>
+            <a:r>
+              <a:rPr lang="en-US" sz="4800" dirty="0" smtClean="0">
+                <a:solidFill>
+                  <a:srgbClr val="FF5050"/>
+                </a:solidFill>
+                <a:cs typeface="Times New Roman" pitchFamily="18" charset="0"/>
+              </a:rPr>
+              <a:t>4</a:t>
+            </a:r>
+          </a:p>
+          <a:p>
+            <a:pPr eaLnBrk="1" hangingPunct="1">
+              <a:lnSpc>
+                <a:spcPct val="65000"/>
+              </a:lnSpc>
+              <a:buFontTx/>
+              <a:buNone/>
+            </a:pPr>
+            <a:r>
+              <a:rPr lang="en-US" sz="4800" dirty="0" smtClean="0">
+                <a:cs typeface="Times New Roman" pitchFamily="18" charset="0"/>
+              </a:rPr>
+              <a:t>                    </a:t>
+            </a:r>
+            <a:r>
+              <a:rPr lang="en-US" sz="4800" dirty="0" smtClean="0">
+                <a:solidFill>
+                  <a:srgbClr val="660066"/>
+                </a:solidFill>
+                <a:cs typeface="Times New Roman" pitchFamily="18" charset="0"/>
+              </a:rPr>
+              <a:t> 3</a:t>
+            </a:r>
+            <a:r>
+              <a:rPr lang="el-GR" sz="4800" dirty="0" smtClean="0">
+                <a:solidFill>
+                  <a:srgbClr val="008000"/>
+                </a:solidFill>
+                <a:cs typeface="Times New Roman" pitchFamily="18" charset="0"/>
+              </a:rPr>
+              <a:t>σ</a:t>
+            </a:r>
+            <a:r>
+              <a:rPr lang="en-US" sz="4800" dirty="0" smtClean="0">
+                <a:cs typeface="Times New Roman" pitchFamily="18" charset="0"/>
+              </a:rPr>
+              <a:t>     Pr </a:t>
+            </a:r>
+            <a:r>
+              <a:rPr lang="en-US" sz="4800" b="1" dirty="0" smtClean="0">
+                <a:latin typeface="Times New Roman" pitchFamily="18" charset="0"/>
+                <a:cs typeface="Times New Roman" pitchFamily="18" charset="0"/>
+              </a:rPr>
+              <a:t>≤</a:t>
+            </a:r>
+            <a:r>
+              <a:rPr lang="en-US" sz="4800" dirty="0" smtClean="0">
+                <a:solidFill>
+                  <a:srgbClr val="0000FF"/>
+                </a:solidFill>
+                <a:cs typeface="Times New Roman" pitchFamily="18" charset="0"/>
+              </a:rPr>
+              <a:t> </a:t>
+            </a:r>
+            <a:r>
+              <a:rPr lang="en-US" sz="4800" dirty="0" smtClean="0">
+                <a:solidFill>
+                  <a:srgbClr val="0033CC"/>
+                </a:solidFill>
+                <a:cs typeface="Times New Roman" pitchFamily="18" charset="0"/>
+              </a:rPr>
+              <a:t>1/</a:t>
+            </a:r>
+            <a:r>
+              <a:rPr lang="en-US" sz="4800" dirty="0" smtClean="0">
+                <a:solidFill>
+                  <a:srgbClr val="660066"/>
+                </a:solidFill>
+                <a:cs typeface="Times New Roman" pitchFamily="18" charset="0"/>
+              </a:rPr>
+              <a:t>9</a:t>
+            </a:r>
+          </a:p>
+          <a:p>
+            <a:pPr eaLnBrk="1" hangingPunct="1">
+              <a:lnSpc>
+                <a:spcPct val="65000"/>
+              </a:lnSpc>
+              <a:buFontTx/>
+              <a:buNone/>
+            </a:pPr>
+            <a:r>
+              <a:rPr lang="en-US" sz="4800" dirty="0" smtClean="0">
+                <a:solidFill>
+                  <a:srgbClr val="0000FF"/>
+                </a:solidFill>
+                <a:cs typeface="Times New Roman" pitchFamily="18" charset="0"/>
+              </a:rPr>
+              <a:t>			           </a:t>
+            </a:r>
+            <a:r>
+              <a:rPr lang="en-US" sz="4800" dirty="0" smtClean="0">
+                <a:solidFill>
+                  <a:srgbClr val="FF00FF"/>
+                </a:solidFill>
+                <a:cs typeface="Times New Roman" pitchFamily="18" charset="0"/>
+              </a:rPr>
+              <a:t>4</a:t>
+            </a:r>
+            <a:r>
+              <a:rPr lang="el-GR" sz="4800" dirty="0" smtClean="0">
+                <a:solidFill>
+                  <a:srgbClr val="008000"/>
+                </a:solidFill>
+                <a:cs typeface="Times New Roman" pitchFamily="18" charset="0"/>
+              </a:rPr>
+              <a:t>σ</a:t>
+            </a:r>
+            <a:r>
+              <a:rPr lang="en-US" sz="4800" dirty="0" smtClean="0">
+                <a:cs typeface="Times New Roman" pitchFamily="18" charset="0"/>
+              </a:rPr>
+              <a:t>     Pr </a:t>
+            </a:r>
+            <a:r>
+              <a:rPr lang="en-US" sz="4800" b="1" dirty="0" smtClean="0">
+                <a:latin typeface="Times New Roman" pitchFamily="18" charset="0"/>
+                <a:cs typeface="Times New Roman" pitchFamily="18" charset="0"/>
+              </a:rPr>
+              <a:t>≤</a:t>
+            </a:r>
+            <a:r>
+              <a:rPr lang="en-US" sz="4800" dirty="0" smtClean="0">
+                <a:solidFill>
+                  <a:schemeClr val="accent2"/>
+                </a:solidFill>
+                <a:cs typeface="Times New Roman" pitchFamily="18" charset="0"/>
+              </a:rPr>
+              <a:t> </a:t>
+            </a:r>
+            <a:r>
+              <a:rPr lang="en-US" sz="4800" dirty="0" smtClean="0">
+                <a:solidFill>
+                  <a:srgbClr val="0033CC"/>
+                </a:solidFill>
+                <a:cs typeface="Times New Roman" pitchFamily="18" charset="0"/>
+              </a:rPr>
+              <a:t>1/</a:t>
+            </a:r>
+            <a:r>
+              <a:rPr lang="en-US" sz="4800" dirty="0" smtClean="0">
+                <a:solidFill>
+                  <a:srgbClr val="FF00FF"/>
+                </a:solidFill>
+                <a:cs typeface="Times New Roman" pitchFamily="18" charset="0"/>
+              </a:rPr>
+              <a:t>16</a:t>
+            </a:r>
+          </a:p>
+        </p:txBody>
+      </p:sp>
+      <p:sp>
+        <p:nvSpPr>
+          <p:cNvPr id="10" name="Rectangle 2"/>
+          <p:cNvSpPr>
+            <a:spLocks noGrp="1" noChangeArrowheads="1"/>
+          </p:cNvSpPr>
+          <p:nvPr>
+            <p:ph type="title"/>
+          </p:nvPr>
+        </p:nvSpPr>
+        <p:spPr>
+          <a:xfrm>
+            <a:off x="1917700" y="0"/>
+            <a:ext cx="5905500" cy="1206500"/>
+          </a:xfrm>
+        </p:spPr>
+        <p:txBody>
+          <a:bodyPr/>
+          <a:lstStyle/>
+          <a:p>
+            <a:pPr marL="342900" indent="-342900"/>
+            <a:r>
+              <a:rPr lang="en-US" sz="4000" dirty="0" smtClean="0">
+                <a:latin typeface="Comic Sans MS" pitchFamily="66" charset="0"/>
+              </a:rPr>
+              <a:t>Standard Deviation</a:t>
+            </a:r>
+            <a:endParaRPr lang="en-US" sz="4000" dirty="0">
+              <a:latin typeface="Comic Sans MS" pitchFamily="66" charset="0"/>
+            </a:endParaRPr>
+          </a:p>
+        </p:txBody>
+      </p:sp>
+    </p:spTree>
+    <p:custDataLst>
+      <p:tags r:id="rId2"/>
+    </p:custDataLst>
+    <p:extLst>
+      <p:ext uri="{BB962C8B-B14F-4D97-AF65-F5344CB8AC3E}">
+        <p14:creationId xmlns:p14="http://schemas.microsoft.com/office/powerpoint/2010/main" val="1539884687"/>
+      </p:ext>
+    </p:extLst>
+  </p:cSld>
+  <p:clrMapOvr>
+    <a:masterClrMapping/>
+  </p:clrMapOvr>
+  <mc:AlternateContent xmlns:mc="http://schemas.openxmlformats.org/markup-compatibility/2006" xmlns:p14="http://schemas.microsoft.com/office/powerpoint/2010/main">
+    <mc:Choice Requires="p14">
+      <p:transition spd="med" p14:dur="700" advClick="0">
+        <p:fade/>
+      </p:transition>
+    </mc:Choice>
+    <mc:Fallback xmlns="">
+      <p:transition xmlns:p14="http://schemas.microsoft.com/office/powerpoint/2010/main" spd="med" advClick="0">
+        <p:fade/>
+      </p:transition>
+    </mc:Fallback>
+  </mc:AlternateContent>
+  <p:timing>
+    <p:tnLst>
+      <p:par>
+        <p:cTn xmlns:p14="http://schemas.microsoft.com/office/powerpoint/2010/main" id="1" dur="indefinite" restart="never" nodeType="tmRoot">
+          <p:childTnLst>
+            <p:seq concurrent="1" nextAc="seek">
+              <p:cTn id="2" dur="indefinite" nodeType="mainSeq">
+                <p:childTnLst>
+                  <p:par>
+                    <p:cTn id="3" fill="hold">
+                      <p:stCondLst>
+                        <p:cond delay="indefinite"/>
+                      </p:stCondLst>
+                      <p:childTnLst>
+                        <p:par>
+                          <p:cTn id="4" fill="hold">
+                            <p:stCondLst>
+                              <p:cond delay="0"/>
+                            </p:stCondLst>
+                            <p:childTnLst>
+                              <p:par>
+                                <p:cTn id="5" presetID="10" presetClass="entr" presetSubtype="0" fill="hold" grpId="0" nodeType="clickEffect">
+                                  <p:stCondLst>
+                                    <p:cond delay="0"/>
+                                  </p:stCondLst>
+                                  <p:childTnLst>
+                                    <p:set>
+                                      <p:cBhvr>
+                                        <p:cTn id="6" dur="1" fill="hold">
+                                          <p:stCondLst>
+                                            <p:cond delay="0"/>
+                                          </p:stCondLst>
+                                        </p:cTn>
+                                        <p:tgtEl>
+                                          <p:spTgt spid="726019">
+                                            <p:txEl>
+                                              <p:pRg st="1" end="1"/>
+                                            </p:txEl>
+                                          </p:spTgt>
+                                        </p:tgtEl>
+                                        <p:attrNameLst>
+                                          <p:attrName>style.visibility</p:attrName>
+                                        </p:attrNameLst>
+                                      </p:cBhvr>
+                                      <p:to>
+                                        <p:strVal val="visible"/>
+                                      </p:to>
+                                    </p:set>
+                                    <p:animEffect transition="in" filter="fade">
+                                      <p:cBhvr>
+                                        <p:cTn id="7" dur="1000"/>
+                                        <p:tgtEl>
+                                          <p:spTgt spid="726019">
+                                            <p:txEl>
+                                              <p:pRg st="1" end="1"/>
+                                            </p:txEl>
+                                          </p:spTgt>
+                                        </p:tgtEl>
+                                      </p:cBhvr>
+                                    </p:animEffect>
+                                  </p:childTnLst>
+                                </p:cTn>
+                              </p:par>
+                            </p:childTnLst>
+                          </p:cTn>
+                        </p:par>
+                      </p:childTnLst>
+                    </p:cTn>
+                  </p:par>
+                  <p:par>
+                    <p:cTn id="8" fill="hold">
+                      <p:stCondLst>
+                        <p:cond delay="indefinite"/>
+                      </p:stCondLst>
+                      <p:childTnLst>
+                        <p:par>
+                          <p:cTn id="9" fill="hold">
+                            <p:stCondLst>
+                              <p:cond delay="0"/>
+                            </p:stCondLst>
+                            <p:childTnLst>
+                              <p:par>
+                                <p:cTn id="10" presetID="10" presetClass="entr" presetSubtype="0" fill="hold" grpId="0" nodeType="clickEffect">
+                                  <p:stCondLst>
+                                    <p:cond delay="0"/>
+                                  </p:stCondLst>
+                                  <p:childTnLst>
+                                    <p:set>
+                                      <p:cBhvr>
+                                        <p:cTn id="11" dur="1" fill="hold">
+                                          <p:stCondLst>
+                                            <p:cond delay="0"/>
+                                          </p:stCondLst>
+                                        </p:cTn>
+                                        <p:tgtEl>
+                                          <p:spTgt spid="726019">
+                                            <p:txEl>
+                                              <p:pRg st="2" end="2"/>
+                                            </p:txEl>
+                                          </p:spTgt>
+                                        </p:tgtEl>
+                                        <p:attrNameLst>
+                                          <p:attrName>style.visibility</p:attrName>
+                                        </p:attrNameLst>
+                                      </p:cBhvr>
+                                      <p:to>
+                                        <p:strVal val="visible"/>
+                                      </p:to>
+                                    </p:set>
+                                    <p:animEffect transition="in" filter="fade">
+                                      <p:cBhvr>
+                                        <p:cTn id="12" dur="1000"/>
+                                        <p:tgtEl>
+                                          <p:spTgt spid="726019">
+                                            <p:txEl>
+                                              <p:pRg st="2" end="2"/>
+                                            </p:txEl>
+                                          </p:spTgt>
+                                        </p:tgtEl>
+                                      </p:cBhvr>
+                                    </p:animEffect>
+                                  </p:childTnLst>
+                                </p:cTn>
+                              </p:par>
+                            </p:childTnLst>
+                          </p:cTn>
+                        </p:par>
+                      </p:childTnLst>
+                    </p:cTn>
+                  </p:par>
+                  <p:par>
+                    <p:cTn id="13" fill="hold">
+                      <p:stCondLst>
+                        <p:cond delay="indefinite"/>
+                      </p:stCondLst>
+                      <p:childTnLst>
+                        <p:par>
+                          <p:cTn id="14" fill="hold">
+                            <p:stCondLst>
+                              <p:cond delay="0"/>
+                            </p:stCondLst>
+                            <p:childTnLst>
+                              <p:par>
+                                <p:cTn id="15" presetID="10" presetClass="entr" presetSubtype="0" fill="hold" grpId="0" nodeType="clickEffect">
+                                  <p:stCondLst>
+                                    <p:cond delay="0"/>
+                                  </p:stCondLst>
+                                  <p:childTnLst>
+                                    <p:set>
+                                      <p:cBhvr>
+                                        <p:cTn id="16" dur="1" fill="hold">
+                                          <p:stCondLst>
+                                            <p:cond delay="0"/>
+                                          </p:stCondLst>
+                                        </p:cTn>
+                                        <p:tgtEl>
+                                          <p:spTgt spid="726019">
+                                            <p:txEl>
+                                              <p:pRg st="3" end="3"/>
+                                            </p:txEl>
+                                          </p:spTgt>
+                                        </p:tgtEl>
+                                        <p:attrNameLst>
+                                          <p:attrName>style.visibility</p:attrName>
+                                        </p:attrNameLst>
+                                      </p:cBhvr>
+                                      <p:to>
+                                        <p:strVal val="visible"/>
+                                      </p:to>
+                                    </p:set>
+                                    <p:animEffect transition="in" filter="fade">
+                                      <p:cBhvr>
+                                        <p:cTn id="17" dur="1000"/>
+                                        <p:tgtEl>
+                                          <p:spTgt spid="726019">
+                                            <p:txEl>
+                                              <p:pRg st="3" end="3"/>
+                                            </p:txEl>
+                                          </p:spTgt>
+                                        </p:tgtEl>
+                                      </p:cBhvr>
+                                    </p:animEffect>
+                                  </p:childTnLst>
+                                </p:cTn>
+                              </p:par>
+                            </p:childTnLst>
+                          </p:cTn>
+                        </p:par>
+                      </p:childTnLst>
+                    </p:cTn>
+                  </p:par>
+                  <p:par>
+                    <p:cTn id="18" fill="hold">
+                      <p:stCondLst>
+                        <p:cond delay="indefinite"/>
+                      </p:stCondLst>
+                      <p:childTnLst>
+                        <p:par>
+                          <p:cTn id="19" fill="hold">
+                            <p:stCondLst>
+                              <p:cond delay="0"/>
+                            </p:stCondLst>
+                            <p:childTnLst>
+                              <p:par>
+                                <p:cTn id="20" presetID="10" presetClass="entr" presetSubtype="0" fill="hold" grpId="0" nodeType="clickEffect">
+                                  <p:stCondLst>
+                                    <p:cond delay="0"/>
+                                  </p:stCondLst>
+                                  <p:childTnLst>
+                                    <p:set>
+                                      <p:cBhvr>
+                                        <p:cTn id="21" dur="1" fill="hold">
+                                          <p:stCondLst>
+                                            <p:cond delay="0"/>
+                                          </p:stCondLst>
+                                        </p:cTn>
+                                        <p:tgtEl>
+                                          <p:spTgt spid="726019">
+                                            <p:txEl>
+                                              <p:pRg st="4" end="4"/>
+                                            </p:txEl>
+                                          </p:spTgt>
+                                        </p:tgtEl>
+                                        <p:attrNameLst>
+                                          <p:attrName>style.visibility</p:attrName>
+                                        </p:attrNameLst>
+                                      </p:cBhvr>
+                                      <p:to>
+                                        <p:strVal val="visible"/>
+                                      </p:to>
+                                    </p:set>
+                                    <p:animEffect transition="in" filter="fade">
+                                      <p:cBhvr>
+                                        <p:cTn id="22" dur="1000"/>
+                                        <p:tgtEl>
+                                          <p:spTgt spid="726019">
+                                            <p:txEl>
+                                              <p:pRg st="4" end="4"/>
+                                            </p:txEl>
+                                          </p:spTgt>
+                                        </p:tgtEl>
+                                      </p:cBhvr>
+                                    </p:animEffect>
+                                  </p:childTnLst>
+                                </p:cTn>
+                              </p:par>
+                            </p:childTnLst>
+                          </p:cTn>
+                        </p:par>
+                      </p:childTnLst>
+                    </p:cTn>
+                  </p:par>
+                </p:childTnLst>
+              </p:cTn>
+              <p:prevCondLst>
+                <p:cond evt="onPrev" delay="0">
+                  <p:tgtEl>
+                    <p:sldTgt/>
+                  </p:tgtEl>
+                </p:cond>
+              </p:prevCondLst>
+              <p:nextCondLst>
+                <p:cond evt="onNext" delay="0">
+                  <p:tgtEl>
+                    <p:sldTgt/>
+                  </p:tgtEl>
+                </p:cond>
+              </p:nextCondLst>
+            </p:seq>
+          </p:childTnLst>
+        </p:cTn>
+      </p:par>
+    </p:tnLst>
+    <p:bldLst>
+      <p:bldP spid="726019" grpId="0" build="p"/>
+    </p:bldLst>
+  </p:timing>
+</p:sld>
+</file>
+
+<file path=ppt/slides/slide12.xml><?xml version="1.0" encoding="utf-8"?>
 <p:sld xmlns:a="http://schemas.openxmlformats.org/drawingml/2006/main" xmlns:r="http://schemas.openxmlformats.org/officeDocument/2006/relationships" xmlns:p="http://schemas.openxmlformats.org/presentationml/2006/main" show="0">
   <p:cSld>
     <p:spTree>
@@ -4335,7 +5622,7 @@
           <a:graphicData uri="http://schemas.openxmlformats.org/presentationml/2006/ole">
             <mc:AlternateContent xmlns:mc="http://schemas.openxmlformats.org/markup-compatibility/2006">
               <mc:Choice xmlns:v="urn:schemas-microsoft-com:vml" Requires="v">
-                <p:oleObj spid="_x0000_s121952" name="Equation" r:id="rId4" imgW="990600" imgH="279400" progId="Equation.DSMT4">
+                <p:oleObj spid="_x0000_s121959" name="Equation" r:id="rId4" imgW="990600" imgH="279400" progId="Equation.DSMT4">
                   <p:embed/>
                 </p:oleObj>
               </mc:Choice>
@@ -4431,7 +5718,7 @@
               <a:graphicData uri="http://schemas.openxmlformats.org/presentationml/2006/ole">
                 <mc:AlternateContent xmlns:mc="http://schemas.openxmlformats.org/markup-compatibility/2006">
                   <mc:Choice xmlns:v="urn:schemas-microsoft-com:vml" Requires="v">
-                    <p:oleObj spid="_x0000_s121953" name="Equation" r:id="rId6" imgW="152400" imgH="444500" progId="Equation.DSMT4">
+                    <p:oleObj spid="_x0000_s121960" name="Equation" r:id="rId6" imgW="152400" imgH="444500" progId="Equation.DSMT4">
                       <p:embed/>
                     </p:oleObj>
                   </mc:Choice>
@@ -5231,7 +6518,7 @@
 </p:sld>
 </file>
 
-<file path=ppt/slides/slide11.xml><?xml version="1.0" encoding="utf-8"?>
+<file path=ppt/slides/slide13.xml><?xml version="1.0" encoding="utf-8"?>
 <p:sld xmlns:a="http://schemas.openxmlformats.org/drawingml/2006/main" xmlns:r="http://schemas.openxmlformats.org/officeDocument/2006/relationships" xmlns:p="http://schemas.openxmlformats.org/presentationml/2006/main" show="0">
   <p:cSld>
     <p:spTree>
@@ -5303,7 +6590,7 @@
           <a:graphicData uri="http://schemas.openxmlformats.org/presentationml/2006/ole">
             <mc:AlternateContent xmlns:mc="http://schemas.openxmlformats.org/markup-compatibility/2006">
               <mc:Choice xmlns:v="urn:schemas-microsoft-com:vml" Requires="v">
-                <p:oleObj spid="_x0000_s8283" name="Equation" r:id="rId4" imgW="990600" imgH="279400" progId="Equation.DSMT4">
+                <p:oleObj spid="_x0000_s8290" name="Equation" r:id="rId4" imgW="990600" imgH="279400" progId="Equation.DSMT4">
                   <p:embed/>
                 </p:oleObj>
               </mc:Choice>
@@ -5373,7 +6660,7 @@
           <a:graphicData uri="http://schemas.openxmlformats.org/presentationml/2006/ole">
             <mc:AlternateContent xmlns:mc="http://schemas.openxmlformats.org/markup-compatibility/2006">
               <mc:Choice xmlns:v="urn:schemas-microsoft-com:vml" Requires="v">
-                <p:oleObj spid="_x0000_s8284" name="Equation" r:id="rId6" imgW="1460500" imgH="431800" progId="Equation.DSMT4">
+                <p:oleObj spid="_x0000_s8291" name="Equation" r:id="rId6" imgW="1460500" imgH="431800" progId="Equation.DSMT4">
                   <p:embed/>
                 </p:oleObj>
               </mc:Choice>
@@ -5434,7 +6721,7 @@
 </p:sld>
 </file>
 
-<file path=ppt/slides/slide12.xml><?xml version="1.0" encoding="utf-8"?>
+<file path=ppt/slides/slide14.xml><?xml version="1.0" encoding="utf-8"?>
 <p:sld xmlns:a="http://schemas.openxmlformats.org/drawingml/2006/main" xmlns:r="http://schemas.openxmlformats.org/officeDocument/2006/relationships" xmlns:p="http://schemas.openxmlformats.org/presentationml/2006/main" show="0">
   <p:cSld>
     <p:spTree>
@@ -5478,13 +6765,8 @@
             </a:r>
             <a:r>
               <a:rPr lang="en-US" sz="4000" dirty="0" smtClean="0"/>
-              <a:t> Bound </a:t>
-            </a:r>
-            <a:r>
-              <a:rPr lang="en-US" sz="4000" dirty="0" smtClean="0"/>
-              <a:t>(Restated)</a:t>
-            </a:r>
-            <a:endParaRPr lang="en-US" sz="4000" dirty="0" smtClean="0"/>
+              <a:t> Bound (Restated)</a:t>
+            </a:r>
           </a:p>
         </p:txBody>
       </p:sp>
@@ -5510,7 +6792,7 @@
           <a:graphicData uri="http://schemas.openxmlformats.org/presentationml/2006/ole">
             <mc:AlternateContent xmlns:mc="http://schemas.openxmlformats.org/markup-compatibility/2006">
               <mc:Choice xmlns:v="urn:schemas-microsoft-com:vml" Requires="v">
-                <p:oleObj spid="_x0000_s9312" name="Equation" r:id="rId4" imgW="1130300" imgH="228600" progId="Equation.DSMT4">
+                <p:oleObj spid="_x0000_s9322" name="Equation" r:id="rId4" imgW="1130300" imgH="228600" progId="Equation.DSMT4">
                   <p:embed/>
                 </p:oleObj>
               </mc:Choice>
@@ -5572,7 +6854,7 @@
           <a:graphicData uri="http://schemas.openxmlformats.org/presentationml/2006/ole">
             <mc:AlternateContent xmlns:mc="http://schemas.openxmlformats.org/markup-compatibility/2006">
               <mc:Choice xmlns:v="urn:schemas-microsoft-com:vml" Requires="v">
-                <p:oleObj spid="_x0000_s9313" name="Equation" r:id="rId6" imgW="787400" imgH="215900" progId="Equation.DSMT4">
+                <p:oleObj spid="_x0000_s9323" name="Equation" r:id="rId6" imgW="787400" imgH="215900" progId="Equation.DSMT4">
                   <p:embed/>
                 </p:oleObj>
               </mc:Choice>
@@ -5629,7 +6911,7 @@
           <a:graphicData uri="http://schemas.openxmlformats.org/presentationml/2006/ole">
             <mc:AlternateContent xmlns:mc="http://schemas.openxmlformats.org/markup-compatibility/2006">
               <mc:Choice xmlns:v="urn:schemas-microsoft-com:vml" Requires="v">
-                <p:oleObj spid="_x0000_s9314" name="Equation" r:id="rId8" imgW="609600" imgH="457200" progId="Equation.DSMT4">
+                <p:oleObj spid="_x0000_s9324" name="Equation" r:id="rId8" imgW="609600" imgH="457200" progId="Equation.DSMT4">
                   <p:embed/>
                 </p:oleObj>
               </mc:Choice>
@@ -5811,7 +7093,7 @@
 </p:sld>
 </file>
 
-<file path=ppt/slides/slide13.xml><?xml version="1.0" encoding="utf-8"?>
+<file path=ppt/slides/slide15.xml><?xml version="1.0" encoding="utf-8"?>
 <p:sld xmlns:a="http://schemas.openxmlformats.org/drawingml/2006/main" xmlns:r="http://schemas.openxmlformats.org/officeDocument/2006/relationships" xmlns:p="http://schemas.openxmlformats.org/presentationml/2006/main" show="0">
   <p:cSld>
     <p:spTree>
@@ -5855,13 +7137,8 @@
             </a:r>
             <a:r>
               <a:rPr lang="en-US" sz="4000" dirty="0" smtClean="0"/>
-              <a:t> Bound </a:t>
-            </a:r>
-            <a:r>
-              <a:rPr lang="en-US" sz="4000" dirty="0" smtClean="0"/>
-              <a:t>(Restated)</a:t>
-            </a:r>
-            <a:endParaRPr lang="en-US" sz="4000" dirty="0" smtClean="0"/>
+              <a:t> Bound (Restated)</a:t>
+            </a:r>
           </a:p>
         </p:txBody>
       </p:sp>
@@ -5887,7 +7164,7 @@
           <a:graphicData uri="http://schemas.openxmlformats.org/presentationml/2006/ole">
             <mc:AlternateContent xmlns:mc="http://schemas.openxmlformats.org/markup-compatibility/2006">
               <mc:Choice xmlns:v="urn:schemas-microsoft-com:vml" Requires="v">
-                <p:oleObj spid="_x0000_s1046" name="Equation" r:id="rId4" imgW="342900" imgH="469900" progId="Equation.DSMT4">
+                <p:oleObj spid="_x0000_s1056" name="Equation" r:id="rId4" imgW="342900" imgH="469900" progId="Equation.DSMT4">
                   <p:embed/>
                 </p:oleObj>
               </mc:Choice>
@@ -5944,7 +7221,7 @@
           <a:graphicData uri="http://schemas.openxmlformats.org/presentationml/2006/ole">
             <mc:AlternateContent xmlns:mc="http://schemas.openxmlformats.org/markup-compatibility/2006">
               <mc:Choice xmlns:v="urn:schemas-microsoft-com:vml" Requires="v">
-                <p:oleObj spid="_x0000_s1047" name="Equation" r:id="rId6" imgW="787400" imgH="215900" progId="Equation.DSMT4">
+                <p:oleObj spid="_x0000_s1057" name="Equation" r:id="rId6" imgW="787400" imgH="215900" progId="Equation.DSMT4">
                   <p:embed/>
                 </p:oleObj>
               </mc:Choice>
@@ -6001,7 +7278,7 @@
           <a:graphicData uri="http://schemas.openxmlformats.org/presentationml/2006/ole">
             <mc:AlternateContent xmlns:mc="http://schemas.openxmlformats.org/markup-compatibility/2006">
               <mc:Choice xmlns:v="urn:schemas-microsoft-com:vml" Requires="v">
-                <p:oleObj spid="_x0000_s1048" name="Equation" r:id="rId8" imgW="1130300" imgH="228600" progId="Equation.DSMT4">
+                <p:oleObj spid="_x0000_s1058" name="Equation" r:id="rId8" imgW="1130300" imgH="228600" progId="Equation.DSMT4">
                   <p:embed/>
                 </p:oleObj>
               </mc:Choice>
@@ -6183,7 +7460,7 @@
 </p:sld>
 </file>
 
-<file path=ppt/slides/slide14.xml><?xml version="1.0" encoding="utf-8"?>
+<file path=ppt/slides/slide16.xml><?xml version="1.0" encoding="utf-8"?>
 <p:sld xmlns:a="http://schemas.openxmlformats.org/drawingml/2006/main" xmlns:r="http://schemas.openxmlformats.org/officeDocument/2006/relationships" xmlns:p="http://schemas.openxmlformats.org/presentationml/2006/main" show="0">
   <p:cSld>
     <p:spTree>
@@ -6222,7 +7499,7 @@
           <a:graphicData uri="http://schemas.openxmlformats.org/presentationml/2006/ole">
             <mc:AlternateContent xmlns:mc="http://schemas.openxmlformats.org/markup-compatibility/2006">
               <mc:Choice xmlns:v="urn:schemas-microsoft-com:vml" Requires="v">
-                <p:oleObj spid="_x0000_s502789" name="Equation" r:id="rId5" imgW="1435100" imgH="419100" progId="Equation.DSMT4">
+                <p:oleObj spid="_x0000_s502793" name="Equation" r:id="rId5" imgW="1435100" imgH="419100" progId="Equation.DSMT4">
                   <p:embed/>
                 </p:oleObj>
               </mc:Choice>
@@ -7389,7 +8666,7 @@
           <a:graphicData uri="http://schemas.openxmlformats.org/presentationml/2006/ole">
             <mc:AlternateContent xmlns:mc="http://schemas.openxmlformats.org/markup-compatibility/2006">
               <mc:Choice xmlns:v="urn:schemas-microsoft-com:vml" Requires="v">
-                <p:oleObj spid="_x0000_s6196" name="Equation" r:id="rId5" imgW="850900" imgH="431800" progId="Equation.DSMT4">
+                <p:oleObj spid="_x0000_s6200" name="Equation" r:id="rId5" imgW="850900" imgH="431800" progId="Equation.DSMT4">
                   <p:embed/>
                 </p:oleObj>
               </mc:Choice>
@@ -8085,7 +9362,7 @@
           <a:graphicData uri="http://schemas.openxmlformats.org/presentationml/2006/ole">
             <mc:AlternateContent xmlns:mc="http://schemas.openxmlformats.org/markup-compatibility/2006">
               <mc:Choice xmlns:v="urn:schemas-microsoft-com:vml" Requires="v">
-                <p:oleObj spid="_x0000_s499742" name="Equation" r:id="rId5" imgW="1739900" imgH="419100" progId="Equation.DSMT4">
+                <p:oleObj spid="_x0000_s499749" name="Equation" r:id="rId5" imgW="1739900" imgH="419100" progId="Equation.DSMT4">
                   <p:embed/>
                 </p:oleObj>
               </mc:Choice>
@@ -8163,7 +9440,7 @@
           <a:graphicData uri="http://schemas.openxmlformats.org/presentationml/2006/ole">
             <mc:AlternateContent xmlns:mc="http://schemas.openxmlformats.org/markup-compatibility/2006">
               <mc:Choice xmlns:v="urn:schemas-microsoft-com:vml" Requires="v">
-                <p:oleObj spid="_x0000_s499743" name="Equation" r:id="rId7" imgW="1409700" imgH="266700" progId="Equation.DSMT4">
+                <p:oleObj spid="_x0000_s499750" name="Equation" r:id="rId7" imgW="1409700" imgH="266700" progId="Equation.DSMT4">
                   <p:embed/>
                 </p:oleObj>
               </mc:Choice>
@@ -8834,6 +10111,193 @@
           <a:chExt cx="0" cy="0"/>
         </a:xfrm>
       </p:grpSpPr>
+      <p:sp>
+        <p:nvSpPr>
+          <p:cNvPr id="2" name="Title 1"/>
+          <p:cNvSpPr>
+            <a:spLocks noGrp="1"/>
+          </p:cNvSpPr>
+          <p:nvPr>
+            <p:ph type="title"/>
+          </p:nvPr>
+        </p:nvSpPr>
+        <p:spPr/>
+        <p:txBody>
+          <a:bodyPr/>
+          <a:lstStyle/>
+          <a:p>
+            <a:r>
+              <a:rPr lang="en-US" sz="3600" dirty="0" smtClean="0"/>
+              <a:t>Variance of a Random Variable</a:t>
+            </a:r>
+            <a:endParaRPr lang="en-US" sz="3600" dirty="0"/>
+          </a:p>
+        </p:txBody>
+      </p:sp>
+      <p:sp>
+        <p:nvSpPr>
+          <p:cNvPr id="3" name="Content Placeholder 2"/>
+          <p:cNvSpPr>
+            <a:spLocks noGrp="1"/>
+          </p:cNvSpPr>
+          <p:nvPr>
+            <p:ph idx="1"/>
+          </p:nvPr>
+        </p:nvSpPr>
+        <p:spPr>
+          <a:xfrm>
+            <a:off x="521494" y="3073400"/>
+            <a:ext cx="8161337" cy="2044700"/>
+          </a:xfrm>
+        </p:spPr>
+        <p:txBody>
+          <a:bodyPr/>
+          <a:lstStyle/>
+          <a:p>
+            <a:pPr marL="0" indent="0">
+              <a:buNone/>
+            </a:pPr>
+            <a:r>
+              <a:rPr lang="en-US" sz="4800" dirty="0" smtClean="0"/>
+              <a:t>Variance is also called the</a:t>
+            </a:r>
+          </a:p>
+          <a:p>
+            <a:pPr marL="0" indent="0" algn="ctr">
+              <a:buNone/>
+            </a:pPr>
+            <a:r>
+              <a:rPr lang="en-US" sz="6600" dirty="0" smtClean="0">
+                <a:solidFill>
+                  <a:srgbClr val="660066"/>
+                </a:solidFill>
+              </a:rPr>
+              <a:t>mean square error</a:t>
+            </a:r>
+            <a:endParaRPr lang="en-US" sz="6600" dirty="0">
+              <a:solidFill>
+                <a:srgbClr val="660066"/>
+              </a:solidFill>
+            </a:endParaRPr>
+          </a:p>
+        </p:txBody>
+      </p:sp>
+      <p:graphicFrame>
+        <p:nvGraphicFramePr>
+          <p:cNvPr id="4" name="Object 3"/>
+          <p:cNvGraphicFramePr>
+            <a:graphicFrameLocks noChangeAspect="1"/>
+          </p:cNvGraphicFramePr>
+          <p:nvPr>
+            <p:extLst>
+              <p:ext uri="{D42A27DB-BD31-4B8C-83A1-F6EECF244321}">
+                <p14:modId xmlns:p14="http://schemas.microsoft.com/office/powerpoint/2010/main" val="2481796327"/>
+              </p:ext>
+            </p:extLst>
+          </p:nvPr>
+        </p:nvGraphicFramePr>
+        <p:xfrm>
+          <a:off x="646956" y="1346380"/>
+          <a:ext cx="7560228" cy="1430998"/>
+        </p:xfrm>
+        <a:graphic>
+          <a:graphicData uri="http://schemas.openxmlformats.org/presentationml/2006/ole">
+            <mc:AlternateContent xmlns:mc="http://schemas.openxmlformats.org/markup-compatibility/2006">
+              <mc:Choice xmlns:v="urn:schemas-microsoft-com:vml" Requires="v">
+                <p:oleObj spid="_x0000_s509956" name="Equation" r:id="rId4" imgW="1409700" imgH="266700" progId="Equation.DSMT4">
+                  <p:embed/>
+                </p:oleObj>
+              </mc:Choice>
+              <mc:Fallback>
+                <p:oleObj name="Equation" r:id="rId4" imgW="1409700" imgH="266700" progId="Equation.DSMT4">
+                  <p:embed/>
+                  <p:pic>
+                    <p:nvPicPr>
+                      <p:cNvPr id="0" name=""/>
+                      <p:cNvPicPr>
+                        <a:picLocks noChangeAspect="1" noChangeArrowheads="1"/>
+                      </p:cNvPicPr>
+                      <p:nvPr/>
+                    </p:nvPicPr>
+                    <p:blipFill>
+                      <a:blip r:embed="rId5">
+                        <a:extLst>
+                          <a:ext uri="{28A0092B-C50C-407E-A947-70E740481C1C}">
+                            <a14:useLocalDpi xmlns:a14="http://schemas.microsoft.com/office/drawing/2010/main" val="0"/>
+                          </a:ext>
+                        </a:extLst>
+                      </a:blip>
+                      <a:srcRect/>
+                      <a:stretch>
+                        <a:fillRect/>
+                      </a:stretch>
+                    </p:blipFill>
+                    <p:spPr bwMode="auto">
+                      <a:xfrm>
+                        <a:off x="646956" y="1346380"/>
+                        <a:ext cx="7560228" cy="1430998"/>
+                      </a:xfrm>
+                      <a:prstGeom prst="rect">
+                        <a:avLst/>
+                      </a:prstGeom>
+                      <a:noFill/>
+                      <a:extLst>
+                        <a:ext uri="{909E8E84-426E-40dd-AFC4-6F175D3DCCD1}">
+                          <a14:hiddenFill xmlns:a14="http://schemas.microsoft.com/office/drawing/2010/main">
+                            <a:solidFill>
+                              <a:srgbClr val="FFFFFF"/>
+                            </a:solidFill>
+                          </a14:hiddenFill>
+                        </a:ext>
+                      </a:extLst>
+                    </p:spPr>
+                  </p:pic>
+                </p:oleObj>
+              </mc:Fallback>
+            </mc:AlternateContent>
+          </a:graphicData>
+        </a:graphic>
+      </p:graphicFrame>
+    </p:spTree>
+    <p:extLst>
+      <p:ext uri="{BB962C8B-B14F-4D97-AF65-F5344CB8AC3E}">
+        <p14:creationId xmlns:p14="http://schemas.microsoft.com/office/powerpoint/2010/main" val="1674833386"/>
+      </p:ext>
+    </p:extLst>
+  </p:cSld>
+  <p:clrMapOvr>
+    <a:masterClrMapping/>
+  </p:clrMapOvr>
+  <p:transition xmlns:p14="http://schemas.microsoft.com/office/powerpoint/2010/main" spd="slow" advClick="0">
+    <p:fade/>
+  </p:transition>
+  <p:timing>
+    <p:tnLst>
+      <p:par>
+        <p:cTn xmlns:p14="http://schemas.microsoft.com/office/powerpoint/2010/main" id="1" dur="indefinite" restart="never" nodeType="tmRoot"/>
+      </p:par>
+    </p:tnLst>
+  </p:timing>
+</p:sld>
+</file>
+
+<file path=ppt/slides/slide5.xml><?xml version="1.0" encoding="utf-8"?>
+<p:sld xmlns:a="http://schemas.openxmlformats.org/drawingml/2006/main" xmlns:r="http://schemas.openxmlformats.org/officeDocument/2006/relationships" xmlns:p="http://schemas.openxmlformats.org/presentationml/2006/main">
+  <p:cSld>
+    <p:spTree>
+      <p:nvGrpSpPr>
+        <p:cNvPr id="1" name=""/>
+        <p:cNvGrpSpPr/>
+        <p:nvPr/>
+      </p:nvGrpSpPr>
+      <p:grpSpPr>
+        <a:xfrm>
+          <a:off x="0" y="0"/>
+          <a:ext cx="0" cy="0"/>
+          <a:chOff x="0" y="0"/>
+          <a:chExt cx="0" cy="0"/>
+        </a:xfrm>
+      </p:grpSpPr>
       <p:graphicFrame>
         <p:nvGraphicFramePr>
           <p:cNvPr id="7170" name="Object 2"/>
@@ -8856,7 +10320,7 @@
           <a:graphicData uri="http://schemas.openxmlformats.org/presentationml/2006/ole">
             <mc:AlternateContent xmlns:mc="http://schemas.openxmlformats.org/markup-compatibility/2006">
               <mc:Choice xmlns:v="urn:schemas-microsoft-com:vml" Requires="v">
-                <p:oleObj spid="_x0000_s503819" name="Equation" r:id="rId5" imgW="1739900" imgH="419100" progId="Equation.DSMT4">
+                <p:oleObj spid="_x0000_s503830" name="Equation" r:id="rId5" imgW="1739900" imgH="419100" progId="Equation.DSMT4">
                   <p:embed/>
                 </p:oleObj>
               </mc:Choice>
@@ -8967,7 +10431,7 @@
           <a:graphicData uri="http://schemas.openxmlformats.org/presentationml/2006/ole">
             <mc:AlternateContent xmlns:mc="http://schemas.openxmlformats.org/markup-compatibility/2006">
               <mc:Choice xmlns:v="urn:schemas-microsoft-com:vml" Requires="v">
-                <p:oleObj spid="_x0000_s503820" name="Equation" r:id="rId7" imgW="990600" imgH="279400" progId="Equation.DSMT4">
+                <p:oleObj spid="_x0000_s503831" name="Equation" r:id="rId7" imgW="990600" imgH="279400" progId="Equation.DSMT4">
                   <p:embed/>
                 </p:oleObj>
               </mc:Choice>
@@ -9015,6 +10479,48 @@
           </a:graphicData>
         </a:graphic>
       </p:graphicFrame>
+      <p:sp>
+        <p:nvSpPr>
+          <p:cNvPr id="2" name="TextBox 1"/>
+          <p:cNvSpPr txBox="1"/>
+          <p:nvPr/>
+        </p:nvSpPr>
+        <p:spPr>
+          <a:xfrm>
+            <a:off x="1066800" y="5219701"/>
+            <a:ext cx="6997700" cy="1054099"/>
+          </a:xfrm>
+          <a:prstGeom prst="rect">
+            <a:avLst/>
+          </a:prstGeom>
+          <a:noFill/>
+        </p:spPr>
+        <p:txBody>
+          <a:bodyPr wrap="square" rtlCol="0">
+            <a:spAutoFit/>
+          </a:bodyPr>
+          <a:lstStyle/>
+          <a:p>
+            <a:r>
+              <a:rPr lang="en-US" sz="6000" dirty="0" smtClean="0">
+                <a:solidFill>
+                  <a:srgbClr val="008000"/>
+                </a:solidFill>
+                <a:latin typeface="Comic Sans MS"/>
+                <a:cs typeface="Comic Sans MS"/>
+              </a:rPr>
+              <a:t>standard deviation</a:t>
+            </a:r>
+            <a:endParaRPr lang="en-US" sz="6000" dirty="0" smtClean="0">
+              <a:solidFill>
+                <a:srgbClr val="008000"/>
+              </a:solidFill>
+              <a:latin typeface="Comic Sans MS"/>
+              <a:cs typeface="Comic Sans MS"/>
+            </a:endParaRPr>
+          </a:p>
+        </p:txBody>
+      </p:sp>
     </p:spTree>
     <p:custDataLst>
       <p:tags r:id="rId2"/>
@@ -9031,12 +10537,12 @@
   <mc:AlternateContent xmlns:mc="http://schemas.openxmlformats.org/markup-compatibility/2006">
     <mc:Choice xmlns:p14="http://schemas.microsoft.com/office/powerpoint/2010/main" Requires="p14">
       <p:transition spd="med" p14:dur="600" advClick="0">
-        <p:fade/>
+        <p:fade thruBlk="1"/>
       </p:transition>
     </mc:Choice>
     <mc:Fallback>
       <p:transition xmlns:p14="http://schemas.microsoft.com/office/powerpoint/2010/main" spd="med" advClick="0">
-        <p:fade/>
+        <p:fade thruBlk="1"/>
       </p:transition>
     </mc:Fallback>
   </mc:AlternateContent>
@@ -9052,9 +10558,6 @@
                     <p:cTn id="3" fill="hold">
                       <p:stCondLst>
                         <p:cond delay="indefinite"/>
-                        <p:cond evt="onBegin" delay="0">
-                          <p:tn val="2"/>
-                        </p:cond>
                       </p:stCondLst>
                       <p:childTnLst>
                         <p:par>
@@ -9064,7 +10567,7 @@
                             </p:stCondLst>
                             <p:childTnLst>
                               <p:par>
-                                <p:cTn id="5" presetID="10" presetClass="entr" presetSubtype="0" fill="hold" nodeType="afterEffect">
+                                <p:cTn id="5" presetID="10" presetClass="entr" presetSubtype="0" fill="hold" nodeType="clickEffect">
                                   <p:stCondLst>
                                     <p:cond delay="0"/>
                                   </p:stCondLst>
@@ -9104,6 +10607,59 @@
                       </p:childTnLst>
                     </p:cTn>
                   </p:par>
+                  <p:par>
+                    <p:cTn id="8" fill="hold">
+                      <p:stCondLst>
+                        <p:cond delay="indefinite"/>
+                      </p:stCondLst>
+                      <p:childTnLst>
+                        <p:par>
+                          <p:cTn id="9" fill="hold">
+                            <p:stCondLst>
+                              <p:cond delay="0"/>
+                            </p:stCondLst>
+                            <p:childTnLst>
+                              <p:par>
+                                <p:cTn id="10" presetID="10" presetClass="entr" presetSubtype="0" fill="hold" grpId="0" nodeType="clickEffect">
+                                  <p:stCondLst>
+                                    <p:cond delay="0"/>
+                                  </p:stCondLst>
+                                  <p:childTnLst>
+                                    <p:set>
+                                      <p:cBhvr>
+                                        <p:cTn id="11" dur="1" fill="hold">
+                                          <p:stCondLst>
+                                            <p:cond delay="0"/>
+                                          </p:stCondLst>
+                                        </p:cTn>
+                                        <p:tgtEl>
+                                          <p:spTgt spid="2"/>
+                                        </p:tgtEl>
+                                        <p:attrNameLst>
+                                          <p:attrName>style.visibility</p:attrName>
+                                        </p:attrNameLst>
+                                      </p:cBhvr>
+                                      <p:to>
+                                        <p:strVal val="visible"/>
+                                      </p:to>
+                                    </p:set>
+                                    <p:animEffect transition="in" filter="fade">
+                                      <p:cBhvr>
+                                        <p:cTn id="12" dur="500"/>
+                                        <p:tgtEl>
+                                          <p:spTgt spid="2"/>
+                                        </p:tgtEl>
+                                      </p:cBhvr>
+                                    </p:animEffect>
+                                  </p:childTnLst>
+                                </p:cTn>
+                              </p:par>
+                            </p:childTnLst>
+                          </p:cTn>
+                        </p:par>
+                      </p:childTnLst>
+                    </p:cTn>
+                  </p:par>
                 </p:childTnLst>
               </p:cTn>
               <p:prevCondLst>
@@ -9125,11 +10681,14 @@
         </p:cTn>
       </p:par>
     </p:tnLst>
+    <p:bldLst>
+      <p:bldP spid="2" grpId="0"/>
+    </p:bldLst>
   </p:timing>
 </p:sld>
 </file>
 
-<file path=ppt/slides/slide5.xml><?xml version="1.0" encoding="utf-8"?>
+<file path=ppt/slides/slide6.xml><?xml version="1.0" encoding="utf-8"?>
 <p:sld xmlns:a="http://schemas.openxmlformats.org/drawingml/2006/main" xmlns:r="http://schemas.openxmlformats.org/officeDocument/2006/relationships" xmlns:p="http://schemas.openxmlformats.org/presentationml/2006/main">
   <p:cSld>
     <p:spTree>
@@ -9148,117 +10707,6 @@
       </p:grpSpPr>
       <p:graphicFrame>
         <p:nvGraphicFramePr>
-          <p:cNvPr id="7170" name="Object 2"/>
-          <p:cNvGraphicFramePr>
-            <a:graphicFrameLocks noChangeAspect="1"/>
-          </p:cNvGraphicFramePr>
-          <p:nvPr>
-            <p:extLst>
-              <p:ext uri="{D42A27DB-BD31-4B8C-83A1-F6EECF244321}">
-                <p14:modId xmlns:p14="http://schemas.microsoft.com/office/powerpoint/2010/main" val="971034049"/>
-              </p:ext>
-            </p:extLst>
-          </p:nvPr>
-        </p:nvGraphicFramePr>
-        <p:xfrm>
-          <a:off x="330200" y="1069975"/>
-          <a:ext cx="7227888" cy="2338388"/>
-        </p:xfrm>
-        <a:graphic>
-          <a:graphicData uri="http://schemas.openxmlformats.org/presentationml/2006/ole">
-            <mc:AlternateContent xmlns:mc="http://schemas.openxmlformats.org/markup-compatibility/2006">
-              <mc:Choice xmlns:v="urn:schemas-microsoft-com:vml" Requires="v">
-                <p:oleObj spid="_x0000_s504843" name="Equation" r:id="rId5" imgW="1460500" imgH="431800" progId="Equation.DSMT4">
-                  <p:embed/>
-                </p:oleObj>
-              </mc:Choice>
-              <mc:Fallback>
-                <p:oleObj name="Equation" r:id="rId5" imgW="1460500" imgH="431800" progId="Equation.DSMT4">
-                  <p:embed/>
-                  <p:pic>
-                    <p:nvPicPr>
-                      <p:cNvPr id="0" name=""/>
-                      <p:cNvPicPr>
-                        <a:picLocks noChangeAspect="1" noChangeArrowheads="1"/>
-                      </p:cNvPicPr>
-                      <p:nvPr/>
-                    </p:nvPicPr>
-                    <p:blipFill>
-                      <a:blip r:embed="rId6"/>
-                      <a:srcRect/>
-                      <a:stretch>
-                        <a:fillRect/>
-                      </a:stretch>
-                    </p:blipFill>
-                    <p:spPr bwMode="auto">
-                      <a:xfrm>
-                        <a:off x="330200" y="1069975"/>
-                        <a:ext cx="7227888" cy="2338388"/>
-                      </a:xfrm>
-                      <a:prstGeom prst="rect">
-                        <a:avLst/>
-                      </a:prstGeom>
-                      <a:noFill/>
-                      <a:ln>
-                        <a:noFill/>
-                      </a:ln>
-                      <a:extLst>
-                        <a:ext uri="{909E8E84-426E-40dd-AFC4-6F175D3DCCD1}">
-                          <a14:hiddenFill xmlns:a14="http://schemas.microsoft.com/office/drawing/2010/main">
-                            <a:solidFill>
-                              <a:srgbClr val="FFFFFF"/>
-                            </a:solidFill>
-                          </a14:hiddenFill>
-                        </a:ext>
-                        <a:ext uri="{91240B29-F687-4f45-9708-019B960494DF}">
-                          <a14:hiddenLine xmlns:a14="http://schemas.microsoft.com/office/drawing/2010/main" w="41275">
-                            <a:solidFill>
-                              <a:srgbClr val="FF00FF"/>
-                            </a:solidFill>
-                            <a:prstDash val="sysDot"/>
-                            <a:miter lim="800000"/>
-                            <a:headEnd/>
-                            <a:tailEnd/>
-                          </a14:hiddenLine>
-                        </a:ext>
-                      </a:extLst>
-                    </p:spPr>
-                  </p:pic>
-                </p:oleObj>
-              </mc:Fallback>
-            </mc:AlternateContent>
-          </a:graphicData>
-        </a:graphic>
-      </p:graphicFrame>
-      <p:sp>
-        <p:nvSpPr>
-          <p:cNvPr id="7172" name="Rectangle 2"/>
-          <p:cNvSpPr>
-            <a:spLocks noGrp="1" noChangeArrowheads="1"/>
-          </p:cNvSpPr>
-          <p:nvPr>
-            <p:ph type="title"/>
-          </p:nvPr>
-        </p:nvSpPr>
-        <p:spPr/>
-        <p:txBody>
-          <a:bodyPr/>
-          <a:lstStyle/>
-          <a:p>
-            <a:pPr eaLnBrk="1" hangingPunct="1"/>
-            <a:r>
-              <a:rPr lang="en-US" sz="4400" smtClean="0">
-                <a:solidFill>
-                  <a:schemeClr val="tx1"/>
-                </a:solidFill>
-              </a:rPr>
-              <a:t>Chebyshev Bound</a:t>
-            </a:r>
-          </a:p>
-        </p:txBody>
-      </p:sp>
-      <p:graphicFrame>
-        <p:nvGraphicFramePr>
           <p:cNvPr id="7" name="Object 2"/>
           <p:cNvGraphicFramePr>
             <a:graphicFrameLocks noChangeAspect="1"/>
@@ -9266,7 +10714,7 @@
           <p:nvPr>
             <p:extLst>
               <p:ext uri="{D42A27DB-BD31-4B8C-83A1-F6EECF244321}">
-                <p14:modId xmlns:p14="http://schemas.microsoft.com/office/powerpoint/2010/main" val="2664687231"/>
+                <p14:modId xmlns:p14="http://schemas.microsoft.com/office/powerpoint/2010/main" val="766484270"/>
               </p:ext>
             </p:extLst>
           </p:nvPr>
@@ -9279,12 +10727,12 @@
           <a:graphicData uri="http://schemas.openxmlformats.org/presentationml/2006/ole">
             <mc:AlternateContent xmlns:mc="http://schemas.openxmlformats.org/markup-compatibility/2006">
               <mc:Choice xmlns:v="urn:schemas-microsoft-com:vml" Requires="v">
-                <p:oleObj spid="_x0000_s504844" name="Equation" r:id="rId7" imgW="990600" imgH="279400" progId="Equation.DSMT4">
+                <p:oleObj spid="_x0000_s512003" name="Equation" r:id="rId5" imgW="990600" imgH="279400" progId="Equation.DSMT4">
                   <p:embed/>
                 </p:oleObj>
               </mc:Choice>
               <mc:Fallback>
-                <p:oleObj name="Equation" r:id="rId7" imgW="990600" imgH="279400" progId="Equation.DSMT4">
+                <p:oleObj name="Equation" r:id="rId5" imgW="990600" imgH="279400" progId="Equation.DSMT4">
                   <p:embed/>
                   <p:pic>
                     <p:nvPicPr>
@@ -9295,7 +10743,7 @@
                       <p:nvPr/>
                     </p:nvPicPr>
                     <p:blipFill>
-                      <a:blip r:embed="rId8"/>
+                      <a:blip r:embed="rId6"/>
                       <a:srcRect/>
                       <a:stretch>
                         <a:fillRect/>
@@ -9327,13 +10775,139 @@
           </a:graphicData>
         </a:graphic>
       </p:graphicFrame>
+      <p:sp>
+        <p:nvSpPr>
+          <p:cNvPr id="2" name="TextBox 1"/>
+          <p:cNvSpPr txBox="1"/>
+          <p:nvPr/>
+        </p:nvSpPr>
+        <p:spPr>
+          <a:xfrm>
+            <a:off x="1066800" y="5219701"/>
+            <a:ext cx="6997700" cy="1054099"/>
+          </a:xfrm>
+          <a:prstGeom prst="rect">
+            <a:avLst/>
+          </a:prstGeom>
+          <a:noFill/>
+        </p:spPr>
+        <p:txBody>
+          <a:bodyPr wrap="square" rtlCol="0">
+            <a:spAutoFit/>
+          </a:bodyPr>
+          <a:lstStyle/>
+          <a:p>
+            <a:r>
+              <a:rPr lang="en-US" sz="6000" dirty="0" smtClean="0">
+                <a:solidFill>
+                  <a:srgbClr val="008000"/>
+                </a:solidFill>
+                <a:latin typeface="Comic Sans MS"/>
+                <a:cs typeface="Comic Sans MS"/>
+              </a:rPr>
+              <a:t>standard deviation</a:t>
+            </a:r>
+            <a:endParaRPr lang="en-US" sz="6000" dirty="0" smtClean="0">
+              <a:solidFill>
+                <a:srgbClr val="008000"/>
+              </a:solidFill>
+              <a:latin typeface="Comic Sans MS"/>
+              <a:cs typeface="Comic Sans MS"/>
+            </a:endParaRPr>
+          </a:p>
+        </p:txBody>
+      </p:sp>
+      <p:sp>
+        <p:nvSpPr>
+          <p:cNvPr id="6" name="Content Placeholder 2"/>
+          <p:cNvSpPr>
+            <a:spLocks noGrp="1"/>
+          </p:cNvSpPr>
+          <p:nvPr>
+            <p:ph idx="1"/>
+          </p:nvPr>
+        </p:nvSpPr>
+        <p:spPr>
+          <a:xfrm>
+            <a:off x="157163" y="952500"/>
+            <a:ext cx="8864600" cy="2908300"/>
+          </a:xfrm>
+        </p:spPr>
+        <p:txBody>
+          <a:bodyPr/>
+          <a:lstStyle/>
+          <a:p>
+            <a:pPr marL="0" indent="0">
+              <a:buNone/>
+            </a:pPr>
+            <a:r>
+              <a:rPr lang="en-US" sz="4800" dirty="0" smtClean="0"/>
+              <a:t>Standard deviation is also called the</a:t>
+            </a:r>
+          </a:p>
+          <a:p>
+            <a:pPr marL="0" indent="0" algn="ctr">
+              <a:buNone/>
+            </a:pPr>
+            <a:r>
+              <a:rPr lang="en-US" sz="6000" dirty="0" smtClean="0">
+                <a:solidFill>
+                  <a:srgbClr val="008000"/>
+                </a:solidFill>
+              </a:rPr>
+              <a:t>root</a:t>
+            </a:r>
+            <a:r>
+              <a:rPr lang="en-US" sz="6000" dirty="0" smtClean="0">
+                <a:solidFill>
+                  <a:srgbClr val="660066"/>
+                </a:solidFill>
+              </a:rPr>
+              <a:t> mean square error</a:t>
+            </a:r>
+            <a:endParaRPr lang="en-US" sz="6000" dirty="0">
+              <a:solidFill>
+                <a:srgbClr val="660066"/>
+              </a:solidFill>
+            </a:endParaRPr>
+          </a:p>
+        </p:txBody>
+      </p:sp>
+      <p:sp>
+        <p:nvSpPr>
+          <p:cNvPr id="8" name="Title 1"/>
+          <p:cNvSpPr>
+            <a:spLocks noGrp="1"/>
+          </p:cNvSpPr>
+          <p:nvPr>
+            <p:ph type="title"/>
+          </p:nvPr>
+        </p:nvSpPr>
+        <p:spPr>
+          <a:xfrm>
+            <a:off x="1447800" y="0"/>
+            <a:ext cx="7543800" cy="1143000"/>
+          </a:xfrm>
+        </p:spPr>
+        <p:txBody>
+          <a:bodyPr/>
+          <a:lstStyle/>
+          <a:p>
+            <a:r>
+              <a:rPr lang="en-US" sz="3600" dirty="0" smtClean="0"/>
+              <a:t>Standard Deviation of an RV</a:t>
+            </a:r>
+            <a:endParaRPr lang="en-US" sz="3600" dirty="0"/>
+          </a:p>
+        </p:txBody>
+      </p:sp>
     </p:spTree>
     <p:custDataLst>
       <p:tags r:id="rId2"/>
     </p:custDataLst>
     <p:extLst>
       <p:ext uri="{BB962C8B-B14F-4D97-AF65-F5344CB8AC3E}">
-        <p14:creationId xmlns:p14="http://schemas.microsoft.com/office/powerpoint/2010/main" val="3382953271"/>
+        <p14:creationId xmlns:p14="http://schemas.microsoft.com/office/powerpoint/2010/main" val="1955527094"/>
       </p:ext>
     </p:extLst>
   </p:cSld>
@@ -9343,12 +10917,12 @@
   <mc:AlternateContent xmlns:mc="http://schemas.openxmlformats.org/markup-compatibility/2006">
     <mc:Choice xmlns:p14="http://schemas.microsoft.com/office/powerpoint/2010/main" Requires="p14">
       <p:transition spd="med" p14:dur="600" advClick="0">
-        <p:fade/>
+        <p:fade thruBlk="1"/>
       </p:transition>
     </mc:Choice>
     <mc:Fallback>
       <p:transition xmlns:p14="http://schemas.microsoft.com/office/powerpoint/2010/main" spd="med" advClick="0">
-        <p:fade/>
+        <p:fade thruBlk="1"/>
       </p:transition>
     </mc:Fallback>
   </mc:AlternateContent>
@@ -9362,7 +10936,7 @@
 </p:sld>
 </file>
 
-<file path=ppt/slides/slide6.xml><?xml version="1.0" encoding="utf-8"?>
+<file path=ppt/slides/slide7.xml><?xml version="1.0" encoding="utf-8"?>
 <p:sld xmlns:a="http://schemas.openxmlformats.org/drawingml/2006/main" xmlns:r="http://schemas.openxmlformats.org/officeDocument/2006/relationships" xmlns:p="http://schemas.openxmlformats.org/presentationml/2006/main">
   <p:cSld>
     <p:spTree>
@@ -9379,33 +10953,6 @@
           <a:chExt cx="0" cy="0"/>
         </a:xfrm>
       </p:grpSpPr>
-      <p:sp>
-        <p:nvSpPr>
-          <p:cNvPr id="7172" name="Rectangle 2"/>
-          <p:cNvSpPr>
-            <a:spLocks noGrp="1" noChangeArrowheads="1"/>
-          </p:cNvSpPr>
-          <p:nvPr>
-            <p:ph type="title"/>
-          </p:nvPr>
-        </p:nvSpPr>
-        <p:spPr/>
-        <p:txBody>
-          <a:bodyPr/>
-          <a:lstStyle/>
-          <a:p>
-            <a:pPr eaLnBrk="1" hangingPunct="1"/>
-            <a:r>
-              <a:rPr lang="en-US" sz="4400" smtClean="0">
-                <a:solidFill>
-                  <a:schemeClr val="tx1"/>
-                </a:solidFill>
-              </a:rPr>
-              <a:t>Chebyshev Bound</a:t>
-            </a:r>
-          </a:p>
-        </p:txBody>
-      </p:sp>
       <p:graphicFrame>
         <p:nvGraphicFramePr>
           <p:cNvPr id="7" name="Object 2"/>
@@ -9428,7 +10975,7 @@
           <a:graphicData uri="http://schemas.openxmlformats.org/presentationml/2006/ole">
             <mc:AlternateContent xmlns:mc="http://schemas.openxmlformats.org/markup-compatibility/2006">
               <mc:Choice xmlns:v="urn:schemas-microsoft-com:vml" Requires="v">
-                <p:oleObj spid="_x0000_s505872" name="Equation" r:id="rId5" imgW="990600" imgH="279400" progId="Equation.DSMT4">
+                <p:oleObj spid="_x0000_s505882" name="Equation" r:id="rId5" imgW="990600" imgH="279400" progId="Equation.DSMT4">
                   <p:embed/>
                 </p:oleObj>
               </mc:Choice>
@@ -9990,7 +11537,7 @@
           <a:graphicData uri="http://schemas.openxmlformats.org/presentationml/2006/ole">
             <mc:AlternateContent xmlns:mc="http://schemas.openxmlformats.org/markup-compatibility/2006">
               <mc:Choice xmlns:v="urn:schemas-microsoft-com:vml" Requires="v">
-                <p:oleObj spid="_x0000_s505873" name="Equation" r:id="rId7" imgW="203200" imgH="292100" progId="Equation.DSMT4">
+                <p:oleObj spid="_x0000_s505883" name="Equation" r:id="rId7" imgW="203200" imgH="292100" progId="Equation.DSMT4">
                   <p:embed/>
                 </p:oleObj>
               </mc:Choice>
@@ -10047,7 +11594,7 @@
           <a:graphicData uri="http://schemas.openxmlformats.org/presentationml/2006/ole">
             <mc:AlternateContent xmlns:mc="http://schemas.openxmlformats.org/markup-compatibility/2006">
               <mc:Choice xmlns:v="urn:schemas-microsoft-com:vml" Requires="v">
-                <p:oleObj spid="_x0000_s505874" name="Equation" r:id="rId9" imgW="139700" imgH="393700" progId="Equation.DSMT4">
+                <p:oleObj spid="_x0000_s505884" name="Equation" r:id="rId9" imgW="139700" imgH="393700" progId="Equation.DSMT4">
                   <p:embed/>
                 </p:oleObj>
               </mc:Choice>
@@ -10111,6 +11658,34 @@
           <a:effectLst/>
         </p:spPr>
       </p:cxnSp>
+      <p:sp>
+        <p:nvSpPr>
+          <p:cNvPr id="20" name="Title 1"/>
+          <p:cNvSpPr>
+            <a:spLocks noGrp="1"/>
+          </p:cNvSpPr>
+          <p:nvPr>
+            <p:ph type="title"/>
+          </p:nvPr>
+        </p:nvSpPr>
+        <p:spPr>
+          <a:xfrm>
+            <a:off x="1447800" y="-12700"/>
+            <a:ext cx="7543800" cy="1143000"/>
+          </a:xfrm>
+        </p:spPr>
+        <p:txBody>
+          <a:bodyPr/>
+          <a:lstStyle/>
+          <a:p>
+            <a:r>
+              <a:rPr lang="en-US" sz="3600" dirty="0" smtClean="0"/>
+              <a:t>Standard Deviation of an RV</a:t>
+            </a:r>
+            <a:endParaRPr lang="en-US" sz="3600" dirty="0"/>
+          </a:p>
+        </p:txBody>
+      </p:sp>
     </p:spTree>
     <p:custDataLst>
       <p:tags r:id="rId2"/>
@@ -10124,13 +11699,13 @@
   <p:clrMapOvr>
     <a:masterClrMapping/>
   </p:clrMapOvr>
-  <mc:AlternateContent xmlns:mc="http://schemas.openxmlformats.org/markup-compatibility/2006">
-    <mc:Choice xmlns:p14="http://schemas.microsoft.com/office/powerpoint/2010/main" Requires="p14">
+  <mc:AlternateContent xmlns:mc="http://schemas.openxmlformats.org/markup-compatibility/2006" xmlns:p14="http://schemas.microsoft.com/office/powerpoint/2010/main">
+    <mc:Choice Requires="p14">
       <p:transition spd="med" p14:dur="600" advClick="0">
         <p:fade/>
       </p:transition>
     </mc:Choice>
-    <mc:Fallback>
+    <mc:Fallback xmlns="">
       <p:transition xmlns:p14="http://schemas.microsoft.com/office/powerpoint/2010/main" spd="med" advClick="0">
         <p:fade/>
       </p:transition>
@@ -10510,7 +12085,240 @@
 </p:sld>
 </file>
 
-<file path=ppt/slides/slide7.xml><?xml version="1.0" encoding="utf-8"?>
+<file path=ppt/slides/slide8.xml><?xml version="1.0" encoding="utf-8"?>
+<p:sld xmlns:a="http://schemas.openxmlformats.org/drawingml/2006/main" xmlns:r="http://schemas.openxmlformats.org/officeDocument/2006/relationships" xmlns:p="http://schemas.openxmlformats.org/presentationml/2006/main">
+  <p:cSld>
+    <p:spTree>
+      <p:nvGrpSpPr>
+        <p:cNvPr id="1" name=""/>
+        <p:cNvGrpSpPr/>
+        <p:nvPr/>
+      </p:nvGrpSpPr>
+      <p:grpSpPr>
+        <a:xfrm>
+          <a:off x="0" y="0"/>
+          <a:ext cx="0" cy="0"/>
+          <a:chOff x="0" y="0"/>
+          <a:chExt cx="0" cy="0"/>
+        </a:xfrm>
+      </p:grpSpPr>
+      <p:graphicFrame>
+        <p:nvGraphicFramePr>
+          <p:cNvPr id="7170" name="Object 2"/>
+          <p:cNvGraphicFramePr>
+            <a:graphicFrameLocks noChangeAspect="1"/>
+          </p:cNvGraphicFramePr>
+          <p:nvPr>
+            <p:extLst>
+              <p:ext uri="{D42A27DB-BD31-4B8C-83A1-F6EECF244321}">
+                <p14:modId xmlns:p14="http://schemas.microsoft.com/office/powerpoint/2010/main" val="971034049"/>
+              </p:ext>
+            </p:extLst>
+          </p:nvPr>
+        </p:nvGraphicFramePr>
+        <p:xfrm>
+          <a:off x="330200" y="1069975"/>
+          <a:ext cx="7227888" cy="2338388"/>
+        </p:xfrm>
+        <a:graphic>
+          <a:graphicData uri="http://schemas.openxmlformats.org/presentationml/2006/ole">
+            <mc:AlternateContent xmlns:mc="http://schemas.openxmlformats.org/markup-compatibility/2006">
+              <mc:Choice xmlns:v="urn:schemas-microsoft-com:vml" Requires="v">
+                <p:oleObj spid="_x0000_s504852" name="Equation" r:id="rId5" imgW="1460500" imgH="431800" progId="Equation.DSMT4">
+                  <p:embed/>
+                </p:oleObj>
+              </mc:Choice>
+              <mc:Fallback>
+                <p:oleObj name="Equation" r:id="rId5" imgW="1460500" imgH="431800" progId="Equation.DSMT4">
+                  <p:embed/>
+                  <p:pic>
+                    <p:nvPicPr>
+                      <p:cNvPr id="0" name=""/>
+                      <p:cNvPicPr>
+                        <a:picLocks noChangeAspect="1" noChangeArrowheads="1"/>
+                      </p:cNvPicPr>
+                      <p:nvPr/>
+                    </p:nvPicPr>
+                    <p:blipFill>
+                      <a:blip r:embed="rId6"/>
+                      <a:srcRect/>
+                      <a:stretch>
+                        <a:fillRect/>
+                      </a:stretch>
+                    </p:blipFill>
+                    <p:spPr bwMode="auto">
+                      <a:xfrm>
+                        <a:off x="330200" y="1069975"/>
+                        <a:ext cx="7227888" cy="2338388"/>
+                      </a:xfrm>
+                      <a:prstGeom prst="rect">
+                        <a:avLst/>
+                      </a:prstGeom>
+                      <a:noFill/>
+                      <a:ln>
+                        <a:noFill/>
+                      </a:ln>
+                      <a:extLst>
+                        <a:ext uri="{909E8E84-426E-40dd-AFC4-6F175D3DCCD1}">
+                          <a14:hiddenFill xmlns:a14="http://schemas.microsoft.com/office/drawing/2010/main">
+                            <a:solidFill>
+                              <a:srgbClr val="FFFFFF"/>
+                            </a:solidFill>
+                          </a14:hiddenFill>
+                        </a:ext>
+                        <a:ext uri="{91240B29-F687-4f45-9708-019B960494DF}">
+                          <a14:hiddenLine xmlns:a14="http://schemas.microsoft.com/office/drawing/2010/main" w="41275">
+                            <a:solidFill>
+                              <a:srgbClr val="FF00FF"/>
+                            </a:solidFill>
+                            <a:prstDash val="sysDot"/>
+                            <a:miter lim="800000"/>
+                            <a:headEnd/>
+                            <a:tailEnd/>
+                          </a14:hiddenLine>
+                        </a:ext>
+                      </a:extLst>
+                    </p:spPr>
+                  </p:pic>
+                </p:oleObj>
+              </mc:Fallback>
+            </mc:AlternateContent>
+          </a:graphicData>
+        </a:graphic>
+      </p:graphicFrame>
+      <p:sp>
+        <p:nvSpPr>
+          <p:cNvPr id="7172" name="Rectangle 2"/>
+          <p:cNvSpPr>
+            <a:spLocks noGrp="1" noChangeArrowheads="1"/>
+          </p:cNvSpPr>
+          <p:nvPr>
+            <p:ph type="title"/>
+          </p:nvPr>
+        </p:nvSpPr>
+        <p:spPr/>
+        <p:txBody>
+          <a:bodyPr/>
+          <a:lstStyle/>
+          <a:p>
+            <a:pPr eaLnBrk="1" hangingPunct="1"/>
+            <a:r>
+              <a:rPr lang="en-US" sz="4400" smtClean="0">
+                <a:solidFill>
+                  <a:schemeClr val="tx1"/>
+                </a:solidFill>
+              </a:rPr>
+              <a:t>Chebyshev Bound</a:t>
+            </a:r>
+          </a:p>
+        </p:txBody>
+      </p:sp>
+      <p:graphicFrame>
+        <p:nvGraphicFramePr>
+          <p:cNvPr id="7" name="Object 2"/>
+          <p:cNvGraphicFramePr>
+            <a:graphicFrameLocks noChangeAspect="1"/>
+          </p:cNvGraphicFramePr>
+          <p:nvPr>
+            <p:extLst>
+              <p:ext uri="{D42A27DB-BD31-4B8C-83A1-F6EECF244321}">
+                <p14:modId xmlns:p14="http://schemas.microsoft.com/office/powerpoint/2010/main" val="2664687231"/>
+              </p:ext>
+            </p:extLst>
+          </p:nvPr>
+        </p:nvGraphicFramePr>
+        <p:xfrm>
+          <a:off x="1844675" y="3771900"/>
+          <a:ext cx="5464175" cy="1538288"/>
+        </p:xfrm>
+        <a:graphic>
+          <a:graphicData uri="http://schemas.openxmlformats.org/presentationml/2006/ole">
+            <mc:AlternateContent xmlns:mc="http://schemas.openxmlformats.org/markup-compatibility/2006">
+              <mc:Choice xmlns:v="urn:schemas-microsoft-com:vml" Requires="v">
+                <p:oleObj spid="_x0000_s504853" name="Equation" r:id="rId7" imgW="990600" imgH="279400" progId="Equation.DSMT4">
+                  <p:embed/>
+                </p:oleObj>
+              </mc:Choice>
+              <mc:Fallback>
+                <p:oleObj name="Equation" r:id="rId7" imgW="990600" imgH="279400" progId="Equation.DSMT4">
+                  <p:embed/>
+                  <p:pic>
+                    <p:nvPicPr>
+                      <p:cNvPr id="0" name=""/>
+                      <p:cNvPicPr>
+                        <a:picLocks noChangeAspect="1" noChangeArrowheads="1"/>
+                      </p:cNvPicPr>
+                      <p:nvPr/>
+                    </p:nvPicPr>
+                    <p:blipFill>
+                      <a:blip r:embed="rId8"/>
+                      <a:srcRect/>
+                      <a:stretch>
+                        <a:fillRect/>
+                      </a:stretch>
+                    </p:blipFill>
+                    <p:spPr bwMode="auto">
+                      <a:xfrm>
+                        <a:off x="1844675" y="3771900"/>
+                        <a:ext cx="5464175" cy="1538288"/>
+                      </a:xfrm>
+                      <a:prstGeom prst="rect">
+                        <a:avLst/>
+                      </a:prstGeom>
+                      <a:noFill/>
+                      <a:extLst>
+                        <a:ext uri="{909E8E84-426E-40dd-AFC4-6F175D3DCCD1}">
+                          <a14:hiddenFill xmlns:a14="http://schemas.microsoft.com/office/drawing/2010/main">
+                            <a:solidFill>
+                              <a:srgbClr val="FFFFFF"/>
+                            </a:solidFill>
+                          </a14:hiddenFill>
+                        </a:ext>
+                      </a:extLst>
+                    </p:spPr>
+                  </p:pic>
+                </p:oleObj>
+              </mc:Fallback>
+            </mc:AlternateContent>
+          </a:graphicData>
+        </a:graphic>
+      </p:graphicFrame>
+    </p:spTree>
+    <p:custDataLst>
+      <p:tags r:id="rId2"/>
+    </p:custDataLst>
+    <p:extLst>
+      <p:ext uri="{BB962C8B-B14F-4D97-AF65-F5344CB8AC3E}">
+        <p14:creationId xmlns:p14="http://schemas.microsoft.com/office/powerpoint/2010/main" val="3382953271"/>
+      </p:ext>
+    </p:extLst>
+  </p:cSld>
+  <p:clrMapOvr>
+    <a:masterClrMapping/>
+  </p:clrMapOvr>
+  <mc:AlternateContent xmlns:mc="http://schemas.openxmlformats.org/markup-compatibility/2006">
+    <mc:Choice xmlns:p14="http://schemas.microsoft.com/office/powerpoint/2010/main" Requires="p14">
+      <p:transition spd="slow" p14:dur="800" advClick="0">
+        <p:fade thruBlk="1"/>
+      </p:transition>
+    </mc:Choice>
+    <mc:Fallback>
+      <p:transition xmlns:p14="http://schemas.microsoft.com/office/powerpoint/2010/main" spd="slow" advClick="0">
+        <p:fade thruBlk="1"/>
+      </p:transition>
+    </mc:Fallback>
+  </mc:AlternateContent>
+  <p:timing>
+    <p:tnLst>
+      <p:par>
+        <p:cTn xmlns:p14="http://schemas.microsoft.com/office/powerpoint/2010/main" id="1" dur="indefinite" restart="never" nodeType="tmRoot"/>
+      </p:par>
+    </p:tnLst>
+  </p:timing>
+</p:sld>
+</file>
+
+<file path=ppt/slides/slide9.xml><?xml version="1.0" encoding="utf-8"?>
 <p:sld xmlns:a="http://schemas.openxmlformats.org/drawingml/2006/main" xmlns:r="http://schemas.openxmlformats.org/officeDocument/2006/relationships" xmlns:p="http://schemas.openxmlformats.org/presentationml/2006/main">
   <p:cSld>
     <p:spTree>
@@ -10576,7 +12384,7 @@
           <a:graphicData uri="http://schemas.openxmlformats.org/presentationml/2006/ole">
             <mc:AlternateContent xmlns:mc="http://schemas.openxmlformats.org/markup-compatibility/2006">
               <mc:Choice xmlns:v="urn:schemas-microsoft-com:vml" Requires="v">
-                <p:oleObj spid="_x0000_s506889" name="Equation" r:id="rId5" imgW="990600" imgH="279400" progId="Equation.DSMT4">
+                <p:oleObj spid="_x0000_s506896" name="Equation" r:id="rId5" imgW="990600" imgH="279400" progId="Equation.DSMT4">
                   <p:embed/>
                 </p:oleObj>
               </mc:Choice>
@@ -10646,7 +12454,7 @@
           <a:graphicData uri="http://schemas.openxmlformats.org/presentationml/2006/ole">
             <mc:AlternateContent xmlns:mc="http://schemas.openxmlformats.org/markup-compatibility/2006">
               <mc:Choice xmlns:v="urn:schemas-microsoft-com:vml" Requires="v">
-                <p:oleObj spid="_x0000_s506890" name="Equation" r:id="rId7" imgW="1460500" imgH="431800" progId="Equation.DSMT4">
+                <p:oleObj spid="_x0000_s506897" name="Equation" r:id="rId7" imgW="1460500" imgH="431800" progId="Equation.DSMT4">
                   <p:embed/>
                 </p:oleObj>
               </mc:Choice>
@@ -10734,1118 +12542,6 @@
 </p:sld>
 </file>
 
-<file path=ppt/slides/slide8.xml><?xml version="1.0" encoding="utf-8"?>
-<p:sld xmlns:a="http://schemas.openxmlformats.org/drawingml/2006/main" xmlns:r="http://schemas.openxmlformats.org/officeDocument/2006/relationships" xmlns:p="http://schemas.openxmlformats.org/presentationml/2006/main">
-  <p:cSld>
-    <p:spTree>
-      <p:nvGrpSpPr>
-        <p:cNvPr id="1" name=""/>
-        <p:cNvGrpSpPr/>
-        <p:nvPr/>
-      </p:nvGrpSpPr>
-      <p:grpSpPr>
-        <a:xfrm>
-          <a:off x="0" y="0"/>
-          <a:ext cx="0" cy="0"/>
-          <a:chOff x="0" y="0"/>
-          <a:chExt cx="0" cy="0"/>
-        </a:xfrm>
-      </p:grpSpPr>
-      <p:graphicFrame>
-        <p:nvGraphicFramePr>
-          <p:cNvPr id="7170" name="Object 2"/>
-          <p:cNvGraphicFramePr>
-            <a:graphicFrameLocks noChangeAspect="1"/>
-          </p:cNvGraphicFramePr>
-          <p:nvPr>
-            <p:extLst>
-              <p:ext uri="{D42A27DB-BD31-4B8C-83A1-F6EECF244321}">
-                <p14:modId xmlns:p14="http://schemas.microsoft.com/office/powerpoint/2010/main" val="3844136160"/>
-              </p:ext>
-            </p:extLst>
-          </p:nvPr>
-        </p:nvGraphicFramePr>
-        <p:xfrm>
-          <a:off x="366713" y="1128713"/>
-          <a:ext cx="7918450" cy="2270125"/>
-        </p:xfrm>
-        <a:graphic>
-          <a:graphicData uri="http://schemas.openxmlformats.org/presentationml/2006/ole">
-            <mc:AlternateContent xmlns:mc="http://schemas.openxmlformats.org/markup-compatibility/2006">
-              <mc:Choice xmlns:v="urn:schemas-microsoft-com:vml" Requires="v">
-                <p:oleObj spid="_x0000_s507915" name="Equation" r:id="rId5" imgW="1600200" imgH="419100" progId="Equation.DSMT4">
-                  <p:embed/>
-                </p:oleObj>
-              </mc:Choice>
-              <mc:Fallback>
-                <p:oleObj name="Equation" r:id="rId5" imgW="1600200" imgH="419100" progId="Equation.DSMT4">
-                  <p:embed/>
-                  <p:pic>
-                    <p:nvPicPr>
-                      <p:cNvPr id="0" name=""/>
-                      <p:cNvPicPr>
-                        <a:picLocks noChangeAspect="1" noChangeArrowheads="1"/>
-                      </p:cNvPicPr>
-                      <p:nvPr/>
-                    </p:nvPicPr>
-                    <p:blipFill>
-                      <a:blip r:embed="rId6"/>
-                      <a:srcRect/>
-                      <a:stretch>
-                        <a:fillRect/>
-                      </a:stretch>
-                    </p:blipFill>
-                    <p:spPr bwMode="auto">
-                      <a:xfrm>
-                        <a:off x="366713" y="1128713"/>
-                        <a:ext cx="7918450" cy="2270125"/>
-                      </a:xfrm>
-                      <a:prstGeom prst="rect">
-                        <a:avLst/>
-                      </a:prstGeom>
-                      <a:noFill/>
-                      <a:ln>
-                        <a:noFill/>
-                      </a:ln>
-                      <a:extLst>
-                        <a:ext uri="{909E8E84-426E-40dd-AFC4-6F175D3DCCD1}">
-                          <a14:hiddenFill xmlns:a14="http://schemas.microsoft.com/office/drawing/2010/main">
-                            <a:solidFill>
-                              <a:srgbClr val="FFFFFF"/>
-                            </a:solidFill>
-                          </a14:hiddenFill>
-                        </a:ext>
-                        <a:ext uri="{91240B29-F687-4f45-9708-019B960494DF}">
-                          <a14:hiddenLine xmlns:a14="http://schemas.microsoft.com/office/drawing/2010/main" w="41275">
-                            <a:solidFill>
-                              <a:srgbClr val="FF00FF"/>
-                            </a:solidFill>
-                            <a:prstDash val="sysDot"/>
-                            <a:miter lim="800000"/>
-                            <a:headEnd/>
-                            <a:tailEnd/>
-                          </a14:hiddenLine>
-                        </a:ext>
-                      </a:extLst>
-                    </p:spPr>
-                  </p:pic>
-                </p:oleObj>
-              </mc:Fallback>
-            </mc:AlternateContent>
-          </a:graphicData>
-        </a:graphic>
-      </p:graphicFrame>
-      <p:graphicFrame>
-        <p:nvGraphicFramePr>
-          <p:cNvPr id="7" name="Object 2"/>
-          <p:cNvGraphicFramePr>
-            <a:graphicFrameLocks noChangeAspect="1"/>
-          </p:cNvGraphicFramePr>
-          <p:nvPr>
-            <p:extLst>
-              <p:ext uri="{D42A27DB-BD31-4B8C-83A1-F6EECF244321}">
-                <p14:modId xmlns:p14="http://schemas.microsoft.com/office/powerpoint/2010/main" val="3783457963"/>
-              </p:ext>
-            </p:extLst>
-          </p:nvPr>
-        </p:nvGraphicFramePr>
-        <p:xfrm>
-          <a:off x="1844675" y="3771900"/>
-          <a:ext cx="5464175" cy="1538288"/>
-        </p:xfrm>
-        <a:graphic>
-          <a:graphicData uri="http://schemas.openxmlformats.org/presentationml/2006/ole">
-            <mc:AlternateContent xmlns:mc="http://schemas.openxmlformats.org/markup-compatibility/2006">
-              <mc:Choice xmlns:v="urn:schemas-microsoft-com:vml" Requires="v">
-                <p:oleObj spid="_x0000_s507916" name="Equation" r:id="rId7" imgW="990600" imgH="279400" progId="Equation.DSMT4">
-                  <p:embed/>
-                </p:oleObj>
-              </mc:Choice>
-              <mc:Fallback>
-                <p:oleObj name="Equation" r:id="rId7" imgW="990600" imgH="279400" progId="Equation.DSMT4">
-                  <p:embed/>
-                  <p:pic>
-                    <p:nvPicPr>
-                      <p:cNvPr id="0" name=""/>
-                      <p:cNvPicPr>
-                        <a:picLocks noChangeAspect="1" noChangeArrowheads="1"/>
-                      </p:cNvPicPr>
-                      <p:nvPr/>
-                    </p:nvPicPr>
-                    <p:blipFill>
-                      <a:blip r:embed="rId8"/>
-                      <a:srcRect/>
-                      <a:stretch>
-                        <a:fillRect/>
-                      </a:stretch>
-                    </p:blipFill>
-                    <p:spPr bwMode="auto">
-                      <a:xfrm>
-                        <a:off x="1844675" y="3771900"/>
-                        <a:ext cx="5464175" cy="1538288"/>
-                      </a:xfrm>
-                      <a:prstGeom prst="rect">
-                        <a:avLst/>
-                      </a:prstGeom>
-                      <a:noFill/>
-                      <a:extLst>
-                        <a:ext uri="{909E8E84-426E-40dd-AFC4-6F175D3DCCD1}">
-                          <a14:hiddenFill xmlns:a14="http://schemas.microsoft.com/office/drawing/2010/main">
-                            <a:solidFill>
-                              <a:srgbClr val="FFFFFF"/>
-                            </a:solidFill>
-                          </a14:hiddenFill>
-                        </a:ext>
-                      </a:extLst>
-                    </p:spPr>
-                  </p:pic>
-                </p:oleObj>
-              </mc:Fallback>
-            </mc:AlternateContent>
-          </a:graphicData>
-        </a:graphic>
-      </p:graphicFrame>
-      <p:sp>
-        <p:nvSpPr>
-          <p:cNvPr id="6" name="Rectangle 2"/>
-          <p:cNvSpPr>
-            <a:spLocks noGrp="1" noChangeArrowheads="1"/>
-          </p:cNvSpPr>
-          <p:nvPr>
-            <p:ph type="title"/>
-          </p:nvPr>
-        </p:nvSpPr>
-        <p:spPr>
-          <a:xfrm>
-            <a:off x="1341438" y="98425"/>
-            <a:ext cx="7688262" cy="1057275"/>
-          </a:xfrm>
-        </p:spPr>
-        <p:txBody>
-          <a:bodyPr/>
-          <a:lstStyle/>
-          <a:p>
-            <a:pPr eaLnBrk="1" hangingPunct="1"/>
-            <a:r>
-              <a:rPr lang="en-US" sz="4000" dirty="0" err="1" smtClean="0"/>
-              <a:t>Chebyshev</a:t>
-            </a:r>
-            <a:r>
-              <a:rPr lang="en-US" sz="4000" dirty="0" smtClean="0"/>
-              <a:t> Bound </a:t>
-            </a:r>
-            <a:r>
-              <a:rPr lang="en-US" sz="4000" dirty="0" smtClean="0"/>
-              <a:t>(Restated)</a:t>
-            </a:r>
-            <a:endParaRPr lang="en-US" sz="4000" dirty="0" smtClean="0"/>
-          </a:p>
-        </p:txBody>
-      </p:sp>
-      <p:sp>
-        <p:nvSpPr>
-          <p:cNvPr id="8" name="Rectangle 7"/>
-          <p:cNvSpPr/>
-          <p:nvPr/>
-        </p:nvSpPr>
-        <p:spPr bwMode="auto">
-          <a:xfrm>
-            <a:off x="342900" y="1308100"/>
-            <a:ext cx="8001000" cy="2171700"/>
-          </a:xfrm>
-          <a:prstGeom prst="rect">
-            <a:avLst/>
-          </a:prstGeom>
-          <a:noFill/>
-          <a:ln w="41275" algn="ctr">
-            <a:solidFill>
-              <a:srgbClr val="FF00FF"/>
-            </a:solidFill>
-            <a:prstDash val="sysDash"/>
-            <a:miter lim="800000"/>
-            <a:headEnd/>
-            <a:tailEnd/>
-          </a:ln>
-        </p:spPr>
-        <p:txBody>
-          <a:bodyPr wrap="none" rtlCol="0" anchor="ctr"/>
-          <a:lstStyle/>
-          <a:p>
-            <a:pPr algn="ctr"/>
-            <a:endParaRPr lang="en-US"/>
-          </a:p>
-        </p:txBody>
-      </p:sp>
-    </p:spTree>
-    <p:custDataLst>
-      <p:tags r:id="rId2"/>
-    </p:custDataLst>
-    <p:extLst>
-      <p:ext uri="{BB962C8B-B14F-4D97-AF65-F5344CB8AC3E}">
-        <p14:creationId xmlns:p14="http://schemas.microsoft.com/office/powerpoint/2010/main" val="4240363593"/>
-      </p:ext>
-    </p:extLst>
-  </p:cSld>
-  <p:clrMapOvr>
-    <a:masterClrMapping/>
-  </p:clrMapOvr>
-  <mc:AlternateContent xmlns:mc="http://schemas.openxmlformats.org/markup-compatibility/2006">
-    <mc:Choice xmlns:p14="http://schemas.microsoft.com/office/powerpoint/2010/main" Requires="p14">
-      <p:transition spd="med" p14:dur="600" advClick="0">
-        <p:fade/>
-      </p:transition>
-    </mc:Choice>
-    <mc:Fallback>
-      <p:transition xmlns:p14="http://schemas.microsoft.com/office/powerpoint/2010/main" spd="med" advClick="0">
-        <p:fade/>
-      </p:transition>
-    </mc:Fallback>
-  </mc:AlternateContent>
-  <p:timing>
-    <p:tnLst>
-      <p:par>
-        <p:cTn xmlns:p14="http://schemas.microsoft.com/office/powerpoint/2010/main" id="1" dur="indefinite" restart="never" nodeType="tmRoot">
-          <p:childTnLst>
-            <p:seq concurrent="1" nextAc="seek">
-              <p:cTn id="2" dur="indefinite" nodeType="mainSeq">
-                <p:childTnLst>
-                  <p:par>
-                    <p:cTn id="3" fill="hold">
-                      <p:stCondLst>
-                        <p:cond delay="indefinite"/>
-                      </p:stCondLst>
-                      <p:childTnLst>
-                        <p:par>
-                          <p:cTn id="4" fill="hold">
-                            <p:stCondLst>
-                              <p:cond delay="0"/>
-                            </p:stCondLst>
-                            <p:childTnLst>
-                              <p:par>
-                                <p:cTn id="5" presetID="10" presetClass="entr" presetSubtype="0" fill="hold" grpId="0" nodeType="clickEffect">
-                                  <p:stCondLst>
-                                    <p:cond delay="0"/>
-                                  </p:stCondLst>
-                                  <p:childTnLst>
-                                    <p:set>
-                                      <p:cBhvr>
-                                        <p:cTn id="6" dur="1" fill="hold">
-                                          <p:stCondLst>
-                                            <p:cond delay="0"/>
-                                          </p:stCondLst>
-                                        </p:cTn>
-                                        <p:tgtEl>
-                                          <p:spTgt spid="8"/>
-                                        </p:tgtEl>
-                                        <p:attrNameLst>
-                                          <p:attrName>style.visibility</p:attrName>
-                                        </p:attrNameLst>
-                                      </p:cBhvr>
-                                      <p:to>
-                                        <p:strVal val="visible"/>
-                                      </p:to>
-                                    </p:set>
-                                    <p:animEffect transition="in" filter="fade">
-                                      <p:cBhvr>
-                                        <p:cTn id="7" dur="500"/>
-                                        <p:tgtEl>
-                                          <p:spTgt spid="8"/>
-                                        </p:tgtEl>
-                                      </p:cBhvr>
-                                    </p:animEffect>
-                                  </p:childTnLst>
-                                </p:cTn>
-                              </p:par>
-                            </p:childTnLst>
-                          </p:cTn>
-                        </p:par>
-                      </p:childTnLst>
-                    </p:cTn>
-                  </p:par>
-                </p:childTnLst>
-              </p:cTn>
-              <p:prevCondLst>
-                <p:cond evt="onPrev" delay="0">
-                  <p:tgtEl>
-                    <p:sldTgt/>
-                  </p:tgtEl>
-                </p:cond>
-              </p:prevCondLst>
-              <p:nextCondLst>
-                <p:cond evt="onNext" delay="0">
-                  <p:tgtEl>
-                    <p:sldTgt/>
-                  </p:tgtEl>
-                </p:cond>
-              </p:nextCondLst>
-            </p:seq>
-          </p:childTnLst>
-        </p:cTn>
-      </p:par>
-    </p:tnLst>
-    <p:bldLst>
-      <p:bldP spid="8" grpId="0" animBg="1"/>
-    </p:bldLst>
-  </p:timing>
-</p:sld>
-</file>
-
-<file path=ppt/slides/slide9.xml><?xml version="1.0" encoding="utf-8"?>
-<p:sld xmlns:a="http://schemas.openxmlformats.org/drawingml/2006/main" xmlns:r="http://schemas.openxmlformats.org/officeDocument/2006/relationships" xmlns:p="http://schemas.openxmlformats.org/presentationml/2006/main">
-  <p:cSld>
-    <p:spTree>
-      <p:nvGrpSpPr>
-        <p:cNvPr id="1" name=""/>
-        <p:cNvGrpSpPr/>
-        <p:nvPr/>
-      </p:nvGrpSpPr>
-      <p:grpSpPr>
-        <a:xfrm>
-          <a:off x="0" y="0"/>
-          <a:ext cx="0" cy="0"/>
-          <a:chOff x="0" y="0"/>
-          <a:chExt cx="0" cy="0"/>
-        </a:xfrm>
-      </p:grpSpPr>
-      <p:graphicFrame>
-        <p:nvGraphicFramePr>
-          <p:cNvPr id="2" name="Object 1"/>
-          <p:cNvGraphicFramePr>
-            <a:graphicFrameLocks noChangeAspect="1"/>
-          </p:cNvGraphicFramePr>
-          <p:nvPr>
-            <p:extLst>
-              <p:ext uri="{D42A27DB-BD31-4B8C-83A1-F6EECF244321}">
-                <p14:modId xmlns:p14="http://schemas.microsoft.com/office/powerpoint/2010/main" val="1382466424"/>
-              </p:ext>
-            </p:extLst>
-          </p:nvPr>
-        </p:nvGraphicFramePr>
-        <p:xfrm>
-          <a:off x="858838" y="431800"/>
-          <a:ext cx="7375525" cy="2062163"/>
-        </p:xfrm>
-        <a:graphic>
-          <a:graphicData uri="http://schemas.openxmlformats.org/presentationml/2006/ole">
-            <mc:AlternateContent xmlns:mc="http://schemas.openxmlformats.org/markup-compatibility/2006">
-              <mc:Choice xmlns:v="urn:schemas-microsoft-com:vml" Requires="v">
-                <p:oleObj spid="_x0000_s500745" name="Equation" r:id="rId5" imgW="1498600" imgH="419100" progId="Equation.DSMT4">
-                  <p:embed/>
-                </p:oleObj>
-              </mc:Choice>
-              <mc:Fallback>
-                <p:oleObj name="Equation" r:id="rId5" imgW="1498600" imgH="419100" progId="Equation.DSMT4">
-                  <p:embed/>
-                  <p:pic>
-                    <p:nvPicPr>
-                      <p:cNvPr id="0" name=""/>
-                      <p:cNvPicPr/>
-                      <p:nvPr/>
-                    </p:nvPicPr>
-                    <p:blipFill>
-                      <a:blip r:embed="rId6"/>
-                      <a:stretch>
-                        <a:fillRect/>
-                      </a:stretch>
-                    </p:blipFill>
-                    <p:spPr>
-                      <a:xfrm>
-                        <a:off x="858838" y="431800"/>
-                        <a:ext cx="7375525" cy="2062163"/>
-                      </a:xfrm>
-                      <a:prstGeom prst="rect">
-                        <a:avLst/>
-                      </a:prstGeom>
-                    </p:spPr>
-                  </p:pic>
-                </p:oleObj>
-              </mc:Fallback>
-            </mc:AlternateContent>
-          </a:graphicData>
-        </a:graphic>
-      </p:graphicFrame>
-      <p:sp>
-        <p:nvSpPr>
-          <p:cNvPr id="726019" name="Rectangle 3"/>
-          <p:cNvSpPr>
-            <a:spLocks noGrp="1" noChangeArrowheads="1"/>
-          </p:cNvSpPr>
-          <p:nvPr>
-            <p:ph type="body" idx="1"/>
-          </p:nvPr>
-        </p:nvSpPr>
-        <p:spPr>
-          <a:xfrm>
-            <a:off x="381049" y="2447010"/>
-            <a:ext cx="8433790" cy="3320297"/>
-          </a:xfrm>
-        </p:spPr>
-        <p:txBody>
-          <a:bodyPr/>
-          <a:lstStyle/>
-          <a:p>
-            <a:pPr eaLnBrk="1" hangingPunct="1">
-              <a:lnSpc>
-                <a:spcPct val="90000"/>
-              </a:lnSpc>
-              <a:buFontTx/>
-              <a:buNone/>
-            </a:pPr>
-            <a:r>
-              <a:rPr lang="en-US" sz="4400" dirty="0" smtClean="0">
-                <a:solidFill>
-                  <a:srgbClr val="0000FF"/>
-                </a:solidFill>
-                <a:cs typeface="Times New Roman" pitchFamily="18" charset="0"/>
-              </a:rPr>
-              <a:t>R</a:t>
-            </a:r>
-            <a:r>
-              <a:rPr lang="en-US" sz="4400" dirty="0" smtClean="0">
-                <a:cs typeface="Times New Roman" pitchFamily="18" charset="0"/>
-              </a:rPr>
-              <a:t> probably not many </a:t>
-            </a:r>
-            <a:r>
-              <a:rPr lang="el-GR" sz="4400" dirty="0" smtClean="0">
-                <a:solidFill>
-                  <a:srgbClr val="008000"/>
-                </a:solidFill>
-                <a:cs typeface="Times New Roman" pitchFamily="18" charset="0"/>
-              </a:rPr>
-              <a:t>σ</a:t>
-            </a:r>
-            <a:r>
-              <a:rPr lang="en-US" sz="4400" dirty="0" smtClean="0">
-                <a:cs typeface="Times New Roman" pitchFamily="18" charset="0"/>
-              </a:rPr>
-              <a:t>’s from </a:t>
-            </a:r>
-            <a:r>
-              <a:rPr lang="en-US" sz="4400" dirty="0" err="1" smtClean="0">
-                <a:solidFill>
-                  <a:srgbClr val="0000FF"/>
-                </a:solidFill>
-                <a:latin typeface="Symbol" pitchFamily="18" charset="2"/>
-                <a:cs typeface="Times New Roman" pitchFamily="18" charset="0"/>
-                <a:sym typeface="Symbol" pitchFamily="18" charset="2"/>
-              </a:rPr>
-              <a:t>μ</a:t>
-            </a:r>
-            <a:r>
-              <a:rPr lang="en-US" sz="4400" dirty="0" smtClean="0">
-                <a:latin typeface="Symbol" pitchFamily="18" charset="2"/>
-                <a:cs typeface="Times New Roman" pitchFamily="18" charset="0"/>
-                <a:sym typeface="Symbol" pitchFamily="18" charset="2"/>
-              </a:rPr>
-              <a:t>: </a:t>
-            </a:r>
-          </a:p>
-          <a:p>
-            <a:pPr eaLnBrk="1" hangingPunct="1">
-              <a:lnSpc>
-                <a:spcPct val="65000"/>
-              </a:lnSpc>
-              <a:buFontTx/>
-              <a:buNone/>
-            </a:pPr>
-            <a:r>
-              <a:rPr lang="en-US" sz="4800" dirty="0" smtClean="0">
-                <a:cs typeface="Times New Roman" pitchFamily="18" charset="0"/>
-              </a:rPr>
-              <a:t>further than</a:t>
-            </a:r>
-            <a:r>
-              <a:rPr lang="en-US" sz="4800" dirty="0" smtClean="0">
-                <a:solidFill>
-                  <a:schemeClr val="accent2"/>
-                </a:solidFill>
-                <a:cs typeface="Times New Roman" pitchFamily="18" charset="0"/>
-              </a:rPr>
-              <a:t>   </a:t>
-            </a:r>
-            <a:r>
-              <a:rPr lang="el-GR" sz="4800" dirty="0" smtClean="0">
-                <a:solidFill>
-                  <a:srgbClr val="008000"/>
-                </a:solidFill>
-                <a:cs typeface="Times New Roman" pitchFamily="18" charset="0"/>
-              </a:rPr>
-              <a:t>σ</a:t>
-            </a:r>
-            <a:r>
-              <a:rPr lang="en-US" sz="4800" dirty="0" smtClean="0">
-                <a:cs typeface="Times New Roman" pitchFamily="18" charset="0"/>
-              </a:rPr>
-              <a:t>     Pr </a:t>
-            </a:r>
-            <a:r>
-              <a:rPr lang="en-US" sz="4800" b="1" dirty="0" smtClean="0">
-                <a:latin typeface="Times New Roman" pitchFamily="18" charset="0"/>
-                <a:cs typeface="Times New Roman" pitchFamily="18" charset="0"/>
-              </a:rPr>
-              <a:t>≤</a:t>
-            </a:r>
-            <a:r>
-              <a:rPr lang="en-US" sz="4800" dirty="0" smtClean="0">
-                <a:cs typeface="Times New Roman" pitchFamily="18" charset="0"/>
-              </a:rPr>
-              <a:t> 1</a:t>
-            </a:r>
-          </a:p>
-          <a:p>
-            <a:pPr eaLnBrk="1" hangingPunct="1">
-              <a:lnSpc>
-                <a:spcPct val="65000"/>
-              </a:lnSpc>
-              <a:buFontTx/>
-              <a:buNone/>
-            </a:pPr>
-            <a:r>
-              <a:rPr lang="en-US" sz="4800" dirty="0" smtClean="0">
-                <a:cs typeface="Times New Roman" pitchFamily="18" charset="0"/>
-              </a:rPr>
-              <a:t>                     </a:t>
-            </a:r>
-            <a:r>
-              <a:rPr lang="en-US" sz="4800" dirty="0" smtClean="0">
-                <a:solidFill>
-                  <a:srgbClr val="FF5050"/>
-                </a:solidFill>
-                <a:cs typeface="Times New Roman" pitchFamily="18" charset="0"/>
-              </a:rPr>
-              <a:t>2</a:t>
-            </a:r>
-            <a:r>
-              <a:rPr lang="el-GR" sz="4800" dirty="0" smtClean="0">
-                <a:solidFill>
-                  <a:srgbClr val="008000"/>
-                </a:solidFill>
-                <a:cs typeface="Times New Roman" pitchFamily="18" charset="0"/>
-              </a:rPr>
-              <a:t>σ</a:t>
-            </a:r>
-            <a:r>
-              <a:rPr lang="en-US" sz="4800" dirty="0" smtClean="0">
-                <a:cs typeface="Times New Roman" pitchFamily="18" charset="0"/>
-              </a:rPr>
-              <a:t>     Pr </a:t>
-            </a:r>
-            <a:r>
-              <a:rPr lang="en-US" sz="4800" b="1" dirty="0" smtClean="0">
-                <a:latin typeface="Times New Roman" pitchFamily="18" charset="0"/>
-                <a:cs typeface="Times New Roman" pitchFamily="18" charset="0"/>
-              </a:rPr>
-              <a:t>≤</a:t>
-            </a:r>
-            <a:r>
-              <a:rPr lang="en-US" sz="4800" dirty="0" smtClean="0">
-                <a:solidFill>
-                  <a:srgbClr val="0000FF"/>
-                </a:solidFill>
-                <a:cs typeface="Times New Roman" pitchFamily="18" charset="0"/>
-              </a:rPr>
-              <a:t> 1/</a:t>
-            </a:r>
-            <a:r>
-              <a:rPr lang="en-US" sz="4800" dirty="0" smtClean="0">
-                <a:solidFill>
-                  <a:srgbClr val="FF5050"/>
-                </a:solidFill>
-                <a:cs typeface="Times New Roman" pitchFamily="18" charset="0"/>
-              </a:rPr>
-              <a:t>4</a:t>
-            </a:r>
-          </a:p>
-          <a:p>
-            <a:pPr eaLnBrk="1" hangingPunct="1">
-              <a:lnSpc>
-                <a:spcPct val="65000"/>
-              </a:lnSpc>
-              <a:buFontTx/>
-              <a:buNone/>
-            </a:pPr>
-            <a:r>
-              <a:rPr lang="en-US" sz="4800" dirty="0" smtClean="0">
-                <a:cs typeface="Times New Roman" pitchFamily="18" charset="0"/>
-              </a:rPr>
-              <a:t>                    </a:t>
-            </a:r>
-            <a:r>
-              <a:rPr lang="en-US" sz="4800" dirty="0" smtClean="0">
-                <a:solidFill>
-                  <a:srgbClr val="660066"/>
-                </a:solidFill>
-                <a:cs typeface="Times New Roman" pitchFamily="18" charset="0"/>
-              </a:rPr>
-              <a:t> 3</a:t>
-            </a:r>
-            <a:r>
-              <a:rPr lang="el-GR" sz="4800" dirty="0" smtClean="0">
-                <a:solidFill>
-                  <a:srgbClr val="008000"/>
-                </a:solidFill>
-                <a:cs typeface="Times New Roman" pitchFamily="18" charset="0"/>
-              </a:rPr>
-              <a:t>σ</a:t>
-            </a:r>
-            <a:r>
-              <a:rPr lang="en-US" sz="4800" dirty="0" smtClean="0">
-                <a:cs typeface="Times New Roman" pitchFamily="18" charset="0"/>
-              </a:rPr>
-              <a:t>     Pr </a:t>
-            </a:r>
-            <a:r>
-              <a:rPr lang="en-US" sz="4800" b="1" dirty="0" smtClean="0">
-                <a:latin typeface="Times New Roman" pitchFamily="18" charset="0"/>
-                <a:cs typeface="Times New Roman" pitchFamily="18" charset="0"/>
-              </a:rPr>
-              <a:t>≤</a:t>
-            </a:r>
-            <a:r>
-              <a:rPr lang="en-US" sz="4800" dirty="0" smtClean="0">
-                <a:solidFill>
-                  <a:srgbClr val="0000FF"/>
-                </a:solidFill>
-                <a:cs typeface="Times New Roman" pitchFamily="18" charset="0"/>
-              </a:rPr>
-              <a:t> </a:t>
-            </a:r>
-            <a:r>
-              <a:rPr lang="en-US" sz="4800" dirty="0" smtClean="0">
-                <a:solidFill>
-                  <a:srgbClr val="0033CC"/>
-                </a:solidFill>
-                <a:cs typeface="Times New Roman" pitchFamily="18" charset="0"/>
-              </a:rPr>
-              <a:t>1/</a:t>
-            </a:r>
-            <a:r>
-              <a:rPr lang="en-US" sz="4800" dirty="0" smtClean="0">
-                <a:solidFill>
-                  <a:srgbClr val="660066"/>
-                </a:solidFill>
-                <a:cs typeface="Times New Roman" pitchFamily="18" charset="0"/>
-              </a:rPr>
-              <a:t>9</a:t>
-            </a:r>
-          </a:p>
-          <a:p>
-            <a:pPr eaLnBrk="1" hangingPunct="1">
-              <a:lnSpc>
-                <a:spcPct val="65000"/>
-              </a:lnSpc>
-              <a:buFontTx/>
-              <a:buNone/>
-            </a:pPr>
-            <a:r>
-              <a:rPr lang="en-US" sz="4800" dirty="0" smtClean="0">
-                <a:solidFill>
-                  <a:srgbClr val="0000FF"/>
-                </a:solidFill>
-                <a:cs typeface="Times New Roman" pitchFamily="18" charset="0"/>
-              </a:rPr>
-              <a:t>			           </a:t>
-            </a:r>
-            <a:r>
-              <a:rPr lang="en-US" sz="4800" dirty="0" smtClean="0">
-                <a:solidFill>
-                  <a:srgbClr val="FF00FF"/>
-                </a:solidFill>
-                <a:cs typeface="Times New Roman" pitchFamily="18" charset="0"/>
-              </a:rPr>
-              <a:t>4</a:t>
-            </a:r>
-            <a:r>
-              <a:rPr lang="el-GR" sz="4800" dirty="0" smtClean="0">
-                <a:solidFill>
-                  <a:srgbClr val="008000"/>
-                </a:solidFill>
-                <a:cs typeface="Times New Roman" pitchFamily="18" charset="0"/>
-              </a:rPr>
-              <a:t>σ</a:t>
-            </a:r>
-            <a:r>
-              <a:rPr lang="en-US" sz="4800" dirty="0" smtClean="0">
-                <a:cs typeface="Times New Roman" pitchFamily="18" charset="0"/>
-              </a:rPr>
-              <a:t>     Pr </a:t>
-            </a:r>
-            <a:r>
-              <a:rPr lang="en-US" sz="4800" b="1" dirty="0" smtClean="0">
-                <a:latin typeface="Times New Roman" pitchFamily="18" charset="0"/>
-                <a:cs typeface="Times New Roman" pitchFamily="18" charset="0"/>
-              </a:rPr>
-              <a:t>≤</a:t>
-            </a:r>
-            <a:r>
-              <a:rPr lang="en-US" sz="4800" dirty="0" smtClean="0">
-                <a:solidFill>
-                  <a:schemeClr val="accent2"/>
-                </a:solidFill>
-                <a:cs typeface="Times New Roman" pitchFamily="18" charset="0"/>
-              </a:rPr>
-              <a:t> </a:t>
-            </a:r>
-            <a:r>
-              <a:rPr lang="en-US" sz="4800" dirty="0" smtClean="0">
-                <a:solidFill>
-                  <a:srgbClr val="0033CC"/>
-                </a:solidFill>
-                <a:cs typeface="Times New Roman" pitchFamily="18" charset="0"/>
-              </a:rPr>
-              <a:t>1/</a:t>
-            </a:r>
-            <a:r>
-              <a:rPr lang="en-US" sz="4800" dirty="0" smtClean="0">
-                <a:solidFill>
-                  <a:srgbClr val="FF00FF"/>
-                </a:solidFill>
-                <a:cs typeface="Times New Roman" pitchFamily="18" charset="0"/>
-              </a:rPr>
-              <a:t>16</a:t>
-            </a:r>
-          </a:p>
-        </p:txBody>
-      </p:sp>
-      <p:sp>
-        <p:nvSpPr>
-          <p:cNvPr id="10" name="Rectangle 2"/>
-          <p:cNvSpPr>
-            <a:spLocks noGrp="1" noChangeArrowheads="1"/>
-          </p:cNvSpPr>
-          <p:nvPr>
-            <p:ph type="title"/>
-          </p:nvPr>
-        </p:nvSpPr>
-        <p:spPr>
-          <a:xfrm>
-            <a:off x="1917700" y="0"/>
-            <a:ext cx="5905500" cy="1206500"/>
-          </a:xfrm>
-        </p:spPr>
-        <p:txBody>
-          <a:bodyPr/>
-          <a:lstStyle/>
-          <a:p>
-            <a:pPr marL="342900" indent="-342900"/>
-            <a:r>
-              <a:rPr lang="en-US" sz="4000" dirty="0" smtClean="0">
-                <a:latin typeface="Comic Sans MS" pitchFamily="66" charset="0"/>
-              </a:rPr>
-              <a:t>Standard Deviation</a:t>
-            </a:r>
-            <a:endParaRPr lang="en-US" sz="4000" dirty="0">
-              <a:latin typeface="Comic Sans MS" pitchFamily="66" charset="0"/>
-            </a:endParaRPr>
-          </a:p>
-        </p:txBody>
-      </p:sp>
-    </p:spTree>
-    <p:custDataLst>
-      <p:tags r:id="rId2"/>
-    </p:custDataLst>
-    <p:extLst>
-      <p:ext uri="{BB962C8B-B14F-4D97-AF65-F5344CB8AC3E}">
-        <p14:creationId xmlns:p14="http://schemas.microsoft.com/office/powerpoint/2010/main" val="1539884687"/>
-      </p:ext>
-    </p:extLst>
-  </p:cSld>
-  <p:clrMapOvr>
-    <a:masterClrMapping/>
-  </p:clrMapOvr>
-  <mc:AlternateContent xmlns:mc="http://schemas.openxmlformats.org/markup-compatibility/2006">
-    <mc:Choice xmlns:p14="http://schemas.microsoft.com/office/powerpoint/2010/main" Requires="p14">
-      <p:transition spd="med" p14:dur="700" advClick="0">
-        <p:fade/>
-      </p:transition>
-    </mc:Choice>
-    <mc:Fallback>
-      <p:transition xmlns:p14="http://schemas.microsoft.com/office/powerpoint/2010/main" spd="med" advClick="0">
-        <p:fade/>
-      </p:transition>
-    </mc:Fallback>
-  </mc:AlternateContent>
-  <p:timing>
-    <p:tnLst>
-      <p:par>
-        <p:cTn xmlns:p14="http://schemas.microsoft.com/office/powerpoint/2010/main" id="1" dur="indefinite" restart="never" nodeType="tmRoot">
-          <p:childTnLst>
-            <p:seq concurrent="1" nextAc="seek">
-              <p:cTn id="2" dur="indefinite" nodeType="mainSeq">
-                <p:childTnLst>
-                  <p:par>
-                    <p:cTn id="3" fill="hold">
-                      <p:stCondLst>
-                        <p:cond delay="indefinite"/>
-                      </p:stCondLst>
-                      <p:childTnLst>
-                        <p:par>
-                          <p:cTn id="4" fill="hold">
-                            <p:stCondLst>
-                              <p:cond delay="0"/>
-                            </p:stCondLst>
-                            <p:childTnLst>
-                              <p:par>
-                                <p:cTn id="5" presetID="10" presetClass="entr" presetSubtype="0" fill="hold" grpId="0" nodeType="clickEffect">
-                                  <p:stCondLst>
-                                    <p:cond delay="0"/>
-                                  </p:stCondLst>
-                                  <p:childTnLst>
-                                    <p:set>
-                                      <p:cBhvr>
-                                        <p:cTn id="6" dur="1" fill="hold">
-                                          <p:stCondLst>
-                                            <p:cond delay="0"/>
-                                          </p:stCondLst>
-                                        </p:cTn>
-                                        <p:tgtEl>
-                                          <p:spTgt spid="726019">
-                                            <p:txEl>
-                                              <p:pRg st="1" end="1"/>
-                                            </p:txEl>
-                                          </p:spTgt>
-                                        </p:tgtEl>
-                                        <p:attrNameLst>
-                                          <p:attrName>style.visibility</p:attrName>
-                                        </p:attrNameLst>
-                                      </p:cBhvr>
-                                      <p:to>
-                                        <p:strVal val="visible"/>
-                                      </p:to>
-                                    </p:set>
-                                    <p:animEffect transition="in" filter="fade">
-                                      <p:cBhvr>
-                                        <p:cTn id="7" dur="1000"/>
-                                        <p:tgtEl>
-                                          <p:spTgt spid="726019">
-                                            <p:txEl>
-                                              <p:pRg st="1" end="1"/>
-                                            </p:txEl>
-                                          </p:spTgt>
-                                        </p:tgtEl>
-                                      </p:cBhvr>
-                                    </p:animEffect>
-                                  </p:childTnLst>
-                                </p:cTn>
-                              </p:par>
-                            </p:childTnLst>
-                          </p:cTn>
-                        </p:par>
-                      </p:childTnLst>
-                    </p:cTn>
-                  </p:par>
-                  <p:par>
-                    <p:cTn id="8" fill="hold">
-                      <p:stCondLst>
-                        <p:cond delay="indefinite"/>
-                      </p:stCondLst>
-                      <p:childTnLst>
-                        <p:par>
-                          <p:cTn id="9" fill="hold">
-                            <p:stCondLst>
-                              <p:cond delay="0"/>
-                            </p:stCondLst>
-                            <p:childTnLst>
-                              <p:par>
-                                <p:cTn id="10" presetID="10" presetClass="entr" presetSubtype="0" fill="hold" grpId="0" nodeType="clickEffect">
-                                  <p:stCondLst>
-                                    <p:cond delay="0"/>
-                                  </p:stCondLst>
-                                  <p:childTnLst>
-                                    <p:set>
-                                      <p:cBhvr>
-                                        <p:cTn id="11" dur="1" fill="hold">
-                                          <p:stCondLst>
-                                            <p:cond delay="0"/>
-                                          </p:stCondLst>
-                                        </p:cTn>
-                                        <p:tgtEl>
-                                          <p:spTgt spid="726019">
-                                            <p:txEl>
-                                              <p:pRg st="2" end="2"/>
-                                            </p:txEl>
-                                          </p:spTgt>
-                                        </p:tgtEl>
-                                        <p:attrNameLst>
-                                          <p:attrName>style.visibility</p:attrName>
-                                        </p:attrNameLst>
-                                      </p:cBhvr>
-                                      <p:to>
-                                        <p:strVal val="visible"/>
-                                      </p:to>
-                                    </p:set>
-                                    <p:animEffect transition="in" filter="fade">
-                                      <p:cBhvr>
-                                        <p:cTn id="12" dur="1000"/>
-                                        <p:tgtEl>
-                                          <p:spTgt spid="726019">
-                                            <p:txEl>
-                                              <p:pRg st="2" end="2"/>
-                                            </p:txEl>
-                                          </p:spTgt>
-                                        </p:tgtEl>
-                                      </p:cBhvr>
-                                    </p:animEffect>
-                                  </p:childTnLst>
-                                </p:cTn>
-                              </p:par>
-                            </p:childTnLst>
-                          </p:cTn>
-                        </p:par>
-                      </p:childTnLst>
-                    </p:cTn>
-                  </p:par>
-                  <p:par>
-                    <p:cTn id="13" fill="hold">
-                      <p:stCondLst>
-                        <p:cond delay="indefinite"/>
-                      </p:stCondLst>
-                      <p:childTnLst>
-                        <p:par>
-                          <p:cTn id="14" fill="hold">
-                            <p:stCondLst>
-                              <p:cond delay="0"/>
-                            </p:stCondLst>
-                            <p:childTnLst>
-                              <p:par>
-                                <p:cTn id="15" presetID="10" presetClass="entr" presetSubtype="0" fill="hold" grpId="0" nodeType="clickEffect">
-                                  <p:stCondLst>
-                                    <p:cond delay="0"/>
-                                  </p:stCondLst>
-                                  <p:childTnLst>
-                                    <p:set>
-                                      <p:cBhvr>
-                                        <p:cTn id="16" dur="1" fill="hold">
-                                          <p:stCondLst>
-                                            <p:cond delay="0"/>
-                                          </p:stCondLst>
-                                        </p:cTn>
-                                        <p:tgtEl>
-                                          <p:spTgt spid="726019">
-                                            <p:txEl>
-                                              <p:pRg st="3" end="3"/>
-                                            </p:txEl>
-                                          </p:spTgt>
-                                        </p:tgtEl>
-                                        <p:attrNameLst>
-                                          <p:attrName>style.visibility</p:attrName>
-                                        </p:attrNameLst>
-                                      </p:cBhvr>
-                                      <p:to>
-                                        <p:strVal val="visible"/>
-                                      </p:to>
-                                    </p:set>
-                                    <p:animEffect transition="in" filter="fade">
-                                      <p:cBhvr>
-                                        <p:cTn id="17" dur="1000"/>
-                                        <p:tgtEl>
-                                          <p:spTgt spid="726019">
-                                            <p:txEl>
-                                              <p:pRg st="3" end="3"/>
-                                            </p:txEl>
-                                          </p:spTgt>
-                                        </p:tgtEl>
-                                      </p:cBhvr>
-                                    </p:animEffect>
-                                  </p:childTnLst>
-                                </p:cTn>
-                              </p:par>
-                            </p:childTnLst>
-                          </p:cTn>
-                        </p:par>
-                      </p:childTnLst>
-                    </p:cTn>
-                  </p:par>
-                  <p:par>
-                    <p:cTn id="18" fill="hold">
-                      <p:stCondLst>
-                        <p:cond delay="indefinite"/>
-                      </p:stCondLst>
-                      <p:childTnLst>
-                        <p:par>
-                          <p:cTn id="19" fill="hold">
-                            <p:stCondLst>
-                              <p:cond delay="0"/>
-                            </p:stCondLst>
-                            <p:childTnLst>
-                              <p:par>
-                                <p:cTn id="20" presetID="10" presetClass="entr" presetSubtype="0" fill="hold" grpId="0" nodeType="clickEffect">
-                                  <p:stCondLst>
-                                    <p:cond delay="0"/>
-                                  </p:stCondLst>
-                                  <p:childTnLst>
-                                    <p:set>
-                                      <p:cBhvr>
-                                        <p:cTn id="21" dur="1" fill="hold">
-                                          <p:stCondLst>
-                                            <p:cond delay="0"/>
-                                          </p:stCondLst>
-                                        </p:cTn>
-                                        <p:tgtEl>
-                                          <p:spTgt spid="726019">
-                                            <p:txEl>
-                                              <p:pRg st="4" end="4"/>
-                                            </p:txEl>
-                                          </p:spTgt>
-                                        </p:tgtEl>
-                                        <p:attrNameLst>
-                                          <p:attrName>style.visibility</p:attrName>
-                                        </p:attrNameLst>
-                                      </p:cBhvr>
-                                      <p:to>
-                                        <p:strVal val="visible"/>
-                                      </p:to>
-                                    </p:set>
-                                    <p:animEffect transition="in" filter="fade">
-                                      <p:cBhvr>
-                                        <p:cTn id="22" dur="1000"/>
-                                        <p:tgtEl>
-                                          <p:spTgt spid="726019">
-                                            <p:txEl>
-                                              <p:pRg st="4" end="4"/>
-                                            </p:txEl>
-                                          </p:spTgt>
-                                        </p:tgtEl>
-                                      </p:cBhvr>
-                                    </p:animEffect>
-                                  </p:childTnLst>
-                                </p:cTn>
-                              </p:par>
-                            </p:childTnLst>
-                          </p:cTn>
-                        </p:par>
-                      </p:childTnLst>
-                    </p:cTn>
-                  </p:par>
-                </p:childTnLst>
-              </p:cTn>
-              <p:prevCondLst>
-                <p:cond evt="onPrev" delay="0">
-                  <p:tgtEl>
-                    <p:sldTgt/>
-                  </p:tgtEl>
-                </p:cond>
-              </p:prevCondLst>
-              <p:nextCondLst>
-                <p:cond evt="onNext" delay="0">
-                  <p:tgtEl>
-                    <p:sldTgt/>
-                  </p:tgtEl>
-                </p:cond>
-              </p:nextCondLst>
-            </p:seq>
-          </p:childTnLst>
-        </p:cTn>
-      </p:par>
-    </p:tnLst>
-    <p:bldLst>
-      <p:bldP spid="726019" grpId="0" uiExpand="1" build="p"/>
-    </p:bldLst>
-  </p:timing>
-</p:sld>
-</file>
-
 <file path=ppt/tags/tag1.xml><?xml version="1.0" encoding="utf-8"?>
 <p:tagLst xmlns:a="http://schemas.openxmlformats.org/drawingml/2006/main" xmlns:r="http://schemas.openxmlformats.org/officeDocument/2006/relationships" xmlns:p="http://schemas.openxmlformats.org/presentationml/2006/main">
   <p:tag name="TEX2PSBATCH" val="latex --interaction=nonstopmode %.tex; dvips -D 300 -o %.ps %.dvi"/>
@@ -11871,11 +12567,17 @@
 
 <file path=ppt/tags/tag10.xml><?xml version="1.0" encoding="utf-8"?>
 <p:tagLst xmlns:a="http://schemas.openxmlformats.org/drawingml/2006/main" xmlns:r="http://schemas.openxmlformats.org/officeDocument/2006/relationships" xmlns:p="http://schemas.openxmlformats.org/presentationml/2006/main">
+  <p:tag name="TIMING" val="|14|7.9|6.8|40.6"/>
+</p:tagLst>
+</file>
+
+<file path=ppt/tags/tag11.xml><?xml version="1.0" encoding="utf-8"?>
+<p:tagLst xmlns:a="http://schemas.openxmlformats.org/drawingml/2006/main" xmlns:r="http://schemas.openxmlformats.org/officeDocument/2006/relationships" xmlns:p="http://schemas.openxmlformats.org/presentationml/2006/main">
   <p:tag name="TIMING" val="|15.7|8.9|6.6|14|7.3"/>
 </p:tagLst>
 </file>
 
-<file path=ppt/tags/tag11.xml><?xml version="1.0" encoding="utf-8"?>
+<file path=ppt/tags/tag12.xml><?xml version="1.0" encoding="utf-8"?>
 <p:tagLst xmlns:a="http://schemas.openxmlformats.org/drawingml/2006/main" xmlns:r="http://schemas.openxmlformats.org/officeDocument/2006/relationships" xmlns:p="http://schemas.openxmlformats.org/presentationml/2006/main">
   <p:tag name="TIMING" val="|15.7|8.9|6.6|14|7.3"/>
 </p:tagLst>
